--- a/Demanda 8.pptx
+++ b/Demanda 8.pptx
@@ -109,6 +109,11 @@
       </a:defRPr>
     </a:lvl9pPr>
   </p:defaultTextStyle>
+  <p:extLst>
+    <p:ext uri="{EFAFB233-063F-42B5-8137-9DF3F51BA10A}">
+      <p15:sldGuideLst xmlns:p15="http://schemas.microsoft.com/office/powerpoint/2012/main"/>
+    </p:ext>
+  </p:extLst>
 </p:presentation>
 </file>
 
@@ -3569,7 +3574,14 @@
           <a:bodyPr/>
           <a:lstStyle/>
           <a:p>
-            <a:endParaRPr lang="es-MX"/>
+            <a:r>
+              <a:rPr lang="es-MX" dirty="0"/>
+              <a:t>Hola </a:t>
+            </a:r>
+            <a:r>
+              <a:rPr lang="es-MX"/>
+              <a:t>ya salió?</a:t>
+            </a:r>
           </a:p>
         </p:txBody>
       </p:sp>

--- a/Demanda 8.pptx
+++ b/Demanda 8.pptx
@@ -3661,7 +3661,14 @@
           <a:bodyPr/>
           <a:lstStyle/>
           <a:p>
-            <a:endParaRPr lang="es-MX"/>
+            <a:r>
+              <a:rPr lang="es-MX"/>
+              <a:t>Preuba</a:t>
+            </a:r>
+            <a:r>
+              <a:rPr lang="es-MX" dirty="0"/>
+              <a:t> 1</a:t>
+            </a:r>
           </a:p>
         </p:txBody>
       </p:sp>

--- a/Demanda 8.pptx
+++ b/Demanda 8.pptx
@@ -3662,13 +3662,14 @@
           <a:lstStyle/>
           <a:p>
             <a:r>
+              <a:rPr lang="es-MX" dirty="0" err="1"/>
+              <a:t>Preuba</a:t>
+            </a:r>
+            <a:r>
               <a:rPr lang="es-MX"/>
-              <a:t>Preuba</a:t>
-            </a:r>
-            <a:r>
-              <a:rPr lang="es-MX" dirty="0"/>
-              <a:t> 1</a:t>
-            </a:r>
+              <a:t> 2</a:t>
+            </a:r>
+            <a:endParaRPr lang="es-MX" dirty="0"/>
           </a:p>
         </p:txBody>
       </p:sp>

--- a/Demanda 8.pptx
+++ b/Demanda 8.pptx
@@ -3661,7 +3661,10 @@
           <a:bodyPr/>
           <a:lstStyle/>
           <a:p>
-            <a:endParaRPr lang="es-MX"/>
+            <a:r>
+              <a:rPr lang="es-MX"/>
+              <a:t>hola</a:t>
+            </a:r>
           </a:p>
         </p:txBody>
       </p:sp>

--- a/Demanda 8.pptx
+++ b/Demanda 8.pptx
@@ -10,7 +10,8 @@
     <p:sldId id="260" r:id="rId4"/>
     <p:sldId id="258" r:id="rId5"/>
     <p:sldId id="261" r:id="rId6"/>
-    <p:sldId id="259" r:id="rId7"/>
+    <p:sldId id="262" r:id="rId7"/>
+    <p:sldId id="259" r:id="rId8"/>
   </p:sldIdLst>
   <p:sldSz cx="12192000" cy="6858000"/>
   <p:notesSz cx="6858000" cy="9144000"/>
@@ -3555,38 +3556,6 @@
       </p:grpSpPr>
       <p:sp>
         <p:nvSpPr>
-          <p:cNvPr id="2" name="Título 1">
-            <a:extLst>
-              <a:ext uri="{FF2B5EF4-FFF2-40B4-BE49-F238E27FC236}">
-                <a16:creationId xmlns:a16="http://schemas.microsoft.com/office/drawing/2014/main" id="{221C009E-1670-4C7C-984D-A393501F36AD}"/>
-              </a:ext>
-            </a:extLst>
-          </p:cNvPr>
-          <p:cNvSpPr>
-            <a:spLocks noGrp="1"/>
-          </p:cNvSpPr>
-          <p:nvPr>
-            <p:ph type="title"/>
-          </p:nvPr>
-        </p:nvSpPr>
-        <p:spPr/>
-        <p:txBody>
-          <a:bodyPr/>
-          <a:lstStyle/>
-          <a:p>
-            <a:r>
-              <a:rPr lang="es-MX" dirty="0"/>
-              <a:t>Hola </a:t>
-            </a:r>
-            <a:r>
-              <a:rPr lang="es-MX"/>
-              <a:t>ya salió?</a:t>
-            </a:r>
-          </a:p>
-        </p:txBody>
-      </p:sp>
-      <p:sp>
-        <p:nvSpPr>
           <p:cNvPr id="3" name="Marcador de contenido 2">
             <a:extLst>
               <a:ext uri="{FF2B5EF4-FFF2-40B4-BE49-F238E27FC236}">
@@ -3607,6 +3576,31 @@
           <a:lstStyle/>
           <a:p>
             <a:endParaRPr lang="es-MX"/>
+          </a:p>
+        </p:txBody>
+      </p:sp>
+      <p:sp>
+        <p:nvSpPr>
+          <p:cNvPr id="5" name="Título 4">
+            <a:extLst>
+              <a:ext uri="{FF2B5EF4-FFF2-40B4-BE49-F238E27FC236}">
+                <a16:creationId xmlns:a16="http://schemas.microsoft.com/office/drawing/2014/main" id="{DC58445A-40D9-4488-A65E-95FBFC9D7CA6}"/>
+              </a:ext>
+            </a:extLst>
+          </p:cNvPr>
+          <p:cNvSpPr>
+            <a:spLocks noGrp="1"/>
+          </p:cNvSpPr>
+          <p:nvPr>
+            <p:ph type="title"/>
+          </p:nvPr>
+        </p:nvSpPr>
+        <p:spPr/>
+        <p:txBody>
+          <a:bodyPr/>
+          <a:lstStyle/>
+          <a:p>
+            <a:endParaRPr lang="es-MX" dirty="0"/>
           </a:p>
         </p:txBody>
       </p:sp>
@@ -3661,10 +3655,7 @@
           <a:bodyPr/>
           <a:lstStyle/>
           <a:p>
-            <a:r>
-              <a:rPr lang="es-MX"/>
-              <a:t>hola</a:t>
-            </a:r>
+            <a:endParaRPr lang="es-MX" dirty="0"/>
           </a:p>
         </p:txBody>
       </p:sp>
@@ -3877,6 +3868,165 @@
 </file>
 
 <file path=ppt/slides/slide6.xml><?xml version="1.0" encoding="utf-8"?>
+<p:sld xmlns:a="http://schemas.openxmlformats.org/drawingml/2006/main" xmlns:r="http://schemas.openxmlformats.org/officeDocument/2006/relationships" xmlns:p="http://schemas.openxmlformats.org/presentationml/2006/main">
+  <p:cSld>
+    <p:bg>
+      <p:bgPr>
+        <a:solidFill>
+          <a:schemeClr val="bg1">
+            <a:lumMod val="65000"/>
+          </a:schemeClr>
+        </a:solidFill>
+        <a:effectLst/>
+      </p:bgPr>
+    </p:bg>
+    <p:spTree>
+      <p:nvGrpSpPr>
+        <p:cNvPr id="1" name=""/>
+        <p:cNvGrpSpPr/>
+        <p:nvPr/>
+      </p:nvGrpSpPr>
+      <p:grpSpPr>
+        <a:xfrm>
+          <a:off x="0" y="0"/>
+          <a:ext cx="0" cy="0"/>
+          <a:chOff x="0" y="0"/>
+          <a:chExt cx="0" cy="0"/>
+        </a:xfrm>
+      </p:grpSpPr>
+      <p:sp>
+        <p:nvSpPr>
+          <p:cNvPr id="2" name="Título 1">
+            <a:extLst>
+              <a:ext uri="{FF2B5EF4-FFF2-40B4-BE49-F238E27FC236}">
+                <a16:creationId xmlns:a16="http://schemas.microsoft.com/office/drawing/2014/main" id="{221C009E-1670-4C7C-984D-A393501F36AD}"/>
+              </a:ext>
+            </a:extLst>
+          </p:cNvPr>
+          <p:cNvSpPr>
+            <a:spLocks noGrp="1"/>
+          </p:cNvSpPr>
+          <p:nvPr>
+            <p:ph type="title"/>
+          </p:nvPr>
+        </p:nvSpPr>
+        <p:spPr/>
+        <p:txBody>
+          <a:bodyPr/>
+          <a:lstStyle/>
+          <a:p>
+            <a:r>
+              <a:rPr lang="es-MX" dirty="0"/>
+              <a:t>ARQUITECTURA DE NEGOCIO</a:t>
+            </a:r>
+          </a:p>
+        </p:txBody>
+      </p:sp>
+      <p:sp>
+        <p:nvSpPr>
+          <p:cNvPr id="3" name="Marcador de contenido 2">
+            <a:extLst>
+              <a:ext uri="{FF2B5EF4-FFF2-40B4-BE49-F238E27FC236}">
+                <a16:creationId xmlns:a16="http://schemas.microsoft.com/office/drawing/2014/main" id="{213818D7-CBFB-4692-8666-BBDCA8C8DC14}"/>
+              </a:ext>
+            </a:extLst>
+          </p:cNvPr>
+          <p:cNvSpPr>
+            <a:spLocks noGrp="1"/>
+          </p:cNvSpPr>
+          <p:nvPr>
+            <p:ph idx="1"/>
+          </p:nvPr>
+        </p:nvSpPr>
+        <p:spPr>
+          <a:xfrm>
+            <a:off x="844731" y="2153412"/>
+            <a:ext cx="10502538" cy="3566813"/>
+          </a:xfrm>
+        </p:spPr>
+        <p:txBody>
+          <a:bodyPr>
+            <a:noAutofit/>
+          </a:bodyPr>
+          <a:lstStyle/>
+          <a:p>
+            <a:pPr>
+              <a:buFont typeface="Wingdings" panose="05000000000000000000" pitchFamily="2" charset="2"/>
+              <a:buChar char="ü"/>
+            </a:pPr>
+            <a:r>
+              <a:rPr lang="es-MX" sz="2400" dirty="0"/>
+              <a:t>¿Cómo abordaría la revisión y análisis de los elementos de cada arquitectura?</a:t>
+            </a:r>
+          </a:p>
+          <a:p>
+            <a:pPr marL="0" indent="0">
+              <a:buNone/>
+            </a:pPr>
+            <a:r>
+              <a:rPr lang="es-MX" sz="2400" dirty="0"/>
+              <a:t>Se debe asegurar un trato directo con el cliente para poder negociar y darle valor a todos los procesos.</a:t>
+            </a:r>
+          </a:p>
+          <a:p>
+            <a:pPr marL="0" indent="0">
+              <a:buNone/>
+            </a:pPr>
+            <a:r>
+              <a:rPr lang="es-MX" sz="2400" dirty="0"/>
+              <a:t>Representar de forma jerárquica los objetivos del negocio para así revisar y analizar los siguientes elementos del proyecto:</a:t>
+            </a:r>
+          </a:p>
+          <a:p>
+            <a:r>
+              <a:rPr lang="es-MX" sz="2400" dirty="0"/>
+              <a:t>Verificar que las estandarizaciones sean las correctas.</a:t>
+            </a:r>
+          </a:p>
+          <a:p>
+            <a:r>
+              <a:rPr lang="es-MX" sz="2400" dirty="0"/>
+              <a:t>Verificar que la información sea validada para su futura consulta.</a:t>
+            </a:r>
+          </a:p>
+          <a:p>
+            <a:r>
+              <a:rPr lang="es-MX" sz="2400" dirty="0"/>
+              <a:t>Que toda la información este distribuida de manera correcta utilizando la plataforma MxSG</a:t>
+            </a:r>
+          </a:p>
+          <a:p>
+            <a:pPr marL="0" indent="0">
+              <a:buNone/>
+            </a:pPr>
+            <a:r>
+              <a:rPr lang="es-MX" sz="2400" dirty="0"/>
+              <a:t>Todo esto nos ayudara a generar un valor a nuestro producto final.</a:t>
+            </a:r>
+          </a:p>
+          <a:p>
+            <a:pPr marL="342900" indent="-342900">
+              <a:buFont typeface="+mj-lt"/>
+              <a:buAutoNum type="arabicPeriod"/>
+            </a:pPr>
+            <a:endParaRPr lang="es-MX" sz="1600" dirty="0"/>
+          </a:p>
+        </p:txBody>
+      </p:sp>
+    </p:spTree>
+    <p:extLst>
+      <p:ext uri="{BB962C8B-B14F-4D97-AF65-F5344CB8AC3E}">
+        <p14:creationId xmlns:p14="http://schemas.microsoft.com/office/powerpoint/2010/main" val="453476376"/>
+      </p:ext>
+    </p:extLst>
+  </p:cSld>
+  <p:clrMapOvr>
+    <a:masterClrMapping/>
+  </p:clrMapOvr>
+</p:sld>
+</file>
+
+<file path=ppt/slides/slide7.xml><?xml version="1.0" encoding="utf-8"?>
 <p:sld xmlns:a="http://schemas.openxmlformats.org/drawingml/2006/main" xmlns:r="http://schemas.openxmlformats.org/officeDocument/2006/relationships" xmlns:p="http://schemas.openxmlformats.org/presentationml/2006/main">
   <p:cSld>
     <p:bg>

--- a/Demanda 8.pptx
+++ b/Demanda 8.pptx
@@ -4,6 +4,9 @@
   <p:sldMasterIdLst>
     <p:sldMasterId id="2147483696" r:id="rId1"/>
   </p:sldMasterIdLst>
+  <p:notesMasterIdLst>
+    <p:notesMasterId r:id="rId11"/>
+  </p:notesMasterIdLst>
   <p:sldIdLst>
     <p:sldId id="256" r:id="rId2"/>
     <p:sldId id="257" r:id="rId3"/>
@@ -11,7 +14,9 @@
     <p:sldId id="258" r:id="rId5"/>
     <p:sldId id="261" r:id="rId6"/>
     <p:sldId id="262" r:id="rId7"/>
-    <p:sldId id="259" r:id="rId8"/>
+    <p:sldId id="263" r:id="rId8"/>
+    <p:sldId id="264" r:id="rId9"/>
+    <p:sldId id="265" r:id="rId10"/>
   </p:sldIdLst>
   <p:sldSz cx="12192000" cy="6858000"/>
   <p:notesSz cx="6858000" cy="9144000"/>
@@ -118,6 +123,356 @@
 </p:presentation>
 </file>
 
+<file path=ppt/notesMasters/notesMaster1.xml><?xml version="1.0" encoding="utf-8"?>
+<p:notesMaster xmlns:a="http://schemas.openxmlformats.org/drawingml/2006/main" xmlns:r="http://schemas.openxmlformats.org/officeDocument/2006/relationships" xmlns:p="http://schemas.openxmlformats.org/presentationml/2006/main">
+  <p:cSld>
+    <p:bg>
+      <p:bgRef idx="1001">
+        <a:schemeClr val="bg1"/>
+      </p:bgRef>
+    </p:bg>
+    <p:spTree>
+      <p:nvGrpSpPr>
+        <p:cNvPr id="1" name=""/>
+        <p:cNvGrpSpPr/>
+        <p:nvPr/>
+      </p:nvGrpSpPr>
+      <p:grpSpPr>
+        <a:xfrm>
+          <a:off x="0" y="0"/>
+          <a:ext cx="0" cy="0"/>
+          <a:chOff x="0" y="0"/>
+          <a:chExt cx="0" cy="0"/>
+        </a:xfrm>
+      </p:grpSpPr>
+      <p:sp>
+        <p:nvSpPr>
+          <p:cNvPr id="2" name="Marcador de encabezado 1"/>
+          <p:cNvSpPr>
+            <a:spLocks noGrp="1"/>
+          </p:cNvSpPr>
+          <p:nvPr>
+            <p:ph type="hdr" sz="quarter"/>
+          </p:nvPr>
+        </p:nvSpPr>
+        <p:spPr>
+          <a:xfrm>
+            <a:off x="0" y="0"/>
+            <a:ext cx="2971800" cy="458788"/>
+          </a:xfrm>
+          <a:prstGeom prst="rect">
+            <a:avLst/>
+          </a:prstGeom>
+        </p:spPr>
+        <p:txBody>
+          <a:bodyPr vert="horz" lIns="91440" tIns="45720" rIns="91440" bIns="45720" rtlCol="0"/>
+          <a:lstStyle>
+            <a:lvl1pPr algn="l">
+              <a:defRPr sz="1200"/>
+            </a:lvl1pPr>
+          </a:lstStyle>
+          <a:p>
+            <a:endParaRPr lang="es-MX"/>
+          </a:p>
+        </p:txBody>
+      </p:sp>
+      <p:sp>
+        <p:nvSpPr>
+          <p:cNvPr id="3" name="Marcador de fecha 2"/>
+          <p:cNvSpPr>
+            <a:spLocks noGrp="1"/>
+          </p:cNvSpPr>
+          <p:nvPr>
+            <p:ph type="dt" idx="1"/>
+          </p:nvPr>
+        </p:nvSpPr>
+        <p:spPr>
+          <a:xfrm>
+            <a:off x="3884613" y="0"/>
+            <a:ext cx="2971800" cy="458788"/>
+          </a:xfrm>
+          <a:prstGeom prst="rect">
+            <a:avLst/>
+          </a:prstGeom>
+        </p:spPr>
+        <p:txBody>
+          <a:bodyPr vert="horz" lIns="91440" tIns="45720" rIns="91440" bIns="45720" rtlCol="0"/>
+          <a:lstStyle>
+            <a:lvl1pPr algn="r">
+              <a:defRPr sz="1200"/>
+            </a:lvl1pPr>
+          </a:lstStyle>
+          <a:p>
+            <a:fld id="{4AAD7B2C-0AFE-4DD0-9B8E-77C3B3783A90}" type="datetimeFigureOut">
+              <a:rPr lang="es-MX" smtClean="0"/>
+              <a:t>14/02/2019</a:t>
+            </a:fld>
+            <a:endParaRPr lang="es-MX"/>
+          </a:p>
+        </p:txBody>
+      </p:sp>
+      <p:sp>
+        <p:nvSpPr>
+          <p:cNvPr id="4" name="Marcador de imagen de diapositiva 3"/>
+          <p:cNvSpPr>
+            <a:spLocks noGrp="1" noRot="1" noChangeAspect="1"/>
+          </p:cNvSpPr>
+          <p:nvPr>
+            <p:ph type="sldImg" idx="2"/>
+          </p:nvPr>
+        </p:nvSpPr>
+        <p:spPr>
+          <a:xfrm>
+            <a:off x="685800" y="1143000"/>
+            <a:ext cx="5486400" cy="3086100"/>
+          </a:xfrm>
+          <a:prstGeom prst="rect">
+            <a:avLst/>
+          </a:prstGeom>
+          <a:noFill/>
+          <a:ln w="12700">
+            <a:solidFill>
+              <a:prstClr val="black"/>
+            </a:solidFill>
+          </a:ln>
+        </p:spPr>
+        <p:txBody>
+          <a:bodyPr vert="horz" lIns="91440" tIns="45720" rIns="91440" bIns="45720" rtlCol="0" anchor="ctr"/>
+          <a:lstStyle/>
+          <a:p>
+            <a:endParaRPr lang="es-MX"/>
+          </a:p>
+        </p:txBody>
+      </p:sp>
+      <p:sp>
+        <p:nvSpPr>
+          <p:cNvPr id="5" name="Marcador de notas 4"/>
+          <p:cNvSpPr>
+            <a:spLocks noGrp="1"/>
+          </p:cNvSpPr>
+          <p:nvPr>
+            <p:ph type="body" sz="quarter" idx="3"/>
+          </p:nvPr>
+        </p:nvSpPr>
+        <p:spPr>
+          <a:xfrm>
+            <a:off x="685800" y="4400550"/>
+            <a:ext cx="5486400" cy="3600450"/>
+          </a:xfrm>
+          <a:prstGeom prst="rect">
+            <a:avLst/>
+          </a:prstGeom>
+        </p:spPr>
+        <p:txBody>
+          <a:bodyPr vert="horz" lIns="91440" tIns="45720" rIns="91440" bIns="45720" rtlCol="0"/>
+          <a:lstStyle/>
+          <a:p>
+            <a:pPr lvl="0"/>
+            <a:r>
+              <a:rPr lang="es-ES"/>
+              <a:t>Editar los estilos de texto del patrón</a:t>
+            </a:r>
+          </a:p>
+          <a:p>
+            <a:pPr lvl="1"/>
+            <a:r>
+              <a:rPr lang="es-ES"/>
+              <a:t>Segundo nivel</a:t>
+            </a:r>
+          </a:p>
+          <a:p>
+            <a:pPr lvl="2"/>
+            <a:r>
+              <a:rPr lang="es-ES"/>
+              <a:t>Tercer nivel</a:t>
+            </a:r>
+          </a:p>
+          <a:p>
+            <a:pPr lvl="3"/>
+            <a:r>
+              <a:rPr lang="es-ES"/>
+              <a:t>Cuarto nivel</a:t>
+            </a:r>
+          </a:p>
+          <a:p>
+            <a:pPr lvl="4"/>
+            <a:r>
+              <a:rPr lang="es-ES"/>
+              <a:t>Quinto nivel</a:t>
+            </a:r>
+            <a:endParaRPr lang="es-MX"/>
+          </a:p>
+        </p:txBody>
+      </p:sp>
+      <p:sp>
+        <p:nvSpPr>
+          <p:cNvPr id="6" name="Marcador de pie de página 5"/>
+          <p:cNvSpPr>
+            <a:spLocks noGrp="1"/>
+          </p:cNvSpPr>
+          <p:nvPr>
+            <p:ph type="ftr" sz="quarter" idx="4"/>
+          </p:nvPr>
+        </p:nvSpPr>
+        <p:spPr>
+          <a:xfrm>
+            <a:off x="0" y="8685213"/>
+            <a:ext cx="2971800" cy="458787"/>
+          </a:xfrm>
+          <a:prstGeom prst="rect">
+            <a:avLst/>
+          </a:prstGeom>
+        </p:spPr>
+        <p:txBody>
+          <a:bodyPr vert="horz" lIns="91440" tIns="45720" rIns="91440" bIns="45720" rtlCol="0" anchor="b"/>
+          <a:lstStyle>
+            <a:lvl1pPr algn="l">
+              <a:defRPr sz="1200"/>
+            </a:lvl1pPr>
+          </a:lstStyle>
+          <a:p>
+            <a:endParaRPr lang="es-MX"/>
+          </a:p>
+        </p:txBody>
+      </p:sp>
+      <p:sp>
+        <p:nvSpPr>
+          <p:cNvPr id="7" name="Marcador de número de diapositiva 6"/>
+          <p:cNvSpPr>
+            <a:spLocks noGrp="1"/>
+          </p:cNvSpPr>
+          <p:nvPr>
+            <p:ph type="sldNum" sz="quarter" idx="5"/>
+          </p:nvPr>
+        </p:nvSpPr>
+        <p:spPr>
+          <a:xfrm>
+            <a:off x="3884613" y="8685213"/>
+            <a:ext cx="2971800" cy="458787"/>
+          </a:xfrm>
+          <a:prstGeom prst="rect">
+            <a:avLst/>
+          </a:prstGeom>
+        </p:spPr>
+        <p:txBody>
+          <a:bodyPr vert="horz" lIns="91440" tIns="45720" rIns="91440" bIns="45720" rtlCol="0" anchor="b"/>
+          <a:lstStyle>
+            <a:lvl1pPr algn="r">
+              <a:defRPr sz="1200"/>
+            </a:lvl1pPr>
+          </a:lstStyle>
+          <a:p>
+            <a:fld id="{7D61668F-C8C7-4086-A497-042925D88BA3}" type="slidenum">
+              <a:rPr lang="es-MX" smtClean="0"/>
+              <a:t>‹Nº›</a:t>
+            </a:fld>
+            <a:endParaRPr lang="es-MX"/>
+          </a:p>
+        </p:txBody>
+      </p:sp>
+    </p:spTree>
+    <p:extLst>
+      <p:ext uri="{BB962C8B-B14F-4D97-AF65-F5344CB8AC3E}">
+        <p14:creationId xmlns:p14="http://schemas.microsoft.com/office/powerpoint/2010/main" val="1602232719"/>
+      </p:ext>
+    </p:extLst>
+  </p:cSld>
+  <p:clrMap bg1="lt1" tx1="dk1" bg2="lt2" tx2="dk2" accent1="accent1" accent2="accent2" accent3="accent3" accent4="accent4" accent5="accent5" accent6="accent6" hlink="hlink" folHlink="folHlink"/>
+  <p:notesStyle>
+    <a:lvl1pPr marL="0" algn="l" defTabSz="914400" rtl="0" eaLnBrk="1" latinLnBrk="0" hangingPunct="1">
+      <a:defRPr sz="1200" kern="1200">
+        <a:solidFill>
+          <a:schemeClr val="tx1"/>
+        </a:solidFill>
+        <a:latin typeface="+mn-lt"/>
+        <a:ea typeface="+mn-ea"/>
+        <a:cs typeface="+mn-cs"/>
+      </a:defRPr>
+    </a:lvl1pPr>
+    <a:lvl2pPr marL="457200" algn="l" defTabSz="914400" rtl="0" eaLnBrk="1" latinLnBrk="0" hangingPunct="1">
+      <a:defRPr sz="1200" kern="1200">
+        <a:solidFill>
+          <a:schemeClr val="tx1"/>
+        </a:solidFill>
+        <a:latin typeface="+mn-lt"/>
+        <a:ea typeface="+mn-ea"/>
+        <a:cs typeface="+mn-cs"/>
+      </a:defRPr>
+    </a:lvl2pPr>
+    <a:lvl3pPr marL="914400" algn="l" defTabSz="914400" rtl="0" eaLnBrk="1" latinLnBrk="0" hangingPunct="1">
+      <a:defRPr sz="1200" kern="1200">
+        <a:solidFill>
+          <a:schemeClr val="tx1"/>
+        </a:solidFill>
+        <a:latin typeface="+mn-lt"/>
+        <a:ea typeface="+mn-ea"/>
+        <a:cs typeface="+mn-cs"/>
+      </a:defRPr>
+    </a:lvl3pPr>
+    <a:lvl4pPr marL="1371600" algn="l" defTabSz="914400" rtl="0" eaLnBrk="1" latinLnBrk="0" hangingPunct="1">
+      <a:defRPr sz="1200" kern="1200">
+        <a:solidFill>
+          <a:schemeClr val="tx1"/>
+        </a:solidFill>
+        <a:latin typeface="+mn-lt"/>
+        <a:ea typeface="+mn-ea"/>
+        <a:cs typeface="+mn-cs"/>
+      </a:defRPr>
+    </a:lvl4pPr>
+    <a:lvl5pPr marL="1828800" algn="l" defTabSz="914400" rtl="0" eaLnBrk="1" latinLnBrk="0" hangingPunct="1">
+      <a:defRPr sz="1200" kern="1200">
+        <a:solidFill>
+          <a:schemeClr val="tx1"/>
+        </a:solidFill>
+        <a:latin typeface="+mn-lt"/>
+        <a:ea typeface="+mn-ea"/>
+        <a:cs typeface="+mn-cs"/>
+      </a:defRPr>
+    </a:lvl5pPr>
+    <a:lvl6pPr marL="2286000" algn="l" defTabSz="914400" rtl="0" eaLnBrk="1" latinLnBrk="0" hangingPunct="1">
+      <a:defRPr sz="1200" kern="1200">
+        <a:solidFill>
+          <a:schemeClr val="tx1"/>
+        </a:solidFill>
+        <a:latin typeface="+mn-lt"/>
+        <a:ea typeface="+mn-ea"/>
+        <a:cs typeface="+mn-cs"/>
+      </a:defRPr>
+    </a:lvl6pPr>
+    <a:lvl7pPr marL="2743200" algn="l" defTabSz="914400" rtl="0" eaLnBrk="1" latinLnBrk="0" hangingPunct="1">
+      <a:defRPr sz="1200" kern="1200">
+        <a:solidFill>
+          <a:schemeClr val="tx1"/>
+        </a:solidFill>
+        <a:latin typeface="+mn-lt"/>
+        <a:ea typeface="+mn-ea"/>
+        <a:cs typeface="+mn-cs"/>
+      </a:defRPr>
+    </a:lvl7pPr>
+    <a:lvl8pPr marL="3200400" algn="l" defTabSz="914400" rtl="0" eaLnBrk="1" latinLnBrk="0" hangingPunct="1">
+      <a:defRPr sz="1200" kern="1200">
+        <a:solidFill>
+          <a:schemeClr val="tx1"/>
+        </a:solidFill>
+        <a:latin typeface="+mn-lt"/>
+        <a:ea typeface="+mn-ea"/>
+        <a:cs typeface="+mn-cs"/>
+      </a:defRPr>
+    </a:lvl8pPr>
+    <a:lvl9pPr marL="3657600" algn="l" defTabSz="914400" rtl="0" eaLnBrk="1" latinLnBrk="0" hangingPunct="1">
+      <a:defRPr sz="1200" kern="1200">
+        <a:solidFill>
+          <a:schemeClr val="tx1"/>
+        </a:solidFill>
+        <a:latin typeface="+mn-lt"/>
+        <a:ea typeface="+mn-ea"/>
+        <a:cs typeface="+mn-cs"/>
+      </a:defRPr>
+    </a:lvl9pPr>
+  </p:notesStyle>
+</p:notesMaster>
+</file>
+
 <file path=ppt/slideLayouts/slideLayout1.xml><?xml version="1.0" encoding="utf-8"?>
 <p:sldLayout xmlns:a="http://schemas.openxmlformats.org/drawingml/2006/main" xmlns:r="http://schemas.openxmlformats.org/officeDocument/2006/relationships" xmlns:p="http://schemas.openxmlformats.org/presentationml/2006/main" type="title" preserve="1">
   <p:cSld name="Diapositiva de título">
@@ -279,9 +634,9 @@
           <a:bodyPr/>
           <a:lstStyle/>
           <a:p>
-            <a:fld id="{1160EA64-D806-43AC-9DF2-F8C432F32B4C}" type="datetimeFigureOut">
-              <a:rPr lang="en-US" dirty="0"/>
-              <a:t>2/13/2019</a:t>
+            <a:fld id="{64F638A2-FADD-455E-BFA4-C33981EBA321}" type="datetime1">
+              <a:rPr lang="en-US" smtClean="0"/>
+              <a:t>2/14/2019</a:t>
             </a:fld>
             <a:endParaRPr lang="en-US" dirty="0"/>
           </a:p>
@@ -445,9 +800,9 @@
           <a:bodyPr/>
           <a:lstStyle/>
           <a:p>
-            <a:fld id="{E9F9C37B-1D36-470B-8223-D6C91242EC14}" type="datetimeFigureOut">
-              <a:rPr lang="en-US" dirty="0"/>
-              <a:t>2/13/2019</a:t>
+            <a:fld id="{C365829C-EFEA-4366-8384-B5878625557A}" type="datetime1">
+              <a:rPr lang="en-US" smtClean="0"/>
+              <a:t>2/14/2019</a:t>
             </a:fld>
             <a:endParaRPr lang="en-US" dirty="0"/>
           </a:p>
@@ -620,9 +975,9 @@
           <a:bodyPr/>
           <a:lstStyle/>
           <a:p>
-            <a:fld id="{67C6F52A-A82B-47A2-A83A-8C4C91F2D59F}" type="datetimeFigureOut">
-              <a:rPr lang="en-US" dirty="0"/>
-              <a:t>2/13/2019</a:t>
+            <a:fld id="{74CEE1DB-A9BF-4FBA-AA84-B0DC87B8C4E1}" type="datetime1">
+              <a:rPr lang="en-US" smtClean="0"/>
+              <a:t>2/14/2019</a:t>
             </a:fld>
             <a:endParaRPr lang="en-US" dirty="0"/>
           </a:p>
@@ -785,9 +1140,9 @@
           <a:bodyPr/>
           <a:lstStyle/>
           <a:p>
-            <a:fld id="{F070A7B3-6521-4DCA-87E5-044747A908C1}" type="datetimeFigureOut">
-              <a:rPr lang="en-US" dirty="0"/>
-              <a:t>2/13/2019</a:t>
+            <a:fld id="{F24AF84B-7E42-4CE6-9097-1E9757F0D8C0}" type="datetime1">
+              <a:rPr lang="en-US" smtClean="0"/>
+              <a:t>2/14/2019</a:t>
             </a:fld>
             <a:endParaRPr lang="en-US" dirty="0"/>
           </a:p>
@@ -1049,9 +1404,9 @@
           <a:bodyPr/>
           <a:lstStyle/>
           <a:p>
-            <a:fld id="{1160EA64-D806-43AC-9DF2-F8C432F32B4C}" type="datetimeFigureOut">
-              <a:rPr lang="en-US" dirty="0"/>
-              <a:t>2/13/2019</a:t>
+            <a:fld id="{0F198671-4B38-4632-BA74-2EFA4132A75E}" type="datetime1">
+              <a:rPr lang="en-US" smtClean="0"/>
+              <a:t>2/14/2019</a:t>
             </a:fld>
             <a:endParaRPr lang="en-US" dirty="0"/>
           </a:p>
@@ -1277,9 +1632,9 @@
           <a:bodyPr/>
           <a:lstStyle/>
           <a:p>
-            <a:fld id="{AB134690-1557-4C89-A502-4959FE7FAD70}" type="datetimeFigureOut">
-              <a:rPr lang="en-US" dirty="0"/>
-              <a:t>2/13/2019</a:t>
+            <a:fld id="{1623C44A-1C17-4986-A9D2-A129DCC322F4}" type="datetime1">
+              <a:rPr lang="en-US" smtClean="0"/>
+              <a:t>2/14/2019</a:t>
             </a:fld>
             <a:endParaRPr lang="en-US" dirty="0"/>
           </a:p>
@@ -1627,9 +1982,9 @@
           <a:bodyPr/>
           <a:lstStyle/>
           <a:p>
-            <a:fld id="{4F7D4976-E339-4826-83B7-FBD03F55ECF8}" type="datetimeFigureOut">
-              <a:rPr lang="en-US" dirty="0"/>
-              <a:t>2/13/2019</a:t>
+            <a:fld id="{93C1E8B8-136D-4F0B-B1D0-97C987D220CB}" type="datetime1">
+              <a:rPr lang="en-US" smtClean="0"/>
+              <a:t>2/14/2019</a:t>
             </a:fld>
             <a:endParaRPr lang="en-US" dirty="0"/>
           </a:p>
@@ -1763,9 +2118,9 @@
           <a:bodyPr/>
           <a:lstStyle/>
           <a:p>
-            <a:fld id="{E1037C31-9E7A-4F99-8774-A0E530DE1A42}" type="datetimeFigureOut">
-              <a:rPr lang="en-US" dirty="0"/>
-              <a:t>2/13/2019</a:t>
+            <a:fld id="{3F379F51-CB0E-438D-9081-061FF047AE7A}" type="datetime1">
+              <a:rPr lang="en-US" smtClean="0"/>
+              <a:t>2/14/2019</a:t>
             </a:fld>
             <a:endParaRPr lang="en-US" dirty="0"/>
           </a:p>
@@ -1853,9 +2208,9 @@
           <a:bodyPr/>
           <a:lstStyle/>
           <a:p>
-            <a:fld id="{C278504F-A551-4DE0-9316-4DCD1D8CC752}" type="datetimeFigureOut">
-              <a:rPr lang="en-US" dirty="0"/>
-              <a:t>2/13/2019</a:t>
+            <a:fld id="{45C21185-09B7-4EF9-90B2-833040166960}" type="datetime1">
+              <a:rPr lang="en-US" smtClean="0"/>
+              <a:t>2/14/2019</a:t>
             </a:fld>
             <a:endParaRPr lang="en-US" dirty="0"/>
           </a:p>
@@ -2205,9 +2560,9 @@
           <a:bodyPr/>
           <a:lstStyle/>
           <a:p>
-            <a:fld id="{1160EA64-D806-43AC-9DF2-F8C432F32B4C}" type="datetimeFigureOut">
-              <a:rPr lang="en-US" dirty="0"/>
-              <a:t>2/13/2019</a:t>
+            <a:fld id="{2A413B2D-10E3-4E71-813E-01FE3F73BB68}" type="datetime1">
+              <a:rPr lang="en-US" smtClean="0"/>
+              <a:t>2/14/2019</a:t>
             </a:fld>
             <a:endParaRPr lang="en-US" dirty="0"/>
           </a:p>
@@ -2557,10 +2912,9 @@
             </a:lvl1pPr>
           </a:lstStyle>
           <a:p>
-            <a:fld id="{1160EA64-D806-43AC-9DF2-F8C432F32B4C}" type="datetimeFigureOut">
-              <a:rPr lang="en-US" dirty="0"/>
-              <a:pPr/>
-              <a:t>2/13/2019</a:t>
+            <a:fld id="{29FB35E2-9F99-4410-AFE4-F90EB1595C7C}" type="datetime1">
+              <a:rPr lang="en-US" smtClean="0"/>
+              <a:t>2/14/2019</a:t>
             </a:fld>
             <a:endParaRPr lang="en-US" dirty="0"/>
           </a:p>
@@ -2793,9 +3147,9 @@
             </a:lvl1pPr>
           </a:lstStyle>
           <a:p>
-            <a:fld id="{1160EA64-D806-43AC-9DF2-F8C432F32B4C}" type="datetimeFigureOut">
-              <a:rPr lang="en-US" dirty="0"/>
-              <a:t>2/13/2019</a:t>
+            <a:fld id="{B91894C5-637C-460E-8143-D25BDDDFF11E}" type="datetime1">
+              <a:rPr lang="en-US" smtClean="0"/>
+              <a:t>2/14/2019</a:t>
             </a:fld>
             <a:endParaRPr lang="en-US" dirty="0"/>
           </a:p>
@@ -2901,7 +3255,7 @@
     <p:sldLayoutId id="2147483706" r:id="rId10"/>
     <p:sldLayoutId id="2147483707" r:id="rId11"/>
   </p:sldLayoutIdLst>
-  <p:hf sldNum="0" hdr="0" ftr="0" dt="0"/>
+  <p:hf hdr="0" ftr="0" dt="0"/>
   <p:txStyles>
     <p:titleStyle>
       <a:lvl1pPr algn="ctr" defTabSz="914400" rtl="0" eaLnBrk="1" latinLnBrk="0" hangingPunct="1">
@@ -3506,14 +3860,44 @@
         </p:blipFill>
         <p:spPr>
           <a:xfrm>
-            <a:off x="11013743" y="5679743"/>
-            <a:ext cx="1178257" cy="1178257"/>
+            <a:off x="-1" y="5361709"/>
+            <a:ext cx="1496291" cy="1496291"/>
           </a:xfrm>
           <a:prstGeom prst="rect">
             <a:avLst/>
           </a:prstGeom>
         </p:spPr>
       </p:pic>
+      <p:sp>
+        <p:nvSpPr>
+          <p:cNvPr id="4" name="Marcador de número de diapositiva 3">
+            <a:extLst>
+              <a:ext uri="{FF2B5EF4-FFF2-40B4-BE49-F238E27FC236}">
+                <a16:creationId xmlns:a16="http://schemas.microsoft.com/office/drawing/2014/main" id="{38EC3DE5-E274-4E93-BBE7-CB3345EC7512}"/>
+              </a:ext>
+            </a:extLst>
+          </p:cNvPr>
+          <p:cNvSpPr>
+            <a:spLocks noGrp="1"/>
+          </p:cNvSpPr>
+          <p:nvPr>
+            <p:ph type="sldNum" sz="quarter" idx="12"/>
+          </p:nvPr>
+        </p:nvSpPr>
+        <p:spPr/>
+        <p:txBody>
+          <a:bodyPr/>
+          <a:lstStyle/>
+          <a:p>
+            <a:fld id="{8A7A6979-0714-4377-B894-6BE4C2D6E202}" type="slidenum">
+              <a:rPr lang="en-US" smtClean="0"/>
+              <a:pPr/>
+              <a:t>1</a:t>
+            </a:fld>
+            <a:endParaRPr lang="en-US" dirty="0"/>
+          </a:p>
+        </p:txBody>
+      </p:sp>
     </p:spTree>
     <p:extLst>
       <p:ext uri="{BB962C8B-B14F-4D97-AF65-F5344CB8AC3E}">
@@ -3604,6 +3988,36 @@
           </a:p>
         </p:txBody>
       </p:sp>
+      <p:sp>
+        <p:nvSpPr>
+          <p:cNvPr id="2" name="Marcador de número de diapositiva 1">
+            <a:extLst>
+              <a:ext uri="{FF2B5EF4-FFF2-40B4-BE49-F238E27FC236}">
+                <a16:creationId xmlns:a16="http://schemas.microsoft.com/office/drawing/2014/main" id="{2C00BC7C-7AA6-45A6-A365-5301744F0F3B}"/>
+              </a:ext>
+            </a:extLst>
+          </p:cNvPr>
+          <p:cNvSpPr>
+            <a:spLocks noGrp="1"/>
+          </p:cNvSpPr>
+          <p:nvPr>
+            <p:ph type="sldNum" sz="quarter" idx="12"/>
+          </p:nvPr>
+        </p:nvSpPr>
+        <p:spPr/>
+        <p:txBody>
+          <a:bodyPr/>
+          <a:lstStyle/>
+          <a:p>
+            <a:fld id="{8A7A6979-0714-4377-B894-6BE4C2D6E202}" type="slidenum">
+              <a:rPr lang="en-US" smtClean="0"/>
+              <a:pPr/>
+              <a:t>2</a:t>
+            </a:fld>
+            <a:endParaRPr lang="en-US" dirty="0"/>
+          </a:p>
+        </p:txBody>
+      </p:sp>
     </p:spTree>
     <p:extLst>
       <p:ext uri="{BB962C8B-B14F-4D97-AF65-F5344CB8AC3E}">
@@ -3681,6 +4095,36 @@
           <a:lstStyle/>
           <a:p>
             <a:endParaRPr lang="es-MX"/>
+          </a:p>
+        </p:txBody>
+      </p:sp>
+      <p:sp>
+        <p:nvSpPr>
+          <p:cNvPr id="4" name="Marcador de número de diapositiva 3">
+            <a:extLst>
+              <a:ext uri="{FF2B5EF4-FFF2-40B4-BE49-F238E27FC236}">
+                <a16:creationId xmlns:a16="http://schemas.microsoft.com/office/drawing/2014/main" id="{E5673F20-C7A1-492E-B4A8-79FD0E13A62C}"/>
+              </a:ext>
+            </a:extLst>
+          </p:cNvPr>
+          <p:cNvSpPr>
+            <a:spLocks noGrp="1"/>
+          </p:cNvSpPr>
+          <p:nvPr>
+            <p:ph type="sldNum" sz="quarter" idx="12"/>
+          </p:nvPr>
+        </p:nvSpPr>
+        <p:spPr/>
+        <p:txBody>
+          <a:bodyPr/>
+          <a:lstStyle/>
+          <a:p>
+            <a:fld id="{8A7A6979-0714-4377-B894-6BE4C2D6E202}" type="slidenum">
+              <a:rPr lang="en-US" smtClean="0"/>
+              <a:pPr/>
+              <a:t>3</a:t>
+            </a:fld>
+            <a:endParaRPr lang="en-US" dirty="0"/>
           </a:p>
         </p:txBody>
       </p:sp>
@@ -3774,6 +4218,36 @@
           </a:p>
         </p:txBody>
       </p:sp>
+      <p:sp>
+        <p:nvSpPr>
+          <p:cNvPr id="4" name="Marcador de número de diapositiva 3">
+            <a:extLst>
+              <a:ext uri="{FF2B5EF4-FFF2-40B4-BE49-F238E27FC236}">
+                <a16:creationId xmlns:a16="http://schemas.microsoft.com/office/drawing/2014/main" id="{5CCD36A2-A989-4FA3-9AED-C478A0F15FED}"/>
+              </a:ext>
+            </a:extLst>
+          </p:cNvPr>
+          <p:cNvSpPr>
+            <a:spLocks noGrp="1"/>
+          </p:cNvSpPr>
+          <p:nvPr>
+            <p:ph type="sldNum" sz="quarter" idx="12"/>
+          </p:nvPr>
+        </p:nvSpPr>
+        <p:spPr/>
+        <p:txBody>
+          <a:bodyPr/>
+          <a:lstStyle/>
+          <a:p>
+            <a:fld id="{8A7A6979-0714-4377-B894-6BE4C2D6E202}" type="slidenum">
+              <a:rPr lang="en-US" smtClean="0"/>
+              <a:pPr/>
+              <a:t>4</a:t>
+            </a:fld>
+            <a:endParaRPr lang="en-US" dirty="0"/>
+          </a:p>
+        </p:txBody>
+      </p:sp>
     </p:spTree>
     <p:extLst>
       <p:ext uri="{BB962C8B-B14F-4D97-AF65-F5344CB8AC3E}">
@@ -3851,6 +4325,36 @@
           <a:lstStyle/>
           <a:p>
             <a:endParaRPr lang="es-MX"/>
+          </a:p>
+        </p:txBody>
+      </p:sp>
+      <p:sp>
+        <p:nvSpPr>
+          <p:cNvPr id="4" name="Marcador de número de diapositiva 3">
+            <a:extLst>
+              <a:ext uri="{FF2B5EF4-FFF2-40B4-BE49-F238E27FC236}">
+                <a16:creationId xmlns:a16="http://schemas.microsoft.com/office/drawing/2014/main" id="{90953371-2AF5-4904-808D-96511DF7EBD1}"/>
+              </a:ext>
+            </a:extLst>
+          </p:cNvPr>
+          <p:cNvSpPr>
+            <a:spLocks noGrp="1"/>
+          </p:cNvSpPr>
+          <p:nvPr>
+            <p:ph type="sldNum" sz="quarter" idx="12"/>
+          </p:nvPr>
+        </p:nvSpPr>
+        <p:spPr/>
+        <p:txBody>
+          <a:bodyPr/>
+          <a:lstStyle/>
+          <a:p>
+            <a:fld id="{8A7A6979-0714-4377-B894-6BE4C2D6E202}" type="slidenum">
+              <a:rPr lang="en-US" smtClean="0"/>
+              <a:pPr/>
+              <a:t>5</a:t>
+            </a:fld>
+            <a:endParaRPr lang="en-US" dirty="0"/>
           </a:p>
         </p:txBody>
       </p:sp>
@@ -4013,6 +4517,36 @@
           </a:p>
         </p:txBody>
       </p:sp>
+      <p:sp>
+        <p:nvSpPr>
+          <p:cNvPr id="4" name="Marcador de número de diapositiva 3">
+            <a:extLst>
+              <a:ext uri="{FF2B5EF4-FFF2-40B4-BE49-F238E27FC236}">
+                <a16:creationId xmlns:a16="http://schemas.microsoft.com/office/drawing/2014/main" id="{C6B8F29E-0999-4212-B903-9CF4195DC5C0}"/>
+              </a:ext>
+            </a:extLst>
+          </p:cNvPr>
+          <p:cNvSpPr>
+            <a:spLocks noGrp="1"/>
+          </p:cNvSpPr>
+          <p:nvPr>
+            <p:ph type="sldNum" sz="quarter" idx="12"/>
+          </p:nvPr>
+        </p:nvSpPr>
+        <p:spPr/>
+        <p:txBody>
+          <a:bodyPr/>
+          <a:lstStyle/>
+          <a:p>
+            <a:fld id="{8A7A6979-0714-4377-B894-6BE4C2D6E202}" type="slidenum">
+              <a:rPr lang="en-US" smtClean="0"/>
+              <a:pPr/>
+              <a:t>6</a:t>
+            </a:fld>
+            <a:endParaRPr lang="en-US" dirty="0"/>
+          </a:p>
+        </p:txBody>
+      </p:sp>
     </p:spTree>
     <p:extLst>
       <p:ext uri="{BB962C8B-B14F-4D97-AF65-F5344CB8AC3E}">
@@ -4027,6 +4561,913 @@
 </file>
 
 <file path=ppt/slides/slide7.xml><?xml version="1.0" encoding="utf-8"?>
+<p:sld xmlns:a="http://schemas.openxmlformats.org/drawingml/2006/main" xmlns:r="http://schemas.openxmlformats.org/officeDocument/2006/relationships" xmlns:p="http://schemas.openxmlformats.org/presentationml/2006/main">
+  <p:cSld>
+    <p:spTree>
+      <p:nvGrpSpPr>
+        <p:cNvPr id="1" name=""/>
+        <p:cNvGrpSpPr/>
+        <p:nvPr/>
+      </p:nvGrpSpPr>
+      <p:grpSpPr>
+        <a:xfrm>
+          <a:off x="0" y="0"/>
+          <a:ext cx="0" cy="0"/>
+          <a:chOff x="0" y="0"/>
+          <a:chExt cx="0" cy="0"/>
+        </a:xfrm>
+      </p:grpSpPr>
+      <p:sp>
+        <p:nvSpPr>
+          <p:cNvPr id="5" name="Marcador de contenido 2">
+            <a:extLst>
+              <a:ext uri="{FF2B5EF4-FFF2-40B4-BE49-F238E27FC236}">
+                <a16:creationId xmlns:a16="http://schemas.microsoft.com/office/drawing/2014/main" id="{213818D7-CBFB-4692-8666-BBDCA8C8DC14}"/>
+              </a:ext>
+            </a:extLst>
+          </p:cNvPr>
+          <p:cNvSpPr txBox="1">
+            <a:spLocks/>
+          </p:cNvSpPr>
+          <p:nvPr/>
+        </p:nvSpPr>
+        <p:spPr>
+          <a:xfrm>
+            <a:off x="842752" y="505097"/>
+            <a:ext cx="10450286" cy="3122023"/>
+          </a:xfrm>
+          <a:prstGeom prst="rect">
+            <a:avLst/>
+          </a:prstGeom>
+        </p:spPr>
+        <p:txBody>
+          <a:bodyPr>
+            <a:normAutofit/>
+          </a:bodyPr>
+          <a:lstStyle>
+            <a:lvl1pPr marL="228600" indent="-228600" algn="l" defTabSz="914400" rtl="0" eaLnBrk="1" latinLnBrk="0" hangingPunct="1">
+              <a:lnSpc>
+                <a:spcPct val="100000"/>
+              </a:lnSpc>
+              <a:spcBef>
+                <a:spcPts val="1000"/>
+              </a:spcBef>
+              <a:buClr>
+                <a:schemeClr val="accent2"/>
+              </a:buClr>
+              <a:buFont typeface="Arial" panose="020B0604020202020204" pitchFamily="34" charset="0"/>
+              <a:buChar char="•"/>
+              <a:defRPr sz="1800" kern="1200">
+                <a:solidFill>
+                  <a:schemeClr val="tx1">
+                    <a:lumMod val="85000"/>
+                    <a:lumOff val="15000"/>
+                  </a:schemeClr>
+                </a:solidFill>
+                <a:latin typeface="+mn-lt"/>
+                <a:ea typeface="+mn-ea"/>
+                <a:cs typeface="+mn-cs"/>
+              </a:defRPr>
+            </a:lvl1pPr>
+            <a:lvl2pPr marL="457200" indent="-228600" algn="l" defTabSz="914400" rtl="0" eaLnBrk="1" latinLnBrk="0" hangingPunct="1">
+              <a:lnSpc>
+                <a:spcPct val="100000"/>
+              </a:lnSpc>
+              <a:spcBef>
+                <a:spcPts val="1000"/>
+              </a:spcBef>
+              <a:buClr>
+                <a:schemeClr val="accent2"/>
+              </a:buClr>
+              <a:buFont typeface="Arial" panose="020B0604020202020204" pitchFamily="34" charset="0"/>
+              <a:buChar char="•"/>
+              <a:defRPr sz="1600" kern="1200">
+                <a:solidFill>
+                  <a:schemeClr val="tx1">
+                    <a:lumMod val="85000"/>
+                    <a:lumOff val="15000"/>
+                  </a:schemeClr>
+                </a:solidFill>
+                <a:latin typeface="+mn-lt"/>
+                <a:ea typeface="+mn-ea"/>
+                <a:cs typeface="+mn-cs"/>
+              </a:defRPr>
+            </a:lvl2pPr>
+            <a:lvl3pPr marL="685800" indent="-228600" algn="l" defTabSz="914400" rtl="0" eaLnBrk="1" latinLnBrk="0" hangingPunct="1">
+              <a:lnSpc>
+                <a:spcPct val="100000"/>
+              </a:lnSpc>
+              <a:spcBef>
+                <a:spcPts val="1000"/>
+              </a:spcBef>
+              <a:buClr>
+                <a:schemeClr val="accent2"/>
+              </a:buClr>
+              <a:buFont typeface="Arial" panose="020B0604020202020204" pitchFamily="34" charset="0"/>
+              <a:buChar char="•"/>
+              <a:defRPr sz="1600" kern="1200">
+                <a:solidFill>
+                  <a:schemeClr val="tx1">
+                    <a:lumMod val="85000"/>
+                    <a:lumOff val="15000"/>
+                  </a:schemeClr>
+                </a:solidFill>
+                <a:latin typeface="+mn-lt"/>
+                <a:ea typeface="+mn-ea"/>
+                <a:cs typeface="+mn-cs"/>
+              </a:defRPr>
+            </a:lvl3pPr>
+            <a:lvl4pPr marL="914400" indent="-228600" algn="l" defTabSz="914400" rtl="0" eaLnBrk="1" latinLnBrk="0" hangingPunct="1">
+              <a:lnSpc>
+                <a:spcPct val="100000"/>
+              </a:lnSpc>
+              <a:spcBef>
+                <a:spcPts val="1000"/>
+              </a:spcBef>
+              <a:buClr>
+                <a:schemeClr val="accent2"/>
+              </a:buClr>
+              <a:buFont typeface="Arial" panose="020B0604020202020204" pitchFamily="34" charset="0"/>
+              <a:buChar char="•"/>
+              <a:defRPr sz="1600" kern="1200">
+                <a:solidFill>
+                  <a:schemeClr val="tx1">
+                    <a:lumMod val="85000"/>
+                    <a:lumOff val="15000"/>
+                  </a:schemeClr>
+                </a:solidFill>
+                <a:latin typeface="+mn-lt"/>
+                <a:ea typeface="+mn-ea"/>
+                <a:cs typeface="+mn-cs"/>
+              </a:defRPr>
+            </a:lvl4pPr>
+            <a:lvl5pPr marL="1143000" indent="-228600" algn="l" defTabSz="914400" rtl="0" eaLnBrk="1" latinLnBrk="0" hangingPunct="1">
+              <a:lnSpc>
+                <a:spcPct val="100000"/>
+              </a:lnSpc>
+              <a:spcBef>
+                <a:spcPts val="1000"/>
+              </a:spcBef>
+              <a:buClr>
+                <a:schemeClr val="accent2"/>
+              </a:buClr>
+              <a:buFont typeface="Arial" panose="020B0604020202020204" pitchFamily="34" charset="0"/>
+              <a:buChar char="•"/>
+              <a:defRPr sz="1600" kern="1200">
+                <a:solidFill>
+                  <a:schemeClr val="tx1">
+                    <a:lumMod val="85000"/>
+                    <a:lumOff val="15000"/>
+                  </a:schemeClr>
+                </a:solidFill>
+                <a:latin typeface="+mn-lt"/>
+                <a:ea typeface="+mn-ea"/>
+                <a:cs typeface="+mn-cs"/>
+              </a:defRPr>
+            </a:lvl5pPr>
+            <a:lvl6pPr marL="1312863" indent="-228600" algn="l" defTabSz="914400" rtl="0" eaLnBrk="1" latinLnBrk="0" hangingPunct="1">
+              <a:lnSpc>
+                <a:spcPct val="100000"/>
+              </a:lnSpc>
+              <a:spcBef>
+                <a:spcPts val="1000"/>
+              </a:spcBef>
+              <a:buClr>
+                <a:schemeClr val="accent2"/>
+              </a:buClr>
+              <a:buFont typeface="Arial" panose="020B0604020202020204" pitchFamily="34" charset="0"/>
+              <a:buChar char="•"/>
+              <a:defRPr sz="1600" kern="1200">
+                <a:solidFill>
+                  <a:schemeClr val="tx1"/>
+                </a:solidFill>
+                <a:latin typeface="+mn-lt"/>
+                <a:ea typeface="+mn-ea"/>
+                <a:cs typeface="+mn-cs"/>
+              </a:defRPr>
+            </a:lvl6pPr>
+            <a:lvl7pPr marL="1484313" indent="-228600" algn="l" defTabSz="914400" rtl="0" eaLnBrk="1" latinLnBrk="0" hangingPunct="1">
+              <a:lnSpc>
+                <a:spcPct val="100000"/>
+              </a:lnSpc>
+              <a:spcBef>
+                <a:spcPts val="1000"/>
+              </a:spcBef>
+              <a:buClr>
+                <a:schemeClr val="accent2"/>
+              </a:buClr>
+              <a:buFont typeface="Arial" panose="020B0604020202020204" pitchFamily="34" charset="0"/>
+              <a:buChar char="•"/>
+              <a:defRPr sz="1600" kern="1200">
+                <a:solidFill>
+                  <a:schemeClr val="tx1"/>
+                </a:solidFill>
+                <a:latin typeface="+mn-lt"/>
+                <a:ea typeface="+mn-ea"/>
+                <a:cs typeface="+mn-cs"/>
+              </a:defRPr>
+            </a:lvl7pPr>
+            <a:lvl8pPr marL="1657350" indent="-228600" algn="l" defTabSz="914400" rtl="0" eaLnBrk="1" latinLnBrk="0" hangingPunct="1">
+              <a:lnSpc>
+                <a:spcPct val="100000"/>
+              </a:lnSpc>
+              <a:spcBef>
+                <a:spcPts val="1000"/>
+              </a:spcBef>
+              <a:buClr>
+                <a:schemeClr val="accent2"/>
+              </a:buClr>
+              <a:buFont typeface="Arial" panose="020B0604020202020204" pitchFamily="34" charset="0"/>
+              <a:buChar char="•"/>
+              <a:defRPr sz="1600" kern="1200" baseline="0">
+                <a:solidFill>
+                  <a:schemeClr val="tx1"/>
+                </a:solidFill>
+                <a:latin typeface="+mn-lt"/>
+                <a:ea typeface="+mn-ea"/>
+                <a:cs typeface="+mn-cs"/>
+              </a:defRPr>
+            </a:lvl8pPr>
+            <a:lvl9pPr marL="1882775" indent="-228600" algn="l" defTabSz="914400" rtl="0" eaLnBrk="1" latinLnBrk="0" hangingPunct="1">
+              <a:lnSpc>
+                <a:spcPct val="100000"/>
+              </a:lnSpc>
+              <a:spcBef>
+                <a:spcPts val="1000"/>
+              </a:spcBef>
+              <a:buClr>
+                <a:schemeClr val="accent2"/>
+              </a:buClr>
+              <a:buFont typeface="Arial" panose="020B0604020202020204" pitchFamily="34" charset="0"/>
+              <a:buChar char="•"/>
+              <a:defRPr sz="1600" kern="1200" baseline="0">
+                <a:solidFill>
+                  <a:schemeClr val="tx1"/>
+                </a:solidFill>
+                <a:latin typeface="+mn-lt"/>
+                <a:ea typeface="+mn-ea"/>
+                <a:cs typeface="+mn-cs"/>
+              </a:defRPr>
+            </a:lvl9pPr>
+          </a:lstStyle>
+          <a:p>
+            <a:pPr marL="228600" marR="0" lvl="0" indent="-228600" algn="l" defTabSz="914400" rtl="0" eaLnBrk="1" fontAlgn="auto" latinLnBrk="0" hangingPunct="1">
+              <a:lnSpc>
+                <a:spcPct val="100000"/>
+              </a:lnSpc>
+              <a:spcBef>
+                <a:spcPts val="1000"/>
+              </a:spcBef>
+              <a:spcAft>
+                <a:spcPts val="0"/>
+              </a:spcAft>
+              <a:buClr>
+                <a:srgbClr val="418AB3"/>
+              </a:buClr>
+              <a:buSzTx/>
+              <a:buFont typeface="Wingdings" panose="05000000000000000000" pitchFamily="2" charset="2"/>
+              <a:buChar char="ü"/>
+              <a:tabLst/>
+              <a:defRPr/>
+            </a:pPr>
+            <a:r>
+              <a:rPr kumimoji="0" lang="es-MX" sz="2400" b="0" i="0" u="none" strike="noStrike" kern="1200" cap="none" spc="0" normalizeH="0" baseline="0" noProof="0" dirty="0">
+                <a:ln>
+                  <a:noFill/>
+                </a:ln>
+                <a:solidFill>
+                  <a:srgbClr val="000000">
+                    <a:lumMod val="85000"/>
+                    <a:lumOff val="15000"/>
+                  </a:srgbClr>
+                </a:solidFill>
+                <a:effectLst/>
+                <a:uLnTx/>
+                <a:uFillTx/>
+                <a:latin typeface="Gill Sans MT" panose="020B0502020104020203"/>
+                <a:ea typeface="+mn-ea"/>
+                <a:cs typeface="+mn-cs"/>
+              </a:rPr>
+              <a:t>¿Qué información revisaría y </a:t>
+            </a:r>
+            <a:r>
+              <a:rPr kumimoji="0" lang="es-MX" sz="2400" b="0" i="0" u="sng" strike="noStrike" kern="1200" cap="none" spc="0" normalizeH="0" baseline="0" noProof="0" dirty="0">
+                <a:ln>
+                  <a:noFill/>
+                </a:ln>
+                <a:solidFill>
+                  <a:srgbClr val="000000">
+                    <a:lumMod val="85000"/>
+                    <a:lumOff val="15000"/>
+                  </a:srgbClr>
+                </a:solidFill>
+                <a:effectLst/>
+                <a:uLnTx/>
+                <a:uFillTx/>
+                <a:latin typeface="Gill Sans MT" panose="020B0502020104020203"/>
+                <a:ea typeface="+mn-ea"/>
+                <a:cs typeface="+mn-cs"/>
+              </a:rPr>
+              <a:t>en qué orden</a:t>
+            </a:r>
+            <a:r>
+              <a:rPr kumimoji="0" lang="es-MX" sz="2400" b="0" i="0" u="none" strike="noStrike" kern="1200" cap="none" spc="0" normalizeH="0" baseline="0" noProof="0" dirty="0">
+                <a:ln>
+                  <a:noFill/>
+                </a:ln>
+                <a:solidFill>
+                  <a:srgbClr val="000000">
+                    <a:lumMod val="85000"/>
+                    <a:lumOff val="15000"/>
+                  </a:srgbClr>
+                </a:solidFill>
+                <a:effectLst/>
+                <a:uLnTx/>
+                <a:uFillTx/>
+                <a:latin typeface="Gill Sans MT" panose="020B0502020104020203"/>
+                <a:ea typeface="+mn-ea"/>
+                <a:cs typeface="+mn-cs"/>
+              </a:rPr>
+              <a:t>?</a:t>
+            </a:r>
+          </a:p>
+          <a:p>
+            <a:pPr marL="228600" marR="0" lvl="0" indent="-228600" algn="l" defTabSz="914400" rtl="0" eaLnBrk="1" fontAlgn="auto" latinLnBrk="0" hangingPunct="1">
+              <a:lnSpc>
+                <a:spcPct val="100000"/>
+              </a:lnSpc>
+              <a:spcBef>
+                <a:spcPts val="1000"/>
+              </a:spcBef>
+              <a:spcAft>
+                <a:spcPts val="0"/>
+              </a:spcAft>
+              <a:buClr>
+                <a:srgbClr val="418AB3"/>
+              </a:buClr>
+              <a:buSzTx/>
+              <a:buFont typeface="+mj-lt"/>
+              <a:buAutoNum type="arabicPeriod"/>
+              <a:tabLst/>
+              <a:defRPr/>
+            </a:pPr>
+            <a:r>
+              <a:rPr kumimoji="0" lang="es-MX" sz="2400" b="0" i="0" u="none" strike="noStrike" kern="1200" cap="none" spc="0" normalizeH="0" baseline="0" noProof="0" dirty="0">
+                <a:ln>
+                  <a:noFill/>
+                </a:ln>
+                <a:solidFill>
+                  <a:srgbClr val="000000">
+                    <a:lumMod val="85000"/>
+                    <a:lumOff val="15000"/>
+                  </a:srgbClr>
+                </a:solidFill>
+                <a:effectLst/>
+                <a:uLnTx/>
+                <a:uFillTx/>
+                <a:latin typeface="Gill Sans MT" panose="020B0502020104020203"/>
+                <a:ea typeface="+mn-ea"/>
+                <a:cs typeface="+mn-cs"/>
+              </a:rPr>
+              <a:t>El trato con el cliente ha sido satisfactorio.</a:t>
+            </a:r>
+          </a:p>
+          <a:p>
+            <a:pPr marL="228600" marR="0" lvl="0" indent="-228600" algn="l" defTabSz="914400" rtl="0" eaLnBrk="1" fontAlgn="auto" latinLnBrk="0" hangingPunct="1">
+              <a:lnSpc>
+                <a:spcPct val="100000"/>
+              </a:lnSpc>
+              <a:spcBef>
+                <a:spcPts val="1000"/>
+              </a:spcBef>
+              <a:spcAft>
+                <a:spcPts val="0"/>
+              </a:spcAft>
+              <a:buClr>
+                <a:srgbClr val="418AB3"/>
+              </a:buClr>
+              <a:buSzTx/>
+              <a:buFont typeface="+mj-lt"/>
+              <a:buAutoNum type="arabicPeriod"/>
+              <a:tabLst/>
+              <a:defRPr/>
+            </a:pPr>
+            <a:r>
+              <a:rPr kumimoji="0" lang="es-MX" sz="2400" b="0" i="0" u="none" strike="noStrike" kern="1200" cap="none" spc="0" normalizeH="0" baseline="0" noProof="0" dirty="0">
+                <a:ln>
+                  <a:noFill/>
+                </a:ln>
+                <a:solidFill>
+                  <a:srgbClr val="000000">
+                    <a:lumMod val="85000"/>
+                    <a:lumOff val="15000"/>
+                  </a:srgbClr>
+                </a:solidFill>
+                <a:effectLst/>
+                <a:uLnTx/>
+                <a:uFillTx/>
+                <a:latin typeface="Gill Sans MT" panose="020B0502020104020203"/>
+                <a:ea typeface="+mn-ea"/>
+                <a:cs typeface="+mn-cs"/>
+              </a:rPr>
+              <a:t>Los procesos deben darle valor a nuestra plataforma, siguiendo las especificaciones del cliente.</a:t>
+            </a:r>
+          </a:p>
+          <a:p>
+            <a:pPr marL="228600" marR="0" lvl="0" indent="-228600" algn="l" defTabSz="914400" rtl="0" eaLnBrk="1" fontAlgn="auto" latinLnBrk="0" hangingPunct="1">
+              <a:lnSpc>
+                <a:spcPct val="100000"/>
+              </a:lnSpc>
+              <a:spcBef>
+                <a:spcPts val="1000"/>
+              </a:spcBef>
+              <a:spcAft>
+                <a:spcPts val="0"/>
+              </a:spcAft>
+              <a:buClr>
+                <a:srgbClr val="418AB3"/>
+              </a:buClr>
+              <a:buSzTx/>
+              <a:buFont typeface="+mj-lt"/>
+              <a:buAutoNum type="arabicPeriod"/>
+              <a:tabLst/>
+              <a:defRPr/>
+            </a:pPr>
+            <a:r>
+              <a:rPr kumimoji="0" lang="es-MX" sz="2400" b="0" i="0" u="none" strike="noStrike" kern="1200" cap="none" spc="0" normalizeH="0" baseline="0" noProof="0" dirty="0">
+                <a:ln>
+                  <a:noFill/>
+                </a:ln>
+                <a:solidFill>
+                  <a:srgbClr val="000000">
+                    <a:lumMod val="85000"/>
+                    <a:lumOff val="15000"/>
+                  </a:srgbClr>
+                </a:solidFill>
+                <a:effectLst/>
+                <a:uLnTx/>
+                <a:uFillTx/>
+                <a:latin typeface="Gill Sans MT" panose="020B0502020104020203"/>
+                <a:ea typeface="+mn-ea"/>
+                <a:cs typeface="+mn-cs"/>
+              </a:rPr>
+              <a:t>Habrá un control en cada proceso para verificar que hay eficiencia en cada uno de ellos.</a:t>
+            </a:r>
+          </a:p>
+          <a:p>
+            <a:pPr marL="0" marR="0" lvl="0" indent="0" algn="l" defTabSz="914400" rtl="0" eaLnBrk="1" fontAlgn="auto" latinLnBrk="0" hangingPunct="1">
+              <a:lnSpc>
+                <a:spcPct val="100000"/>
+              </a:lnSpc>
+              <a:spcBef>
+                <a:spcPts val="1000"/>
+              </a:spcBef>
+              <a:spcAft>
+                <a:spcPts val="0"/>
+              </a:spcAft>
+              <a:buClr>
+                <a:srgbClr val="418AB3"/>
+              </a:buClr>
+              <a:buSzTx/>
+              <a:buFont typeface="Arial" panose="020B0604020202020204" pitchFamily="34" charset="0"/>
+              <a:buNone/>
+              <a:tabLst/>
+              <a:defRPr/>
+            </a:pPr>
+            <a:endParaRPr kumimoji="0" lang="es-MX" sz="2400" b="0" i="0" u="none" strike="noStrike" kern="1200" cap="none" spc="0" normalizeH="0" baseline="0" noProof="0" dirty="0">
+              <a:ln>
+                <a:noFill/>
+              </a:ln>
+              <a:solidFill>
+                <a:srgbClr val="000000">
+                  <a:lumMod val="85000"/>
+                  <a:lumOff val="15000"/>
+                </a:srgbClr>
+              </a:solidFill>
+              <a:effectLst/>
+              <a:uLnTx/>
+              <a:uFillTx/>
+              <a:latin typeface="Gill Sans MT" panose="020B0502020104020203"/>
+              <a:ea typeface="+mn-ea"/>
+              <a:cs typeface="+mn-cs"/>
+            </a:endParaRPr>
+          </a:p>
+          <a:p>
+            <a:pPr marL="228600" marR="0" lvl="0" indent="-228600" algn="l" defTabSz="914400" rtl="0" eaLnBrk="1" fontAlgn="auto" latinLnBrk="0" hangingPunct="1">
+              <a:lnSpc>
+                <a:spcPct val="100000"/>
+              </a:lnSpc>
+              <a:spcBef>
+                <a:spcPts val="1000"/>
+              </a:spcBef>
+              <a:spcAft>
+                <a:spcPts val="0"/>
+              </a:spcAft>
+              <a:buClr>
+                <a:srgbClr val="418AB3"/>
+              </a:buClr>
+              <a:buSzTx/>
+              <a:buFont typeface="Wingdings" panose="05000000000000000000" pitchFamily="2" charset="2"/>
+              <a:buChar char="ü"/>
+              <a:tabLst/>
+              <a:defRPr/>
+            </a:pPr>
+            <a:endParaRPr kumimoji="0" lang="es-MX" sz="2400" b="0" i="0" u="none" strike="noStrike" kern="1200" cap="none" spc="0" normalizeH="0" baseline="0" noProof="0" dirty="0">
+              <a:ln>
+                <a:noFill/>
+              </a:ln>
+              <a:solidFill>
+                <a:srgbClr val="000000">
+                  <a:lumMod val="85000"/>
+                  <a:lumOff val="15000"/>
+                </a:srgbClr>
+              </a:solidFill>
+              <a:effectLst/>
+              <a:uLnTx/>
+              <a:uFillTx/>
+              <a:latin typeface="Gill Sans MT" panose="020B0502020104020203"/>
+              <a:ea typeface="+mn-ea"/>
+              <a:cs typeface="+mn-cs"/>
+            </a:endParaRPr>
+          </a:p>
+          <a:p>
+            <a:pPr marL="0" marR="0" lvl="0" indent="0" algn="l" defTabSz="914400" rtl="0" eaLnBrk="1" fontAlgn="auto" latinLnBrk="0" hangingPunct="1">
+              <a:lnSpc>
+                <a:spcPct val="100000"/>
+              </a:lnSpc>
+              <a:spcBef>
+                <a:spcPts val="1000"/>
+              </a:spcBef>
+              <a:spcAft>
+                <a:spcPts val="0"/>
+              </a:spcAft>
+              <a:buClr>
+                <a:srgbClr val="418AB3"/>
+              </a:buClr>
+              <a:buSzTx/>
+              <a:buFont typeface="Arial" panose="020B0604020202020204" pitchFamily="34" charset="0"/>
+              <a:buNone/>
+              <a:tabLst/>
+              <a:defRPr/>
+            </a:pPr>
+            <a:endParaRPr kumimoji="0" lang="es-MX" sz="1800" b="0" i="0" u="none" strike="noStrike" kern="1200" cap="none" spc="0" normalizeH="0" baseline="0" noProof="0" dirty="0">
+              <a:ln>
+                <a:noFill/>
+              </a:ln>
+              <a:solidFill>
+                <a:srgbClr val="000000">
+                  <a:lumMod val="85000"/>
+                  <a:lumOff val="15000"/>
+                </a:srgbClr>
+              </a:solidFill>
+              <a:effectLst/>
+              <a:uLnTx/>
+              <a:uFillTx/>
+              <a:latin typeface="Gill Sans MT" panose="020B0502020104020203"/>
+              <a:ea typeface="+mn-ea"/>
+              <a:cs typeface="+mn-cs"/>
+            </a:endParaRPr>
+          </a:p>
+          <a:p>
+            <a:pPr marL="342900" marR="0" lvl="0" indent="-342900" algn="l" defTabSz="914400" rtl="0" eaLnBrk="1" fontAlgn="auto" latinLnBrk="0" hangingPunct="1">
+              <a:lnSpc>
+                <a:spcPct val="100000"/>
+              </a:lnSpc>
+              <a:spcBef>
+                <a:spcPts val="1000"/>
+              </a:spcBef>
+              <a:spcAft>
+                <a:spcPts val="0"/>
+              </a:spcAft>
+              <a:buClr>
+                <a:srgbClr val="418AB3"/>
+              </a:buClr>
+              <a:buSzTx/>
+              <a:buFont typeface="+mj-lt"/>
+              <a:buAutoNum type="arabicPeriod"/>
+              <a:tabLst/>
+              <a:defRPr/>
+            </a:pPr>
+            <a:endParaRPr kumimoji="0" lang="es-MX" sz="1800" b="0" i="0" u="none" strike="noStrike" kern="1200" cap="none" spc="0" normalizeH="0" baseline="0" noProof="0" dirty="0">
+              <a:ln>
+                <a:noFill/>
+              </a:ln>
+              <a:solidFill>
+                <a:srgbClr val="000000">
+                  <a:lumMod val="85000"/>
+                  <a:lumOff val="15000"/>
+                </a:srgbClr>
+              </a:solidFill>
+              <a:effectLst/>
+              <a:uLnTx/>
+              <a:uFillTx/>
+              <a:latin typeface="Gill Sans MT" panose="020B0502020104020203"/>
+              <a:ea typeface="+mn-ea"/>
+              <a:cs typeface="+mn-cs"/>
+            </a:endParaRPr>
+          </a:p>
+        </p:txBody>
+      </p:sp>
+      <p:pic>
+        <p:nvPicPr>
+          <p:cNvPr id="1028" name="Picture 4" descr="Resultado de imagen para trato con el cliente png"/>
+          <p:cNvPicPr>
+            <a:picLocks noChangeAspect="1" noChangeArrowheads="1"/>
+          </p:cNvPicPr>
+          <p:nvPr/>
+        </p:nvPicPr>
+        <p:blipFill>
+          <a:blip r:embed="rId2">
+            <a:extLst>
+              <a:ext uri="{28A0092B-C50C-407E-A947-70E740481C1C}">
+                <a14:useLocalDpi xmlns:a14="http://schemas.microsoft.com/office/drawing/2010/main" val="0"/>
+              </a:ext>
+            </a:extLst>
+          </a:blip>
+          <a:srcRect/>
+          <a:stretch>
+            <a:fillRect/>
+          </a:stretch>
+        </p:blipFill>
+        <p:spPr bwMode="auto">
+          <a:xfrm>
+            <a:off x="929777" y="3579223"/>
+            <a:ext cx="2730137" cy="2730137"/>
+          </a:xfrm>
+          <a:prstGeom prst="rect">
+            <a:avLst/>
+          </a:prstGeom>
+          <a:noFill/>
+          <a:extLst>
+            <a:ext uri="{909E8E84-426E-40DD-AFC4-6F175D3DCCD1}">
+              <a14:hiddenFill xmlns:a14="http://schemas.microsoft.com/office/drawing/2010/main">
+                <a:solidFill>
+                  <a:srgbClr val="FFFFFF"/>
+                </a:solidFill>
+              </a14:hiddenFill>
+            </a:ext>
+          </a:extLst>
+        </p:spPr>
+      </p:pic>
+      <p:pic>
+        <p:nvPicPr>
+          <p:cNvPr id="1030" name="Picture 6" descr="Resultado de imagen para valor png"/>
+          <p:cNvPicPr>
+            <a:picLocks noChangeAspect="1" noChangeArrowheads="1"/>
+          </p:cNvPicPr>
+          <p:nvPr/>
+        </p:nvPicPr>
+        <p:blipFill>
+          <a:blip r:embed="rId3">
+            <a:extLst>
+              <a:ext uri="{28A0092B-C50C-407E-A947-70E740481C1C}">
+                <a14:useLocalDpi xmlns:a14="http://schemas.microsoft.com/office/drawing/2010/main" val="0"/>
+              </a:ext>
+            </a:extLst>
+          </a:blip>
+          <a:srcRect/>
+          <a:stretch>
+            <a:fillRect/>
+          </a:stretch>
+        </p:blipFill>
+        <p:spPr bwMode="auto">
+          <a:xfrm>
+            <a:off x="7983719" y="3802021"/>
+            <a:ext cx="3261814" cy="2284540"/>
+          </a:xfrm>
+          <a:prstGeom prst="rect">
+            <a:avLst/>
+          </a:prstGeom>
+          <a:noFill/>
+          <a:extLst>
+            <a:ext uri="{909E8E84-426E-40DD-AFC4-6F175D3DCCD1}">
+              <a14:hiddenFill xmlns:a14="http://schemas.microsoft.com/office/drawing/2010/main">
+                <a:solidFill>
+                  <a:srgbClr val="FFFFFF"/>
+                </a:solidFill>
+              </a14:hiddenFill>
+            </a:ext>
+          </a:extLst>
+        </p:spPr>
+      </p:pic>
+      <p:pic>
+        <p:nvPicPr>
+          <p:cNvPr id="1036" name="Picture 12" descr="Imagen relacionada"/>
+          <p:cNvPicPr>
+            <a:picLocks noChangeAspect="1" noChangeArrowheads="1"/>
+          </p:cNvPicPr>
+          <p:nvPr/>
+        </p:nvPicPr>
+        <p:blipFill>
+          <a:blip r:embed="rId4">
+            <a:extLst>
+              <a:ext uri="{28A0092B-C50C-407E-A947-70E740481C1C}">
+                <a14:useLocalDpi xmlns:a14="http://schemas.microsoft.com/office/drawing/2010/main" val="0"/>
+              </a:ext>
+            </a:extLst>
+          </a:blip>
+          <a:srcRect/>
+          <a:stretch>
+            <a:fillRect/>
+          </a:stretch>
+        </p:blipFill>
+        <p:spPr bwMode="auto">
+          <a:xfrm>
+            <a:off x="4431778" y="3579223"/>
+            <a:ext cx="2780076" cy="2643910"/>
+          </a:xfrm>
+          <a:prstGeom prst="rect">
+            <a:avLst/>
+          </a:prstGeom>
+          <a:noFill/>
+          <a:extLst>
+            <a:ext uri="{909E8E84-426E-40DD-AFC4-6F175D3DCCD1}">
+              <a14:hiddenFill xmlns:a14="http://schemas.microsoft.com/office/drawing/2010/main">
+                <a:solidFill>
+                  <a:srgbClr val="FFFFFF"/>
+                </a:solidFill>
+              </a14:hiddenFill>
+            </a:ext>
+          </a:extLst>
+        </p:spPr>
+      </p:pic>
+      <p:sp>
+        <p:nvSpPr>
+          <p:cNvPr id="6" name="Flecha derecha 5"/>
+          <p:cNvSpPr/>
+          <p:nvPr/>
+        </p:nvSpPr>
+        <p:spPr>
+          <a:xfrm>
+            <a:off x="3804760" y="4770549"/>
+            <a:ext cx="627018" cy="261257"/>
+          </a:xfrm>
+          <a:prstGeom prst="rightArrow">
+            <a:avLst/>
+          </a:prstGeom>
+        </p:spPr>
+        <p:style>
+          <a:lnRef idx="1">
+            <a:schemeClr val="dk1"/>
+          </a:lnRef>
+          <a:fillRef idx="3">
+            <a:schemeClr val="dk1"/>
+          </a:fillRef>
+          <a:effectRef idx="2">
+            <a:schemeClr val="dk1"/>
+          </a:effectRef>
+          <a:fontRef idx="minor">
+            <a:schemeClr val="lt1"/>
+          </a:fontRef>
+        </p:style>
+        <p:txBody>
+          <a:bodyPr rtlCol="0" anchor="ctr"/>
+          <a:lstStyle/>
+          <a:p>
+            <a:pPr marL="0" marR="0" lvl="0" indent="0" algn="ctr" defTabSz="457200" rtl="0" eaLnBrk="1" fontAlgn="auto" latinLnBrk="0" hangingPunct="1">
+              <a:lnSpc>
+                <a:spcPct val="100000"/>
+              </a:lnSpc>
+              <a:spcBef>
+                <a:spcPts val="0"/>
+              </a:spcBef>
+              <a:spcAft>
+                <a:spcPts val="0"/>
+              </a:spcAft>
+              <a:buClrTx/>
+              <a:buSzTx/>
+              <a:buFontTx/>
+              <a:buNone/>
+              <a:tabLst/>
+              <a:defRPr/>
+            </a:pPr>
+            <a:endParaRPr kumimoji="0" lang="es-MX" sz="1800" b="0" i="0" u="none" strike="noStrike" kern="1200" cap="none" spc="0" normalizeH="0" baseline="0" noProof="0">
+              <a:ln>
+                <a:noFill/>
+              </a:ln>
+              <a:solidFill>
+                <a:prstClr val="white"/>
+              </a:solidFill>
+              <a:effectLst/>
+              <a:uLnTx/>
+              <a:uFillTx/>
+              <a:latin typeface="Gill Sans MT" panose="020B0502020104020203"/>
+              <a:ea typeface="+mn-ea"/>
+              <a:cs typeface="+mn-cs"/>
+            </a:endParaRPr>
+          </a:p>
+        </p:txBody>
+      </p:sp>
+      <p:sp>
+        <p:nvSpPr>
+          <p:cNvPr id="21" name="Flecha derecha 20"/>
+          <p:cNvSpPr/>
+          <p:nvPr/>
+        </p:nvSpPr>
+        <p:spPr>
+          <a:xfrm>
+            <a:off x="7386295" y="4728754"/>
+            <a:ext cx="627018" cy="261257"/>
+          </a:xfrm>
+          <a:prstGeom prst="rightArrow">
+            <a:avLst/>
+          </a:prstGeom>
+        </p:spPr>
+        <p:style>
+          <a:lnRef idx="1">
+            <a:schemeClr val="dk1"/>
+          </a:lnRef>
+          <a:fillRef idx="3">
+            <a:schemeClr val="dk1"/>
+          </a:fillRef>
+          <a:effectRef idx="2">
+            <a:schemeClr val="dk1"/>
+          </a:effectRef>
+          <a:fontRef idx="minor">
+            <a:schemeClr val="lt1"/>
+          </a:fontRef>
+        </p:style>
+        <p:txBody>
+          <a:bodyPr rtlCol="0" anchor="ctr"/>
+          <a:lstStyle/>
+          <a:p>
+            <a:pPr marL="0" marR="0" lvl="0" indent="0" algn="ctr" defTabSz="457200" rtl="0" eaLnBrk="1" fontAlgn="auto" latinLnBrk="0" hangingPunct="1">
+              <a:lnSpc>
+                <a:spcPct val="100000"/>
+              </a:lnSpc>
+              <a:spcBef>
+                <a:spcPts val="0"/>
+              </a:spcBef>
+              <a:spcAft>
+                <a:spcPts val="0"/>
+              </a:spcAft>
+              <a:buClrTx/>
+              <a:buSzTx/>
+              <a:buFontTx/>
+              <a:buNone/>
+              <a:tabLst/>
+              <a:defRPr/>
+            </a:pPr>
+            <a:endParaRPr kumimoji="0" lang="es-MX" sz="1800" b="0" i="0" u="none" strike="noStrike" kern="1200" cap="none" spc="0" normalizeH="0" baseline="0" noProof="0">
+              <a:ln>
+                <a:noFill/>
+              </a:ln>
+              <a:solidFill>
+                <a:prstClr val="white"/>
+              </a:solidFill>
+              <a:effectLst/>
+              <a:uLnTx/>
+              <a:uFillTx/>
+              <a:latin typeface="Gill Sans MT" panose="020B0502020104020203"/>
+              <a:ea typeface="+mn-ea"/>
+              <a:cs typeface="+mn-cs"/>
+            </a:endParaRPr>
+          </a:p>
+        </p:txBody>
+      </p:sp>
+      <p:sp>
+        <p:nvSpPr>
+          <p:cNvPr id="2" name="Marcador de número de diapositiva 1">
+            <a:extLst>
+              <a:ext uri="{FF2B5EF4-FFF2-40B4-BE49-F238E27FC236}">
+                <a16:creationId xmlns:a16="http://schemas.microsoft.com/office/drawing/2014/main" id="{AA3609B3-420A-43D8-9F8B-85D3D9949689}"/>
+              </a:ext>
+            </a:extLst>
+          </p:cNvPr>
+          <p:cNvSpPr>
+            <a:spLocks noGrp="1"/>
+          </p:cNvSpPr>
+          <p:nvPr>
+            <p:ph type="sldNum" sz="quarter" idx="12"/>
+          </p:nvPr>
+        </p:nvSpPr>
+        <p:spPr/>
+        <p:txBody>
+          <a:bodyPr/>
+          <a:lstStyle/>
+          <a:p>
+            <a:fld id="{8A7A6979-0714-4377-B894-6BE4C2D6E202}" type="slidenum">
+              <a:rPr lang="en-US" smtClean="0"/>
+              <a:t>7</a:t>
+            </a:fld>
+            <a:endParaRPr lang="en-US" dirty="0"/>
+          </a:p>
+        </p:txBody>
+      </p:sp>
+    </p:spTree>
+    <p:extLst>
+      <p:ext uri="{BB962C8B-B14F-4D97-AF65-F5344CB8AC3E}">
+        <p14:creationId xmlns:p14="http://schemas.microsoft.com/office/powerpoint/2010/main" val="4034913781"/>
+      </p:ext>
+    </p:extLst>
+  </p:cSld>
+  <p:clrMapOvr>
+    <a:masterClrMapping/>
+  </p:clrMapOvr>
+</p:sld>
+</file>
+
+<file path=ppt/slides/slide8.xml><?xml version="1.0" encoding="utf-8"?>
 <p:sld xmlns:a="http://schemas.openxmlformats.org/drawingml/2006/main" xmlns:r="http://schemas.openxmlformats.org/officeDocument/2006/relationships" xmlns:p="http://schemas.openxmlformats.org/presentationml/2006/main">
   <p:cSld>
     <p:bg>
@@ -4055,43 +5496,386 @@
       </p:grpSpPr>
       <p:sp>
         <p:nvSpPr>
-          <p:cNvPr id="2" name="Título 1">
-            <a:extLst>
-              <a:ext uri="{FF2B5EF4-FFF2-40B4-BE49-F238E27FC236}">
-                <a16:creationId xmlns:a16="http://schemas.microsoft.com/office/drawing/2014/main" id="{221C009E-1670-4C7C-984D-A393501F36AD}"/>
-              </a:ext>
-            </a:extLst>
-          </p:cNvPr>
-          <p:cNvSpPr>
-            <a:spLocks noGrp="1"/>
-          </p:cNvSpPr>
-          <p:nvPr>
-            <p:ph type="title"/>
-          </p:nvPr>
-        </p:nvSpPr>
-        <p:spPr/>
-        <p:txBody>
-          <a:bodyPr/>
-          <a:lstStyle/>
-          <a:p>
-            <a:endParaRPr lang="es-MX"/>
-          </a:p>
-        </p:txBody>
-      </p:sp>
-      <p:sp>
-        <p:nvSpPr>
-          <p:cNvPr id="3" name="Marcador de contenido 2">
+          <p:cNvPr id="4" name="Marcador de contenido 2">
             <a:extLst>
               <a:ext uri="{FF2B5EF4-FFF2-40B4-BE49-F238E27FC236}">
                 <a16:creationId xmlns:a16="http://schemas.microsoft.com/office/drawing/2014/main" id="{213818D7-CBFB-4692-8666-BBDCA8C8DC14}"/>
               </a:ext>
             </a:extLst>
           </p:cNvPr>
-          <p:cNvSpPr>
-            <a:spLocks noGrp="1"/>
-          </p:cNvSpPr>
-          <p:nvPr>
-            <p:ph idx="1"/>
+          <p:cNvSpPr txBox="1">
+            <a:spLocks/>
+          </p:cNvSpPr>
+          <p:nvPr/>
+        </p:nvSpPr>
+        <p:spPr>
+          <a:xfrm>
+            <a:off x="326571" y="522514"/>
+            <a:ext cx="11639006" cy="5760720"/>
+          </a:xfrm>
+          <a:prstGeom prst="rect">
+            <a:avLst/>
+          </a:prstGeom>
+        </p:spPr>
+        <p:txBody>
+          <a:bodyPr>
+            <a:normAutofit fontScale="92500" lnSpcReduction="10000"/>
+          </a:bodyPr>
+          <a:lstStyle>
+            <a:lvl1pPr marL="228600" indent="-228600" algn="l" defTabSz="914400" rtl="0" eaLnBrk="1" latinLnBrk="0" hangingPunct="1">
+              <a:lnSpc>
+                <a:spcPct val="100000"/>
+              </a:lnSpc>
+              <a:spcBef>
+                <a:spcPts val="1000"/>
+              </a:spcBef>
+              <a:buClr>
+                <a:schemeClr val="accent2"/>
+              </a:buClr>
+              <a:buFont typeface="Arial" panose="020B0604020202020204" pitchFamily="34" charset="0"/>
+              <a:buChar char="•"/>
+              <a:defRPr sz="1800" kern="1200">
+                <a:solidFill>
+                  <a:schemeClr val="tx1">
+                    <a:lumMod val="85000"/>
+                    <a:lumOff val="15000"/>
+                  </a:schemeClr>
+                </a:solidFill>
+                <a:latin typeface="+mn-lt"/>
+                <a:ea typeface="+mn-ea"/>
+                <a:cs typeface="+mn-cs"/>
+              </a:defRPr>
+            </a:lvl1pPr>
+            <a:lvl2pPr marL="457200" indent="-228600" algn="l" defTabSz="914400" rtl="0" eaLnBrk="1" latinLnBrk="0" hangingPunct="1">
+              <a:lnSpc>
+                <a:spcPct val="100000"/>
+              </a:lnSpc>
+              <a:spcBef>
+                <a:spcPts val="1000"/>
+              </a:spcBef>
+              <a:buClr>
+                <a:schemeClr val="accent2"/>
+              </a:buClr>
+              <a:buFont typeface="Arial" panose="020B0604020202020204" pitchFamily="34" charset="0"/>
+              <a:buChar char="•"/>
+              <a:defRPr sz="1600" kern="1200">
+                <a:solidFill>
+                  <a:schemeClr val="tx1">
+                    <a:lumMod val="85000"/>
+                    <a:lumOff val="15000"/>
+                  </a:schemeClr>
+                </a:solidFill>
+                <a:latin typeface="+mn-lt"/>
+                <a:ea typeface="+mn-ea"/>
+                <a:cs typeface="+mn-cs"/>
+              </a:defRPr>
+            </a:lvl2pPr>
+            <a:lvl3pPr marL="685800" indent="-228600" algn="l" defTabSz="914400" rtl="0" eaLnBrk="1" latinLnBrk="0" hangingPunct="1">
+              <a:lnSpc>
+                <a:spcPct val="100000"/>
+              </a:lnSpc>
+              <a:spcBef>
+                <a:spcPts val="1000"/>
+              </a:spcBef>
+              <a:buClr>
+                <a:schemeClr val="accent2"/>
+              </a:buClr>
+              <a:buFont typeface="Arial" panose="020B0604020202020204" pitchFamily="34" charset="0"/>
+              <a:buChar char="•"/>
+              <a:defRPr sz="1600" kern="1200">
+                <a:solidFill>
+                  <a:schemeClr val="tx1">
+                    <a:lumMod val="85000"/>
+                    <a:lumOff val="15000"/>
+                  </a:schemeClr>
+                </a:solidFill>
+                <a:latin typeface="+mn-lt"/>
+                <a:ea typeface="+mn-ea"/>
+                <a:cs typeface="+mn-cs"/>
+              </a:defRPr>
+            </a:lvl3pPr>
+            <a:lvl4pPr marL="914400" indent="-228600" algn="l" defTabSz="914400" rtl="0" eaLnBrk="1" latinLnBrk="0" hangingPunct="1">
+              <a:lnSpc>
+                <a:spcPct val="100000"/>
+              </a:lnSpc>
+              <a:spcBef>
+                <a:spcPts val="1000"/>
+              </a:spcBef>
+              <a:buClr>
+                <a:schemeClr val="accent2"/>
+              </a:buClr>
+              <a:buFont typeface="Arial" panose="020B0604020202020204" pitchFamily="34" charset="0"/>
+              <a:buChar char="•"/>
+              <a:defRPr sz="1600" kern="1200">
+                <a:solidFill>
+                  <a:schemeClr val="tx1">
+                    <a:lumMod val="85000"/>
+                    <a:lumOff val="15000"/>
+                  </a:schemeClr>
+                </a:solidFill>
+                <a:latin typeface="+mn-lt"/>
+                <a:ea typeface="+mn-ea"/>
+                <a:cs typeface="+mn-cs"/>
+              </a:defRPr>
+            </a:lvl4pPr>
+            <a:lvl5pPr marL="1143000" indent="-228600" algn="l" defTabSz="914400" rtl="0" eaLnBrk="1" latinLnBrk="0" hangingPunct="1">
+              <a:lnSpc>
+                <a:spcPct val="100000"/>
+              </a:lnSpc>
+              <a:spcBef>
+                <a:spcPts val="1000"/>
+              </a:spcBef>
+              <a:buClr>
+                <a:schemeClr val="accent2"/>
+              </a:buClr>
+              <a:buFont typeface="Arial" panose="020B0604020202020204" pitchFamily="34" charset="0"/>
+              <a:buChar char="•"/>
+              <a:defRPr sz="1600" kern="1200">
+                <a:solidFill>
+                  <a:schemeClr val="tx1">
+                    <a:lumMod val="85000"/>
+                    <a:lumOff val="15000"/>
+                  </a:schemeClr>
+                </a:solidFill>
+                <a:latin typeface="+mn-lt"/>
+                <a:ea typeface="+mn-ea"/>
+                <a:cs typeface="+mn-cs"/>
+              </a:defRPr>
+            </a:lvl5pPr>
+            <a:lvl6pPr marL="1312863" indent="-228600" algn="l" defTabSz="914400" rtl="0" eaLnBrk="1" latinLnBrk="0" hangingPunct="1">
+              <a:lnSpc>
+                <a:spcPct val="100000"/>
+              </a:lnSpc>
+              <a:spcBef>
+                <a:spcPts val="1000"/>
+              </a:spcBef>
+              <a:buClr>
+                <a:schemeClr val="accent2"/>
+              </a:buClr>
+              <a:buFont typeface="Arial" panose="020B0604020202020204" pitchFamily="34" charset="0"/>
+              <a:buChar char="•"/>
+              <a:defRPr sz="1600" kern="1200">
+                <a:solidFill>
+                  <a:schemeClr val="tx1"/>
+                </a:solidFill>
+                <a:latin typeface="+mn-lt"/>
+                <a:ea typeface="+mn-ea"/>
+                <a:cs typeface="+mn-cs"/>
+              </a:defRPr>
+            </a:lvl6pPr>
+            <a:lvl7pPr marL="1484313" indent="-228600" algn="l" defTabSz="914400" rtl="0" eaLnBrk="1" latinLnBrk="0" hangingPunct="1">
+              <a:lnSpc>
+                <a:spcPct val="100000"/>
+              </a:lnSpc>
+              <a:spcBef>
+                <a:spcPts val="1000"/>
+              </a:spcBef>
+              <a:buClr>
+                <a:schemeClr val="accent2"/>
+              </a:buClr>
+              <a:buFont typeface="Arial" panose="020B0604020202020204" pitchFamily="34" charset="0"/>
+              <a:buChar char="•"/>
+              <a:defRPr sz="1600" kern="1200">
+                <a:solidFill>
+                  <a:schemeClr val="tx1"/>
+                </a:solidFill>
+                <a:latin typeface="+mn-lt"/>
+                <a:ea typeface="+mn-ea"/>
+                <a:cs typeface="+mn-cs"/>
+              </a:defRPr>
+            </a:lvl7pPr>
+            <a:lvl8pPr marL="1657350" indent="-228600" algn="l" defTabSz="914400" rtl="0" eaLnBrk="1" latinLnBrk="0" hangingPunct="1">
+              <a:lnSpc>
+                <a:spcPct val="100000"/>
+              </a:lnSpc>
+              <a:spcBef>
+                <a:spcPts val="1000"/>
+              </a:spcBef>
+              <a:buClr>
+                <a:schemeClr val="accent2"/>
+              </a:buClr>
+              <a:buFont typeface="Arial" panose="020B0604020202020204" pitchFamily="34" charset="0"/>
+              <a:buChar char="•"/>
+              <a:defRPr sz="1600" kern="1200" baseline="0">
+                <a:solidFill>
+                  <a:schemeClr val="tx1"/>
+                </a:solidFill>
+                <a:latin typeface="+mn-lt"/>
+                <a:ea typeface="+mn-ea"/>
+                <a:cs typeface="+mn-cs"/>
+              </a:defRPr>
+            </a:lvl8pPr>
+            <a:lvl9pPr marL="1882775" indent="-228600" algn="l" defTabSz="914400" rtl="0" eaLnBrk="1" latinLnBrk="0" hangingPunct="1">
+              <a:lnSpc>
+                <a:spcPct val="100000"/>
+              </a:lnSpc>
+              <a:spcBef>
+                <a:spcPts val="1000"/>
+              </a:spcBef>
+              <a:buClr>
+                <a:schemeClr val="accent2"/>
+              </a:buClr>
+              <a:buFont typeface="Arial" panose="020B0604020202020204" pitchFamily="34" charset="0"/>
+              <a:buChar char="•"/>
+              <a:defRPr sz="1600" kern="1200" baseline="0">
+                <a:solidFill>
+                  <a:schemeClr val="tx1"/>
+                </a:solidFill>
+                <a:latin typeface="+mn-lt"/>
+                <a:ea typeface="+mn-ea"/>
+                <a:cs typeface="+mn-cs"/>
+              </a:defRPr>
+            </a:lvl9pPr>
+          </a:lstStyle>
+          <a:p>
+            <a:pPr marL="0" indent="0">
+              <a:buNone/>
+            </a:pPr>
+            <a:endParaRPr lang="es-MX" sz="2600" dirty="0"/>
+          </a:p>
+          <a:p>
+            <a:pPr>
+              <a:buFont typeface="Wingdings" panose="05000000000000000000" pitchFamily="2" charset="2"/>
+              <a:buChar char="ü"/>
+            </a:pPr>
+            <a:r>
+              <a:rPr lang="es-MX" sz="2600" dirty="0"/>
+              <a:t>¿Cómo documentaría los resultados del análisis para cada arquitectura? </a:t>
+            </a:r>
+            <a:r>
+              <a:rPr lang="es-MX" sz="2600" i="1" dirty="0"/>
+              <a:t>(liste los artefactos que generaría)</a:t>
+            </a:r>
+          </a:p>
+          <a:p>
+            <a:r>
+              <a:rPr lang="es-MX" sz="2600" dirty="0"/>
+              <a:t>Para los requisitos se podría llevar a cabo una metodología de trabajo, como SCRUM para poder realizar historias de usuario como documentación. De esta manera podremos priorizar requerimientos y jerarquizar los objetivos según el valor que aportan al proyecto.</a:t>
+            </a:r>
+          </a:p>
+          <a:p>
+            <a:r>
+              <a:rPr lang="es-MX" sz="2600" dirty="0"/>
+              <a:t>Al definir los procesos se deben identificar los requisitos que se tomaran como prioridad, después cada proceso de negocio se someterá a un sistema de control para verificar que cumpla con todo, también se generaran reportes </a:t>
+            </a:r>
+            <a:r>
+              <a:rPr lang="es-ES" sz="2600" dirty="0"/>
+              <a:t>para verificar que cada proceso de negocio este aportando valor al proyecto.</a:t>
+            </a:r>
+          </a:p>
+          <a:p>
+            <a:r>
+              <a:rPr lang="es-ES" sz="2600" dirty="0"/>
+              <a:t>Listado:</a:t>
+            </a:r>
+          </a:p>
+          <a:p>
+            <a:pPr marL="342900" indent="-342900">
+              <a:buFont typeface="+mj-lt"/>
+              <a:buAutoNum type="arabicPeriod"/>
+            </a:pPr>
+            <a:r>
+              <a:rPr lang="es-MX" sz="2600" dirty="0"/>
+              <a:t>Historias de usuario.</a:t>
+            </a:r>
+          </a:p>
+          <a:p>
+            <a:pPr marL="342900" indent="-342900">
+              <a:buFont typeface="+mj-lt"/>
+              <a:buAutoNum type="arabicPeriod"/>
+            </a:pPr>
+            <a:r>
+              <a:rPr lang="es-MX" sz="2600" dirty="0"/>
+              <a:t>Sistema de control.</a:t>
+            </a:r>
+          </a:p>
+          <a:p>
+            <a:pPr marL="342900" indent="-342900">
+              <a:buFont typeface="+mj-lt"/>
+              <a:buAutoNum type="arabicPeriod"/>
+            </a:pPr>
+            <a:r>
+              <a:rPr lang="es-MX" sz="2600" dirty="0"/>
+              <a:t>Reportes</a:t>
+            </a:r>
+          </a:p>
+          <a:p>
+            <a:pPr>
+              <a:buFont typeface="Wingdings" panose="05000000000000000000" pitchFamily="2" charset="2"/>
+              <a:buChar char="ü"/>
+            </a:pPr>
+            <a:endParaRPr lang="es-MX" sz="2800" dirty="0"/>
+          </a:p>
+          <a:p>
+            <a:pPr marL="0" indent="0">
+              <a:buNone/>
+            </a:pPr>
+            <a:endParaRPr lang="es-MX" dirty="0"/>
+          </a:p>
+          <a:p>
+            <a:pPr marL="342900" indent="-342900">
+              <a:buFont typeface="+mj-lt"/>
+              <a:buAutoNum type="arabicPeriod"/>
+            </a:pPr>
+            <a:endParaRPr lang="es-MX" dirty="0"/>
+          </a:p>
+        </p:txBody>
+      </p:sp>
+      <p:pic>
+        <p:nvPicPr>
+          <p:cNvPr id="3074" name="Picture 2" descr="Resultado de imagen para reportes png"/>
+          <p:cNvPicPr>
+            <a:picLocks noChangeAspect="1" noChangeArrowheads="1"/>
+          </p:cNvPicPr>
+          <p:nvPr/>
+        </p:nvPicPr>
+        <p:blipFill>
+          <a:blip r:embed="rId2">
+            <a:extLst>
+              <a:ext uri="{28A0092B-C50C-407E-A947-70E740481C1C}">
+                <a14:useLocalDpi xmlns:a14="http://schemas.microsoft.com/office/drawing/2010/main" val="0"/>
+              </a:ext>
+            </a:extLst>
+          </a:blip>
+          <a:srcRect/>
+          <a:stretch>
+            <a:fillRect/>
+          </a:stretch>
+        </p:blipFill>
+        <p:spPr bwMode="auto">
+          <a:xfrm>
+            <a:off x="7511143" y="3527848"/>
+            <a:ext cx="4188460" cy="3447718"/>
+          </a:xfrm>
+          <a:prstGeom prst="rect">
+            <a:avLst/>
+          </a:prstGeom>
+          <a:noFill/>
+          <a:extLst>
+            <a:ext uri="{909E8E84-426E-40DD-AFC4-6F175D3DCCD1}">
+              <a14:hiddenFill xmlns:a14="http://schemas.microsoft.com/office/drawing/2010/main">
+                <a:solidFill>
+                  <a:srgbClr val="FFFFFF"/>
+                </a:solidFill>
+              </a14:hiddenFill>
+            </a:ext>
+          </a:extLst>
+        </p:spPr>
+      </p:pic>
+      <p:sp>
+        <p:nvSpPr>
+          <p:cNvPr id="2" name="Marcador de número de diapositiva 1">
+            <a:extLst>
+              <a:ext uri="{FF2B5EF4-FFF2-40B4-BE49-F238E27FC236}">
+                <a16:creationId xmlns:a16="http://schemas.microsoft.com/office/drawing/2014/main" id="{671DF3A8-8392-446B-8B5E-D325A6A226CE}"/>
+              </a:ext>
+            </a:extLst>
+          </p:cNvPr>
+          <p:cNvSpPr>
+            <a:spLocks noGrp="1"/>
+          </p:cNvSpPr>
+          <p:nvPr>
+            <p:ph type="sldNum" sz="quarter" idx="12"/>
           </p:nvPr>
         </p:nvSpPr>
         <p:spPr/>
@@ -4099,14 +5883,395 @@
           <a:bodyPr/>
           <a:lstStyle/>
           <a:p>
-            <a:endParaRPr lang="es-MX"/>
+            <a:fld id="{8A7A6979-0714-4377-B894-6BE4C2D6E202}" type="slidenum">
+              <a:rPr lang="en-US" smtClean="0"/>
+              <a:t>8</a:t>
+            </a:fld>
+            <a:endParaRPr lang="en-US" dirty="0"/>
           </a:p>
         </p:txBody>
       </p:sp>
     </p:spTree>
     <p:extLst>
       <p:ext uri="{BB962C8B-B14F-4D97-AF65-F5344CB8AC3E}">
-        <p14:creationId xmlns:p14="http://schemas.microsoft.com/office/powerpoint/2010/main" val="2426155465"/>
+        <p14:creationId xmlns:p14="http://schemas.microsoft.com/office/powerpoint/2010/main" val="1488426637"/>
+      </p:ext>
+    </p:extLst>
+  </p:cSld>
+  <p:clrMapOvr>
+    <a:masterClrMapping/>
+  </p:clrMapOvr>
+</p:sld>
+</file>
+
+<file path=ppt/slides/slide9.xml><?xml version="1.0" encoding="utf-8"?>
+<p:sld xmlns:a="http://schemas.openxmlformats.org/drawingml/2006/main" xmlns:r="http://schemas.openxmlformats.org/officeDocument/2006/relationships" xmlns:p="http://schemas.openxmlformats.org/presentationml/2006/main">
+  <p:cSld>
+    <p:spTree>
+      <p:nvGrpSpPr>
+        <p:cNvPr id="1" name=""/>
+        <p:cNvGrpSpPr/>
+        <p:nvPr/>
+      </p:nvGrpSpPr>
+      <p:grpSpPr>
+        <a:xfrm>
+          <a:off x="0" y="0"/>
+          <a:ext cx="0" cy="0"/>
+          <a:chOff x="0" y="0"/>
+          <a:chExt cx="0" cy="0"/>
+        </a:xfrm>
+      </p:grpSpPr>
+      <p:sp>
+        <p:nvSpPr>
+          <p:cNvPr id="2" name="Marcador de contenido 2">
+            <a:extLst>
+              <a:ext uri="{FF2B5EF4-FFF2-40B4-BE49-F238E27FC236}">
+                <a16:creationId xmlns:a16="http://schemas.microsoft.com/office/drawing/2014/main" id="{213818D7-CBFB-4692-8666-BBDCA8C8DC14}"/>
+              </a:ext>
+            </a:extLst>
+          </p:cNvPr>
+          <p:cNvSpPr txBox="1">
+            <a:spLocks/>
+          </p:cNvSpPr>
+          <p:nvPr/>
+        </p:nvSpPr>
+        <p:spPr>
+          <a:xfrm>
+            <a:off x="326571" y="522514"/>
+            <a:ext cx="11639006" cy="5760720"/>
+          </a:xfrm>
+          <a:prstGeom prst="rect">
+            <a:avLst/>
+          </a:prstGeom>
+        </p:spPr>
+        <p:txBody>
+          <a:bodyPr>
+            <a:normAutofit/>
+          </a:bodyPr>
+          <a:lstStyle>
+            <a:lvl1pPr marL="228600" indent="-228600" algn="l" defTabSz="914400" rtl="0" eaLnBrk="1" latinLnBrk="0" hangingPunct="1">
+              <a:lnSpc>
+                <a:spcPct val="100000"/>
+              </a:lnSpc>
+              <a:spcBef>
+                <a:spcPts val="1000"/>
+              </a:spcBef>
+              <a:buClr>
+                <a:schemeClr val="accent2"/>
+              </a:buClr>
+              <a:buFont typeface="Arial" panose="020B0604020202020204" pitchFamily="34" charset="0"/>
+              <a:buChar char="•"/>
+              <a:defRPr sz="1800" kern="1200">
+                <a:solidFill>
+                  <a:schemeClr val="tx1">
+                    <a:lumMod val="85000"/>
+                    <a:lumOff val="15000"/>
+                  </a:schemeClr>
+                </a:solidFill>
+                <a:latin typeface="+mn-lt"/>
+                <a:ea typeface="+mn-ea"/>
+                <a:cs typeface="+mn-cs"/>
+              </a:defRPr>
+            </a:lvl1pPr>
+            <a:lvl2pPr marL="457200" indent="-228600" algn="l" defTabSz="914400" rtl="0" eaLnBrk="1" latinLnBrk="0" hangingPunct="1">
+              <a:lnSpc>
+                <a:spcPct val="100000"/>
+              </a:lnSpc>
+              <a:spcBef>
+                <a:spcPts val="1000"/>
+              </a:spcBef>
+              <a:buClr>
+                <a:schemeClr val="accent2"/>
+              </a:buClr>
+              <a:buFont typeface="Arial" panose="020B0604020202020204" pitchFamily="34" charset="0"/>
+              <a:buChar char="•"/>
+              <a:defRPr sz="1600" kern="1200">
+                <a:solidFill>
+                  <a:schemeClr val="tx1">
+                    <a:lumMod val="85000"/>
+                    <a:lumOff val="15000"/>
+                  </a:schemeClr>
+                </a:solidFill>
+                <a:latin typeface="+mn-lt"/>
+                <a:ea typeface="+mn-ea"/>
+                <a:cs typeface="+mn-cs"/>
+              </a:defRPr>
+            </a:lvl2pPr>
+            <a:lvl3pPr marL="685800" indent="-228600" algn="l" defTabSz="914400" rtl="0" eaLnBrk="1" latinLnBrk="0" hangingPunct="1">
+              <a:lnSpc>
+                <a:spcPct val="100000"/>
+              </a:lnSpc>
+              <a:spcBef>
+                <a:spcPts val="1000"/>
+              </a:spcBef>
+              <a:buClr>
+                <a:schemeClr val="accent2"/>
+              </a:buClr>
+              <a:buFont typeface="Arial" panose="020B0604020202020204" pitchFamily="34" charset="0"/>
+              <a:buChar char="•"/>
+              <a:defRPr sz="1600" kern="1200">
+                <a:solidFill>
+                  <a:schemeClr val="tx1">
+                    <a:lumMod val="85000"/>
+                    <a:lumOff val="15000"/>
+                  </a:schemeClr>
+                </a:solidFill>
+                <a:latin typeface="+mn-lt"/>
+                <a:ea typeface="+mn-ea"/>
+                <a:cs typeface="+mn-cs"/>
+              </a:defRPr>
+            </a:lvl3pPr>
+            <a:lvl4pPr marL="914400" indent="-228600" algn="l" defTabSz="914400" rtl="0" eaLnBrk="1" latinLnBrk="0" hangingPunct="1">
+              <a:lnSpc>
+                <a:spcPct val="100000"/>
+              </a:lnSpc>
+              <a:spcBef>
+                <a:spcPts val="1000"/>
+              </a:spcBef>
+              <a:buClr>
+                <a:schemeClr val="accent2"/>
+              </a:buClr>
+              <a:buFont typeface="Arial" panose="020B0604020202020204" pitchFamily="34" charset="0"/>
+              <a:buChar char="•"/>
+              <a:defRPr sz="1600" kern="1200">
+                <a:solidFill>
+                  <a:schemeClr val="tx1">
+                    <a:lumMod val="85000"/>
+                    <a:lumOff val="15000"/>
+                  </a:schemeClr>
+                </a:solidFill>
+                <a:latin typeface="+mn-lt"/>
+                <a:ea typeface="+mn-ea"/>
+                <a:cs typeface="+mn-cs"/>
+              </a:defRPr>
+            </a:lvl4pPr>
+            <a:lvl5pPr marL="1143000" indent="-228600" algn="l" defTabSz="914400" rtl="0" eaLnBrk="1" latinLnBrk="0" hangingPunct="1">
+              <a:lnSpc>
+                <a:spcPct val="100000"/>
+              </a:lnSpc>
+              <a:spcBef>
+                <a:spcPts val="1000"/>
+              </a:spcBef>
+              <a:buClr>
+                <a:schemeClr val="accent2"/>
+              </a:buClr>
+              <a:buFont typeface="Arial" panose="020B0604020202020204" pitchFamily="34" charset="0"/>
+              <a:buChar char="•"/>
+              <a:defRPr sz="1600" kern="1200">
+                <a:solidFill>
+                  <a:schemeClr val="tx1">
+                    <a:lumMod val="85000"/>
+                    <a:lumOff val="15000"/>
+                  </a:schemeClr>
+                </a:solidFill>
+                <a:latin typeface="+mn-lt"/>
+                <a:ea typeface="+mn-ea"/>
+                <a:cs typeface="+mn-cs"/>
+              </a:defRPr>
+            </a:lvl5pPr>
+            <a:lvl6pPr marL="1312863" indent="-228600" algn="l" defTabSz="914400" rtl="0" eaLnBrk="1" latinLnBrk="0" hangingPunct="1">
+              <a:lnSpc>
+                <a:spcPct val="100000"/>
+              </a:lnSpc>
+              <a:spcBef>
+                <a:spcPts val="1000"/>
+              </a:spcBef>
+              <a:buClr>
+                <a:schemeClr val="accent2"/>
+              </a:buClr>
+              <a:buFont typeface="Arial" panose="020B0604020202020204" pitchFamily="34" charset="0"/>
+              <a:buChar char="•"/>
+              <a:defRPr sz="1600" kern="1200">
+                <a:solidFill>
+                  <a:schemeClr val="tx1"/>
+                </a:solidFill>
+                <a:latin typeface="+mn-lt"/>
+                <a:ea typeface="+mn-ea"/>
+                <a:cs typeface="+mn-cs"/>
+              </a:defRPr>
+            </a:lvl6pPr>
+            <a:lvl7pPr marL="1484313" indent="-228600" algn="l" defTabSz="914400" rtl="0" eaLnBrk="1" latinLnBrk="0" hangingPunct="1">
+              <a:lnSpc>
+                <a:spcPct val="100000"/>
+              </a:lnSpc>
+              <a:spcBef>
+                <a:spcPts val="1000"/>
+              </a:spcBef>
+              <a:buClr>
+                <a:schemeClr val="accent2"/>
+              </a:buClr>
+              <a:buFont typeface="Arial" panose="020B0604020202020204" pitchFamily="34" charset="0"/>
+              <a:buChar char="•"/>
+              <a:defRPr sz="1600" kern="1200">
+                <a:solidFill>
+                  <a:schemeClr val="tx1"/>
+                </a:solidFill>
+                <a:latin typeface="+mn-lt"/>
+                <a:ea typeface="+mn-ea"/>
+                <a:cs typeface="+mn-cs"/>
+              </a:defRPr>
+            </a:lvl7pPr>
+            <a:lvl8pPr marL="1657350" indent="-228600" algn="l" defTabSz="914400" rtl="0" eaLnBrk="1" latinLnBrk="0" hangingPunct="1">
+              <a:lnSpc>
+                <a:spcPct val="100000"/>
+              </a:lnSpc>
+              <a:spcBef>
+                <a:spcPts val="1000"/>
+              </a:spcBef>
+              <a:buClr>
+                <a:schemeClr val="accent2"/>
+              </a:buClr>
+              <a:buFont typeface="Arial" panose="020B0604020202020204" pitchFamily="34" charset="0"/>
+              <a:buChar char="•"/>
+              <a:defRPr sz="1600" kern="1200" baseline="0">
+                <a:solidFill>
+                  <a:schemeClr val="tx1"/>
+                </a:solidFill>
+                <a:latin typeface="+mn-lt"/>
+                <a:ea typeface="+mn-ea"/>
+                <a:cs typeface="+mn-cs"/>
+              </a:defRPr>
+            </a:lvl8pPr>
+            <a:lvl9pPr marL="1882775" indent="-228600" algn="l" defTabSz="914400" rtl="0" eaLnBrk="1" latinLnBrk="0" hangingPunct="1">
+              <a:lnSpc>
+                <a:spcPct val="100000"/>
+              </a:lnSpc>
+              <a:spcBef>
+                <a:spcPts val="1000"/>
+              </a:spcBef>
+              <a:buClr>
+                <a:schemeClr val="accent2"/>
+              </a:buClr>
+              <a:buFont typeface="Arial" panose="020B0604020202020204" pitchFamily="34" charset="0"/>
+              <a:buChar char="•"/>
+              <a:defRPr sz="1600" kern="1200" baseline="0">
+                <a:solidFill>
+                  <a:schemeClr val="tx1"/>
+                </a:solidFill>
+                <a:latin typeface="+mn-lt"/>
+                <a:ea typeface="+mn-ea"/>
+                <a:cs typeface="+mn-cs"/>
+              </a:defRPr>
+            </a:lvl9pPr>
+          </a:lstStyle>
+          <a:p>
+            <a:pPr marL="0" indent="0">
+              <a:buNone/>
+            </a:pPr>
+            <a:endParaRPr lang="es-MX" sz="2600" dirty="0"/>
+          </a:p>
+          <a:p>
+            <a:pPr>
+              <a:buFont typeface="Wingdings" panose="05000000000000000000" pitchFamily="2" charset="2"/>
+              <a:buChar char="ü"/>
+            </a:pPr>
+            <a:r>
+              <a:rPr lang="es-MX" sz="2400" dirty="0"/>
+              <a:t>¿Cuál es la propuesta de solución en cada arquitectura que usted propondría para lograr el alcance solicitado? </a:t>
+            </a:r>
+          </a:p>
+          <a:p>
+            <a:pPr marL="0" indent="0">
+              <a:buNone/>
+            </a:pPr>
+            <a:r>
+              <a:rPr lang="es-MX" sz="2400" dirty="0"/>
+              <a:t>La propuesta seria establecer una metodología de trabajo para saber como se documentaran los requisitos y como se darán a conocer al personal. De esta manera el personal tendrá determinadas responsabilidades y uno de ellos se encargara de interactuar con el cliente para priorizar los requisitos o especificaciones.</a:t>
+            </a:r>
+            <a:br>
+              <a:rPr lang="es-MX" sz="2400" dirty="0"/>
+            </a:br>
+            <a:r>
+              <a:rPr lang="es-MX" sz="2400" dirty="0"/>
+              <a:t> También se establecerán sistemas de control para monitorear todo lo que se hace en cada proceso y de esta manera asegurar que se genere valor al proyecto.</a:t>
+            </a:r>
+          </a:p>
+          <a:p>
+            <a:endParaRPr lang="es-MX" dirty="0"/>
+          </a:p>
+          <a:p>
+            <a:pPr marL="342900" indent="-342900">
+              <a:buFont typeface="+mj-lt"/>
+              <a:buAutoNum type="arabicPeriod"/>
+            </a:pPr>
+            <a:endParaRPr lang="es-MX" dirty="0"/>
+          </a:p>
+        </p:txBody>
+      </p:sp>
+      <p:pic>
+        <p:nvPicPr>
+          <p:cNvPr id="2052" name="Picture 4" descr="Resultado de imagen para monitoreo png"/>
+          <p:cNvPicPr>
+            <a:picLocks noChangeAspect="1" noChangeArrowheads="1"/>
+          </p:cNvPicPr>
+          <p:nvPr/>
+        </p:nvPicPr>
+        <p:blipFill>
+          <a:blip r:embed="rId2">
+            <a:extLst>
+              <a:ext uri="{28A0092B-C50C-407E-A947-70E740481C1C}">
+                <a14:useLocalDpi xmlns:a14="http://schemas.microsoft.com/office/drawing/2010/main" val="0"/>
+              </a:ext>
+            </a:extLst>
+          </a:blip>
+          <a:srcRect/>
+          <a:stretch>
+            <a:fillRect/>
+          </a:stretch>
+        </p:blipFill>
+        <p:spPr bwMode="auto">
+          <a:xfrm>
+            <a:off x="4457998" y="4161523"/>
+            <a:ext cx="3818618" cy="2429291"/>
+          </a:xfrm>
+          <a:prstGeom prst="rect">
+            <a:avLst/>
+          </a:prstGeom>
+          <a:noFill/>
+          <a:extLst>
+            <a:ext uri="{909E8E84-426E-40DD-AFC4-6F175D3DCCD1}">
+              <a14:hiddenFill xmlns:a14="http://schemas.microsoft.com/office/drawing/2010/main">
+                <a:solidFill>
+                  <a:srgbClr val="FFFFFF"/>
+                </a:solidFill>
+              </a14:hiddenFill>
+            </a:ext>
+          </a:extLst>
+        </p:spPr>
+      </p:pic>
+      <p:sp>
+        <p:nvSpPr>
+          <p:cNvPr id="3" name="Marcador de número de diapositiva 2">
+            <a:extLst>
+              <a:ext uri="{FF2B5EF4-FFF2-40B4-BE49-F238E27FC236}">
+                <a16:creationId xmlns:a16="http://schemas.microsoft.com/office/drawing/2014/main" id="{64AD6F92-E900-4B88-8ED6-F910BD1B377B}"/>
+              </a:ext>
+            </a:extLst>
+          </p:cNvPr>
+          <p:cNvSpPr>
+            <a:spLocks noGrp="1"/>
+          </p:cNvSpPr>
+          <p:nvPr>
+            <p:ph type="sldNum" sz="quarter" idx="12"/>
+          </p:nvPr>
+        </p:nvSpPr>
+        <p:spPr/>
+        <p:txBody>
+          <a:bodyPr/>
+          <a:lstStyle/>
+          <a:p>
+            <a:fld id="{8A7A6979-0714-4377-B894-6BE4C2D6E202}" type="slidenum">
+              <a:rPr lang="en-US" smtClean="0"/>
+              <a:t>9</a:t>
+            </a:fld>
+            <a:endParaRPr lang="en-US" dirty="0"/>
+          </a:p>
+        </p:txBody>
+      </p:sp>
+    </p:spTree>
+    <p:extLst>
+      <p:ext uri="{BB962C8B-B14F-4D97-AF65-F5344CB8AC3E}">
+        <p14:creationId xmlns:p14="http://schemas.microsoft.com/office/powerpoint/2010/main" val="2041590995"/>
       </p:ext>
     </p:extLst>
   </p:cSld>
@@ -4374,4 +6539,299 @@
     </a:ext>
   </a:extLst>
 </a:theme>
+</file>
+
+<file path=ppt/theme/theme2.xml><?xml version="1.0" encoding="utf-8"?>
+<a:theme xmlns:a="http://schemas.openxmlformats.org/drawingml/2006/main" name="Tema de Office">
+  <a:themeElements>
+    <a:clrScheme name="Office">
+      <a:dk1>
+        <a:sysClr val="windowText" lastClr="000000"/>
+      </a:dk1>
+      <a:lt1>
+        <a:sysClr val="window" lastClr="FFFFFF"/>
+      </a:lt1>
+      <a:dk2>
+        <a:srgbClr val="44546A"/>
+      </a:dk2>
+      <a:lt2>
+        <a:srgbClr val="E7E6E6"/>
+      </a:lt2>
+      <a:accent1>
+        <a:srgbClr val="4472C4"/>
+      </a:accent1>
+      <a:accent2>
+        <a:srgbClr val="ED7D31"/>
+      </a:accent2>
+      <a:accent3>
+        <a:srgbClr val="A5A5A5"/>
+      </a:accent3>
+      <a:accent4>
+        <a:srgbClr val="FFC000"/>
+      </a:accent4>
+      <a:accent5>
+        <a:srgbClr val="5B9BD5"/>
+      </a:accent5>
+      <a:accent6>
+        <a:srgbClr val="70AD47"/>
+      </a:accent6>
+      <a:hlink>
+        <a:srgbClr val="0563C1"/>
+      </a:hlink>
+      <a:folHlink>
+        <a:srgbClr val="954F72"/>
+      </a:folHlink>
+    </a:clrScheme>
+    <a:fontScheme name="Office">
+      <a:majorFont>
+        <a:latin typeface="Calibri Light" panose="020F0302020204030204"/>
+        <a:ea typeface=""/>
+        <a:cs typeface=""/>
+        <a:font script="Jpan" typeface="游ゴシック Light"/>
+        <a:font script="Hang" typeface="맑은 고딕"/>
+        <a:font script="Hans" typeface="等线 Light"/>
+        <a:font script="Hant" typeface="新細明體"/>
+        <a:font script="Arab" typeface="Times New Roman"/>
+        <a:font script="Hebr" typeface="Times New Roman"/>
+        <a:font script="Thai" typeface="Angsana New"/>
+        <a:font script="Ethi" typeface="Nyala"/>
+        <a:font script="Beng" typeface="Vrinda"/>
+        <a:font script="Gujr" typeface="Shruti"/>
+        <a:font script="Khmr" typeface="MoolBoran"/>
+        <a:font script="Knda" typeface="Tunga"/>
+        <a:font script="Guru" typeface="Raavi"/>
+        <a:font script="Cans" typeface="Euphemia"/>
+        <a:font script="Cher" typeface="Plantagenet Cherokee"/>
+        <a:font script="Yiii" typeface="Microsoft Yi Baiti"/>
+        <a:font script="Tibt" typeface="Microsoft Himalaya"/>
+        <a:font script="Thaa" typeface="MV Boli"/>
+        <a:font script="Deva" typeface="Mangal"/>
+        <a:font script="Telu" typeface="Gautami"/>
+        <a:font script="Taml" typeface="Latha"/>
+        <a:font script="Syrc" typeface="Estrangelo Edessa"/>
+        <a:font script="Orya" typeface="Kalinga"/>
+        <a:font script="Mlym" typeface="Kartika"/>
+        <a:font script="Laoo" typeface="DokChampa"/>
+        <a:font script="Sinh" typeface="Iskoola Pota"/>
+        <a:font script="Mong" typeface="Mongolian Baiti"/>
+        <a:font script="Viet" typeface="Times New Roman"/>
+        <a:font script="Uigh" typeface="Microsoft Uighur"/>
+        <a:font script="Geor" typeface="Sylfaen"/>
+        <a:font script="Armn" typeface="Arial"/>
+        <a:font script="Bugi" typeface="Leelawadee UI"/>
+        <a:font script="Bopo" typeface="Microsoft JhengHei"/>
+        <a:font script="Java" typeface="Javanese Text"/>
+        <a:font script="Lisu" typeface="Segoe UI"/>
+        <a:font script="Mymr" typeface="Myanmar Text"/>
+        <a:font script="Nkoo" typeface="Ebrima"/>
+        <a:font script="Olck" typeface="Nirmala UI"/>
+        <a:font script="Osma" typeface="Ebrima"/>
+        <a:font script="Phag" typeface="Phagspa"/>
+        <a:font script="Syrn" typeface="Estrangelo Edessa"/>
+        <a:font script="Syrj" typeface="Estrangelo Edessa"/>
+        <a:font script="Syre" typeface="Estrangelo Edessa"/>
+        <a:font script="Sora" typeface="Nirmala UI"/>
+        <a:font script="Tale" typeface="Microsoft Tai Le"/>
+        <a:font script="Talu" typeface="Microsoft New Tai Lue"/>
+        <a:font script="Tfng" typeface="Ebrima"/>
+      </a:majorFont>
+      <a:minorFont>
+        <a:latin typeface="Calibri" panose="020F0502020204030204"/>
+        <a:ea typeface=""/>
+        <a:cs typeface=""/>
+        <a:font script="Jpan" typeface="游ゴシック"/>
+        <a:font script="Hang" typeface="맑은 고딕"/>
+        <a:font script="Hans" typeface="等线"/>
+        <a:font script="Hant" typeface="新細明體"/>
+        <a:font script="Arab" typeface="Arial"/>
+        <a:font script="Hebr" typeface="Arial"/>
+        <a:font script="Thai" typeface="Cordia New"/>
+        <a:font script="Ethi" typeface="Nyala"/>
+        <a:font script="Beng" typeface="Vrinda"/>
+        <a:font script="Gujr" typeface="Shruti"/>
+        <a:font script="Khmr" typeface="DaunPenh"/>
+        <a:font script="Knda" typeface="Tunga"/>
+        <a:font script="Guru" typeface="Raavi"/>
+        <a:font script="Cans" typeface="Euphemia"/>
+        <a:font script="Cher" typeface="Plantagenet Cherokee"/>
+        <a:font script="Yiii" typeface="Microsoft Yi Baiti"/>
+        <a:font script="Tibt" typeface="Microsoft Himalaya"/>
+        <a:font script="Thaa" typeface="MV Boli"/>
+        <a:font script="Deva" typeface="Mangal"/>
+        <a:font script="Telu" typeface="Gautami"/>
+        <a:font script="Taml" typeface="Latha"/>
+        <a:font script="Syrc" typeface="Estrangelo Edessa"/>
+        <a:font script="Orya" typeface="Kalinga"/>
+        <a:font script="Mlym" typeface="Kartika"/>
+        <a:font script="Laoo" typeface="DokChampa"/>
+        <a:font script="Sinh" typeface="Iskoola Pota"/>
+        <a:font script="Mong" typeface="Mongolian Baiti"/>
+        <a:font script="Viet" typeface="Arial"/>
+        <a:font script="Uigh" typeface="Microsoft Uighur"/>
+        <a:font script="Geor" typeface="Sylfaen"/>
+        <a:font script="Armn" typeface="Arial"/>
+        <a:font script="Bugi" typeface="Leelawadee UI"/>
+        <a:font script="Bopo" typeface="Microsoft JhengHei"/>
+        <a:font script="Java" typeface="Javanese Text"/>
+        <a:font script="Lisu" typeface="Segoe UI"/>
+        <a:font script="Mymr" typeface="Myanmar Text"/>
+        <a:font script="Nkoo" typeface="Ebrima"/>
+        <a:font script="Olck" typeface="Nirmala UI"/>
+        <a:font script="Osma" typeface="Ebrima"/>
+        <a:font script="Phag" typeface="Phagspa"/>
+        <a:font script="Syrn" typeface="Estrangelo Edessa"/>
+        <a:font script="Syrj" typeface="Estrangelo Edessa"/>
+        <a:font script="Syre" typeface="Estrangelo Edessa"/>
+        <a:font script="Sora" typeface="Nirmala UI"/>
+        <a:font script="Tale" typeface="Microsoft Tai Le"/>
+        <a:font script="Talu" typeface="Microsoft New Tai Lue"/>
+        <a:font script="Tfng" typeface="Ebrima"/>
+      </a:minorFont>
+    </a:fontScheme>
+    <a:fmtScheme name="Office">
+      <a:fillStyleLst>
+        <a:solidFill>
+          <a:schemeClr val="phClr"/>
+        </a:solidFill>
+        <a:gradFill rotWithShape="1">
+          <a:gsLst>
+            <a:gs pos="0">
+              <a:schemeClr val="phClr">
+                <a:lumMod val="110000"/>
+                <a:satMod val="105000"/>
+                <a:tint val="67000"/>
+              </a:schemeClr>
+            </a:gs>
+            <a:gs pos="50000">
+              <a:schemeClr val="phClr">
+                <a:lumMod val="105000"/>
+                <a:satMod val="103000"/>
+                <a:tint val="73000"/>
+              </a:schemeClr>
+            </a:gs>
+            <a:gs pos="100000">
+              <a:schemeClr val="phClr">
+                <a:lumMod val="105000"/>
+                <a:satMod val="109000"/>
+                <a:tint val="81000"/>
+              </a:schemeClr>
+            </a:gs>
+          </a:gsLst>
+          <a:lin ang="5400000" scaled="0"/>
+        </a:gradFill>
+        <a:gradFill rotWithShape="1">
+          <a:gsLst>
+            <a:gs pos="0">
+              <a:schemeClr val="phClr">
+                <a:satMod val="103000"/>
+                <a:lumMod val="102000"/>
+                <a:tint val="94000"/>
+              </a:schemeClr>
+            </a:gs>
+            <a:gs pos="50000">
+              <a:schemeClr val="phClr">
+                <a:satMod val="110000"/>
+                <a:lumMod val="100000"/>
+                <a:shade val="100000"/>
+              </a:schemeClr>
+            </a:gs>
+            <a:gs pos="100000">
+              <a:schemeClr val="phClr">
+                <a:lumMod val="99000"/>
+                <a:satMod val="120000"/>
+                <a:shade val="78000"/>
+              </a:schemeClr>
+            </a:gs>
+          </a:gsLst>
+          <a:lin ang="5400000" scaled="0"/>
+        </a:gradFill>
+      </a:fillStyleLst>
+      <a:lnStyleLst>
+        <a:ln w="6350" cap="flat" cmpd="sng" algn="ctr">
+          <a:solidFill>
+            <a:schemeClr val="phClr"/>
+          </a:solidFill>
+          <a:prstDash val="solid"/>
+          <a:miter lim="800000"/>
+        </a:ln>
+        <a:ln w="12700" cap="flat" cmpd="sng" algn="ctr">
+          <a:solidFill>
+            <a:schemeClr val="phClr"/>
+          </a:solidFill>
+          <a:prstDash val="solid"/>
+          <a:miter lim="800000"/>
+        </a:ln>
+        <a:ln w="19050" cap="flat" cmpd="sng" algn="ctr">
+          <a:solidFill>
+            <a:schemeClr val="phClr"/>
+          </a:solidFill>
+          <a:prstDash val="solid"/>
+          <a:miter lim="800000"/>
+        </a:ln>
+      </a:lnStyleLst>
+      <a:effectStyleLst>
+        <a:effectStyle>
+          <a:effectLst/>
+        </a:effectStyle>
+        <a:effectStyle>
+          <a:effectLst/>
+        </a:effectStyle>
+        <a:effectStyle>
+          <a:effectLst>
+            <a:outerShdw blurRad="57150" dist="19050" dir="5400000" algn="ctr" rotWithShape="0">
+              <a:srgbClr val="000000">
+                <a:alpha val="63000"/>
+              </a:srgbClr>
+            </a:outerShdw>
+          </a:effectLst>
+        </a:effectStyle>
+      </a:effectStyleLst>
+      <a:bgFillStyleLst>
+        <a:solidFill>
+          <a:schemeClr val="phClr"/>
+        </a:solidFill>
+        <a:solidFill>
+          <a:schemeClr val="phClr">
+            <a:tint val="95000"/>
+            <a:satMod val="170000"/>
+          </a:schemeClr>
+        </a:solidFill>
+        <a:gradFill rotWithShape="1">
+          <a:gsLst>
+            <a:gs pos="0">
+              <a:schemeClr val="phClr">
+                <a:tint val="93000"/>
+                <a:satMod val="150000"/>
+                <a:shade val="98000"/>
+                <a:lumMod val="102000"/>
+              </a:schemeClr>
+            </a:gs>
+            <a:gs pos="50000">
+              <a:schemeClr val="phClr">
+                <a:tint val="98000"/>
+                <a:satMod val="130000"/>
+                <a:shade val="90000"/>
+                <a:lumMod val="103000"/>
+              </a:schemeClr>
+            </a:gs>
+            <a:gs pos="100000">
+              <a:schemeClr val="phClr">
+                <a:shade val="63000"/>
+                <a:satMod val="120000"/>
+              </a:schemeClr>
+            </a:gs>
+          </a:gsLst>
+          <a:lin ang="5400000" scaled="0"/>
+        </a:gradFill>
+      </a:bgFillStyleLst>
+    </a:fmtScheme>
+  </a:themeElements>
+  <a:objectDefaults/>
+  <a:extraClrSchemeLst/>
+  <a:extLst>
+    <a:ext uri="{05A4C25C-085E-4340-85A3-A5531E510DB2}">
+      <thm15:themeFamily xmlns:thm15="http://schemas.microsoft.com/office/thememl/2012/main" name="Office Theme" id="{62F939B6-93AF-4DB8-9C6B-D6C7DFDC589F}" vid="{4A3C46E8-61CC-4603-A589-7422A47A8E4A}"/>
+    </a:ext>
+  </a:extLst>
+</a:theme>
 </file>
--- a/Demanda 8.pptx
+++ b/Demanda 8.pptx
@@ -5,18 +5,23 @@
     <p:sldMasterId id="2147483696" r:id="rId1"/>
   </p:sldMasterIdLst>
   <p:notesMasterIdLst>
-    <p:notesMasterId r:id="rId11"/>
+    <p:notesMasterId r:id="rId16"/>
   </p:notesMasterIdLst>
   <p:sldIdLst>
     <p:sldId id="256" r:id="rId2"/>
-    <p:sldId id="257" r:id="rId3"/>
-    <p:sldId id="260" r:id="rId4"/>
-    <p:sldId id="258" r:id="rId5"/>
-    <p:sldId id="261" r:id="rId6"/>
-    <p:sldId id="262" r:id="rId7"/>
-    <p:sldId id="263" r:id="rId8"/>
-    <p:sldId id="264" r:id="rId9"/>
-    <p:sldId id="265" r:id="rId10"/>
+    <p:sldId id="266" r:id="rId3"/>
+    <p:sldId id="267" r:id="rId4"/>
+    <p:sldId id="268" r:id="rId5"/>
+    <p:sldId id="269" r:id="rId6"/>
+    <p:sldId id="270" r:id="rId7"/>
+    <p:sldId id="271" r:id="rId8"/>
+    <p:sldId id="272" r:id="rId9"/>
+    <p:sldId id="273" r:id="rId10"/>
+    <p:sldId id="274" r:id="rId11"/>
+    <p:sldId id="262" r:id="rId12"/>
+    <p:sldId id="263" r:id="rId13"/>
+    <p:sldId id="264" r:id="rId14"/>
+    <p:sldId id="265" r:id="rId15"/>
   </p:sldIdLst>
   <p:sldSz cx="12192000" cy="6858000"/>
   <p:notesSz cx="6858000" cy="9144000"/>
@@ -634,7 +639,7 @@
           <a:bodyPr/>
           <a:lstStyle/>
           <a:p>
-            <a:fld id="{64F638A2-FADD-455E-BFA4-C33981EBA321}" type="datetime1">
+            <a:fld id="{4FFDB8F9-E199-4A34-A74E-B679970223B0}" type="datetime1">
               <a:rPr lang="en-US" smtClean="0"/>
               <a:t>2/14/2019</a:t>
             </a:fld>
@@ -800,7 +805,7 @@
           <a:bodyPr/>
           <a:lstStyle/>
           <a:p>
-            <a:fld id="{C365829C-EFEA-4366-8384-B5878625557A}" type="datetime1">
+            <a:fld id="{99E808AA-8DAA-44D5-AFAE-6BC4F253E62B}" type="datetime1">
               <a:rPr lang="en-US" smtClean="0"/>
               <a:t>2/14/2019</a:t>
             </a:fld>
@@ -975,7 +980,7 @@
           <a:bodyPr/>
           <a:lstStyle/>
           <a:p>
-            <a:fld id="{74CEE1DB-A9BF-4FBA-AA84-B0DC87B8C4E1}" type="datetime1">
+            <a:fld id="{AF59928C-1212-4810-A77F-CCD67CDA4933}" type="datetime1">
               <a:rPr lang="en-US" smtClean="0"/>
               <a:t>2/14/2019</a:t>
             </a:fld>
@@ -1140,7 +1145,7 @@
           <a:bodyPr/>
           <a:lstStyle/>
           <a:p>
-            <a:fld id="{F24AF84B-7E42-4CE6-9097-1E9757F0D8C0}" type="datetime1">
+            <a:fld id="{E29559F7-A599-4F20-8074-9A93E3284950}" type="datetime1">
               <a:rPr lang="en-US" smtClean="0"/>
               <a:t>2/14/2019</a:t>
             </a:fld>
@@ -1404,7 +1409,7 @@
           <a:bodyPr/>
           <a:lstStyle/>
           <a:p>
-            <a:fld id="{0F198671-4B38-4632-BA74-2EFA4132A75E}" type="datetime1">
+            <a:fld id="{1C96EE27-A51C-4C1C-91F0-E5F944AE2917}" type="datetime1">
               <a:rPr lang="en-US" smtClean="0"/>
               <a:t>2/14/2019</a:t>
             </a:fld>
@@ -1632,7 +1637,7 @@
           <a:bodyPr/>
           <a:lstStyle/>
           <a:p>
-            <a:fld id="{1623C44A-1C17-4986-A9D2-A129DCC322F4}" type="datetime1">
+            <a:fld id="{C4856C9B-4647-45E1-9019-CC0A4AD6AE0A}" type="datetime1">
               <a:rPr lang="en-US" smtClean="0"/>
               <a:t>2/14/2019</a:t>
             </a:fld>
@@ -1982,7 +1987,7 @@
           <a:bodyPr/>
           <a:lstStyle/>
           <a:p>
-            <a:fld id="{93C1E8B8-136D-4F0B-B1D0-97C987D220CB}" type="datetime1">
+            <a:fld id="{918D4671-A810-4926-BF9C-189D85A01581}" type="datetime1">
               <a:rPr lang="en-US" smtClean="0"/>
               <a:t>2/14/2019</a:t>
             </a:fld>
@@ -2118,7 +2123,7 @@
           <a:bodyPr/>
           <a:lstStyle/>
           <a:p>
-            <a:fld id="{3F379F51-CB0E-438D-9081-061FF047AE7A}" type="datetime1">
+            <a:fld id="{D170BAED-047D-459D-A06E-589C1EABAF9A}" type="datetime1">
               <a:rPr lang="en-US" smtClean="0"/>
               <a:t>2/14/2019</a:t>
             </a:fld>
@@ -2208,7 +2213,7 @@
           <a:bodyPr/>
           <a:lstStyle/>
           <a:p>
-            <a:fld id="{45C21185-09B7-4EF9-90B2-833040166960}" type="datetime1">
+            <a:fld id="{9D4A8E8D-75FA-4EDC-8189-D3CC9B89F527}" type="datetime1">
               <a:rPr lang="en-US" smtClean="0"/>
               <a:t>2/14/2019</a:t>
             </a:fld>
@@ -2560,7 +2565,7 @@
           <a:bodyPr/>
           <a:lstStyle/>
           <a:p>
-            <a:fld id="{2A413B2D-10E3-4E71-813E-01FE3F73BB68}" type="datetime1">
+            <a:fld id="{AB823233-E5B6-46F9-8A5D-FD5A3EE14D9C}" type="datetime1">
               <a:rPr lang="en-US" smtClean="0"/>
               <a:t>2/14/2019</a:t>
             </a:fld>
@@ -2912,7 +2917,7 @@
             </a:lvl1pPr>
           </a:lstStyle>
           <a:p>
-            <a:fld id="{29FB35E2-9F99-4410-AFE4-F90EB1595C7C}" type="datetime1">
+            <a:fld id="{CA3C18F7-C3D3-4AE6-8662-B83AB3176D95}" type="datetime1">
               <a:rPr lang="en-US" smtClean="0"/>
               <a:t>2/14/2019</a:t>
             </a:fld>
@@ -3147,7 +3152,7 @@
             </a:lvl1pPr>
           </a:lstStyle>
           <a:p>
-            <a:fld id="{B91894C5-637C-460E-8143-D25BDDDFF11E}" type="datetime1">
+            <a:fld id="{4DD8FADA-A937-4139-8FC9-159990A70EFD}" type="datetime1">
               <a:rPr lang="en-US" smtClean="0"/>
               <a:t>2/14/2019</a:t>
             </a:fld>
@@ -3870,10 +3875,10 @@
       </p:pic>
       <p:sp>
         <p:nvSpPr>
-          <p:cNvPr id="4" name="Marcador de número de diapositiva 3">
+          <p:cNvPr id="5" name="Marcador de número de diapositiva 4">
             <a:extLst>
               <a:ext uri="{FF2B5EF4-FFF2-40B4-BE49-F238E27FC236}">
-                <a16:creationId xmlns:a16="http://schemas.microsoft.com/office/drawing/2014/main" id="{38EC3DE5-E274-4E93-BBE7-CB3345EC7512}"/>
+                <a16:creationId xmlns:a16="http://schemas.microsoft.com/office/drawing/2014/main" id="{CD8EB2C4-9985-432F-994D-C645A5643BF0}"/>
               </a:ext>
             </a:extLst>
           </p:cNvPr>
@@ -3911,7 +3916,117 @@
 </p:sld>
 </file>
 
-<file path=ppt/slides/slide2.xml><?xml version="1.0" encoding="utf-8"?>
+<file path=ppt/slides/slide10.xml><?xml version="1.0" encoding="utf-8"?>
+<p:sld xmlns:a="http://schemas.openxmlformats.org/drawingml/2006/main" xmlns:r="http://schemas.openxmlformats.org/officeDocument/2006/relationships" xmlns:p="http://schemas.openxmlformats.org/presentationml/2006/main">
+  <p:cSld>
+    <p:spTree>
+      <p:nvGrpSpPr>
+        <p:cNvPr id="1" name=""/>
+        <p:cNvGrpSpPr/>
+        <p:nvPr/>
+      </p:nvGrpSpPr>
+      <p:grpSpPr>
+        <a:xfrm>
+          <a:off x="0" y="0"/>
+          <a:ext cx="0" cy="0"/>
+          <a:chOff x="0" y="0"/>
+          <a:chExt cx="0" cy="0"/>
+        </a:xfrm>
+      </p:grpSpPr>
+      <p:sp>
+        <p:nvSpPr>
+          <p:cNvPr id="2" name="Título 1">
+            <a:extLst>
+              <a:ext uri="{FF2B5EF4-FFF2-40B4-BE49-F238E27FC236}">
+                <a16:creationId xmlns:a16="http://schemas.microsoft.com/office/drawing/2014/main" id="{96C3F993-93B9-4B35-963E-8A24015D2FE1}"/>
+              </a:ext>
+            </a:extLst>
+          </p:cNvPr>
+          <p:cNvSpPr>
+            <a:spLocks noGrp="1"/>
+          </p:cNvSpPr>
+          <p:nvPr>
+            <p:ph type="title"/>
+          </p:nvPr>
+        </p:nvSpPr>
+        <p:spPr/>
+        <p:txBody>
+          <a:bodyPr/>
+          <a:lstStyle/>
+          <a:p>
+            <a:endParaRPr lang="es-MX"/>
+          </a:p>
+        </p:txBody>
+      </p:sp>
+      <p:sp>
+        <p:nvSpPr>
+          <p:cNvPr id="3" name="Marcador de contenido 2">
+            <a:extLst>
+              <a:ext uri="{FF2B5EF4-FFF2-40B4-BE49-F238E27FC236}">
+                <a16:creationId xmlns:a16="http://schemas.microsoft.com/office/drawing/2014/main" id="{E82E4C24-461E-4F0B-A5BE-9B4A213AD033}"/>
+              </a:ext>
+            </a:extLst>
+          </p:cNvPr>
+          <p:cNvSpPr>
+            <a:spLocks noGrp="1"/>
+          </p:cNvSpPr>
+          <p:nvPr>
+            <p:ph idx="1"/>
+          </p:nvPr>
+        </p:nvSpPr>
+        <p:spPr/>
+        <p:txBody>
+          <a:bodyPr/>
+          <a:lstStyle/>
+          <a:p>
+            <a:endParaRPr lang="es-MX"/>
+          </a:p>
+        </p:txBody>
+      </p:sp>
+      <p:sp>
+        <p:nvSpPr>
+          <p:cNvPr id="5" name="Marcador de número de diapositiva 4">
+            <a:extLst>
+              <a:ext uri="{FF2B5EF4-FFF2-40B4-BE49-F238E27FC236}">
+                <a16:creationId xmlns:a16="http://schemas.microsoft.com/office/drawing/2014/main" id="{B80E1FD8-7DE6-4C02-8FCF-40A08ACE8219}"/>
+              </a:ext>
+            </a:extLst>
+          </p:cNvPr>
+          <p:cNvSpPr>
+            <a:spLocks noGrp="1"/>
+          </p:cNvSpPr>
+          <p:nvPr>
+            <p:ph type="sldNum" sz="quarter" idx="12"/>
+          </p:nvPr>
+        </p:nvSpPr>
+        <p:spPr/>
+        <p:txBody>
+          <a:bodyPr/>
+          <a:lstStyle/>
+          <a:p>
+            <a:fld id="{8A7A6979-0714-4377-B894-6BE4C2D6E202}" type="slidenum">
+              <a:rPr lang="en-US" smtClean="0"/>
+              <a:pPr/>
+              <a:t>10</a:t>
+            </a:fld>
+            <a:endParaRPr lang="en-US" dirty="0"/>
+          </a:p>
+        </p:txBody>
+      </p:sp>
+    </p:spTree>
+    <p:extLst>
+      <p:ext uri="{BB962C8B-B14F-4D97-AF65-F5344CB8AC3E}">
+        <p14:creationId xmlns:p14="http://schemas.microsoft.com/office/powerpoint/2010/main" val="784858640"/>
+      </p:ext>
+    </p:extLst>
+  </p:cSld>
+  <p:clrMapOvr>
+    <a:masterClrMapping/>
+  </p:clrMapOvr>
+</p:sld>
+</file>
+
+<file path=ppt/slides/slide11.xml><?xml version="1.0" encoding="utf-8"?>
 <p:sld xmlns:a="http://schemas.openxmlformats.org/drawingml/2006/main" xmlns:r="http://schemas.openxmlformats.org/officeDocument/2006/relationships" xmlns:p="http://schemas.openxmlformats.org/presentationml/2006/main">
   <p:cSld>
     <p:bg>
@@ -3940,6 +4055,34 @@
       </p:grpSpPr>
       <p:sp>
         <p:nvSpPr>
+          <p:cNvPr id="2" name="Título 1">
+            <a:extLst>
+              <a:ext uri="{FF2B5EF4-FFF2-40B4-BE49-F238E27FC236}">
+                <a16:creationId xmlns:a16="http://schemas.microsoft.com/office/drawing/2014/main" id="{221C009E-1670-4C7C-984D-A393501F36AD}"/>
+              </a:ext>
+            </a:extLst>
+          </p:cNvPr>
+          <p:cNvSpPr>
+            <a:spLocks noGrp="1"/>
+          </p:cNvSpPr>
+          <p:nvPr>
+            <p:ph type="title"/>
+          </p:nvPr>
+        </p:nvSpPr>
+        <p:spPr/>
+        <p:txBody>
+          <a:bodyPr/>
+          <a:lstStyle/>
+          <a:p>
+            <a:r>
+              <a:rPr lang="es-MX" dirty="0"/>
+              <a:t>ARQUITECTURA DE NEGOCIO</a:t>
+            </a:r>
+          </a:p>
+        </p:txBody>
+      </p:sp>
+      <p:sp>
+        <p:nvSpPr>
           <p:cNvPr id="3" name="Marcador de contenido 2">
             <a:extLst>
               <a:ext uri="{FF2B5EF4-FFF2-40B4-BE49-F238E27FC236}">
@@ -3954,494 +4097,6 @@
             <p:ph idx="1"/>
           </p:nvPr>
         </p:nvSpPr>
-        <p:spPr/>
-        <p:txBody>
-          <a:bodyPr/>
-          <a:lstStyle/>
-          <a:p>
-            <a:endParaRPr lang="es-MX"/>
-          </a:p>
-        </p:txBody>
-      </p:sp>
-      <p:sp>
-        <p:nvSpPr>
-          <p:cNvPr id="5" name="Título 4">
-            <a:extLst>
-              <a:ext uri="{FF2B5EF4-FFF2-40B4-BE49-F238E27FC236}">
-                <a16:creationId xmlns:a16="http://schemas.microsoft.com/office/drawing/2014/main" id="{DC58445A-40D9-4488-A65E-95FBFC9D7CA6}"/>
-              </a:ext>
-            </a:extLst>
-          </p:cNvPr>
-          <p:cNvSpPr>
-            <a:spLocks noGrp="1"/>
-          </p:cNvSpPr>
-          <p:nvPr>
-            <p:ph type="title"/>
-          </p:nvPr>
-        </p:nvSpPr>
-        <p:spPr/>
-        <p:txBody>
-          <a:bodyPr/>
-          <a:lstStyle/>
-          <a:p>
-            <a:endParaRPr lang="es-MX" dirty="0"/>
-          </a:p>
-        </p:txBody>
-      </p:sp>
-      <p:sp>
-        <p:nvSpPr>
-          <p:cNvPr id="2" name="Marcador de número de diapositiva 1">
-            <a:extLst>
-              <a:ext uri="{FF2B5EF4-FFF2-40B4-BE49-F238E27FC236}">
-                <a16:creationId xmlns:a16="http://schemas.microsoft.com/office/drawing/2014/main" id="{2C00BC7C-7AA6-45A6-A365-5301744F0F3B}"/>
-              </a:ext>
-            </a:extLst>
-          </p:cNvPr>
-          <p:cNvSpPr>
-            <a:spLocks noGrp="1"/>
-          </p:cNvSpPr>
-          <p:nvPr>
-            <p:ph type="sldNum" sz="quarter" idx="12"/>
-          </p:nvPr>
-        </p:nvSpPr>
-        <p:spPr/>
-        <p:txBody>
-          <a:bodyPr/>
-          <a:lstStyle/>
-          <a:p>
-            <a:fld id="{8A7A6979-0714-4377-B894-6BE4C2D6E202}" type="slidenum">
-              <a:rPr lang="en-US" smtClean="0"/>
-              <a:pPr/>
-              <a:t>2</a:t>
-            </a:fld>
-            <a:endParaRPr lang="en-US" dirty="0"/>
-          </a:p>
-        </p:txBody>
-      </p:sp>
-    </p:spTree>
-    <p:extLst>
-      <p:ext uri="{BB962C8B-B14F-4D97-AF65-F5344CB8AC3E}">
-        <p14:creationId xmlns:p14="http://schemas.microsoft.com/office/powerpoint/2010/main" val="26328154"/>
-      </p:ext>
-    </p:extLst>
-  </p:cSld>
-  <p:clrMapOvr>
-    <a:masterClrMapping/>
-  </p:clrMapOvr>
-</p:sld>
-</file>
-
-<file path=ppt/slides/slide3.xml><?xml version="1.0" encoding="utf-8"?>
-<p:sld xmlns:a="http://schemas.openxmlformats.org/drawingml/2006/main" xmlns:r="http://schemas.openxmlformats.org/officeDocument/2006/relationships" xmlns:p="http://schemas.openxmlformats.org/presentationml/2006/main">
-  <p:cSld>
-    <p:spTree>
-      <p:nvGrpSpPr>
-        <p:cNvPr id="1" name=""/>
-        <p:cNvGrpSpPr/>
-        <p:nvPr/>
-      </p:nvGrpSpPr>
-      <p:grpSpPr>
-        <a:xfrm>
-          <a:off x="0" y="0"/>
-          <a:ext cx="0" cy="0"/>
-          <a:chOff x="0" y="0"/>
-          <a:chExt cx="0" cy="0"/>
-        </a:xfrm>
-      </p:grpSpPr>
-      <p:sp>
-        <p:nvSpPr>
-          <p:cNvPr id="2" name="Título 1">
-            <a:extLst>
-              <a:ext uri="{FF2B5EF4-FFF2-40B4-BE49-F238E27FC236}">
-                <a16:creationId xmlns:a16="http://schemas.microsoft.com/office/drawing/2014/main" id="{0CD56A31-BCC2-4CB1-A811-6865D1794F5D}"/>
-              </a:ext>
-            </a:extLst>
-          </p:cNvPr>
-          <p:cNvSpPr>
-            <a:spLocks noGrp="1"/>
-          </p:cNvSpPr>
-          <p:nvPr>
-            <p:ph type="title"/>
-          </p:nvPr>
-        </p:nvSpPr>
-        <p:spPr/>
-        <p:txBody>
-          <a:bodyPr/>
-          <a:lstStyle/>
-          <a:p>
-            <a:endParaRPr lang="es-MX" dirty="0"/>
-          </a:p>
-        </p:txBody>
-      </p:sp>
-      <p:sp>
-        <p:nvSpPr>
-          <p:cNvPr id="3" name="Marcador de contenido 2">
-            <a:extLst>
-              <a:ext uri="{FF2B5EF4-FFF2-40B4-BE49-F238E27FC236}">
-                <a16:creationId xmlns:a16="http://schemas.microsoft.com/office/drawing/2014/main" id="{02BE5AA0-EDAD-45B2-A1E5-844106CB94BB}"/>
-              </a:ext>
-            </a:extLst>
-          </p:cNvPr>
-          <p:cNvSpPr>
-            <a:spLocks noGrp="1"/>
-          </p:cNvSpPr>
-          <p:nvPr>
-            <p:ph idx="1"/>
-          </p:nvPr>
-        </p:nvSpPr>
-        <p:spPr/>
-        <p:txBody>
-          <a:bodyPr/>
-          <a:lstStyle/>
-          <a:p>
-            <a:endParaRPr lang="es-MX"/>
-          </a:p>
-        </p:txBody>
-      </p:sp>
-      <p:sp>
-        <p:nvSpPr>
-          <p:cNvPr id="4" name="Marcador de número de diapositiva 3">
-            <a:extLst>
-              <a:ext uri="{FF2B5EF4-FFF2-40B4-BE49-F238E27FC236}">
-                <a16:creationId xmlns:a16="http://schemas.microsoft.com/office/drawing/2014/main" id="{E5673F20-C7A1-492E-B4A8-79FD0E13A62C}"/>
-              </a:ext>
-            </a:extLst>
-          </p:cNvPr>
-          <p:cNvSpPr>
-            <a:spLocks noGrp="1"/>
-          </p:cNvSpPr>
-          <p:nvPr>
-            <p:ph type="sldNum" sz="quarter" idx="12"/>
-          </p:nvPr>
-        </p:nvSpPr>
-        <p:spPr/>
-        <p:txBody>
-          <a:bodyPr/>
-          <a:lstStyle/>
-          <a:p>
-            <a:fld id="{8A7A6979-0714-4377-B894-6BE4C2D6E202}" type="slidenum">
-              <a:rPr lang="en-US" smtClean="0"/>
-              <a:pPr/>
-              <a:t>3</a:t>
-            </a:fld>
-            <a:endParaRPr lang="en-US" dirty="0"/>
-          </a:p>
-        </p:txBody>
-      </p:sp>
-    </p:spTree>
-    <p:extLst>
-      <p:ext uri="{BB962C8B-B14F-4D97-AF65-F5344CB8AC3E}">
-        <p14:creationId xmlns:p14="http://schemas.microsoft.com/office/powerpoint/2010/main" val="3640568398"/>
-      </p:ext>
-    </p:extLst>
-  </p:cSld>
-  <p:clrMapOvr>
-    <a:masterClrMapping/>
-  </p:clrMapOvr>
-</p:sld>
-</file>
-
-<file path=ppt/slides/slide4.xml><?xml version="1.0" encoding="utf-8"?>
-<p:sld xmlns:a="http://schemas.openxmlformats.org/drawingml/2006/main" xmlns:r="http://schemas.openxmlformats.org/officeDocument/2006/relationships" xmlns:p="http://schemas.openxmlformats.org/presentationml/2006/main">
-  <p:cSld>
-    <p:bg>
-      <p:bgPr>
-        <a:solidFill>
-          <a:schemeClr val="bg1">
-            <a:lumMod val="65000"/>
-          </a:schemeClr>
-        </a:solidFill>
-        <a:effectLst/>
-      </p:bgPr>
-    </p:bg>
-    <p:spTree>
-      <p:nvGrpSpPr>
-        <p:cNvPr id="1" name=""/>
-        <p:cNvGrpSpPr/>
-        <p:nvPr/>
-      </p:nvGrpSpPr>
-      <p:grpSpPr>
-        <a:xfrm>
-          <a:off x="0" y="0"/>
-          <a:ext cx="0" cy="0"/>
-          <a:chOff x="0" y="0"/>
-          <a:chExt cx="0" cy="0"/>
-        </a:xfrm>
-      </p:grpSpPr>
-      <p:sp>
-        <p:nvSpPr>
-          <p:cNvPr id="2" name="Título 1">
-            <a:extLst>
-              <a:ext uri="{FF2B5EF4-FFF2-40B4-BE49-F238E27FC236}">
-                <a16:creationId xmlns:a16="http://schemas.microsoft.com/office/drawing/2014/main" id="{221C009E-1670-4C7C-984D-A393501F36AD}"/>
-              </a:ext>
-            </a:extLst>
-          </p:cNvPr>
-          <p:cNvSpPr>
-            <a:spLocks noGrp="1"/>
-          </p:cNvSpPr>
-          <p:nvPr>
-            <p:ph type="title"/>
-          </p:nvPr>
-        </p:nvSpPr>
-        <p:spPr/>
-        <p:txBody>
-          <a:bodyPr/>
-          <a:lstStyle/>
-          <a:p>
-            <a:endParaRPr lang="es-MX"/>
-          </a:p>
-        </p:txBody>
-      </p:sp>
-      <p:sp>
-        <p:nvSpPr>
-          <p:cNvPr id="3" name="Marcador de contenido 2">
-            <a:extLst>
-              <a:ext uri="{FF2B5EF4-FFF2-40B4-BE49-F238E27FC236}">
-                <a16:creationId xmlns:a16="http://schemas.microsoft.com/office/drawing/2014/main" id="{213818D7-CBFB-4692-8666-BBDCA8C8DC14}"/>
-              </a:ext>
-            </a:extLst>
-          </p:cNvPr>
-          <p:cNvSpPr>
-            <a:spLocks noGrp="1"/>
-          </p:cNvSpPr>
-          <p:nvPr>
-            <p:ph idx="1"/>
-          </p:nvPr>
-        </p:nvSpPr>
-        <p:spPr/>
-        <p:txBody>
-          <a:bodyPr/>
-          <a:lstStyle/>
-          <a:p>
-            <a:endParaRPr lang="es-MX"/>
-          </a:p>
-        </p:txBody>
-      </p:sp>
-      <p:sp>
-        <p:nvSpPr>
-          <p:cNvPr id="4" name="Marcador de número de diapositiva 3">
-            <a:extLst>
-              <a:ext uri="{FF2B5EF4-FFF2-40B4-BE49-F238E27FC236}">
-                <a16:creationId xmlns:a16="http://schemas.microsoft.com/office/drawing/2014/main" id="{5CCD36A2-A989-4FA3-9AED-C478A0F15FED}"/>
-              </a:ext>
-            </a:extLst>
-          </p:cNvPr>
-          <p:cNvSpPr>
-            <a:spLocks noGrp="1"/>
-          </p:cNvSpPr>
-          <p:nvPr>
-            <p:ph type="sldNum" sz="quarter" idx="12"/>
-          </p:nvPr>
-        </p:nvSpPr>
-        <p:spPr/>
-        <p:txBody>
-          <a:bodyPr/>
-          <a:lstStyle/>
-          <a:p>
-            <a:fld id="{8A7A6979-0714-4377-B894-6BE4C2D6E202}" type="slidenum">
-              <a:rPr lang="en-US" smtClean="0"/>
-              <a:pPr/>
-              <a:t>4</a:t>
-            </a:fld>
-            <a:endParaRPr lang="en-US" dirty="0"/>
-          </a:p>
-        </p:txBody>
-      </p:sp>
-    </p:spTree>
-    <p:extLst>
-      <p:ext uri="{BB962C8B-B14F-4D97-AF65-F5344CB8AC3E}">
-        <p14:creationId xmlns:p14="http://schemas.microsoft.com/office/powerpoint/2010/main" val="4109723389"/>
-      </p:ext>
-    </p:extLst>
-  </p:cSld>
-  <p:clrMapOvr>
-    <a:masterClrMapping/>
-  </p:clrMapOvr>
-</p:sld>
-</file>
-
-<file path=ppt/slides/slide5.xml><?xml version="1.0" encoding="utf-8"?>
-<p:sld xmlns:a="http://schemas.openxmlformats.org/drawingml/2006/main" xmlns:r="http://schemas.openxmlformats.org/officeDocument/2006/relationships" xmlns:p="http://schemas.openxmlformats.org/presentationml/2006/main">
-  <p:cSld>
-    <p:spTree>
-      <p:nvGrpSpPr>
-        <p:cNvPr id="1" name=""/>
-        <p:cNvGrpSpPr/>
-        <p:nvPr/>
-      </p:nvGrpSpPr>
-      <p:grpSpPr>
-        <a:xfrm>
-          <a:off x="0" y="0"/>
-          <a:ext cx="0" cy="0"/>
-          <a:chOff x="0" y="0"/>
-          <a:chExt cx="0" cy="0"/>
-        </a:xfrm>
-      </p:grpSpPr>
-      <p:sp>
-        <p:nvSpPr>
-          <p:cNvPr id="2" name="Título 1">
-            <a:extLst>
-              <a:ext uri="{FF2B5EF4-FFF2-40B4-BE49-F238E27FC236}">
-                <a16:creationId xmlns:a16="http://schemas.microsoft.com/office/drawing/2014/main" id="{195F426D-6D10-48F0-A984-55C38B83A4D8}"/>
-              </a:ext>
-            </a:extLst>
-          </p:cNvPr>
-          <p:cNvSpPr>
-            <a:spLocks noGrp="1"/>
-          </p:cNvSpPr>
-          <p:nvPr>
-            <p:ph type="title"/>
-          </p:nvPr>
-        </p:nvSpPr>
-        <p:spPr/>
-        <p:txBody>
-          <a:bodyPr/>
-          <a:lstStyle/>
-          <a:p>
-            <a:endParaRPr lang="es-MX"/>
-          </a:p>
-        </p:txBody>
-      </p:sp>
-      <p:sp>
-        <p:nvSpPr>
-          <p:cNvPr id="3" name="Marcador de contenido 2">
-            <a:extLst>
-              <a:ext uri="{FF2B5EF4-FFF2-40B4-BE49-F238E27FC236}">
-                <a16:creationId xmlns:a16="http://schemas.microsoft.com/office/drawing/2014/main" id="{09D0567B-2028-4ADB-AB66-AEC792ED13F8}"/>
-              </a:ext>
-            </a:extLst>
-          </p:cNvPr>
-          <p:cNvSpPr>
-            <a:spLocks noGrp="1"/>
-          </p:cNvSpPr>
-          <p:nvPr>
-            <p:ph idx="1"/>
-          </p:nvPr>
-        </p:nvSpPr>
-        <p:spPr/>
-        <p:txBody>
-          <a:bodyPr/>
-          <a:lstStyle/>
-          <a:p>
-            <a:endParaRPr lang="es-MX"/>
-          </a:p>
-        </p:txBody>
-      </p:sp>
-      <p:sp>
-        <p:nvSpPr>
-          <p:cNvPr id="4" name="Marcador de número de diapositiva 3">
-            <a:extLst>
-              <a:ext uri="{FF2B5EF4-FFF2-40B4-BE49-F238E27FC236}">
-                <a16:creationId xmlns:a16="http://schemas.microsoft.com/office/drawing/2014/main" id="{90953371-2AF5-4904-808D-96511DF7EBD1}"/>
-              </a:ext>
-            </a:extLst>
-          </p:cNvPr>
-          <p:cNvSpPr>
-            <a:spLocks noGrp="1"/>
-          </p:cNvSpPr>
-          <p:nvPr>
-            <p:ph type="sldNum" sz="quarter" idx="12"/>
-          </p:nvPr>
-        </p:nvSpPr>
-        <p:spPr/>
-        <p:txBody>
-          <a:bodyPr/>
-          <a:lstStyle/>
-          <a:p>
-            <a:fld id="{8A7A6979-0714-4377-B894-6BE4C2D6E202}" type="slidenum">
-              <a:rPr lang="en-US" smtClean="0"/>
-              <a:pPr/>
-              <a:t>5</a:t>
-            </a:fld>
-            <a:endParaRPr lang="en-US" dirty="0"/>
-          </a:p>
-        </p:txBody>
-      </p:sp>
-    </p:spTree>
-    <p:extLst>
-      <p:ext uri="{BB962C8B-B14F-4D97-AF65-F5344CB8AC3E}">
-        <p14:creationId xmlns:p14="http://schemas.microsoft.com/office/powerpoint/2010/main" val="57388471"/>
-      </p:ext>
-    </p:extLst>
-  </p:cSld>
-  <p:clrMapOvr>
-    <a:masterClrMapping/>
-  </p:clrMapOvr>
-</p:sld>
-</file>
-
-<file path=ppt/slides/slide6.xml><?xml version="1.0" encoding="utf-8"?>
-<p:sld xmlns:a="http://schemas.openxmlformats.org/drawingml/2006/main" xmlns:r="http://schemas.openxmlformats.org/officeDocument/2006/relationships" xmlns:p="http://schemas.openxmlformats.org/presentationml/2006/main">
-  <p:cSld>
-    <p:bg>
-      <p:bgPr>
-        <a:solidFill>
-          <a:schemeClr val="bg1">
-            <a:lumMod val="65000"/>
-          </a:schemeClr>
-        </a:solidFill>
-        <a:effectLst/>
-      </p:bgPr>
-    </p:bg>
-    <p:spTree>
-      <p:nvGrpSpPr>
-        <p:cNvPr id="1" name=""/>
-        <p:cNvGrpSpPr/>
-        <p:nvPr/>
-      </p:nvGrpSpPr>
-      <p:grpSpPr>
-        <a:xfrm>
-          <a:off x="0" y="0"/>
-          <a:ext cx="0" cy="0"/>
-          <a:chOff x="0" y="0"/>
-          <a:chExt cx="0" cy="0"/>
-        </a:xfrm>
-      </p:grpSpPr>
-      <p:sp>
-        <p:nvSpPr>
-          <p:cNvPr id="2" name="Título 1">
-            <a:extLst>
-              <a:ext uri="{FF2B5EF4-FFF2-40B4-BE49-F238E27FC236}">
-                <a16:creationId xmlns:a16="http://schemas.microsoft.com/office/drawing/2014/main" id="{221C009E-1670-4C7C-984D-A393501F36AD}"/>
-              </a:ext>
-            </a:extLst>
-          </p:cNvPr>
-          <p:cNvSpPr>
-            <a:spLocks noGrp="1"/>
-          </p:cNvSpPr>
-          <p:nvPr>
-            <p:ph type="title"/>
-          </p:nvPr>
-        </p:nvSpPr>
-        <p:spPr/>
-        <p:txBody>
-          <a:bodyPr/>
-          <a:lstStyle/>
-          <a:p>
-            <a:r>
-              <a:rPr lang="es-MX" dirty="0"/>
-              <a:t>ARQUITECTURA DE NEGOCIO</a:t>
-            </a:r>
-          </a:p>
-        </p:txBody>
-      </p:sp>
-      <p:sp>
-        <p:nvSpPr>
-          <p:cNvPr id="3" name="Marcador de contenido 2">
-            <a:extLst>
-              <a:ext uri="{FF2B5EF4-FFF2-40B4-BE49-F238E27FC236}">
-                <a16:creationId xmlns:a16="http://schemas.microsoft.com/office/drawing/2014/main" id="{213818D7-CBFB-4692-8666-BBDCA8C8DC14}"/>
-              </a:ext>
-            </a:extLst>
-          </p:cNvPr>
-          <p:cNvSpPr>
-            <a:spLocks noGrp="1"/>
-          </p:cNvSpPr>
-          <p:nvPr>
-            <p:ph idx="1"/>
-          </p:nvPr>
-        </p:nvSpPr>
         <p:spPr>
           <a:xfrm>
             <a:off x="844731" y="2153412"/>
@@ -4519,10 +4174,10 @@
       </p:sp>
       <p:sp>
         <p:nvSpPr>
-          <p:cNvPr id="4" name="Marcador de número de diapositiva 3">
+          <p:cNvPr id="5" name="Marcador de número de diapositiva 4">
             <a:extLst>
               <a:ext uri="{FF2B5EF4-FFF2-40B4-BE49-F238E27FC236}">
-                <a16:creationId xmlns:a16="http://schemas.microsoft.com/office/drawing/2014/main" id="{C6B8F29E-0999-4212-B903-9CF4195DC5C0}"/>
+                <a16:creationId xmlns:a16="http://schemas.microsoft.com/office/drawing/2014/main" id="{0BD32CF4-3A26-4399-81CB-654CB2CC5A9E}"/>
               </a:ext>
             </a:extLst>
           </p:cNvPr>
@@ -4541,7 +4196,7 @@
             <a:fld id="{8A7A6979-0714-4377-B894-6BE4C2D6E202}" type="slidenum">
               <a:rPr lang="en-US" smtClean="0"/>
               <a:pPr/>
-              <a:t>6</a:t>
+              <a:t>11</a:t>
             </a:fld>
             <a:endParaRPr lang="en-US" dirty="0"/>
           </a:p>
@@ -4560,7 +4215,7 @@
 </p:sld>
 </file>
 
-<file path=ppt/slides/slide7.xml><?xml version="1.0" encoding="utf-8"?>
+<file path=ppt/slides/slide12.xml><?xml version="1.0" encoding="utf-8"?>
 <p:sld xmlns:a="http://schemas.openxmlformats.org/drawingml/2006/main" xmlns:r="http://schemas.openxmlformats.org/officeDocument/2006/relationships" xmlns:p="http://schemas.openxmlformats.org/presentationml/2006/main">
   <p:cSld>
     <p:spTree>
@@ -5427,10 +5082,10 @@
       </p:sp>
       <p:sp>
         <p:nvSpPr>
-          <p:cNvPr id="2" name="Marcador de número de diapositiva 1">
+          <p:cNvPr id="3" name="Marcador de número de diapositiva 2">
             <a:extLst>
               <a:ext uri="{FF2B5EF4-FFF2-40B4-BE49-F238E27FC236}">
-                <a16:creationId xmlns:a16="http://schemas.microsoft.com/office/drawing/2014/main" id="{AA3609B3-420A-43D8-9F8B-85D3D9949689}"/>
+                <a16:creationId xmlns:a16="http://schemas.microsoft.com/office/drawing/2014/main" id="{B55A1B89-C00D-44AE-B67D-C70253FB6B8A}"/>
               </a:ext>
             </a:extLst>
           </p:cNvPr>
@@ -5448,7 +5103,7 @@
           <a:p>
             <a:fld id="{8A7A6979-0714-4377-B894-6BE4C2D6E202}" type="slidenum">
               <a:rPr lang="en-US" smtClean="0"/>
-              <a:t>7</a:t>
+              <a:t>12</a:t>
             </a:fld>
             <a:endParaRPr lang="en-US" dirty="0"/>
           </a:p>
@@ -5467,7 +5122,7 @@
 </p:sld>
 </file>
 
-<file path=ppt/slides/slide8.xml><?xml version="1.0" encoding="utf-8"?>
+<file path=ppt/slides/slide13.xml><?xml version="1.0" encoding="utf-8"?>
 <p:sld xmlns:a="http://schemas.openxmlformats.org/drawingml/2006/main" xmlns:r="http://schemas.openxmlformats.org/officeDocument/2006/relationships" xmlns:p="http://schemas.openxmlformats.org/presentationml/2006/main">
   <p:cSld>
     <p:bg>
@@ -5864,10 +5519,10 @@
       </p:pic>
       <p:sp>
         <p:nvSpPr>
-          <p:cNvPr id="2" name="Marcador de número de diapositiva 1">
+          <p:cNvPr id="3" name="Marcador de número de diapositiva 2">
             <a:extLst>
               <a:ext uri="{FF2B5EF4-FFF2-40B4-BE49-F238E27FC236}">
-                <a16:creationId xmlns:a16="http://schemas.microsoft.com/office/drawing/2014/main" id="{671DF3A8-8392-446B-8B5E-D325A6A226CE}"/>
+                <a16:creationId xmlns:a16="http://schemas.microsoft.com/office/drawing/2014/main" id="{3521EF28-4116-4306-A852-DAE78E0CC67E}"/>
               </a:ext>
             </a:extLst>
           </p:cNvPr>
@@ -5885,7 +5540,7 @@
           <a:p>
             <a:fld id="{8A7A6979-0714-4377-B894-6BE4C2D6E202}" type="slidenum">
               <a:rPr lang="en-US" smtClean="0"/>
-              <a:t>8</a:t>
+              <a:t>13</a:t>
             </a:fld>
             <a:endParaRPr lang="en-US" dirty="0"/>
           </a:p>
@@ -5904,7 +5559,7 @@
 </p:sld>
 </file>
 
-<file path=ppt/slides/slide9.xml><?xml version="1.0" encoding="utf-8"?>
+<file path=ppt/slides/slide14.xml><?xml version="1.0" encoding="utf-8"?>
 <p:sld xmlns:a="http://schemas.openxmlformats.org/drawingml/2006/main" xmlns:r="http://schemas.openxmlformats.org/officeDocument/2006/relationships" xmlns:p="http://schemas.openxmlformats.org/presentationml/2006/main">
   <p:cSld>
     <p:spTree>
@@ -6241,10 +5896,10 @@
       </p:pic>
       <p:sp>
         <p:nvSpPr>
-          <p:cNvPr id="3" name="Marcador de número de diapositiva 2">
+          <p:cNvPr id="4" name="Marcador de número de diapositiva 3">
             <a:extLst>
               <a:ext uri="{FF2B5EF4-FFF2-40B4-BE49-F238E27FC236}">
-                <a16:creationId xmlns:a16="http://schemas.microsoft.com/office/drawing/2014/main" id="{64AD6F92-E900-4B88-8ED6-F910BD1B377B}"/>
+                <a16:creationId xmlns:a16="http://schemas.microsoft.com/office/drawing/2014/main" id="{128A5766-3110-4CF5-BA68-4C4CB685EB58}"/>
               </a:ext>
             </a:extLst>
           </p:cNvPr>
@@ -6262,7 +5917,7 @@
           <a:p>
             <a:fld id="{8A7A6979-0714-4377-B894-6BE4C2D6E202}" type="slidenum">
               <a:rPr lang="en-US" smtClean="0"/>
-              <a:t>9</a:t>
+              <a:t>14</a:t>
             </a:fld>
             <a:endParaRPr lang="en-US" dirty="0"/>
           </a:p>
@@ -6272,6 +5927,1579 @@
     <p:extLst>
       <p:ext uri="{BB962C8B-B14F-4D97-AF65-F5344CB8AC3E}">
         <p14:creationId xmlns:p14="http://schemas.microsoft.com/office/powerpoint/2010/main" val="2041590995"/>
+      </p:ext>
+    </p:extLst>
+  </p:cSld>
+  <p:clrMapOvr>
+    <a:masterClrMapping/>
+  </p:clrMapOvr>
+</p:sld>
+</file>
+
+<file path=ppt/slides/slide2.xml><?xml version="1.0" encoding="utf-8"?>
+<p:sld xmlns:a="http://schemas.openxmlformats.org/drawingml/2006/main" xmlns:r="http://schemas.openxmlformats.org/officeDocument/2006/relationships" xmlns:p="http://schemas.openxmlformats.org/presentationml/2006/main">
+  <p:cSld>
+    <p:spTree>
+      <p:nvGrpSpPr>
+        <p:cNvPr id="1" name=""/>
+        <p:cNvGrpSpPr/>
+        <p:nvPr/>
+      </p:nvGrpSpPr>
+      <p:grpSpPr>
+        <a:xfrm>
+          <a:off x="0" y="0"/>
+          <a:ext cx="0" cy="0"/>
+          <a:chOff x="0" y="0"/>
+          <a:chExt cx="0" cy="0"/>
+        </a:xfrm>
+      </p:grpSpPr>
+      <p:sp>
+        <p:nvSpPr>
+          <p:cNvPr id="2" name="Título 1">
+            <a:extLst>
+              <a:ext uri="{FF2B5EF4-FFF2-40B4-BE49-F238E27FC236}">
+                <a16:creationId xmlns:a16="http://schemas.microsoft.com/office/drawing/2014/main" id="{221C009E-1670-4C7C-984D-A393501F36AD}"/>
+              </a:ext>
+            </a:extLst>
+          </p:cNvPr>
+          <p:cNvSpPr>
+            <a:spLocks noGrp="1"/>
+          </p:cNvSpPr>
+          <p:nvPr>
+            <p:ph type="title"/>
+          </p:nvPr>
+        </p:nvSpPr>
+        <p:spPr>
+          <a:xfrm>
+            <a:off x="804672" y="964692"/>
+            <a:ext cx="3066937" cy="1188720"/>
+          </a:xfrm>
+        </p:spPr>
+        <p:txBody>
+          <a:bodyPr>
+            <a:normAutofit/>
+          </a:bodyPr>
+          <a:lstStyle/>
+          <a:p>
+            <a:r>
+              <a:rPr lang="es-MX" sz="2600"/>
+              <a:t>Data </a:t>
+            </a:r>
+            <a:r>
+              <a:rPr lang="es-MX" sz="2600" err="1"/>
+              <a:t>architecture</a:t>
+            </a:r>
+            <a:endParaRPr lang="es-MX" sz="2600"/>
+          </a:p>
+        </p:txBody>
+      </p:sp>
+      <p:sp>
+        <p:nvSpPr>
+          <p:cNvPr id="3" name="Marcador de contenido 2">
+            <a:extLst>
+              <a:ext uri="{FF2B5EF4-FFF2-40B4-BE49-F238E27FC236}">
+                <a16:creationId xmlns:a16="http://schemas.microsoft.com/office/drawing/2014/main" id="{213818D7-CBFB-4692-8666-BBDCA8C8DC14}"/>
+              </a:ext>
+            </a:extLst>
+          </p:cNvPr>
+          <p:cNvSpPr>
+            <a:spLocks noGrp="1"/>
+          </p:cNvSpPr>
+          <p:nvPr>
+            <p:ph idx="1"/>
+          </p:nvPr>
+        </p:nvSpPr>
+        <p:spPr>
+          <a:xfrm>
+            <a:off x="803244" y="2638044"/>
+            <a:ext cx="3063765" cy="3263206"/>
+          </a:xfrm>
+        </p:spPr>
+        <p:txBody>
+          <a:bodyPr>
+            <a:normAutofit fontScale="92500" lnSpcReduction="10000"/>
+          </a:bodyPr>
+          <a:lstStyle/>
+          <a:p>
+            <a:pPr algn="just"/>
+            <a:r>
+              <a:rPr lang="es-MX" sz="2400" dirty="0"/>
+              <a:t>Es una metodología que se basa en la visión integral de todos los datos de una empresa o sistema.  En la cual se define todo lo referente a la administración, gestión, comunicación y analítica de datos.</a:t>
+            </a:r>
+          </a:p>
+        </p:txBody>
+      </p:sp>
+      <p:pic>
+        <p:nvPicPr>
+          <p:cNvPr id="1026" name="Picture 2" descr="Resultado de imagen para arquitectura de datos">
+            <a:extLst>
+              <a:ext uri="{FF2B5EF4-FFF2-40B4-BE49-F238E27FC236}">
+                <a16:creationId xmlns:a16="http://schemas.microsoft.com/office/drawing/2014/main" id="{A13FEED6-F9D7-49EC-8102-6E92BA9467DC}"/>
+              </a:ext>
+            </a:extLst>
+          </p:cNvPr>
+          <p:cNvPicPr>
+            <a:picLocks noChangeAspect="1" noChangeArrowheads="1"/>
+          </p:cNvPicPr>
+          <p:nvPr/>
+        </p:nvPicPr>
+        <p:blipFill>
+          <a:blip r:embed="rId2">
+            <a:extLst>
+              <a:ext uri="{28A0092B-C50C-407E-A947-70E740481C1C}">
+                <a14:useLocalDpi xmlns:a14="http://schemas.microsoft.com/office/drawing/2010/main" val="0"/>
+              </a:ext>
+            </a:extLst>
+          </a:blip>
+          <a:srcRect/>
+          <a:stretch>
+            <a:fillRect/>
+          </a:stretch>
+        </p:blipFill>
+        <p:spPr bwMode="auto">
+          <a:xfrm>
+            <a:off x="4823366" y="1658258"/>
+            <a:ext cx="6227064" cy="3549426"/>
+          </a:xfrm>
+          <a:prstGeom prst="rect">
+            <a:avLst/>
+          </a:prstGeom>
+          <a:noFill/>
+          <a:extLst>
+            <a:ext uri="{909E8E84-426E-40DD-AFC4-6F175D3DCCD1}">
+              <a14:hiddenFill xmlns:a14="http://schemas.microsoft.com/office/drawing/2010/main">
+                <a:solidFill>
+                  <a:srgbClr val="FFFFFF"/>
+                </a:solidFill>
+              </a14:hiddenFill>
+            </a:ext>
+          </a:extLst>
+        </p:spPr>
+      </p:pic>
+      <p:sp>
+        <p:nvSpPr>
+          <p:cNvPr id="4" name="Marcador de número de diapositiva 3">
+            <a:extLst>
+              <a:ext uri="{FF2B5EF4-FFF2-40B4-BE49-F238E27FC236}">
+                <a16:creationId xmlns:a16="http://schemas.microsoft.com/office/drawing/2014/main" id="{187455F0-E007-4CE9-B958-26A6C9C29A6D}"/>
+              </a:ext>
+            </a:extLst>
+          </p:cNvPr>
+          <p:cNvSpPr>
+            <a:spLocks noGrp="1"/>
+          </p:cNvSpPr>
+          <p:nvPr>
+            <p:ph type="sldNum" sz="quarter" idx="12"/>
+          </p:nvPr>
+        </p:nvSpPr>
+        <p:spPr/>
+        <p:txBody>
+          <a:bodyPr/>
+          <a:lstStyle/>
+          <a:p>
+            <a:fld id="{8A7A6979-0714-4377-B894-6BE4C2D6E202}" type="slidenum">
+              <a:rPr lang="en-US" smtClean="0"/>
+              <a:pPr/>
+              <a:t>2</a:t>
+            </a:fld>
+            <a:endParaRPr lang="en-US" dirty="0"/>
+          </a:p>
+        </p:txBody>
+      </p:sp>
+    </p:spTree>
+    <p:extLst>
+      <p:ext uri="{BB962C8B-B14F-4D97-AF65-F5344CB8AC3E}">
+        <p14:creationId xmlns:p14="http://schemas.microsoft.com/office/powerpoint/2010/main" val="4016375971"/>
+      </p:ext>
+    </p:extLst>
+  </p:cSld>
+  <p:clrMapOvr>
+    <a:masterClrMapping/>
+  </p:clrMapOvr>
+</p:sld>
+</file>
+
+<file path=ppt/slides/slide3.xml><?xml version="1.0" encoding="utf-8"?>
+<p:sld xmlns:a="http://schemas.openxmlformats.org/drawingml/2006/main" xmlns:r="http://schemas.openxmlformats.org/officeDocument/2006/relationships" xmlns:p="http://schemas.openxmlformats.org/presentationml/2006/main">
+  <p:cSld>
+    <p:bg>
+      <p:bgPr>
+        <a:solidFill>
+          <a:schemeClr val="bg1">
+            <a:lumMod val="65000"/>
+          </a:schemeClr>
+        </a:solidFill>
+        <a:effectLst/>
+      </p:bgPr>
+    </p:bg>
+    <p:spTree>
+      <p:nvGrpSpPr>
+        <p:cNvPr id="1" name=""/>
+        <p:cNvGrpSpPr/>
+        <p:nvPr/>
+      </p:nvGrpSpPr>
+      <p:grpSpPr>
+        <a:xfrm>
+          <a:off x="0" y="0"/>
+          <a:ext cx="0" cy="0"/>
+          <a:chOff x="0" y="0"/>
+          <a:chExt cx="0" cy="0"/>
+        </a:xfrm>
+      </p:grpSpPr>
+      <p:sp>
+        <p:nvSpPr>
+          <p:cNvPr id="2" name="Título 1">
+            <a:extLst>
+              <a:ext uri="{FF2B5EF4-FFF2-40B4-BE49-F238E27FC236}">
+                <a16:creationId xmlns:a16="http://schemas.microsoft.com/office/drawing/2014/main" id="{0CD56A31-BCC2-4CB1-A811-6865D1794F5D}"/>
+              </a:ext>
+            </a:extLst>
+          </p:cNvPr>
+          <p:cNvSpPr>
+            <a:spLocks noGrp="1"/>
+          </p:cNvSpPr>
+          <p:nvPr>
+            <p:ph type="title"/>
+          </p:nvPr>
+        </p:nvSpPr>
+        <p:spPr>
+          <a:xfrm>
+            <a:off x="615986" y="956750"/>
+            <a:ext cx="6307328" cy="1343079"/>
+          </a:xfrm>
+        </p:spPr>
+        <p:txBody>
+          <a:bodyPr>
+            <a:normAutofit/>
+          </a:bodyPr>
+          <a:lstStyle/>
+          <a:p>
+            <a:r>
+              <a:rPr lang="es-MX" sz="2400" dirty="0"/>
+              <a:t>¿Cómo llevar acabo el diseño de UNA ARQUITECTURA DE DATOS?</a:t>
+            </a:r>
+          </a:p>
+        </p:txBody>
+      </p:sp>
+      <p:sp>
+        <p:nvSpPr>
+          <p:cNvPr id="3" name="Marcador de contenido 2">
+            <a:extLst>
+              <a:ext uri="{FF2B5EF4-FFF2-40B4-BE49-F238E27FC236}">
+                <a16:creationId xmlns:a16="http://schemas.microsoft.com/office/drawing/2014/main" id="{02BE5AA0-EDAD-45B2-A1E5-844106CB94BB}"/>
+              </a:ext>
+            </a:extLst>
+          </p:cNvPr>
+          <p:cNvSpPr>
+            <a:spLocks noGrp="1"/>
+          </p:cNvSpPr>
+          <p:nvPr>
+            <p:ph idx="1"/>
+          </p:nvPr>
+        </p:nvSpPr>
+        <p:spPr>
+          <a:xfrm>
+            <a:off x="803243" y="2638044"/>
+            <a:ext cx="5963317" cy="3263206"/>
+          </a:xfrm>
+        </p:spPr>
+        <p:txBody>
+          <a:bodyPr>
+            <a:normAutofit/>
+          </a:bodyPr>
+          <a:lstStyle/>
+          <a:p>
+            <a:pPr marL="342900" indent="-342900">
+              <a:buFont typeface="+mj-lt"/>
+              <a:buAutoNum type="alphaUcPeriod"/>
+            </a:pPr>
+            <a:r>
+              <a:rPr lang="es-MX" sz="2000" dirty="0"/>
+              <a:t>Revisar y analizar los elementos de la arquitectura.</a:t>
+            </a:r>
+          </a:p>
+          <a:p>
+            <a:pPr marL="342900" indent="-342900">
+              <a:buFont typeface="+mj-lt"/>
+              <a:buAutoNum type="alphaUcPeriod"/>
+            </a:pPr>
+            <a:r>
+              <a:rPr lang="es-MX" sz="2000" dirty="0"/>
+              <a:t>Información que se revisará y determinar el orden de esta en base a cada servicio que se brinda.</a:t>
+            </a:r>
+          </a:p>
+          <a:p>
+            <a:pPr marL="342900" indent="-342900">
+              <a:buFont typeface="+mj-lt"/>
+              <a:buAutoNum type="alphaUcPeriod"/>
+            </a:pPr>
+            <a:r>
+              <a:rPr lang="es-MX" sz="2000" dirty="0"/>
+              <a:t>Documentar el resultado del análisis de la arquitectura de datos con la ayuda de estándares para la gestión de datos.</a:t>
+            </a:r>
+          </a:p>
+          <a:p>
+            <a:pPr marL="342900" indent="-342900">
+              <a:buFont typeface="+mj-lt"/>
+              <a:buAutoNum type="alphaUcPeriod"/>
+            </a:pPr>
+            <a:r>
+              <a:rPr lang="es-MX" sz="2000" dirty="0"/>
+              <a:t>Modelar una </a:t>
+            </a:r>
+            <a:r>
+              <a:rPr lang="es-MX" sz="2000" dirty="0" err="1"/>
+              <a:t>pre-estrategia</a:t>
+            </a:r>
+            <a:r>
+              <a:rPr lang="es-MX" sz="2000" dirty="0"/>
+              <a:t> para la arquitectura (representación gráfica del modelo de datos).</a:t>
+            </a:r>
+          </a:p>
+        </p:txBody>
+      </p:sp>
+      <p:pic>
+        <p:nvPicPr>
+          <p:cNvPr id="2050" name="Picture 2" descr="Resultado de imagen para Pensando">
+            <a:extLst>
+              <a:ext uri="{FF2B5EF4-FFF2-40B4-BE49-F238E27FC236}">
+                <a16:creationId xmlns:a16="http://schemas.microsoft.com/office/drawing/2014/main" id="{07BFA418-435E-4454-B000-FA5BE3F809DB}"/>
+              </a:ext>
+            </a:extLst>
+          </p:cNvPr>
+          <p:cNvPicPr>
+            <a:picLocks noChangeAspect="1" noChangeArrowheads="1"/>
+          </p:cNvPicPr>
+          <p:nvPr/>
+        </p:nvPicPr>
+        <p:blipFill>
+          <a:blip r:embed="rId2">
+            <a:extLst>
+              <a:ext uri="{28A0092B-C50C-407E-A947-70E740481C1C}">
+                <a14:useLocalDpi xmlns:a14="http://schemas.microsoft.com/office/drawing/2010/main" val="0"/>
+              </a:ext>
+            </a:extLst>
+          </a:blip>
+          <a:srcRect/>
+          <a:stretch>
+            <a:fillRect/>
+          </a:stretch>
+        </p:blipFill>
+        <p:spPr bwMode="auto">
+          <a:xfrm>
+            <a:off x="7715890" y="1764792"/>
+            <a:ext cx="3328416" cy="3328416"/>
+          </a:xfrm>
+          <a:prstGeom prst="rect">
+            <a:avLst/>
+          </a:prstGeom>
+          <a:noFill/>
+          <a:extLst>
+            <a:ext uri="{909E8E84-426E-40DD-AFC4-6F175D3DCCD1}">
+              <a14:hiddenFill xmlns:a14="http://schemas.microsoft.com/office/drawing/2010/main">
+                <a:solidFill>
+                  <a:srgbClr val="FFFFFF"/>
+                </a:solidFill>
+              </a14:hiddenFill>
+            </a:ext>
+          </a:extLst>
+        </p:spPr>
+      </p:pic>
+      <p:sp>
+        <p:nvSpPr>
+          <p:cNvPr id="4" name="Marcador de número de diapositiva 3">
+            <a:extLst>
+              <a:ext uri="{FF2B5EF4-FFF2-40B4-BE49-F238E27FC236}">
+                <a16:creationId xmlns:a16="http://schemas.microsoft.com/office/drawing/2014/main" id="{FF2009D9-E1C2-4CE0-B766-98CD37E213CC}"/>
+              </a:ext>
+            </a:extLst>
+          </p:cNvPr>
+          <p:cNvSpPr>
+            <a:spLocks noGrp="1"/>
+          </p:cNvSpPr>
+          <p:nvPr>
+            <p:ph type="sldNum" sz="quarter" idx="12"/>
+          </p:nvPr>
+        </p:nvSpPr>
+        <p:spPr/>
+        <p:txBody>
+          <a:bodyPr/>
+          <a:lstStyle/>
+          <a:p>
+            <a:fld id="{8A7A6979-0714-4377-B894-6BE4C2D6E202}" type="slidenum">
+              <a:rPr lang="en-US" smtClean="0"/>
+              <a:pPr/>
+              <a:t>3</a:t>
+            </a:fld>
+            <a:endParaRPr lang="en-US" dirty="0"/>
+          </a:p>
+        </p:txBody>
+      </p:sp>
+    </p:spTree>
+    <p:extLst>
+      <p:ext uri="{BB962C8B-B14F-4D97-AF65-F5344CB8AC3E}">
+        <p14:creationId xmlns:p14="http://schemas.microsoft.com/office/powerpoint/2010/main" val="365037244"/>
+      </p:ext>
+    </p:extLst>
+  </p:cSld>
+  <p:clrMapOvr>
+    <a:masterClrMapping/>
+  </p:clrMapOvr>
+</p:sld>
+</file>
+
+<file path=ppt/slides/slide4.xml><?xml version="1.0" encoding="utf-8"?>
+<p:sld xmlns:a="http://schemas.openxmlformats.org/drawingml/2006/main" xmlns:r="http://schemas.openxmlformats.org/officeDocument/2006/relationships" xmlns:p="http://schemas.openxmlformats.org/presentationml/2006/main">
+  <p:cSld>
+    <p:spTree>
+      <p:nvGrpSpPr>
+        <p:cNvPr id="1" name=""/>
+        <p:cNvGrpSpPr/>
+        <p:nvPr/>
+      </p:nvGrpSpPr>
+      <p:grpSpPr>
+        <a:xfrm>
+          <a:off x="0" y="0"/>
+          <a:ext cx="0" cy="0"/>
+          <a:chOff x="0" y="0"/>
+          <a:chExt cx="0" cy="0"/>
+        </a:xfrm>
+      </p:grpSpPr>
+      <p:sp>
+        <p:nvSpPr>
+          <p:cNvPr id="2" name="Título 1">
+            <a:extLst>
+              <a:ext uri="{FF2B5EF4-FFF2-40B4-BE49-F238E27FC236}">
+                <a16:creationId xmlns:a16="http://schemas.microsoft.com/office/drawing/2014/main" id="{71503B3C-AD74-4B4D-8DD3-F1B4324D9D51}"/>
+              </a:ext>
+            </a:extLst>
+          </p:cNvPr>
+          <p:cNvSpPr>
+            <a:spLocks noGrp="1"/>
+          </p:cNvSpPr>
+          <p:nvPr>
+            <p:ph type="title"/>
+          </p:nvPr>
+        </p:nvSpPr>
+        <p:spPr/>
+        <p:txBody>
+          <a:bodyPr/>
+          <a:lstStyle/>
+          <a:p>
+            <a:r>
+              <a:rPr lang="es-MX" dirty="0"/>
+              <a:t>Elementos clave de da</a:t>
+            </a:r>
+          </a:p>
+        </p:txBody>
+      </p:sp>
+      <p:sp>
+        <p:nvSpPr>
+          <p:cNvPr id="3" name="Marcador de contenido 2">
+            <a:extLst>
+              <a:ext uri="{FF2B5EF4-FFF2-40B4-BE49-F238E27FC236}">
+                <a16:creationId xmlns:a16="http://schemas.microsoft.com/office/drawing/2014/main" id="{CFEFFF85-6D04-49D1-9DED-1199A032F882}"/>
+              </a:ext>
+            </a:extLst>
+          </p:cNvPr>
+          <p:cNvSpPr>
+            <a:spLocks noGrp="1"/>
+          </p:cNvSpPr>
+          <p:nvPr>
+            <p:ph idx="1"/>
+          </p:nvPr>
+        </p:nvSpPr>
+        <p:spPr/>
+        <p:txBody>
+          <a:bodyPr/>
+          <a:lstStyle/>
+          <a:p>
+            <a:pPr marL="0" indent="0">
+              <a:buNone/>
+            </a:pPr>
+            <a:endParaRPr lang="es-MX" dirty="0"/>
+          </a:p>
+          <a:p>
+            <a:r>
+              <a:rPr lang="es-MX" dirty="0"/>
+              <a:t>Definición de atributos de datos.</a:t>
+            </a:r>
+          </a:p>
+          <a:p>
+            <a:r>
+              <a:rPr lang="es-MX" dirty="0"/>
+              <a:t>Estandarización de formato de datos (lenguaje ubicuo).</a:t>
+            </a:r>
+          </a:p>
+          <a:p>
+            <a:r>
+              <a:rPr lang="es-MX" dirty="0"/>
+              <a:t>Estructura de la base o bases de datos.</a:t>
+            </a:r>
+          </a:p>
+          <a:p>
+            <a:r>
+              <a:rPr lang="es-MX" dirty="0"/>
+              <a:t>Definición de herramientas para gestionar bases de datos.</a:t>
+            </a:r>
+          </a:p>
+          <a:p>
+            <a:r>
+              <a:rPr lang="es-MX" dirty="0"/>
+              <a:t>Comunicación y consultas estandarizadas a la base (s) de datos.</a:t>
+            </a:r>
+          </a:p>
+          <a:p>
+            <a:r>
+              <a:rPr lang="es-MX" dirty="0"/>
+              <a:t>Herramientas de analítica de datos.</a:t>
+            </a:r>
+          </a:p>
+          <a:p>
+            <a:endParaRPr lang="es-MX" dirty="0"/>
+          </a:p>
+        </p:txBody>
+      </p:sp>
+      <p:sp>
+        <p:nvSpPr>
+          <p:cNvPr id="4" name="Marcador de número de diapositiva 3">
+            <a:extLst>
+              <a:ext uri="{FF2B5EF4-FFF2-40B4-BE49-F238E27FC236}">
+                <a16:creationId xmlns:a16="http://schemas.microsoft.com/office/drawing/2014/main" id="{63F8B6C7-5A71-40DF-A2CF-FE2EEE3BD286}"/>
+              </a:ext>
+            </a:extLst>
+          </p:cNvPr>
+          <p:cNvSpPr>
+            <a:spLocks noGrp="1"/>
+          </p:cNvSpPr>
+          <p:nvPr>
+            <p:ph type="sldNum" sz="quarter" idx="12"/>
+          </p:nvPr>
+        </p:nvSpPr>
+        <p:spPr/>
+        <p:txBody>
+          <a:bodyPr/>
+          <a:lstStyle/>
+          <a:p>
+            <a:fld id="{8A7A6979-0714-4377-B894-6BE4C2D6E202}" type="slidenum">
+              <a:rPr lang="en-US" smtClean="0"/>
+              <a:pPr/>
+              <a:t>4</a:t>
+            </a:fld>
+            <a:endParaRPr lang="en-US" dirty="0"/>
+          </a:p>
+        </p:txBody>
+      </p:sp>
+    </p:spTree>
+    <p:extLst>
+      <p:ext uri="{BB962C8B-B14F-4D97-AF65-F5344CB8AC3E}">
+        <p14:creationId xmlns:p14="http://schemas.microsoft.com/office/powerpoint/2010/main" val="2071516644"/>
+      </p:ext>
+    </p:extLst>
+  </p:cSld>
+  <p:clrMapOvr>
+    <a:masterClrMapping/>
+  </p:clrMapOvr>
+</p:sld>
+</file>
+
+<file path=ppt/slides/slide5.xml><?xml version="1.0" encoding="utf-8"?>
+<p:sld xmlns:a="http://schemas.openxmlformats.org/drawingml/2006/main" xmlns:r="http://schemas.openxmlformats.org/officeDocument/2006/relationships" xmlns:p="http://schemas.openxmlformats.org/presentationml/2006/main">
+  <p:cSld>
+    <p:bg>
+      <p:bgPr>
+        <a:solidFill>
+          <a:schemeClr val="bg1">
+            <a:lumMod val="65000"/>
+          </a:schemeClr>
+        </a:solidFill>
+        <a:effectLst/>
+      </p:bgPr>
+    </p:bg>
+    <p:spTree>
+      <p:nvGrpSpPr>
+        <p:cNvPr id="1" name=""/>
+        <p:cNvGrpSpPr/>
+        <p:nvPr/>
+      </p:nvGrpSpPr>
+      <p:grpSpPr>
+        <a:xfrm>
+          <a:off x="0" y="0"/>
+          <a:ext cx="0" cy="0"/>
+          <a:chOff x="0" y="0"/>
+          <a:chExt cx="0" cy="0"/>
+        </a:xfrm>
+      </p:grpSpPr>
+      <p:sp>
+        <p:nvSpPr>
+          <p:cNvPr id="2" name="Título 1">
+            <a:extLst>
+              <a:ext uri="{FF2B5EF4-FFF2-40B4-BE49-F238E27FC236}">
+                <a16:creationId xmlns:a16="http://schemas.microsoft.com/office/drawing/2014/main" id="{221C009E-1670-4C7C-984D-A393501F36AD}"/>
+              </a:ext>
+            </a:extLst>
+          </p:cNvPr>
+          <p:cNvSpPr>
+            <a:spLocks noGrp="1"/>
+          </p:cNvSpPr>
+          <p:nvPr>
+            <p:ph type="title"/>
+          </p:nvPr>
+        </p:nvSpPr>
+        <p:spPr>
+          <a:xfrm>
+            <a:off x="2231136" y="964692"/>
+            <a:ext cx="7729728" cy="864108"/>
+          </a:xfrm>
+        </p:spPr>
+        <p:txBody>
+          <a:bodyPr/>
+          <a:lstStyle/>
+          <a:p>
+            <a:r>
+              <a:rPr lang="es-MX"/>
+              <a:t>Revisión de información</a:t>
+            </a:r>
+            <a:endParaRPr lang="es-MX" dirty="0"/>
+          </a:p>
+        </p:txBody>
+      </p:sp>
+      <p:sp>
+        <p:nvSpPr>
+          <p:cNvPr id="8" name="CuadroTexto 7">
+            <a:extLst>
+              <a:ext uri="{FF2B5EF4-FFF2-40B4-BE49-F238E27FC236}">
+                <a16:creationId xmlns:a16="http://schemas.microsoft.com/office/drawing/2014/main" id="{E4AD7473-BDBC-4323-B321-A365ED1633C5}"/>
+              </a:ext>
+            </a:extLst>
+          </p:cNvPr>
+          <p:cNvSpPr txBox="1"/>
+          <p:nvPr/>
+        </p:nvSpPr>
+        <p:spPr>
+          <a:xfrm>
+            <a:off x="275771" y="2308279"/>
+            <a:ext cx="8505372" cy="3754874"/>
+          </a:xfrm>
+          <a:prstGeom prst="rect">
+            <a:avLst/>
+          </a:prstGeom>
+          <a:noFill/>
+        </p:spPr>
+        <p:txBody>
+          <a:bodyPr wrap="square" rtlCol="0">
+            <a:spAutoFit/>
+          </a:bodyPr>
+          <a:lstStyle/>
+          <a:p>
+            <a:pPr marL="285750" indent="-285750">
+              <a:buFont typeface="Arial" panose="020B0604020202020204" pitchFamily="34" charset="0"/>
+              <a:buChar char="•"/>
+            </a:pPr>
+            <a:r>
+              <a:rPr lang="es-MX" sz="2000" dirty="0"/>
+              <a:t>Como se miden los desastres naturales:</a:t>
+            </a:r>
+          </a:p>
+          <a:p>
+            <a:pPr marL="742950" lvl="1" indent="-285750">
+              <a:buFont typeface="Arial" panose="020B0604020202020204" pitchFamily="34" charset="0"/>
+              <a:buChar char="•"/>
+            </a:pPr>
+            <a:r>
+              <a:rPr lang="es-MX" sz="2000" dirty="0"/>
+              <a:t>Sismos.</a:t>
+            </a:r>
+          </a:p>
+          <a:p>
+            <a:pPr marL="742950" lvl="1" indent="-285750">
+              <a:buFont typeface="Arial" panose="020B0604020202020204" pitchFamily="34" charset="0"/>
+              <a:buChar char="•"/>
+            </a:pPr>
+            <a:r>
+              <a:rPr lang="es-MX" sz="2000" dirty="0"/>
+              <a:t>Inundaciones.</a:t>
+            </a:r>
+          </a:p>
+          <a:p>
+            <a:pPr marL="742950" lvl="1" indent="-285750">
+              <a:buFont typeface="Arial" panose="020B0604020202020204" pitchFamily="34" charset="0"/>
+              <a:buChar char="•"/>
+            </a:pPr>
+            <a:r>
+              <a:rPr lang="es-MX" sz="2000" dirty="0"/>
+              <a:t>Tormentas.</a:t>
+            </a:r>
+          </a:p>
+          <a:p>
+            <a:pPr marL="742950" lvl="1" indent="-285750">
+              <a:buFont typeface="Arial" panose="020B0604020202020204" pitchFamily="34" charset="0"/>
+              <a:buChar char="•"/>
+            </a:pPr>
+            <a:r>
+              <a:rPr lang="es-MX" sz="2000" dirty="0"/>
+              <a:t>Erupciones.</a:t>
+            </a:r>
+          </a:p>
+          <a:p>
+            <a:pPr marL="742950" lvl="1" indent="-285750">
+              <a:buFont typeface="Arial" panose="020B0604020202020204" pitchFamily="34" charset="0"/>
+              <a:buChar char="•"/>
+            </a:pPr>
+            <a:r>
+              <a:rPr lang="es-MX" sz="2000" dirty="0"/>
+              <a:t>Maremotos.</a:t>
+            </a:r>
+            <a:br>
+              <a:rPr lang="es-MX" sz="2000" dirty="0"/>
+            </a:br>
+            <a:endParaRPr lang="es-MX" sz="2000" dirty="0"/>
+          </a:p>
+          <a:p>
+            <a:pPr marL="285750" indent="-285750">
+              <a:buFont typeface="Arial" panose="020B0604020202020204" pitchFamily="34" charset="0"/>
+              <a:buChar char="•"/>
+            </a:pPr>
+            <a:r>
+              <a:rPr lang="es-MX" sz="2000" dirty="0"/>
+              <a:t>Estandarización:</a:t>
+            </a:r>
+          </a:p>
+          <a:p>
+            <a:pPr marL="742950" lvl="1" indent="-285750">
+              <a:buFont typeface="Arial" panose="020B0604020202020204" pitchFamily="34" charset="0"/>
+              <a:buChar char="•"/>
+            </a:pPr>
+            <a:r>
+              <a:rPr lang="en-US" sz="2000" dirty="0"/>
+              <a:t>Open Geospatial Consortium (OGC)</a:t>
+            </a:r>
+          </a:p>
+          <a:p>
+            <a:pPr marL="742950" lvl="1" indent="-285750">
+              <a:buFont typeface="Arial" panose="020B0604020202020204" pitchFamily="34" charset="0"/>
+              <a:buChar char="•"/>
+            </a:pPr>
+            <a:r>
+              <a:rPr lang="en-US" sz="2000" dirty="0"/>
+              <a:t>ISO (iso 19107).</a:t>
+            </a:r>
+          </a:p>
+          <a:p>
+            <a:pPr marL="742950" lvl="1" indent="-285750">
+              <a:buFont typeface="Arial" panose="020B0604020202020204" pitchFamily="34" charset="0"/>
+              <a:buChar char="•"/>
+            </a:pPr>
+            <a:r>
+              <a:rPr lang="en-US" sz="2000" dirty="0"/>
+              <a:t>W3C.</a:t>
+            </a:r>
+            <a:endParaRPr lang="es-MX" sz="2000" dirty="0"/>
+          </a:p>
+          <a:p>
+            <a:endParaRPr lang="es-MX" dirty="0"/>
+          </a:p>
+        </p:txBody>
+      </p:sp>
+      <p:pic>
+        <p:nvPicPr>
+          <p:cNvPr id="3074" name="Picture 2" descr="Resultado de imagen para EstandarizaciÃ³n.">
+            <a:extLst>
+              <a:ext uri="{FF2B5EF4-FFF2-40B4-BE49-F238E27FC236}">
+                <a16:creationId xmlns:a16="http://schemas.microsoft.com/office/drawing/2014/main" id="{924307F9-520B-40CC-8853-F7E408432B99}"/>
+              </a:ext>
+            </a:extLst>
+          </p:cNvPr>
+          <p:cNvPicPr>
+            <a:picLocks noChangeAspect="1" noChangeArrowheads="1"/>
+          </p:cNvPicPr>
+          <p:nvPr/>
+        </p:nvPicPr>
+        <p:blipFill>
+          <a:blip r:embed="rId2">
+            <a:extLst>
+              <a:ext uri="{28A0092B-C50C-407E-A947-70E740481C1C}">
+                <a14:useLocalDpi xmlns:a14="http://schemas.microsoft.com/office/drawing/2010/main" val="0"/>
+              </a:ext>
+            </a:extLst>
+          </a:blip>
+          <a:srcRect/>
+          <a:stretch>
+            <a:fillRect/>
+          </a:stretch>
+        </p:blipFill>
+        <p:spPr bwMode="auto">
+          <a:xfrm>
+            <a:off x="5257119" y="3005409"/>
+            <a:ext cx="6039529" cy="2360613"/>
+          </a:xfrm>
+          <a:prstGeom prst="rect">
+            <a:avLst/>
+          </a:prstGeom>
+          <a:noFill/>
+          <a:extLst>
+            <a:ext uri="{909E8E84-426E-40DD-AFC4-6F175D3DCCD1}">
+              <a14:hiddenFill xmlns:a14="http://schemas.microsoft.com/office/drawing/2010/main">
+                <a:solidFill>
+                  <a:srgbClr val="FFFFFF"/>
+                </a:solidFill>
+              </a14:hiddenFill>
+            </a:ext>
+          </a:extLst>
+        </p:spPr>
+      </p:pic>
+      <p:sp>
+        <p:nvSpPr>
+          <p:cNvPr id="3" name="Marcador de número de diapositiva 2">
+            <a:extLst>
+              <a:ext uri="{FF2B5EF4-FFF2-40B4-BE49-F238E27FC236}">
+                <a16:creationId xmlns:a16="http://schemas.microsoft.com/office/drawing/2014/main" id="{C5A898A3-60A3-4431-9A13-2E0B6775C2C2}"/>
+              </a:ext>
+            </a:extLst>
+          </p:cNvPr>
+          <p:cNvSpPr>
+            <a:spLocks noGrp="1"/>
+          </p:cNvSpPr>
+          <p:nvPr>
+            <p:ph type="sldNum" sz="quarter" idx="12"/>
+          </p:nvPr>
+        </p:nvSpPr>
+        <p:spPr/>
+        <p:txBody>
+          <a:bodyPr/>
+          <a:lstStyle/>
+          <a:p>
+            <a:fld id="{8A7A6979-0714-4377-B894-6BE4C2D6E202}" type="slidenum">
+              <a:rPr lang="en-US" smtClean="0"/>
+              <a:pPr/>
+              <a:t>5</a:t>
+            </a:fld>
+            <a:endParaRPr lang="en-US" dirty="0"/>
+          </a:p>
+        </p:txBody>
+      </p:sp>
+    </p:spTree>
+    <p:extLst>
+      <p:ext uri="{BB962C8B-B14F-4D97-AF65-F5344CB8AC3E}">
+        <p14:creationId xmlns:p14="http://schemas.microsoft.com/office/powerpoint/2010/main" val="3464021324"/>
+      </p:ext>
+    </p:extLst>
+  </p:cSld>
+  <p:clrMapOvr>
+    <a:masterClrMapping/>
+  </p:clrMapOvr>
+</p:sld>
+</file>
+
+<file path=ppt/slides/slide6.xml><?xml version="1.0" encoding="utf-8"?>
+<p:sld xmlns:a="http://schemas.openxmlformats.org/drawingml/2006/main" xmlns:r="http://schemas.openxmlformats.org/officeDocument/2006/relationships" xmlns:p="http://schemas.openxmlformats.org/presentationml/2006/main">
+  <p:cSld>
+    <p:spTree>
+      <p:nvGrpSpPr>
+        <p:cNvPr id="1" name=""/>
+        <p:cNvGrpSpPr/>
+        <p:nvPr/>
+      </p:nvGrpSpPr>
+      <p:grpSpPr>
+        <a:xfrm>
+          <a:off x="0" y="0"/>
+          <a:ext cx="0" cy="0"/>
+          <a:chOff x="0" y="0"/>
+          <a:chExt cx="0" cy="0"/>
+        </a:xfrm>
+      </p:grpSpPr>
+      <p:sp>
+        <p:nvSpPr>
+          <p:cNvPr id="2" name="Título 1">
+            <a:extLst>
+              <a:ext uri="{FF2B5EF4-FFF2-40B4-BE49-F238E27FC236}">
+                <a16:creationId xmlns:a16="http://schemas.microsoft.com/office/drawing/2014/main" id="{195F426D-6D10-48F0-A984-55C38B83A4D8}"/>
+              </a:ext>
+            </a:extLst>
+          </p:cNvPr>
+          <p:cNvSpPr>
+            <a:spLocks noGrp="1"/>
+          </p:cNvSpPr>
+          <p:nvPr>
+            <p:ph type="title"/>
+          </p:nvPr>
+        </p:nvSpPr>
+        <p:spPr>
+          <a:xfrm>
+            <a:off x="2470839" y="164591"/>
+            <a:ext cx="7250321" cy="766137"/>
+          </a:xfrm>
+        </p:spPr>
+        <p:txBody>
+          <a:bodyPr/>
+          <a:lstStyle/>
+          <a:p>
+            <a:r>
+              <a:rPr lang="es-MX" dirty="0"/>
+              <a:t>Propuesta</a:t>
+            </a:r>
+          </a:p>
+        </p:txBody>
+      </p:sp>
+      <p:sp>
+        <p:nvSpPr>
+          <p:cNvPr id="4" name="Elipse 3">
+            <a:extLst>
+              <a:ext uri="{FF2B5EF4-FFF2-40B4-BE49-F238E27FC236}">
+                <a16:creationId xmlns:a16="http://schemas.microsoft.com/office/drawing/2014/main" id="{D76C2DCE-980A-42D8-B227-C5A4E3607A6F}"/>
+              </a:ext>
+            </a:extLst>
+          </p:cNvPr>
+          <p:cNvSpPr/>
+          <p:nvPr/>
+        </p:nvSpPr>
+        <p:spPr>
+          <a:xfrm>
+            <a:off x="791136" y="2141004"/>
+            <a:ext cx="1440000" cy="1440000"/>
+          </a:xfrm>
+          <a:prstGeom prst="ellipse">
+            <a:avLst/>
+          </a:prstGeom>
+        </p:spPr>
+        <p:style>
+          <a:lnRef idx="2">
+            <a:schemeClr val="accent1">
+              <a:shade val="50000"/>
+            </a:schemeClr>
+          </a:lnRef>
+          <a:fillRef idx="1">
+            <a:schemeClr val="accent1"/>
+          </a:fillRef>
+          <a:effectRef idx="0">
+            <a:schemeClr val="accent1"/>
+          </a:effectRef>
+          <a:fontRef idx="minor">
+            <a:schemeClr val="lt1"/>
+          </a:fontRef>
+        </p:style>
+        <p:txBody>
+          <a:bodyPr rtlCol="0" anchor="ctr"/>
+          <a:lstStyle/>
+          <a:p>
+            <a:pPr algn="ctr"/>
+            <a:r>
+              <a:rPr lang="es-MX" dirty="0"/>
+              <a:t>Sismos</a:t>
+            </a:r>
+          </a:p>
+        </p:txBody>
+      </p:sp>
+      <p:sp>
+        <p:nvSpPr>
+          <p:cNvPr id="5" name="Rectángulo 4">
+            <a:extLst>
+              <a:ext uri="{FF2B5EF4-FFF2-40B4-BE49-F238E27FC236}">
+                <a16:creationId xmlns:a16="http://schemas.microsoft.com/office/drawing/2014/main" id="{D697680D-8436-4580-A86B-EE252F1832DC}"/>
+              </a:ext>
+            </a:extLst>
+          </p:cNvPr>
+          <p:cNvSpPr/>
+          <p:nvPr/>
+        </p:nvSpPr>
+        <p:spPr>
+          <a:xfrm>
+            <a:off x="6095999" y="1584692"/>
+            <a:ext cx="6096000" cy="1631216"/>
+          </a:xfrm>
+          <a:prstGeom prst="rect">
+            <a:avLst/>
+          </a:prstGeom>
+        </p:spPr>
+        <p:txBody>
+          <a:bodyPr>
+            <a:spAutoFit/>
+          </a:bodyPr>
+          <a:lstStyle/>
+          <a:p>
+            <a:pPr marL="742950" lvl="1" indent="-285750">
+              <a:buFont typeface="Arial" panose="020B0604020202020204" pitchFamily="34" charset="0"/>
+              <a:buChar char="•"/>
+            </a:pPr>
+            <a:r>
+              <a:rPr lang="es-MX" sz="2000" dirty="0"/>
+              <a:t>Sismos.</a:t>
+            </a:r>
+          </a:p>
+          <a:p>
+            <a:pPr marL="742950" lvl="1" indent="-285750">
+              <a:buFont typeface="Arial" panose="020B0604020202020204" pitchFamily="34" charset="0"/>
+              <a:buChar char="•"/>
+            </a:pPr>
+            <a:r>
+              <a:rPr lang="es-MX" sz="2000" dirty="0"/>
+              <a:t>Inundaciones.</a:t>
+            </a:r>
+          </a:p>
+          <a:p>
+            <a:pPr marL="742950" lvl="1" indent="-285750">
+              <a:buFont typeface="Arial" panose="020B0604020202020204" pitchFamily="34" charset="0"/>
+              <a:buChar char="•"/>
+            </a:pPr>
+            <a:r>
+              <a:rPr lang="es-MX" sz="2000" dirty="0"/>
+              <a:t>Tormentas.</a:t>
+            </a:r>
+          </a:p>
+          <a:p>
+            <a:pPr marL="742950" lvl="1" indent="-285750">
+              <a:buFont typeface="Arial" panose="020B0604020202020204" pitchFamily="34" charset="0"/>
+              <a:buChar char="•"/>
+            </a:pPr>
+            <a:r>
+              <a:rPr lang="es-MX" sz="2000" dirty="0"/>
+              <a:t>Erupciones.</a:t>
+            </a:r>
+          </a:p>
+          <a:p>
+            <a:pPr marL="742950" lvl="1" indent="-285750">
+              <a:buFont typeface="Arial" panose="020B0604020202020204" pitchFamily="34" charset="0"/>
+              <a:buChar char="•"/>
+            </a:pPr>
+            <a:r>
+              <a:rPr lang="es-MX" sz="2000" dirty="0"/>
+              <a:t>Maremotos.</a:t>
+            </a:r>
+            <a:endParaRPr lang="es-MX" dirty="0"/>
+          </a:p>
+        </p:txBody>
+      </p:sp>
+      <p:sp>
+        <p:nvSpPr>
+          <p:cNvPr id="6" name="Elipse 5">
+            <a:extLst>
+              <a:ext uri="{FF2B5EF4-FFF2-40B4-BE49-F238E27FC236}">
+                <a16:creationId xmlns:a16="http://schemas.microsoft.com/office/drawing/2014/main" id="{097C687C-FA29-4D41-85A1-9304FB0B8751}"/>
+              </a:ext>
+            </a:extLst>
+          </p:cNvPr>
+          <p:cNvSpPr/>
+          <p:nvPr/>
+        </p:nvSpPr>
+        <p:spPr>
+          <a:xfrm>
+            <a:off x="992304" y="4073218"/>
+            <a:ext cx="1440000" cy="1440000"/>
+          </a:xfrm>
+          <a:prstGeom prst="ellipse">
+            <a:avLst/>
+          </a:prstGeom>
+        </p:spPr>
+        <p:style>
+          <a:lnRef idx="2">
+            <a:schemeClr val="accent1">
+              <a:shade val="50000"/>
+            </a:schemeClr>
+          </a:lnRef>
+          <a:fillRef idx="1">
+            <a:schemeClr val="accent1"/>
+          </a:fillRef>
+          <a:effectRef idx="0">
+            <a:schemeClr val="accent1"/>
+          </a:effectRef>
+          <a:fontRef idx="minor">
+            <a:schemeClr val="lt1"/>
+          </a:fontRef>
+        </p:style>
+        <p:txBody>
+          <a:bodyPr rtlCol="0" anchor="ctr"/>
+          <a:lstStyle/>
+          <a:p>
+            <a:pPr algn="ctr"/>
+            <a:r>
+              <a:rPr lang="es-MX" dirty="0"/>
+              <a:t>Inundaciones</a:t>
+            </a:r>
+          </a:p>
+        </p:txBody>
+      </p:sp>
+      <p:sp>
+        <p:nvSpPr>
+          <p:cNvPr id="7" name="Elipse 6">
+            <a:extLst>
+              <a:ext uri="{FF2B5EF4-FFF2-40B4-BE49-F238E27FC236}">
+                <a16:creationId xmlns:a16="http://schemas.microsoft.com/office/drawing/2014/main" id="{E3A58405-F295-477E-BCD5-3898F643CA21}"/>
+              </a:ext>
+            </a:extLst>
+          </p:cNvPr>
+          <p:cNvSpPr/>
+          <p:nvPr/>
+        </p:nvSpPr>
+        <p:spPr>
+          <a:xfrm>
+            <a:off x="3443567" y="3353218"/>
+            <a:ext cx="1440000" cy="1440000"/>
+          </a:xfrm>
+          <a:prstGeom prst="ellipse">
+            <a:avLst/>
+          </a:prstGeom>
+        </p:spPr>
+        <p:style>
+          <a:lnRef idx="2">
+            <a:schemeClr val="accent1">
+              <a:shade val="50000"/>
+            </a:schemeClr>
+          </a:lnRef>
+          <a:fillRef idx="1">
+            <a:schemeClr val="accent1"/>
+          </a:fillRef>
+          <a:effectRef idx="0">
+            <a:schemeClr val="accent1"/>
+          </a:effectRef>
+          <a:fontRef idx="minor">
+            <a:schemeClr val="lt1"/>
+          </a:fontRef>
+        </p:style>
+        <p:txBody>
+          <a:bodyPr rtlCol="0" anchor="ctr"/>
+          <a:lstStyle/>
+          <a:p>
+            <a:pPr algn="ctr"/>
+            <a:r>
+              <a:rPr lang="es-MX" dirty="0"/>
+              <a:t>Tormentas</a:t>
+            </a:r>
+          </a:p>
+        </p:txBody>
+      </p:sp>
+      <p:sp>
+        <p:nvSpPr>
+          <p:cNvPr id="8" name="Elipse 7">
+            <a:extLst>
+              <a:ext uri="{FF2B5EF4-FFF2-40B4-BE49-F238E27FC236}">
+                <a16:creationId xmlns:a16="http://schemas.microsoft.com/office/drawing/2014/main" id="{2241C0CD-791B-45AD-A540-B2B80B25D793}"/>
+              </a:ext>
+            </a:extLst>
+          </p:cNvPr>
+          <p:cNvSpPr/>
+          <p:nvPr/>
+        </p:nvSpPr>
+        <p:spPr>
+          <a:xfrm>
+            <a:off x="2484418" y="1421973"/>
+            <a:ext cx="1440000" cy="1440000"/>
+          </a:xfrm>
+          <a:prstGeom prst="ellipse">
+            <a:avLst/>
+          </a:prstGeom>
+        </p:spPr>
+        <p:style>
+          <a:lnRef idx="2">
+            <a:schemeClr val="accent1">
+              <a:shade val="50000"/>
+            </a:schemeClr>
+          </a:lnRef>
+          <a:fillRef idx="1">
+            <a:schemeClr val="accent1"/>
+          </a:fillRef>
+          <a:effectRef idx="0">
+            <a:schemeClr val="accent1"/>
+          </a:effectRef>
+          <a:fontRef idx="minor">
+            <a:schemeClr val="lt1"/>
+          </a:fontRef>
+        </p:style>
+        <p:txBody>
+          <a:bodyPr rtlCol="0" anchor="ctr"/>
+          <a:lstStyle/>
+          <a:p>
+            <a:pPr algn="ctr"/>
+            <a:r>
+              <a:rPr lang="es-MX" dirty="0"/>
+              <a:t>Erupciones</a:t>
+            </a:r>
+          </a:p>
+        </p:txBody>
+      </p:sp>
+      <p:sp>
+        <p:nvSpPr>
+          <p:cNvPr id="3" name="Marcador de número de diapositiva 2">
+            <a:extLst>
+              <a:ext uri="{FF2B5EF4-FFF2-40B4-BE49-F238E27FC236}">
+                <a16:creationId xmlns:a16="http://schemas.microsoft.com/office/drawing/2014/main" id="{31FF8C21-13D9-488F-9D77-5871B5065EAB}"/>
+              </a:ext>
+            </a:extLst>
+          </p:cNvPr>
+          <p:cNvSpPr>
+            <a:spLocks noGrp="1"/>
+          </p:cNvSpPr>
+          <p:nvPr>
+            <p:ph type="sldNum" sz="quarter" idx="12"/>
+          </p:nvPr>
+        </p:nvSpPr>
+        <p:spPr/>
+        <p:txBody>
+          <a:bodyPr/>
+          <a:lstStyle/>
+          <a:p>
+            <a:fld id="{8A7A6979-0714-4377-B894-6BE4C2D6E202}" type="slidenum">
+              <a:rPr lang="en-US" smtClean="0"/>
+              <a:pPr/>
+              <a:t>6</a:t>
+            </a:fld>
+            <a:endParaRPr lang="en-US" dirty="0"/>
+          </a:p>
+        </p:txBody>
+      </p:sp>
+    </p:spTree>
+    <p:extLst>
+      <p:ext uri="{BB962C8B-B14F-4D97-AF65-F5344CB8AC3E}">
+        <p14:creationId xmlns:p14="http://schemas.microsoft.com/office/powerpoint/2010/main" val="1881199550"/>
+      </p:ext>
+    </p:extLst>
+  </p:cSld>
+  <p:clrMapOvr>
+    <a:masterClrMapping/>
+  </p:clrMapOvr>
+</p:sld>
+</file>
+
+<file path=ppt/slides/slide7.xml><?xml version="1.0" encoding="utf-8"?>
+<p:sld xmlns:a="http://schemas.openxmlformats.org/drawingml/2006/main" xmlns:r="http://schemas.openxmlformats.org/officeDocument/2006/relationships" xmlns:p="http://schemas.openxmlformats.org/presentationml/2006/main">
+  <p:cSld>
+    <p:bg>
+      <p:bgPr>
+        <a:solidFill>
+          <a:schemeClr val="bg1">
+            <a:lumMod val="65000"/>
+          </a:schemeClr>
+        </a:solidFill>
+        <a:effectLst/>
+      </p:bgPr>
+    </p:bg>
+    <p:spTree>
+      <p:nvGrpSpPr>
+        <p:cNvPr id="1" name=""/>
+        <p:cNvGrpSpPr/>
+        <p:nvPr/>
+      </p:nvGrpSpPr>
+      <p:grpSpPr>
+        <a:xfrm>
+          <a:off x="0" y="0"/>
+          <a:ext cx="0" cy="0"/>
+          <a:chOff x="0" y="0"/>
+          <a:chExt cx="0" cy="0"/>
+        </a:xfrm>
+      </p:grpSpPr>
+      <p:sp>
+        <p:nvSpPr>
+          <p:cNvPr id="2" name="Título 1">
+            <a:extLst>
+              <a:ext uri="{FF2B5EF4-FFF2-40B4-BE49-F238E27FC236}">
+                <a16:creationId xmlns:a16="http://schemas.microsoft.com/office/drawing/2014/main" id="{2565628E-4FDC-4FAC-94DA-760827831F8E}"/>
+              </a:ext>
+            </a:extLst>
+          </p:cNvPr>
+          <p:cNvSpPr>
+            <a:spLocks noGrp="1"/>
+          </p:cNvSpPr>
+          <p:nvPr>
+            <p:ph type="title"/>
+          </p:nvPr>
+        </p:nvSpPr>
+        <p:spPr/>
+        <p:txBody>
+          <a:bodyPr/>
+          <a:lstStyle/>
+          <a:p>
+            <a:endParaRPr lang="es-MX"/>
+          </a:p>
+        </p:txBody>
+      </p:sp>
+      <p:sp>
+        <p:nvSpPr>
+          <p:cNvPr id="3" name="Marcador de contenido 2">
+            <a:extLst>
+              <a:ext uri="{FF2B5EF4-FFF2-40B4-BE49-F238E27FC236}">
+                <a16:creationId xmlns:a16="http://schemas.microsoft.com/office/drawing/2014/main" id="{8A802F86-AC14-4BE1-ABA9-81CE536B6D2F}"/>
+              </a:ext>
+            </a:extLst>
+          </p:cNvPr>
+          <p:cNvSpPr>
+            <a:spLocks noGrp="1"/>
+          </p:cNvSpPr>
+          <p:nvPr>
+            <p:ph idx="1"/>
+          </p:nvPr>
+        </p:nvSpPr>
+        <p:spPr/>
+        <p:txBody>
+          <a:bodyPr/>
+          <a:lstStyle/>
+          <a:p>
+            <a:endParaRPr lang="es-MX"/>
+          </a:p>
+        </p:txBody>
+      </p:sp>
+      <p:sp>
+        <p:nvSpPr>
+          <p:cNvPr id="5" name="Marcador de número de diapositiva 4">
+            <a:extLst>
+              <a:ext uri="{FF2B5EF4-FFF2-40B4-BE49-F238E27FC236}">
+                <a16:creationId xmlns:a16="http://schemas.microsoft.com/office/drawing/2014/main" id="{A655AF3E-4FB3-423C-A654-0A9514B4C5B1}"/>
+              </a:ext>
+            </a:extLst>
+          </p:cNvPr>
+          <p:cNvSpPr>
+            <a:spLocks noGrp="1"/>
+          </p:cNvSpPr>
+          <p:nvPr>
+            <p:ph type="sldNum" sz="quarter" idx="12"/>
+          </p:nvPr>
+        </p:nvSpPr>
+        <p:spPr/>
+        <p:txBody>
+          <a:bodyPr/>
+          <a:lstStyle/>
+          <a:p>
+            <a:fld id="{8A7A6979-0714-4377-B894-6BE4C2D6E202}" type="slidenum">
+              <a:rPr lang="en-US" smtClean="0"/>
+              <a:pPr/>
+              <a:t>7</a:t>
+            </a:fld>
+            <a:endParaRPr lang="en-US" dirty="0"/>
+          </a:p>
+        </p:txBody>
+      </p:sp>
+    </p:spTree>
+    <p:extLst>
+      <p:ext uri="{BB962C8B-B14F-4D97-AF65-F5344CB8AC3E}">
+        <p14:creationId xmlns:p14="http://schemas.microsoft.com/office/powerpoint/2010/main" val="3446026568"/>
+      </p:ext>
+    </p:extLst>
+  </p:cSld>
+  <p:clrMapOvr>
+    <a:masterClrMapping/>
+  </p:clrMapOvr>
+</p:sld>
+</file>
+
+<file path=ppt/slides/slide8.xml><?xml version="1.0" encoding="utf-8"?>
+<p:sld xmlns:a="http://schemas.openxmlformats.org/drawingml/2006/main" xmlns:r="http://schemas.openxmlformats.org/officeDocument/2006/relationships" xmlns:p="http://schemas.openxmlformats.org/presentationml/2006/main">
+  <p:cSld>
+    <p:spTree>
+      <p:nvGrpSpPr>
+        <p:cNvPr id="1" name=""/>
+        <p:cNvGrpSpPr/>
+        <p:nvPr/>
+      </p:nvGrpSpPr>
+      <p:grpSpPr>
+        <a:xfrm>
+          <a:off x="0" y="0"/>
+          <a:ext cx="0" cy="0"/>
+          <a:chOff x="0" y="0"/>
+          <a:chExt cx="0" cy="0"/>
+        </a:xfrm>
+      </p:grpSpPr>
+      <p:sp>
+        <p:nvSpPr>
+          <p:cNvPr id="2" name="Título 1">
+            <a:extLst>
+              <a:ext uri="{FF2B5EF4-FFF2-40B4-BE49-F238E27FC236}">
+                <a16:creationId xmlns:a16="http://schemas.microsoft.com/office/drawing/2014/main" id="{96C3F993-93B9-4B35-963E-8A24015D2FE1}"/>
+              </a:ext>
+            </a:extLst>
+          </p:cNvPr>
+          <p:cNvSpPr>
+            <a:spLocks noGrp="1"/>
+          </p:cNvSpPr>
+          <p:nvPr>
+            <p:ph type="title"/>
+          </p:nvPr>
+        </p:nvSpPr>
+        <p:spPr/>
+        <p:txBody>
+          <a:bodyPr/>
+          <a:lstStyle/>
+          <a:p>
+            <a:endParaRPr lang="es-MX"/>
+          </a:p>
+        </p:txBody>
+      </p:sp>
+      <p:sp>
+        <p:nvSpPr>
+          <p:cNvPr id="3" name="Marcador de contenido 2">
+            <a:extLst>
+              <a:ext uri="{FF2B5EF4-FFF2-40B4-BE49-F238E27FC236}">
+                <a16:creationId xmlns:a16="http://schemas.microsoft.com/office/drawing/2014/main" id="{E82E4C24-461E-4F0B-A5BE-9B4A213AD033}"/>
+              </a:ext>
+            </a:extLst>
+          </p:cNvPr>
+          <p:cNvSpPr>
+            <a:spLocks noGrp="1"/>
+          </p:cNvSpPr>
+          <p:nvPr>
+            <p:ph idx="1"/>
+          </p:nvPr>
+        </p:nvSpPr>
+        <p:spPr/>
+        <p:txBody>
+          <a:bodyPr/>
+          <a:lstStyle/>
+          <a:p>
+            <a:endParaRPr lang="es-MX"/>
+          </a:p>
+        </p:txBody>
+      </p:sp>
+      <p:sp>
+        <p:nvSpPr>
+          <p:cNvPr id="5" name="Marcador de número de diapositiva 4">
+            <a:extLst>
+              <a:ext uri="{FF2B5EF4-FFF2-40B4-BE49-F238E27FC236}">
+                <a16:creationId xmlns:a16="http://schemas.microsoft.com/office/drawing/2014/main" id="{FBC9758F-9E31-4B86-9C6A-0CEF0921EA60}"/>
+              </a:ext>
+            </a:extLst>
+          </p:cNvPr>
+          <p:cNvSpPr>
+            <a:spLocks noGrp="1"/>
+          </p:cNvSpPr>
+          <p:nvPr>
+            <p:ph type="sldNum" sz="quarter" idx="12"/>
+          </p:nvPr>
+        </p:nvSpPr>
+        <p:spPr/>
+        <p:txBody>
+          <a:bodyPr/>
+          <a:lstStyle/>
+          <a:p>
+            <a:fld id="{8A7A6979-0714-4377-B894-6BE4C2D6E202}" type="slidenum">
+              <a:rPr lang="en-US" smtClean="0"/>
+              <a:pPr/>
+              <a:t>8</a:t>
+            </a:fld>
+            <a:endParaRPr lang="en-US" dirty="0"/>
+          </a:p>
+        </p:txBody>
+      </p:sp>
+    </p:spTree>
+    <p:extLst>
+      <p:ext uri="{BB962C8B-B14F-4D97-AF65-F5344CB8AC3E}">
+        <p14:creationId xmlns:p14="http://schemas.microsoft.com/office/powerpoint/2010/main" val="705826907"/>
+      </p:ext>
+    </p:extLst>
+  </p:cSld>
+  <p:clrMapOvr>
+    <a:masterClrMapping/>
+  </p:clrMapOvr>
+</p:sld>
+</file>
+
+<file path=ppt/slides/slide9.xml><?xml version="1.0" encoding="utf-8"?>
+<p:sld xmlns:a="http://schemas.openxmlformats.org/drawingml/2006/main" xmlns:r="http://schemas.openxmlformats.org/officeDocument/2006/relationships" xmlns:p="http://schemas.openxmlformats.org/presentationml/2006/main">
+  <p:cSld>
+    <p:bg>
+      <p:bgPr>
+        <a:solidFill>
+          <a:schemeClr val="bg1">
+            <a:lumMod val="65000"/>
+          </a:schemeClr>
+        </a:solidFill>
+        <a:effectLst/>
+      </p:bgPr>
+    </p:bg>
+    <p:spTree>
+      <p:nvGrpSpPr>
+        <p:cNvPr id="1" name=""/>
+        <p:cNvGrpSpPr/>
+        <p:nvPr/>
+      </p:nvGrpSpPr>
+      <p:grpSpPr>
+        <a:xfrm>
+          <a:off x="0" y="0"/>
+          <a:ext cx="0" cy="0"/>
+          <a:chOff x="0" y="0"/>
+          <a:chExt cx="0" cy="0"/>
+        </a:xfrm>
+      </p:grpSpPr>
+      <p:sp>
+        <p:nvSpPr>
+          <p:cNvPr id="2" name="Título 1">
+            <a:extLst>
+              <a:ext uri="{FF2B5EF4-FFF2-40B4-BE49-F238E27FC236}">
+                <a16:creationId xmlns:a16="http://schemas.microsoft.com/office/drawing/2014/main" id="{2565628E-4FDC-4FAC-94DA-760827831F8E}"/>
+              </a:ext>
+            </a:extLst>
+          </p:cNvPr>
+          <p:cNvSpPr>
+            <a:spLocks noGrp="1"/>
+          </p:cNvSpPr>
+          <p:nvPr>
+            <p:ph type="title"/>
+          </p:nvPr>
+        </p:nvSpPr>
+        <p:spPr/>
+        <p:txBody>
+          <a:bodyPr/>
+          <a:lstStyle/>
+          <a:p>
+            <a:endParaRPr lang="es-MX"/>
+          </a:p>
+        </p:txBody>
+      </p:sp>
+      <p:sp>
+        <p:nvSpPr>
+          <p:cNvPr id="3" name="Marcador de contenido 2">
+            <a:extLst>
+              <a:ext uri="{FF2B5EF4-FFF2-40B4-BE49-F238E27FC236}">
+                <a16:creationId xmlns:a16="http://schemas.microsoft.com/office/drawing/2014/main" id="{8A802F86-AC14-4BE1-ABA9-81CE536B6D2F}"/>
+              </a:ext>
+            </a:extLst>
+          </p:cNvPr>
+          <p:cNvSpPr>
+            <a:spLocks noGrp="1"/>
+          </p:cNvSpPr>
+          <p:nvPr>
+            <p:ph idx="1"/>
+          </p:nvPr>
+        </p:nvSpPr>
+        <p:spPr/>
+        <p:txBody>
+          <a:bodyPr/>
+          <a:lstStyle/>
+          <a:p>
+            <a:endParaRPr lang="es-MX"/>
+          </a:p>
+        </p:txBody>
+      </p:sp>
+      <p:sp>
+        <p:nvSpPr>
+          <p:cNvPr id="5" name="Marcador de número de diapositiva 4">
+            <a:extLst>
+              <a:ext uri="{FF2B5EF4-FFF2-40B4-BE49-F238E27FC236}">
+                <a16:creationId xmlns:a16="http://schemas.microsoft.com/office/drawing/2014/main" id="{45455AEA-E386-4AD0-B0AA-510727B38A0B}"/>
+              </a:ext>
+            </a:extLst>
+          </p:cNvPr>
+          <p:cNvSpPr>
+            <a:spLocks noGrp="1"/>
+          </p:cNvSpPr>
+          <p:nvPr>
+            <p:ph type="sldNum" sz="quarter" idx="12"/>
+          </p:nvPr>
+        </p:nvSpPr>
+        <p:spPr/>
+        <p:txBody>
+          <a:bodyPr/>
+          <a:lstStyle/>
+          <a:p>
+            <a:fld id="{8A7A6979-0714-4377-B894-6BE4C2D6E202}" type="slidenum">
+              <a:rPr lang="en-US" smtClean="0"/>
+              <a:pPr/>
+              <a:t>9</a:t>
+            </a:fld>
+            <a:endParaRPr lang="en-US" dirty="0"/>
+          </a:p>
+        </p:txBody>
+      </p:sp>
+    </p:spTree>
+    <p:extLst>
+      <p:ext uri="{BB962C8B-B14F-4D97-AF65-F5344CB8AC3E}">
+        <p14:creationId xmlns:p14="http://schemas.microsoft.com/office/powerpoint/2010/main" val="4235270259"/>
       </p:ext>
     </p:extLst>
   </p:cSld>

--- a/Demanda 8.pptx
+++ b/Demanda 8.pptx
@@ -3,25 +3,31 @@
 <p:presentation xmlns:a="http://schemas.openxmlformats.org/drawingml/2006/main" xmlns:r="http://schemas.openxmlformats.org/officeDocument/2006/relationships" xmlns:p="http://schemas.openxmlformats.org/presentationml/2006/main" autoCompressPictures="0">
   <p:sldMasterIdLst>
     <p:sldMasterId id="2147483696" r:id="rId1"/>
+    <p:sldMasterId id="2147483708" r:id="rId2"/>
   </p:sldMasterIdLst>
   <p:notesMasterIdLst>
-    <p:notesMasterId r:id="rId16"/>
+    <p:notesMasterId r:id="rId22"/>
   </p:notesMasterIdLst>
   <p:sldIdLst>
-    <p:sldId id="256" r:id="rId2"/>
-    <p:sldId id="266" r:id="rId3"/>
-    <p:sldId id="267" r:id="rId4"/>
-    <p:sldId id="268" r:id="rId5"/>
-    <p:sldId id="269" r:id="rId6"/>
-    <p:sldId id="270" r:id="rId7"/>
-    <p:sldId id="271" r:id="rId8"/>
-    <p:sldId id="272" r:id="rId9"/>
-    <p:sldId id="273" r:id="rId10"/>
-    <p:sldId id="274" r:id="rId11"/>
-    <p:sldId id="262" r:id="rId12"/>
-    <p:sldId id="263" r:id="rId13"/>
-    <p:sldId id="264" r:id="rId14"/>
-    <p:sldId id="265" r:id="rId15"/>
+    <p:sldId id="256" r:id="rId3"/>
+    <p:sldId id="276" r:id="rId4"/>
+    <p:sldId id="277" r:id="rId5"/>
+    <p:sldId id="278" r:id="rId6"/>
+    <p:sldId id="279" r:id="rId7"/>
+    <p:sldId id="266" r:id="rId8"/>
+    <p:sldId id="267" r:id="rId9"/>
+    <p:sldId id="268" r:id="rId10"/>
+    <p:sldId id="269" r:id="rId11"/>
+    <p:sldId id="261" r:id="rId12"/>
+    <p:sldId id="271" r:id="rId13"/>
+    <p:sldId id="273" r:id="rId14"/>
+    <p:sldId id="272" r:id="rId15"/>
+    <p:sldId id="274" r:id="rId16"/>
+    <p:sldId id="275" r:id="rId17"/>
+    <p:sldId id="262" r:id="rId18"/>
+    <p:sldId id="263" r:id="rId19"/>
+    <p:sldId id="264" r:id="rId20"/>
+    <p:sldId id="265" r:id="rId21"/>
   </p:sldIdLst>
   <p:sldSz cx="12192000" cy="6858000"/>
   <p:notesSz cx="6858000" cy="9144000"/>
@@ -1038,7 +1044,232 @@
 </p:sldLayout>
 </file>
 
-<file path=ppt/slideLayouts/slideLayout2.xml><?xml version="1.0" encoding="utf-8"?>
+<file path=ppt/slideLayouts/slideLayout12.xml><?xml version="1.0" encoding="utf-8"?>
+<p:sldLayout xmlns:a="http://schemas.openxmlformats.org/drawingml/2006/main" xmlns:r="http://schemas.openxmlformats.org/officeDocument/2006/relationships" xmlns:p="http://schemas.openxmlformats.org/presentationml/2006/main" type="title" preserve="1">
+  <p:cSld name="Diapositiva de título">
+    <p:bg>
+      <p:bgPr>
+        <a:solidFill>
+          <a:schemeClr val="accent2"/>
+        </a:solidFill>
+        <a:effectLst/>
+      </p:bgPr>
+    </p:bg>
+    <p:spTree>
+      <p:nvGrpSpPr>
+        <p:cNvPr id="1" name=""/>
+        <p:cNvGrpSpPr/>
+        <p:nvPr/>
+      </p:nvGrpSpPr>
+      <p:grpSpPr>
+        <a:xfrm>
+          <a:off x="0" y="0"/>
+          <a:ext cx="0" cy="0"/>
+          <a:chOff x="0" y="0"/>
+          <a:chExt cx="0" cy="0"/>
+        </a:xfrm>
+      </p:grpSpPr>
+      <p:sp>
+        <p:nvSpPr>
+          <p:cNvPr id="2" name="Title 1"/>
+          <p:cNvSpPr>
+            <a:spLocks noGrp="1"/>
+          </p:cNvSpPr>
+          <p:nvPr>
+            <p:ph type="ctrTitle"/>
+          </p:nvPr>
+        </p:nvSpPr>
+        <p:spPr>
+          <a:xfrm>
+            <a:off x="1600200" y="2386744"/>
+            <a:ext cx="8991600" cy="1645920"/>
+          </a:xfrm>
+          <a:solidFill>
+            <a:srgbClr val="FFFFFF"/>
+          </a:solidFill>
+          <a:ln w="38100">
+            <a:solidFill>
+              <a:srgbClr val="404040"/>
+            </a:solidFill>
+          </a:ln>
+        </p:spPr>
+        <p:txBody>
+          <a:bodyPr lIns="274320" rIns="274320" anchor="ctr" anchorCtr="1">
+            <a:normAutofit/>
+          </a:bodyPr>
+          <a:lstStyle>
+            <a:lvl1pPr algn="ctr">
+              <a:defRPr sz="3800">
+                <a:solidFill>
+                  <a:srgbClr val="262626"/>
+                </a:solidFill>
+              </a:defRPr>
+            </a:lvl1pPr>
+          </a:lstStyle>
+          <a:p>
+            <a:r>
+              <a:rPr lang="es-ES"/>
+              <a:t>Haga clic para modificar el estilo de título del patrón</a:t>
+            </a:r>
+            <a:endParaRPr lang="en-US" dirty="0"/>
+          </a:p>
+        </p:txBody>
+      </p:sp>
+      <p:sp>
+        <p:nvSpPr>
+          <p:cNvPr id="3" name="Subtitle 2"/>
+          <p:cNvSpPr>
+            <a:spLocks noGrp="1"/>
+          </p:cNvSpPr>
+          <p:nvPr>
+            <p:ph type="subTitle" idx="1"/>
+          </p:nvPr>
+        </p:nvSpPr>
+        <p:spPr>
+          <a:xfrm>
+            <a:off x="2695194" y="4352544"/>
+            <a:ext cx="6801612" cy="1239894"/>
+          </a:xfrm>
+          <a:noFill/>
+        </p:spPr>
+        <p:txBody>
+          <a:bodyPr>
+            <a:normAutofit/>
+          </a:bodyPr>
+          <a:lstStyle>
+            <a:lvl1pPr marL="0" indent="0" algn="ctr">
+              <a:buNone/>
+              <a:defRPr sz="2000">
+                <a:solidFill>
+                  <a:schemeClr val="tx1">
+                    <a:lumMod val="75000"/>
+                    <a:lumOff val="25000"/>
+                  </a:schemeClr>
+                </a:solidFill>
+              </a:defRPr>
+            </a:lvl1pPr>
+            <a:lvl2pPr marL="457200" indent="0" algn="ctr">
+              <a:buNone/>
+              <a:defRPr sz="2000"/>
+            </a:lvl2pPr>
+            <a:lvl3pPr marL="914400" indent="0" algn="ctr">
+              <a:buNone/>
+              <a:defRPr sz="1800"/>
+            </a:lvl3pPr>
+            <a:lvl4pPr marL="1371600" indent="0" algn="ctr">
+              <a:buNone/>
+              <a:defRPr sz="1600"/>
+            </a:lvl4pPr>
+            <a:lvl5pPr marL="1828800" indent="0" algn="ctr">
+              <a:buNone/>
+              <a:defRPr sz="1600"/>
+            </a:lvl5pPr>
+            <a:lvl6pPr marL="2286000" indent="0" algn="ctr">
+              <a:buNone/>
+              <a:defRPr sz="1600"/>
+            </a:lvl6pPr>
+            <a:lvl7pPr marL="2743200" indent="0" algn="ctr">
+              <a:buNone/>
+              <a:defRPr sz="1600"/>
+            </a:lvl7pPr>
+            <a:lvl8pPr marL="3200400" indent="0" algn="ctr">
+              <a:buNone/>
+              <a:defRPr sz="1600"/>
+            </a:lvl8pPr>
+            <a:lvl9pPr marL="3657600" indent="0" algn="ctr">
+              <a:buNone/>
+              <a:defRPr sz="1600"/>
+            </a:lvl9pPr>
+          </a:lstStyle>
+          <a:p>
+            <a:r>
+              <a:rPr lang="es-ES"/>
+              <a:t>Haga clic para modificar el estilo de subtítulo del patrón</a:t>
+            </a:r>
+            <a:endParaRPr lang="en-US" dirty="0"/>
+          </a:p>
+        </p:txBody>
+      </p:sp>
+      <p:sp>
+        <p:nvSpPr>
+          <p:cNvPr id="7" name="Date Placeholder 6"/>
+          <p:cNvSpPr>
+            <a:spLocks noGrp="1"/>
+          </p:cNvSpPr>
+          <p:nvPr>
+            <p:ph type="dt" sz="half" idx="10"/>
+          </p:nvPr>
+        </p:nvSpPr>
+        <p:spPr/>
+        <p:txBody>
+          <a:bodyPr/>
+          <a:lstStyle/>
+          <a:p>
+            <a:fld id="{1160EA64-D806-43AC-9DF2-F8C432F32B4C}" type="datetimeFigureOut">
+              <a:rPr lang="en-US" dirty="0"/>
+              <a:t>2/14/2019</a:t>
+            </a:fld>
+            <a:endParaRPr lang="en-US" dirty="0"/>
+          </a:p>
+        </p:txBody>
+      </p:sp>
+      <p:sp>
+        <p:nvSpPr>
+          <p:cNvPr id="8" name="Footer Placeholder 7"/>
+          <p:cNvSpPr>
+            <a:spLocks noGrp="1"/>
+          </p:cNvSpPr>
+          <p:nvPr>
+            <p:ph type="ftr" sz="quarter" idx="11"/>
+          </p:nvPr>
+        </p:nvSpPr>
+        <p:spPr/>
+        <p:txBody>
+          <a:bodyPr/>
+          <a:lstStyle/>
+          <a:p>
+            <a:endParaRPr lang="en-US" dirty="0"/>
+          </a:p>
+        </p:txBody>
+      </p:sp>
+      <p:sp>
+        <p:nvSpPr>
+          <p:cNvPr id="9" name="Slide Number Placeholder 8"/>
+          <p:cNvSpPr>
+            <a:spLocks noGrp="1"/>
+          </p:cNvSpPr>
+          <p:nvPr>
+            <p:ph type="sldNum" sz="quarter" idx="12"/>
+          </p:nvPr>
+        </p:nvSpPr>
+        <p:spPr/>
+        <p:txBody>
+          <a:bodyPr/>
+          <a:lstStyle/>
+          <a:p>
+            <a:fld id="{8A7A6979-0714-4377-B894-6BE4C2D6E202}" type="slidenum">
+              <a:rPr lang="en-US" dirty="0"/>
+              <a:pPr/>
+              <a:t>‹Nº›</a:t>
+            </a:fld>
+            <a:endParaRPr lang="en-US" dirty="0"/>
+          </a:p>
+        </p:txBody>
+      </p:sp>
+    </p:spTree>
+    <p:extLst>
+      <p:ext uri="{BB962C8B-B14F-4D97-AF65-F5344CB8AC3E}">
+        <p14:creationId xmlns:p14="http://schemas.microsoft.com/office/powerpoint/2010/main" val="922520222"/>
+      </p:ext>
+    </p:extLst>
+  </p:cSld>
+  <p:clrMapOvr>
+    <a:overrideClrMapping bg1="dk1" tx1="lt1" bg2="dk2" tx2="lt2" accent1="accent1" accent2="accent2" accent3="accent3" accent4="accent4" accent5="accent5" accent6="accent6" hlink="hlink" folHlink="folHlink"/>
+  </p:clrMapOvr>
+</p:sldLayout>
+</file>
+
+<file path=ppt/slideLayouts/slideLayout13.xml><?xml version="1.0" encoding="utf-8"?>
 <p:sldLayout xmlns:a="http://schemas.openxmlformats.org/drawingml/2006/main" xmlns:r="http://schemas.openxmlformats.org/officeDocument/2006/relationships" xmlns:p="http://schemas.openxmlformats.org/presentationml/2006/main" type="obj" preserve="1">
   <p:cSld name="Título y objetos">
     <p:spTree>
@@ -1145,8 +1376,8 @@
           <a:bodyPr/>
           <a:lstStyle/>
           <a:p>
-            <a:fld id="{E29559F7-A599-4F20-8074-9A93E3284950}" type="datetime1">
-              <a:rPr lang="en-US" smtClean="0"/>
+            <a:fld id="{F070A7B3-6521-4DCA-87E5-044747A908C1}" type="datetimeFigureOut">
+              <a:rPr lang="en-US" dirty="0"/>
               <a:t>2/14/2019</a:t>
             </a:fld>
             <a:endParaRPr lang="en-US" dirty="0"/>
@@ -1197,6 +1428,11 @@
         </p:txBody>
       </p:sp>
     </p:spTree>
+    <p:extLst>
+      <p:ext uri="{BB962C8B-B14F-4D97-AF65-F5344CB8AC3E}">
+        <p14:creationId xmlns:p14="http://schemas.microsoft.com/office/powerpoint/2010/main" val="3400089178"/>
+      </p:ext>
+    </p:extLst>
   </p:cSld>
   <p:clrMapOvr>
     <a:masterClrMapping/>
@@ -1204,7 +1440,7 @@
 </p:sldLayout>
 </file>
 
-<file path=ppt/slideLayouts/slideLayout3.xml><?xml version="1.0" encoding="utf-8"?>
+<file path=ppt/slideLayouts/slideLayout14.xml><?xml version="1.0" encoding="utf-8"?>
 <p:sldLayout xmlns:a="http://schemas.openxmlformats.org/drawingml/2006/main" xmlns:r="http://schemas.openxmlformats.org/officeDocument/2006/relationships" xmlns:p="http://schemas.openxmlformats.org/presentationml/2006/main" type="secHead" preserve="1">
   <p:cSld name="Encabezado de sección">
     <p:bg>
@@ -1409,8 +1645,8 @@
           <a:bodyPr/>
           <a:lstStyle/>
           <a:p>
-            <a:fld id="{1C96EE27-A51C-4C1C-91F0-E5F944AE2917}" type="datetime1">
-              <a:rPr lang="en-US" smtClean="0"/>
+            <a:fld id="{1160EA64-D806-43AC-9DF2-F8C432F32B4C}" type="datetimeFigureOut">
+              <a:rPr lang="en-US" dirty="0"/>
               <a:t>2/14/2019</a:t>
             </a:fld>
             <a:endParaRPr lang="en-US" dirty="0"/>
@@ -1461,6 +1697,11 @@
         </p:txBody>
       </p:sp>
     </p:spTree>
+    <p:extLst>
+      <p:ext uri="{BB962C8B-B14F-4D97-AF65-F5344CB8AC3E}">
+        <p14:creationId xmlns:p14="http://schemas.microsoft.com/office/powerpoint/2010/main" val="527943414"/>
+      </p:ext>
+    </p:extLst>
   </p:cSld>
   <p:clrMapOvr>
     <a:overrideClrMapping bg1="dk1" tx1="lt1" bg2="dk2" tx2="lt2" accent1="accent1" accent2="accent2" accent3="accent3" accent4="accent4" accent5="accent5" accent6="accent6" hlink="hlink" folHlink="folHlink"/>
@@ -1468,7 +1709,7 @@
 </p:sldLayout>
 </file>
 
-<file path=ppt/slideLayouts/slideLayout4.xml><?xml version="1.0" encoding="utf-8"?>
+<file path=ppt/slideLayouts/slideLayout15.xml><?xml version="1.0" encoding="utf-8"?>
 <p:sldLayout xmlns:a="http://schemas.openxmlformats.org/drawingml/2006/main" xmlns:r="http://schemas.openxmlformats.org/officeDocument/2006/relationships" xmlns:p="http://schemas.openxmlformats.org/presentationml/2006/main" type="twoObj" preserve="1">
   <p:cSld name="Dos objetos">
     <p:spTree>
@@ -1637,8 +1878,8 @@
           <a:bodyPr/>
           <a:lstStyle/>
           <a:p>
-            <a:fld id="{C4856C9B-4647-45E1-9019-CC0A4AD6AE0A}" type="datetime1">
-              <a:rPr lang="en-US" smtClean="0"/>
+            <a:fld id="{AB134690-1557-4C89-A502-4959FE7FAD70}" type="datetimeFigureOut">
+              <a:rPr lang="en-US" dirty="0"/>
               <a:t>2/14/2019</a:t>
             </a:fld>
             <a:endParaRPr lang="en-US" dirty="0"/>
@@ -1688,6 +1929,11 @@
         </p:txBody>
       </p:sp>
     </p:spTree>
+    <p:extLst>
+      <p:ext uri="{BB962C8B-B14F-4D97-AF65-F5344CB8AC3E}">
+        <p14:creationId xmlns:p14="http://schemas.microsoft.com/office/powerpoint/2010/main" val="2939174524"/>
+      </p:ext>
+    </p:extLst>
   </p:cSld>
   <p:clrMapOvr>
     <a:masterClrMapping/>
@@ -1695,7 +1941,7 @@
 </p:sldLayout>
 </file>
 
-<file path=ppt/slideLayouts/slideLayout5.xml><?xml version="1.0" encoding="utf-8"?>
+<file path=ppt/slideLayouts/slideLayout16.xml><?xml version="1.0" encoding="utf-8"?>
 <p:sldLayout xmlns:a="http://schemas.openxmlformats.org/drawingml/2006/main" xmlns:r="http://schemas.openxmlformats.org/officeDocument/2006/relationships" xmlns:p="http://schemas.openxmlformats.org/presentationml/2006/main" type="twoTxTwoObj" preserve="1">
   <p:cSld name="Comparación">
     <p:spTree>
@@ -1987,8 +2233,8 @@
           <a:bodyPr/>
           <a:lstStyle/>
           <a:p>
-            <a:fld id="{918D4671-A810-4926-BF9C-189D85A01581}" type="datetime1">
-              <a:rPr lang="en-US" smtClean="0"/>
+            <a:fld id="{4F7D4976-E339-4826-83B7-FBD03F55ECF8}" type="datetimeFigureOut">
+              <a:rPr lang="en-US" dirty="0"/>
               <a:t>2/14/2019</a:t>
             </a:fld>
             <a:endParaRPr lang="en-US" dirty="0"/>
@@ -2061,6 +2307,11 @@
         </p:txBody>
       </p:sp>
     </p:spTree>
+    <p:extLst>
+      <p:ext uri="{BB962C8B-B14F-4D97-AF65-F5344CB8AC3E}">
+        <p14:creationId xmlns:p14="http://schemas.microsoft.com/office/powerpoint/2010/main" val="541832656"/>
+      </p:ext>
+    </p:extLst>
   </p:cSld>
   <p:clrMapOvr>
     <a:masterClrMapping/>
@@ -2068,7 +2319,7 @@
 </p:sldLayout>
 </file>
 
-<file path=ppt/slideLayouts/slideLayout6.xml><?xml version="1.0" encoding="utf-8"?>
+<file path=ppt/slideLayouts/slideLayout17.xml><?xml version="1.0" encoding="utf-8"?>
 <p:sldLayout xmlns:a="http://schemas.openxmlformats.org/drawingml/2006/main" xmlns:r="http://schemas.openxmlformats.org/officeDocument/2006/relationships" xmlns:p="http://schemas.openxmlformats.org/presentationml/2006/main" type="titleOnly" preserve="1">
   <p:cSld name="Solo el título">
     <p:spTree>
@@ -2123,8 +2374,8 @@
           <a:bodyPr/>
           <a:lstStyle/>
           <a:p>
-            <a:fld id="{D170BAED-047D-459D-A06E-589C1EABAF9A}" type="datetime1">
-              <a:rPr lang="en-US" smtClean="0"/>
+            <a:fld id="{E1037C31-9E7A-4F99-8774-A0E530DE1A42}" type="datetimeFigureOut">
+              <a:rPr lang="en-US" dirty="0"/>
               <a:t>2/14/2019</a:t>
             </a:fld>
             <a:endParaRPr lang="en-US" dirty="0"/>
@@ -2174,6 +2425,11 @@
         </p:txBody>
       </p:sp>
     </p:spTree>
+    <p:extLst>
+      <p:ext uri="{BB962C8B-B14F-4D97-AF65-F5344CB8AC3E}">
+        <p14:creationId xmlns:p14="http://schemas.microsoft.com/office/powerpoint/2010/main" val="778817410"/>
+      </p:ext>
+    </p:extLst>
   </p:cSld>
   <p:clrMapOvr>
     <a:masterClrMapping/>
@@ -2181,7 +2437,7 @@
 </p:sldLayout>
 </file>
 
-<file path=ppt/slideLayouts/slideLayout7.xml><?xml version="1.0" encoding="utf-8"?>
+<file path=ppt/slideLayouts/slideLayout18.xml><?xml version="1.0" encoding="utf-8"?>
 <p:sldLayout xmlns:a="http://schemas.openxmlformats.org/drawingml/2006/main" xmlns:r="http://schemas.openxmlformats.org/officeDocument/2006/relationships" xmlns:p="http://schemas.openxmlformats.org/presentationml/2006/main" type="blank" preserve="1">
   <p:cSld name="En blanco">
     <p:spTree>
@@ -2213,8 +2469,8 @@
           <a:bodyPr/>
           <a:lstStyle/>
           <a:p>
-            <a:fld id="{9D4A8E8D-75FA-4EDC-8189-D3CC9B89F527}" type="datetime1">
-              <a:rPr lang="en-US" smtClean="0"/>
+            <a:fld id="{C278504F-A551-4DE0-9316-4DCD1D8CC752}" type="datetimeFigureOut">
+              <a:rPr lang="en-US" dirty="0"/>
               <a:t>2/14/2019</a:t>
             </a:fld>
             <a:endParaRPr lang="en-US" dirty="0"/>
@@ -2264,6 +2520,11 @@
         </p:txBody>
       </p:sp>
     </p:spTree>
+    <p:extLst>
+      <p:ext uri="{BB962C8B-B14F-4D97-AF65-F5344CB8AC3E}">
+        <p14:creationId xmlns:p14="http://schemas.microsoft.com/office/powerpoint/2010/main" val="3259291893"/>
+      </p:ext>
+    </p:extLst>
   </p:cSld>
   <p:clrMapOvr>
     <a:masterClrMapping/>
@@ -2271,7 +2532,7 @@
 </p:sldLayout>
 </file>
 
-<file path=ppt/slideLayouts/slideLayout8.xml><?xml version="1.0" encoding="utf-8"?>
+<file path=ppt/slideLayouts/slideLayout19.xml><?xml version="1.0" encoding="utf-8"?>
 <p:sldLayout xmlns:a="http://schemas.openxmlformats.org/drawingml/2006/main" xmlns:r="http://schemas.openxmlformats.org/officeDocument/2006/relationships" xmlns:p="http://schemas.openxmlformats.org/presentationml/2006/main" type="objTx" preserve="1">
   <p:cSld name="Contenido con título">
     <p:spTree>
@@ -2565,8 +2826,8 @@
           <a:bodyPr/>
           <a:lstStyle/>
           <a:p>
-            <a:fld id="{AB823233-E5B6-46F9-8A5D-FD5A3EE14D9C}" type="datetime1">
-              <a:rPr lang="en-US" smtClean="0"/>
+            <a:fld id="{1160EA64-D806-43AC-9DF2-F8C432F32B4C}" type="datetimeFigureOut">
+              <a:rPr lang="en-US" dirty="0"/>
               <a:t>2/14/2019</a:t>
             </a:fld>
             <a:endParaRPr lang="en-US" dirty="0"/>
@@ -2632,6 +2893,11 @@
         </p:txBody>
       </p:sp>
     </p:spTree>
+    <p:extLst>
+      <p:ext uri="{BB962C8B-B14F-4D97-AF65-F5344CB8AC3E}">
+        <p14:creationId xmlns:p14="http://schemas.microsoft.com/office/powerpoint/2010/main" val="1010167198"/>
+      </p:ext>
+    </p:extLst>
   </p:cSld>
   <p:clrMapOvr>
     <a:masterClrMapping/>
@@ -2639,7 +2905,173 @@
 </p:sldLayout>
 </file>
 
-<file path=ppt/slideLayouts/slideLayout9.xml><?xml version="1.0" encoding="utf-8"?>
+<file path=ppt/slideLayouts/slideLayout2.xml><?xml version="1.0" encoding="utf-8"?>
+<p:sldLayout xmlns:a="http://schemas.openxmlformats.org/drawingml/2006/main" xmlns:r="http://schemas.openxmlformats.org/officeDocument/2006/relationships" xmlns:p="http://schemas.openxmlformats.org/presentationml/2006/main" type="obj" preserve="1">
+  <p:cSld name="Título y objetos">
+    <p:spTree>
+      <p:nvGrpSpPr>
+        <p:cNvPr id="1" name=""/>
+        <p:cNvGrpSpPr/>
+        <p:nvPr/>
+      </p:nvGrpSpPr>
+      <p:grpSpPr>
+        <a:xfrm>
+          <a:off x="0" y="0"/>
+          <a:ext cx="0" cy="0"/>
+          <a:chOff x="0" y="0"/>
+          <a:chExt cx="0" cy="0"/>
+        </a:xfrm>
+      </p:grpSpPr>
+      <p:sp>
+        <p:nvSpPr>
+          <p:cNvPr id="2" name="Title 1"/>
+          <p:cNvSpPr>
+            <a:spLocks noGrp="1"/>
+          </p:cNvSpPr>
+          <p:nvPr>
+            <p:ph type="title"/>
+          </p:nvPr>
+        </p:nvSpPr>
+        <p:spPr/>
+        <p:txBody>
+          <a:bodyPr/>
+          <a:lstStyle/>
+          <a:p>
+            <a:r>
+              <a:rPr lang="es-ES"/>
+              <a:t>Haga clic para modificar el estilo de título del patrón</a:t>
+            </a:r>
+            <a:endParaRPr lang="en-US" dirty="0"/>
+          </a:p>
+        </p:txBody>
+      </p:sp>
+      <p:sp>
+        <p:nvSpPr>
+          <p:cNvPr id="3" name="Content Placeholder 2"/>
+          <p:cNvSpPr>
+            <a:spLocks noGrp="1"/>
+          </p:cNvSpPr>
+          <p:nvPr>
+            <p:ph idx="1"/>
+          </p:nvPr>
+        </p:nvSpPr>
+        <p:spPr/>
+        <p:txBody>
+          <a:bodyPr/>
+          <a:lstStyle/>
+          <a:p>
+            <a:pPr lvl="0"/>
+            <a:r>
+              <a:rPr lang="es-ES"/>
+              <a:t>Editar los estilos de texto del patrón</a:t>
+            </a:r>
+          </a:p>
+          <a:p>
+            <a:pPr lvl="1"/>
+            <a:r>
+              <a:rPr lang="es-ES"/>
+              <a:t>Segundo nivel</a:t>
+            </a:r>
+          </a:p>
+          <a:p>
+            <a:pPr lvl="2"/>
+            <a:r>
+              <a:rPr lang="es-ES"/>
+              <a:t>Tercer nivel</a:t>
+            </a:r>
+          </a:p>
+          <a:p>
+            <a:pPr lvl="3"/>
+            <a:r>
+              <a:rPr lang="es-ES"/>
+              <a:t>Cuarto nivel</a:t>
+            </a:r>
+          </a:p>
+          <a:p>
+            <a:pPr lvl="4"/>
+            <a:r>
+              <a:rPr lang="es-ES"/>
+              <a:t>Quinto nivel</a:t>
+            </a:r>
+            <a:endParaRPr lang="en-US" dirty="0"/>
+          </a:p>
+        </p:txBody>
+      </p:sp>
+      <p:sp>
+        <p:nvSpPr>
+          <p:cNvPr id="7" name="Date Placeholder 6"/>
+          <p:cNvSpPr>
+            <a:spLocks noGrp="1"/>
+          </p:cNvSpPr>
+          <p:nvPr>
+            <p:ph type="dt" sz="half" idx="10"/>
+          </p:nvPr>
+        </p:nvSpPr>
+        <p:spPr/>
+        <p:txBody>
+          <a:bodyPr/>
+          <a:lstStyle/>
+          <a:p>
+            <a:fld id="{E29559F7-A599-4F20-8074-9A93E3284950}" type="datetime1">
+              <a:rPr lang="en-US" smtClean="0"/>
+              <a:t>2/14/2019</a:t>
+            </a:fld>
+            <a:endParaRPr lang="en-US" dirty="0"/>
+          </a:p>
+        </p:txBody>
+      </p:sp>
+      <p:sp>
+        <p:nvSpPr>
+          <p:cNvPr id="8" name="Footer Placeholder 7"/>
+          <p:cNvSpPr>
+            <a:spLocks noGrp="1"/>
+          </p:cNvSpPr>
+          <p:nvPr>
+            <p:ph type="ftr" sz="quarter" idx="11"/>
+          </p:nvPr>
+        </p:nvSpPr>
+        <p:spPr/>
+        <p:txBody>
+          <a:bodyPr/>
+          <a:lstStyle/>
+          <a:p>
+            <a:endParaRPr lang="en-US" dirty="0"/>
+          </a:p>
+        </p:txBody>
+      </p:sp>
+      <p:sp>
+        <p:nvSpPr>
+          <p:cNvPr id="9" name="Slide Number Placeholder 8"/>
+          <p:cNvSpPr>
+            <a:spLocks noGrp="1"/>
+          </p:cNvSpPr>
+          <p:nvPr>
+            <p:ph type="sldNum" sz="quarter" idx="12"/>
+          </p:nvPr>
+        </p:nvSpPr>
+        <p:spPr/>
+        <p:txBody>
+          <a:bodyPr/>
+          <a:lstStyle/>
+          <a:p>
+            <a:fld id="{8A7A6979-0714-4377-B894-6BE4C2D6E202}" type="slidenum">
+              <a:rPr lang="en-US" dirty="0"/>
+              <a:pPr/>
+              <a:t>‹Nº›</a:t>
+            </a:fld>
+            <a:endParaRPr lang="en-US" dirty="0"/>
+          </a:p>
+        </p:txBody>
+      </p:sp>
+    </p:spTree>
+  </p:cSld>
+  <p:clrMapOvr>
+    <a:masterClrMapping/>
+  </p:clrMapOvr>
+</p:sldLayout>
+</file>
+
+<file path=ppt/slideLayouts/slideLayout20.xml><?xml version="1.0" encoding="utf-8"?>
 <p:sldLayout xmlns:a="http://schemas.openxmlformats.org/drawingml/2006/main" xmlns:r="http://schemas.openxmlformats.org/officeDocument/2006/relationships" xmlns:p="http://schemas.openxmlformats.org/presentationml/2006/main" type="picTx" preserve="1">
   <p:cSld name="Imagen con título">
     <p:spTree>
@@ -2917,6 +3349,2149 @@
             </a:lvl1pPr>
           </a:lstStyle>
           <a:p>
+            <a:fld id="{1160EA64-D806-43AC-9DF2-F8C432F32B4C}" type="datetimeFigureOut">
+              <a:rPr lang="en-US" dirty="0"/>
+              <a:pPr/>
+              <a:t>2/14/2019</a:t>
+            </a:fld>
+            <a:endParaRPr lang="en-US" dirty="0"/>
+          </a:p>
+        </p:txBody>
+      </p:sp>
+      <p:sp>
+        <p:nvSpPr>
+          <p:cNvPr id="6" name="Footer Placeholder 5"/>
+          <p:cNvSpPr>
+            <a:spLocks noGrp="1"/>
+          </p:cNvSpPr>
+          <p:nvPr>
+            <p:ph type="ftr" sz="quarter" idx="11"/>
+          </p:nvPr>
+        </p:nvSpPr>
+        <p:spPr>
+          <a:xfrm>
+            <a:off x="808523" y="6236208"/>
+            <a:ext cx="5103729" cy="320040"/>
+          </a:xfrm>
+        </p:spPr>
+        <p:txBody>
+          <a:bodyPr/>
+          <a:lstStyle>
+            <a:lvl1pPr>
+              <a:defRPr>
+                <a:solidFill>
+                  <a:srgbClr val="FFFFFF">
+                    <a:alpha val="70000"/>
+                  </a:srgbClr>
+                </a:solidFill>
+              </a:defRPr>
+            </a:lvl1pPr>
+          </a:lstStyle>
+          <a:p>
+            <a:endParaRPr lang="en-US" dirty="0"/>
+          </a:p>
+        </p:txBody>
+      </p:sp>
+      <p:sp>
+        <p:nvSpPr>
+          <p:cNvPr id="7" name="Slide Number Placeholder 6"/>
+          <p:cNvSpPr>
+            <a:spLocks noGrp="1"/>
+          </p:cNvSpPr>
+          <p:nvPr>
+            <p:ph type="sldNum" sz="quarter" idx="12"/>
+          </p:nvPr>
+        </p:nvSpPr>
+        <p:spPr/>
+        <p:txBody>
+          <a:bodyPr/>
+          <a:lstStyle/>
+          <a:p>
+            <a:fld id="{8A7A6979-0714-4377-B894-6BE4C2D6E202}" type="slidenum">
+              <a:rPr lang="en-US" dirty="0"/>
+              <a:pPr/>
+              <a:t>‹Nº›</a:t>
+            </a:fld>
+            <a:endParaRPr lang="en-US" dirty="0"/>
+          </a:p>
+        </p:txBody>
+      </p:sp>
+    </p:spTree>
+    <p:extLst>
+      <p:ext uri="{BB962C8B-B14F-4D97-AF65-F5344CB8AC3E}">
+        <p14:creationId xmlns:p14="http://schemas.microsoft.com/office/powerpoint/2010/main" val="1343799443"/>
+      </p:ext>
+    </p:extLst>
+  </p:cSld>
+  <p:clrMapOvr>
+    <a:masterClrMapping/>
+  </p:clrMapOvr>
+</p:sldLayout>
+</file>
+
+<file path=ppt/slideLayouts/slideLayout21.xml><?xml version="1.0" encoding="utf-8"?>
+<p:sldLayout xmlns:a="http://schemas.openxmlformats.org/drawingml/2006/main" xmlns:r="http://schemas.openxmlformats.org/officeDocument/2006/relationships" xmlns:p="http://schemas.openxmlformats.org/presentationml/2006/main" type="vertTx" preserve="1">
+  <p:cSld name="Título y texto vertical">
+    <p:spTree>
+      <p:nvGrpSpPr>
+        <p:cNvPr id="1" name=""/>
+        <p:cNvGrpSpPr/>
+        <p:nvPr/>
+      </p:nvGrpSpPr>
+      <p:grpSpPr>
+        <a:xfrm>
+          <a:off x="0" y="0"/>
+          <a:ext cx="0" cy="0"/>
+          <a:chOff x="0" y="0"/>
+          <a:chExt cx="0" cy="0"/>
+        </a:xfrm>
+      </p:grpSpPr>
+      <p:sp>
+        <p:nvSpPr>
+          <p:cNvPr id="2" name="Title 1"/>
+          <p:cNvSpPr>
+            <a:spLocks noGrp="1"/>
+          </p:cNvSpPr>
+          <p:nvPr>
+            <p:ph type="title"/>
+          </p:nvPr>
+        </p:nvSpPr>
+        <p:spPr/>
+        <p:txBody>
+          <a:bodyPr/>
+          <a:lstStyle/>
+          <a:p>
+            <a:r>
+              <a:rPr lang="es-ES"/>
+              <a:t>Haga clic para modificar el estilo de título del patrón</a:t>
+            </a:r>
+            <a:endParaRPr lang="en-US" dirty="0"/>
+          </a:p>
+        </p:txBody>
+      </p:sp>
+      <p:sp>
+        <p:nvSpPr>
+          <p:cNvPr id="3" name="Vertical Text Placeholder 2"/>
+          <p:cNvSpPr>
+            <a:spLocks noGrp="1"/>
+          </p:cNvSpPr>
+          <p:nvPr>
+            <p:ph type="body" orient="vert" idx="1"/>
+          </p:nvPr>
+        </p:nvSpPr>
+        <p:spPr/>
+        <p:txBody>
+          <a:bodyPr vert="eaVert"/>
+          <a:lstStyle/>
+          <a:p>
+            <a:pPr lvl="0"/>
+            <a:r>
+              <a:rPr lang="es-ES"/>
+              <a:t>Editar los estilos de texto del patrón</a:t>
+            </a:r>
+          </a:p>
+          <a:p>
+            <a:pPr lvl="1"/>
+            <a:r>
+              <a:rPr lang="es-ES"/>
+              <a:t>Segundo nivel</a:t>
+            </a:r>
+          </a:p>
+          <a:p>
+            <a:pPr lvl="2"/>
+            <a:r>
+              <a:rPr lang="es-ES"/>
+              <a:t>Tercer nivel</a:t>
+            </a:r>
+          </a:p>
+          <a:p>
+            <a:pPr lvl="3"/>
+            <a:r>
+              <a:rPr lang="es-ES"/>
+              <a:t>Cuarto nivel</a:t>
+            </a:r>
+          </a:p>
+          <a:p>
+            <a:pPr lvl="4"/>
+            <a:r>
+              <a:rPr lang="es-ES"/>
+              <a:t>Quinto nivel</a:t>
+            </a:r>
+            <a:endParaRPr lang="en-US" dirty="0"/>
+          </a:p>
+        </p:txBody>
+      </p:sp>
+      <p:sp>
+        <p:nvSpPr>
+          <p:cNvPr id="4" name="Date Placeholder 3"/>
+          <p:cNvSpPr>
+            <a:spLocks noGrp="1"/>
+          </p:cNvSpPr>
+          <p:nvPr>
+            <p:ph type="dt" sz="half" idx="10"/>
+          </p:nvPr>
+        </p:nvSpPr>
+        <p:spPr/>
+        <p:txBody>
+          <a:bodyPr/>
+          <a:lstStyle/>
+          <a:p>
+            <a:fld id="{E9F9C37B-1D36-470B-8223-D6C91242EC14}" type="datetimeFigureOut">
+              <a:rPr lang="en-US" dirty="0"/>
+              <a:t>2/14/2019</a:t>
+            </a:fld>
+            <a:endParaRPr lang="en-US" dirty="0"/>
+          </a:p>
+        </p:txBody>
+      </p:sp>
+      <p:sp>
+        <p:nvSpPr>
+          <p:cNvPr id="5" name="Footer Placeholder 4"/>
+          <p:cNvSpPr>
+            <a:spLocks noGrp="1"/>
+          </p:cNvSpPr>
+          <p:nvPr>
+            <p:ph type="ftr" sz="quarter" idx="11"/>
+          </p:nvPr>
+        </p:nvSpPr>
+        <p:spPr/>
+        <p:txBody>
+          <a:bodyPr/>
+          <a:lstStyle/>
+          <a:p>
+            <a:endParaRPr lang="en-US" dirty="0"/>
+          </a:p>
+        </p:txBody>
+      </p:sp>
+      <p:sp>
+        <p:nvSpPr>
+          <p:cNvPr id="6" name="Slide Number Placeholder 5"/>
+          <p:cNvSpPr>
+            <a:spLocks noGrp="1"/>
+          </p:cNvSpPr>
+          <p:nvPr>
+            <p:ph type="sldNum" sz="quarter" idx="12"/>
+          </p:nvPr>
+        </p:nvSpPr>
+        <p:spPr/>
+        <p:txBody>
+          <a:bodyPr/>
+          <a:lstStyle/>
+          <a:p>
+            <a:fld id="{8A7A6979-0714-4377-B894-6BE4C2D6E202}" type="slidenum">
+              <a:rPr lang="en-US" dirty="0"/>
+              <a:t>‹Nº›</a:t>
+            </a:fld>
+            <a:endParaRPr lang="en-US" dirty="0"/>
+          </a:p>
+        </p:txBody>
+      </p:sp>
+    </p:spTree>
+    <p:extLst>
+      <p:ext uri="{BB962C8B-B14F-4D97-AF65-F5344CB8AC3E}">
+        <p14:creationId xmlns:p14="http://schemas.microsoft.com/office/powerpoint/2010/main" val="715097807"/>
+      </p:ext>
+    </p:extLst>
+  </p:cSld>
+  <p:clrMapOvr>
+    <a:masterClrMapping/>
+  </p:clrMapOvr>
+</p:sldLayout>
+</file>
+
+<file path=ppt/slideLayouts/slideLayout22.xml><?xml version="1.0" encoding="utf-8"?>
+<p:sldLayout xmlns:a="http://schemas.openxmlformats.org/drawingml/2006/main" xmlns:r="http://schemas.openxmlformats.org/officeDocument/2006/relationships" xmlns:p="http://schemas.openxmlformats.org/presentationml/2006/main" type="vertTitleAndTx" preserve="1">
+  <p:cSld name="Título vertical y texto">
+    <p:spTree>
+      <p:nvGrpSpPr>
+        <p:cNvPr id="1" name=""/>
+        <p:cNvGrpSpPr/>
+        <p:nvPr/>
+      </p:nvGrpSpPr>
+      <p:grpSpPr>
+        <a:xfrm>
+          <a:off x="0" y="0"/>
+          <a:ext cx="0" cy="0"/>
+          <a:chOff x="0" y="0"/>
+          <a:chExt cx="0" cy="0"/>
+        </a:xfrm>
+      </p:grpSpPr>
+      <p:sp>
+        <p:nvSpPr>
+          <p:cNvPr id="2" name="Vertical Title 1"/>
+          <p:cNvSpPr>
+            <a:spLocks noGrp="1"/>
+          </p:cNvSpPr>
+          <p:nvPr>
+            <p:ph type="title" orient="vert"/>
+          </p:nvPr>
+        </p:nvSpPr>
+        <p:spPr>
+          <a:xfrm>
+            <a:off x="8653112" y="937260"/>
+            <a:ext cx="1298608" cy="4983480"/>
+          </a:xfrm>
+        </p:spPr>
+        <p:txBody>
+          <a:bodyPr vert="eaVert"/>
+          <a:lstStyle/>
+          <a:p>
+            <a:r>
+              <a:rPr lang="es-ES"/>
+              <a:t>Haga clic para modificar el estilo de título del patrón</a:t>
+            </a:r>
+            <a:endParaRPr lang="en-US" dirty="0"/>
+          </a:p>
+        </p:txBody>
+      </p:sp>
+      <p:sp>
+        <p:nvSpPr>
+          <p:cNvPr id="3" name="Vertical Text Placeholder 2"/>
+          <p:cNvSpPr>
+            <a:spLocks noGrp="1"/>
+          </p:cNvSpPr>
+          <p:nvPr>
+            <p:ph type="body" orient="vert" idx="1"/>
+          </p:nvPr>
+        </p:nvSpPr>
+        <p:spPr>
+          <a:xfrm>
+            <a:off x="2231136" y="937260"/>
+            <a:ext cx="6198489" cy="4983480"/>
+          </a:xfrm>
+        </p:spPr>
+        <p:txBody>
+          <a:bodyPr vert="eaVert"/>
+          <a:lstStyle/>
+          <a:p>
+            <a:pPr lvl="0"/>
+            <a:r>
+              <a:rPr lang="es-ES"/>
+              <a:t>Editar los estilos de texto del patrón</a:t>
+            </a:r>
+          </a:p>
+          <a:p>
+            <a:pPr lvl="1"/>
+            <a:r>
+              <a:rPr lang="es-ES"/>
+              <a:t>Segundo nivel</a:t>
+            </a:r>
+          </a:p>
+          <a:p>
+            <a:pPr lvl="2"/>
+            <a:r>
+              <a:rPr lang="es-ES"/>
+              <a:t>Tercer nivel</a:t>
+            </a:r>
+          </a:p>
+          <a:p>
+            <a:pPr lvl="3"/>
+            <a:r>
+              <a:rPr lang="es-ES"/>
+              <a:t>Cuarto nivel</a:t>
+            </a:r>
+          </a:p>
+          <a:p>
+            <a:pPr lvl="4"/>
+            <a:r>
+              <a:rPr lang="es-ES"/>
+              <a:t>Quinto nivel</a:t>
+            </a:r>
+            <a:endParaRPr lang="en-US" dirty="0"/>
+          </a:p>
+        </p:txBody>
+      </p:sp>
+      <p:sp>
+        <p:nvSpPr>
+          <p:cNvPr id="4" name="Date Placeholder 3"/>
+          <p:cNvSpPr>
+            <a:spLocks noGrp="1"/>
+          </p:cNvSpPr>
+          <p:nvPr>
+            <p:ph type="dt" sz="half" idx="10"/>
+          </p:nvPr>
+        </p:nvSpPr>
+        <p:spPr/>
+        <p:txBody>
+          <a:bodyPr/>
+          <a:lstStyle/>
+          <a:p>
+            <a:fld id="{67C6F52A-A82B-47A2-A83A-8C4C91F2D59F}" type="datetimeFigureOut">
+              <a:rPr lang="en-US" dirty="0"/>
+              <a:t>2/14/2019</a:t>
+            </a:fld>
+            <a:endParaRPr lang="en-US" dirty="0"/>
+          </a:p>
+        </p:txBody>
+      </p:sp>
+      <p:sp>
+        <p:nvSpPr>
+          <p:cNvPr id="5" name="Footer Placeholder 4"/>
+          <p:cNvSpPr>
+            <a:spLocks noGrp="1"/>
+          </p:cNvSpPr>
+          <p:nvPr>
+            <p:ph type="ftr" sz="quarter" idx="11"/>
+          </p:nvPr>
+        </p:nvSpPr>
+        <p:spPr/>
+        <p:txBody>
+          <a:bodyPr/>
+          <a:lstStyle/>
+          <a:p>
+            <a:endParaRPr lang="en-US" dirty="0"/>
+          </a:p>
+        </p:txBody>
+      </p:sp>
+      <p:sp>
+        <p:nvSpPr>
+          <p:cNvPr id="6" name="Slide Number Placeholder 5"/>
+          <p:cNvSpPr>
+            <a:spLocks noGrp="1"/>
+          </p:cNvSpPr>
+          <p:nvPr>
+            <p:ph type="sldNum" sz="quarter" idx="12"/>
+          </p:nvPr>
+        </p:nvSpPr>
+        <p:spPr/>
+        <p:txBody>
+          <a:bodyPr/>
+          <a:lstStyle/>
+          <a:p>
+            <a:fld id="{8A7A6979-0714-4377-B894-6BE4C2D6E202}" type="slidenum">
+              <a:rPr lang="en-US" dirty="0"/>
+              <a:t>‹Nº›</a:t>
+            </a:fld>
+            <a:endParaRPr lang="en-US" dirty="0"/>
+          </a:p>
+        </p:txBody>
+      </p:sp>
+    </p:spTree>
+    <p:extLst>
+      <p:ext uri="{BB962C8B-B14F-4D97-AF65-F5344CB8AC3E}">
+        <p14:creationId xmlns:p14="http://schemas.microsoft.com/office/powerpoint/2010/main" val="64686275"/>
+      </p:ext>
+    </p:extLst>
+  </p:cSld>
+  <p:clrMapOvr>
+    <a:masterClrMapping/>
+  </p:clrMapOvr>
+</p:sldLayout>
+</file>
+
+<file path=ppt/slideLayouts/slideLayout3.xml><?xml version="1.0" encoding="utf-8"?>
+<p:sldLayout xmlns:a="http://schemas.openxmlformats.org/drawingml/2006/main" xmlns:r="http://schemas.openxmlformats.org/officeDocument/2006/relationships" xmlns:p="http://schemas.openxmlformats.org/presentationml/2006/main" type="secHead" preserve="1">
+  <p:cSld name="Encabezado de sección">
+    <p:bg>
+      <p:bgPr>
+        <a:solidFill>
+          <a:schemeClr val="accent1"/>
+        </a:solidFill>
+        <a:effectLst/>
+      </p:bgPr>
+    </p:bg>
+    <p:spTree>
+      <p:nvGrpSpPr>
+        <p:cNvPr id="1" name=""/>
+        <p:cNvGrpSpPr/>
+        <p:nvPr/>
+      </p:nvGrpSpPr>
+      <p:grpSpPr>
+        <a:xfrm>
+          <a:off x="0" y="0"/>
+          <a:ext cx="0" cy="0"/>
+          <a:chOff x="0" y="0"/>
+          <a:chExt cx="0" cy="0"/>
+        </a:xfrm>
+      </p:grpSpPr>
+      <p:sp>
+        <p:nvSpPr>
+          <p:cNvPr id="2" name="Title 1"/>
+          <p:cNvSpPr>
+            <a:spLocks noGrp="1"/>
+          </p:cNvSpPr>
+          <p:nvPr>
+            <p:ph type="title"/>
+          </p:nvPr>
+        </p:nvSpPr>
+        <p:spPr>
+          <a:xfrm>
+            <a:off x="1600200" y="2386744"/>
+            <a:ext cx="8991600" cy="1645920"/>
+          </a:xfrm>
+          <a:solidFill>
+            <a:srgbClr val="FFFFFF"/>
+          </a:solidFill>
+          <a:ln w="38100">
+            <a:solidFill>
+              <a:srgbClr val="404040"/>
+            </a:solidFill>
+          </a:ln>
+        </p:spPr>
+        <p:txBody>
+          <a:bodyPr lIns="274320" rIns="274320" anchor="ctr" anchorCtr="1">
+            <a:normAutofit/>
+          </a:bodyPr>
+          <a:lstStyle>
+            <a:lvl1pPr>
+              <a:defRPr sz="3800">
+                <a:solidFill>
+                  <a:srgbClr val="262626"/>
+                </a:solidFill>
+              </a:defRPr>
+            </a:lvl1pPr>
+          </a:lstStyle>
+          <a:p>
+            <a:r>
+              <a:rPr lang="es-ES"/>
+              <a:t>Haga clic para modificar el estilo de título del patrón</a:t>
+            </a:r>
+            <a:endParaRPr lang="en-US" dirty="0"/>
+          </a:p>
+        </p:txBody>
+      </p:sp>
+      <p:sp>
+        <p:nvSpPr>
+          <p:cNvPr id="3" name="Text Placeholder 2"/>
+          <p:cNvSpPr>
+            <a:spLocks noGrp="1"/>
+          </p:cNvSpPr>
+          <p:nvPr>
+            <p:ph type="body" idx="1"/>
+          </p:nvPr>
+        </p:nvSpPr>
+        <p:spPr>
+          <a:xfrm>
+            <a:off x="2695194" y="4352465"/>
+            <a:ext cx="6801612" cy="1265082"/>
+          </a:xfrm>
+        </p:spPr>
+        <p:txBody>
+          <a:bodyPr anchor="t" anchorCtr="1">
+            <a:normAutofit/>
+          </a:bodyPr>
+          <a:lstStyle>
+            <a:lvl1pPr marL="0" indent="0">
+              <a:buNone/>
+              <a:defRPr sz="2000">
+                <a:solidFill>
+                  <a:schemeClr val="tx1"/>
+                </a:solidFill>
+              </a:defRPr>
+            </a:lvl1pPr>
+            <a:lvl2pPr marL="457200" indent="0">
+              <a:buNone/>
+              <a:defRPr sz="2000">
+                <a:solidFill>
+                  <a:schemeClr val="tx1">
+                    <a:tint val="75000"/>
+                  </a:schemeClr>
+                </a:solidFill>
+              </a:defRPr>
+            </a:lvl2pPr>
+            <a:lvl3pPr marL="914400" indent="0">
+              <a:buNone/>
+              <a:defRPr sz="1800">
+                <a:solidFill>
+                  <a:schemeClr val="tx1">
+                    <a:tint val="75000"/>
+                  </a:schemeClr>
+                </a:solidFill>
+              </a:defRPr>
+            </a:lvl3pPr>
+            <a:lvl4pPr marL="1371600" indent="0">
+              <a:buNone/>
+              <a:defRPr sz="1600">
+                <a:solidFill>
+                  <a:schemeClr val="tx1">
+                    <a:tint val="75000"/>
+                  </a:schemeClr>
+                </a:solidFill>
+              </a:defRPr>
+            </a:lvl4pPr>
+            <a:lvl5pPr marL="1828800" indent="0">
+              <a:buNone/>
+              <a:defRPr sz="1600">
+                <a:solidFill>
+                  <a:schemeClr val="tx1">
+                    <a:tint val="75000"/>
+                  </a:schemeClr>
+                </a:solidFill>
+              </a:defRPr>
+            </a:lvl5pPr>
+            <a:lvl6pPr marL="2286000" indent="0">
+              <a:buNone/>
+              <a:defRPr sz="1600">
+                <a:solidFill>
+                  <a:schemeClr val="tx1">
+                    <a:tint val="75000"/>
+                  </a:schemeClr>
+                </a:solidFill>
+              </a:defRPr>
+            </a:lvl6pPr>
+            <a:lvl7pPr marL="2743200" indent="0">
+              <a:buNone/>
+              <a:defRPr sz="1600">
+                <a:solidFill>
+                  <a:schemeClr val="tx1">
+                    <a:tint val="75000"/>
+                  </a:schemeClr>
+                </a:solidFill>
+              </a:defRPr>
+            </a:lvl7pPr>
+            <a:lvl8pPr marL="3200400" indent="0">
+              <a:buNone/>
+              <a:defRPr sz="1600">
+                <a:solidFill>
+                  <a:schemeClr val="tx1">
+                    <a:tint val="75000"/>
+                  </a:schemeClr>
+                </a:solidFill>
+              </a:defRPr>
+            </a:lvl8pPr>
+            <a:lvl9pPr marL="3657600" indent="0">
+              <a:buNone/>
+              <a:defRPr sz="1600">
+                <a:solidFill>
+                  <a:schemeClr val="tx1">
+                    <a:tint val="75000"/>
+                  </a:schemeClr>
+                </a:solidFill>
+              </a:defRPr>
+            </a:lvl9pPr>
+          </a:lstStyle>
+          <a:p>
+            <a:pPr lvl="0"/>
+            <a:r>
+              <a:rPr lang="es-ES"/>
+              <a:t>Editar los estilos de texto del patrón</a:t>
+            </a:r>
+          </a:p>
+        </p:txBody>
+      </p:sp>
+      <p:sp>
+        <p:nvSpPr>
+          <p:cNvPr id="7" name="Date Placeholder 6"/>
+          <p:cNvSpPr>
+            <a:spLocks noGrp="1"/>
+          </p:cNvSpPr>
+          <p:nvPr>
+            <p:ph type="dt" sz="half" idx="10"/>
+          </p:nvPr>
+        </p:nvSpPr>
+        <p:spPr/>
+        <p:txBody>
+          <a:bodyPr/>
+          <a:lstStyle/>
+          <a:p>
+            <a:fld id="{1C96EE27-A51C-4C1C-91F0-E5F944AE2917}" type="datetime1">
+              <a:rPr lang="en-US" smtClean="0"/>
+              <a:t>2/14/2019</a:t>
+            </a:fld>
+            <a:endParaRPr lang="en-US" dirty="0"/>
+          </a:p>
+        </p:txBody>
+      </p:sp>
+      <p:sp>
+        <p:nvSpPr>
+          <p:cNvPr id="8" name="Footer Placeholder 7"/>
+          <p:cNvSpPr>
+            <a:spLocks noGrp="1"/>
+          </p:cNvSpPr>
+          <p:nvPr>
+            <p:ph type="ftr" sz="quarter" idx="11"/>
+          </p:nvPr>
+        </p:nvSpPr>
+        <p:spPr/>
+        <p:txBody>
+          <a:bodyPr/>
+          <a:lstStyle/>
+          <a:p>
+            <a:endParaRPr lang="en-US" dirty="0"/>
+          </a:p>
+        </p:txBody>
+      </p:sp>
+      <p:sp>
+        <p:nvSpPr>
+          <p:cNvPr id="9" name="Slide Number Placeholder 8"/>
+          <p:cNvSpPr>
+            <a:spLocks noGrp="1"/>
+          </p:cNvSpPr>
+          <p:nvPr>
+            <p:ph type="sldNum" sz="quarter" idx="12"/>
+          </p:nvPr>
+        </p:nvSpPr>
+        <p:spPr/>
+        <p:txBody>
+          <a:bodyPr/>
+          <a:lstStyle/>
+          <a:p>
+            <a:fld id="{8A7A6979-0714-4377-B894-6BE4C2D6E202}" type="slidenum">
+              <a:rPr lang="en-US" dirty="0"/>
+              <a:pPr/>
+              <a:t>‹Nº›</a:t>
+            </a:fld>
+            <a:endParaRPr lang="en-US" dirty="0"/>
+          </a:p>
+        </p:txBody>
+      </p:sp>
+    </p:spTree>
+  </p:cSld>
+  <p:clrMapOvr>
+    <a:overrideClrMapping bg1="dk1" tx1="lt1" bg2="dk2" tx2="lt2" accent1="accent1" accent2="accent2" accent3="accent3" accent4="accent4" accent5="accent5" accent6="accent6" hlink="hlink" folHlink="folHlink"/>
+  </p:clrMapOvr>
+</p:sldLayout>
+</file>
+
+<file path=ppt/slideLayouts/slideLayout4.xml><?xml version="1.0" encoding="utf-8"?>
+<p:sldLayout xmlns:a="http://schemas.openxmlformats.org/drawingml/2006/main" xmlns:r="http://schemas.openxmlformats.org/officeDocument/2006/relationships" xmlns:p="http://schemas.openxmlformats.org/presentationml/2006/main" type="twoObj" preserve="1">
+  <p:cSld name="Dos objetos">
+    <p:spTree>
+      <p:nvGrpSpPr>
+        <p:cNvPr id="1" name=""/>
+        <p:cNvGrpSpPr/>
+        <p:nvPr/>
+      </p:nvGrpSpPr>
+      <p:grpSpPr>
+        <a:xfrm>
+          <a:off x="0" y="0"/>
+          <a:ext cx="0" cy="0"/>
+          <a:chOff x="0" y="0"/>
+          <a:chExt cx="0" cy="0"/>
+        </a:xfrm>
+      </p:grpSpPr>
+      <p:sp>
+        <p:nvSpPr>
+          <p:cNvPr id="2" name="Title 1"/>
+          <p:cNvSpPr>
+            <a:spLocks noGrp="1"/>
+          </p:cNvSpPr>
+          <p:nvPr>
+            <p:ph type="title"/>
+          </p:nvPr>
+        </p:nvSpPr>
+        <p:spPr/>
+        <p:txBody>
+          <a:bodyPr/>
+          <a:lstStyle/>
+          <a:p>
+            <a:r>
+              <a:rPr lang="es-ES"/>
+              <a:t>Haga clic para modificar el estilo de título del patrón</a:t>
+            </a:r>
+            <a:endParaRPr lang="en-US" dirty="0"/>
+          </a:p>
+        </p:txBody>
+      </p:sp>
+      <p:sp>
+        <p:nvSpPr>
+          <p:cNvPr id="3" name="Content Placeholder 2"/>
+          <p:cNvSpPr>
+            <a:spLocks noGrp="1"/>
+          </p:cNvSpPr>
+          <p:nvPr>
+            <p:ph sz="half" idx="1"/>
+          </p:nvPr>
+        </p:nvSpPr>
+        <p:spPr>
+          <a:xfrm>
+            <a:off x="1581912" y="2638044"/>
+            <a:ext cx="4271771" cy="3101982"/>
+          </a:xfrm>
+        </p:spPr>
+        <p:txBody>
+          <a:bodyPr/>
+          <a:lstStyle/>
+          <a:p>
+            <a:pPr lvl="0"/>
+            <a:r>
+              <a:rPr lang="es-ES"/>
+              <a:t>Editar los estilos de texto del patrón</a:t>
+            </a:r>
+          </a:p>
+          <a:p>
+            <a:pPr lvl="1"/>
+            <a:r>
+              <a:rPr lang="es-ES"/>
+              <a:t>Segundo nivel</a:t>
+            </a:r>
+          </a:p>
+          <a:p>
+            <a:pPr lvl="2"/>
+            <a:r>
+              <a:rPr lang="es-ES"/>
+              <a:t>Tercer nivel</a:t>
+            </a:r>
+          </a:p>
+          <a:p>
+            <a:pPr lvl="3"/>
+            <a:r>
+              <a:rPr lang="es-ES"/>
+              <a:t>Cuarto nivel</a:t>
+            </a:r>
+          </a:p>
+          <a:p>
+            <a:pPr lvl="4"/>
+            <a:r>
+              <a:rPr lang="es-ES"/>
+              <a:t>Quinto nivel</a:t>
+            </a:r>
+            <a:endParaRPr lang="en-US" dirty="0"/>
+          </a:p>
+        </p:txBody>
+      </p:sp>
+      <p:sp>
+        <p:nvSpPr>
+          <p:cNvPr id="4" name="Content Placeholder 3"/>
+          <p:cNvSpPr>
+            <a:spLocks noGrp="1"/>
+          </p:cNvSpPr>
+          <p:nvPr>
+            <p:ph sz="half" idx="2"/>
+          </p:nvPr>
+        </p:nvSpPr>
+        <p:spPr>
+          <a:xfrm>
+            <a:off x="6338315" y="2638044"/>
+            <a:ext cx="4270247" cy="3101982"/>
+          </a:xfrm>
+        </p:spPr>
+        <p:txBody>
+          <a:bodyPr/>
+          <a:lstStyle/>
+          <a:p>
+            <a:pPr lvl="0"/>
+            <a:r>
+              <a:rPr lang="es-ES"/>
+              <a:t>Editar los estilos de texto del patrón</a:t>
+            </a:r>
+          </a:p>
+          <a:p>
+            <a:pPr lvl="1"/>
+            <a:r>
+              <a:rPr lang="es-ES"/>
+              <a:t>Segundo nivel</a:t>
+            </a:r>
+          </a:p>
+          <a:p>
+            <a:pPr lvl="2"/>
+            <a:r>
+              <a:rPr lang="es-ES"/>
+              <a:t>Tercer nivel</a:t>
+            </a:r>
+          </a:p>
+          <a:p>
+            <a:pPr lvl="3"/>
+            <a:r>
+              <a:rPr lang="es-ES"/>
+              <a:t>Cuarto nivel</a:t>
+            </a:r>
+          </a:p>
+          <a:p>
+            <a:pPr lvl="4"/>
+            <a:r>
+              <a:rPr lang="es-ES"/>
+              <a:t>Quinto nivel</a:t>
+            </a:r>
+            <a:endParaRPr lang="en-US" dirty="0"/>
+          </a:p>
+        </p:txBody>
+      </p:sp>
+      <p:sp>
+        <p:nvSpPr>
+          <p:cNvPr id="8" name="Date Placeholder 7"/>
+          <p:cNvSpPr>
+            <a:spLocks noGrp="1"/>
+          </p:cNvSpPr>
+          <p:nvPr>
+            <p:ph type="dt" sz="half" idx="10"/>
+          </p:nvPr>
+        </p:nvSpPr>
+        <p:spPr/>
+        <p:txBody>
+          <a:bodyPr/>
+          <a:lstStyle/>
+          <a:p>
+            <a:fld id="{C4856C9B-4647-45E1-9019-CC0A4AD6AE0A}" type="datetime1">
+              <a:rPr lang="en-US" smtClean="0"/>
+              <a:t>2/14/2019</a:t>
+            </a:fld>
+            <a:endParaRPr lang="en-US" dirty="0"/>
+          </a:p>
+        </p:txBody>
+      </p:sp>
+      <p:sp>
+        <p:nvSpPr>
+          <p:cNvPr id="9" name="Footer Placeholder 8"/>
+          <p:cNvSpPr>
+            <a:spLocks noGrp="1"/>
+          </p:cNvSpPr>
+          <p:nvPr>
+            <p:ph type="ftr" sz="quarter" idx="11"/>
+          </p:nvPr>
+        </p:nvSpPr>
+        <p:spPr/>
+        <p:txBody>
+          <a:bodyPr/>
+          <a:lstStyle/>
+          <a:p>
+            <a:endParaRPr lang="en-US" dirty="0"/>
+          </a:p>
+        </p:txBody>
+      </p:sp>
+      <p:sp>
+        <p:nvSpPr>
+          <p:cNvPr id="10" name="Slide Number Placeholder 9"/>
+          <p:cNvSpPr>
+            <a:spLocks noGrp="1"/>
+          </p:cNvSpPr>
+          <p:nvPr>
+            <p:ph type="sldNum" sz="quarter" idx="12"/>
+          </p:nvPr>
+        </p:nvSpPr>
+        <p:spPr/>
+        <p:txBody>
+          <a:bodyPr/>
+          <a:lstStyle/>
+          <a:p>
+            <a:fld id="{8A7A6979-0714-4377-B894-6BE4C2D6E202}" type="slidenum">
+              <a:rPr lang="en-US" dirty="0"/>
+              <a:t>‹Nº›</a:t>
+            </a:fld>
+            <a:endParaRPr lang="en-US" dirty="0"/>
+          </a:p>
+        </p:txBody>
+      </p:sp>
+    </p:spTree>
+  </p:cSld>
+  <p:clrMapOvr>
+    <a:masterClrMapping/>
+  </p:clrMapOvr>
+</p:sldLayout>
+</file>
+
+<file path=ppt/slideLayouts/slideLayout5.xml><?xml version="1.0" encoding="utf-8"?>
+<p:sldLayout xmlns:a="http://schemas.openxmlformats.org/drawingml/2006/main" xmlns:r="http://schemas.openxmlformats.org/officeDocument/2006/relationships" xmlns:p="http://schemas.openxmlformats.org/presentationml/2006/main" type="twoTxTwoObj" preserve="1">
+  <p:cSld name="Comparación">
+    <p:spTree>
+      <p:nvGrpSpPr>
+        <p:cNvPr id="1" name=""/>
+        <p:cNvGrpSpPr/>
+        <p:nvPr/>
+      </p:nvGrpSpPr>
+      <p:grpSpPr>
+        <a:xfrm>
+          <a:off x="0" y="0"/>
+          <a:ext cx="0" cy="0"/>
+          <a:chOff x="0" y="0"/>
+          <a:chExt cx="0" cy="0"/>
+        </a:xfrm>
+      </p:grpSpPr>
+      <p:sp>
+        <p:nvSpPr>
+          <p:cNvPr id="3" name="Text Placeholder 2"/>
+          <p:cNvSpPr>
+            <a:spLocks noGrp="1"/>
+          </p:cNvSpPr>
+          <p:nvPr>
+            <p:ph type="body" idx="1"/>
+          </p:nvPr>
+        </p:nvSpPr>
+        <p:spPr>
+          <a:xfrm>
+            <a:off x="1583436" y="2313433"/>
+            <a:ext cx="4270248" cy="704087"/>
+          </a:xfrm>
+        </p:spPr>
+        <p:txBody>
+          <a:bodyPr anchor="b" anchorCtr="1">
+            <a:normAutofit/>
+          </a:bodyPr>
+          <a:lstStyle>
+            <a:lvl1pPr marL="0" indent="0" algn="ctr">
+              <a:buNone/>
+              <a:defRPr sz="1900" b="0" cap="all" spc="100" baseline="0">
+                <a:solidFill>
+                  <a:schemeClr val="accent2"/>
+                </a:solidFill>
+              </a:defRPr>
+            </a:lvl1pPr>
+            <a:lvl2pPr marL="457200" indent="0">
+              <a:buNone/>
+              <a:defRPr sz="1900" b="1"/>
+            </a:lvl2pPr>
+            <a:lvl3pPr marL="914400" indent="0">
+              <a:buNone/>
+              <a:defRPr sz="1800" b="1"/>
+            </a:lvl3pPr>
+            <a:lvl4pPr marL="1371600" indent="0">
+              <a:buNone/>
+              <a:defRPr sz="1600" b="1"/>
+            </a:lvl4pPr>
+            <a:lvl5pPr marL="1828800" indent="0">
+              <a:buNone/>
+              <a:defRPr sz="1600" b="1"/>
+            </a:lvl5pPr>
+            <a:lvl6pPr marL="2286000" indent="0">
+              <a:buNone/>
+              <a:defRPr sz="1600" b="1"/>
+            </a:lvl6pPr>
+            <a:lvl7pPr marL="2743200" indent="0">
+              <a:buNone/>
+              <a:defRPr sz="1600" b="1"/>
+            </a:lvl7pPr>
+            <a:lvl8pPr marL="3200400" indent="0">
+              <a:buNone/>
+              <a:defRPr sz="1600" b="1"/>
+            </a:lvl8pPr>
+            <a:lvl9pPr marL="3657600" indent="0">
+              <a:buNone/>
+              <a:defRPr sz="1600" b="1"/>
+            </a:lvl9pPr>
+          </a:lstStyle>
+          <a:p>
+            <a:pPr lvl="0"/>
+            <a:r>
+              <a:rPr lang="es-ES"/>
+              <a:t>Editar los estilos de texto del patrón</a:t>
+            </a:r>
+          </a:p>
+        </p:txBody>
+      </p:sp>
+      <p:sp>
+        <p:nvSpPr>
+          <p:cNvPr id="4" name="Content Placeholder 3"/>
+          <p:cNvSpPr>
+            <a:spLocks noGrp="1"/>
+          </p:cNvSpPr>
+          <p:nvPr>
+            <p:ph sz="half" idx="2"/>
+          </p:nvPr>
+        </p:nvSpPr>
+        <p:spPr>
+          <a:xfrm>
+            <a:off x="1583436" y="3143250"/>
+            <a:ext cx="4270248" cy="2596776"/>
+          </a:xfrm>
+        </p:spPr>
+        <p:txBody>
+          <a:bodyPr/>
+          <a:lstStyle/>
+          <a:p>
+            <a:pPr lvl="0"/>
+            <a:r>
+              <a:rPr lang="es-ES"/>
+              <a:t>Editar los estilos de texto del patrón</a:t>
+            </a:r>
+          </a:p>
+          <a:p>
+            <a:pPr lvl="1"/>
+            <a:r>
+              <a:rPr lang="es-ES"/>
+              <a:t>Segundo nivel</a:t>
+            </a:r>
+          </a:p>
+          <a:p>
+            <a:pPr lvl="2"/>
+            <a:r>
+              <a:rPr lang="es-ES"/>
+              <a:t>Tercer nivel</a:t>
+            </a:r>
+          </a:p>
+          <a:p>
+            <a:pPr lvl="3"/>
+            <a:r>
+              <a:rPr lang="es-ES"/>
+              <a:t>Cuarto nivel</a:t>
+            </a:r>
+          </a:p>
+          <a:p>
+            <a:pPr lvl="4"/>
+            <a:r>
+              <a:rPr lang="es-ES"/>
+              <a:t>Quinto nivel</a:t>
+            </a:r>
+            <a:endParaRPr lang="en-US" dirty="0"/>
+          </a:p>
+        </p:txBody>
+      </p:sp>
+      <p:sp>
+        <p:nvSpPr>
+          <p:cNvPr id="6" name="Content Placeholder 5"/>
+          <p:cNvSpPr>
+            <a:spLocks noGrp="1"/>
+          </p:cNvSpPr>
+          <p:nvPr>
+            <p:ph sz="quarter" idx="4"/>
+          </p:nvPr>
+        </p:nvSpPr>
+        <p:spPr>
+          <a:xfrm>
+            <a:off x="6338316" y="3143250"/>
+            <a:ext cx="4253484" cy="2596776"/>
+          </a:xfrm>
+        </p:spPr>
+        <p:txBody>
+          <a:bodyPr/>
+          <a:lstStyle>
+            <a:lvl5pPr>
+              <a:defRPr/>
+            </a:lvl5pPr>
+          </a:lstStyle>
+          <a:p>
+            <a:pPr lvl="0"/>
+            <a:r>
+              <a:rPr lang="es-ES"/>
+              <a:t>Editar los estilos de texto del patrón</a:t>
+            </a:r>
+          </a:p>
+          <a:p>
+            <a:pPr lvl="1"/>
+            <a:r>
+              <a:rPr lang="es-ES"/>
+              <a:t>Segundo nivel</a:t>
+            </a:r>
+          </a:p>
+          <a:p>
+            <a:pPr lvl="2"/>
+            <a:r>
+              <a:rPr lang="es-ES"/>
+              <a:t>Tercer nivel</a:t>
+            </a:r>
+          </a:p>
+          <a:p>
+            <a:pPr lvl="3"/>
+            <a:r>
+              <a:rPr lang="es-ES"/>
+              <a:t>Cuarto nivel</a:t>
+            </a:r>
+          </a:p>
+          <a:p>
+            <a:pPr lvl="4"/>
+            <a:r>
+              <a:rPr lang="es-ES"/>
+              <a:t>Quinto nivel</a:t>
+            </a:r>
+            <a:endParaRPr lang="en-US" dirty="0"/>
+          </a:p>
+        </p:txBody>
+      </p:sp>
+      <p:sp>
+        <p:nvSpPr>
+          <p:cNvPr id="11" name="Text Placeholder 4"/>
+          <p:cNvSpPr>
+            <a:spLocks noGrp="1"/>
+          </p:cNvSpPr>
+          <p:nvPr>
+            <p:ph type="body" sz="quarter" idx="13"/>
+          </p:nvPr>
+        </p:nvSpPr>
+        <p:spPr>
+          <a:xfrm>
+            <a:off x="6338316" y="2313433"/>
+            <a:ext cx="4270248" cy="704087"/>
+          </a:xfrm>
+        </p:spPr>
+        <p:txBody>
+          <a:bodyPr anchor="b" anchorCtr="1">
+            <a:normAutofit/>
+          </a:bodyPr>
+          <a:lstStyle>
+            <a:lvl1pPr marL="0" indent="0" algn="ctr">
+              <a:buNone/>
+              <a:defRPr sz="1900" b="0" cap="all" spc="100" baseline="0">
+                <a:solidFill>
+                  <a:schemeClr val="accent2"/>
+                </a:solidFill>
+              </a:defRPr>
+            </a:lvl1pPr>
+            <a:lvl2pPr marL="457200" indent="0">
+              <a:buNone/>
+              <a:defRPr sz="1900" b="1"/>
+            </a:lvl2pPr>
+            <a:lvl3pPr marL="914400" indent="0">
+              <a:buNone/>
+              <a:defRPr sz="1800" b="1"/>
+            </a:lvl3pPr>
+            <a:lvl4pPr marL="1371600" indent="0">
+              <a:buNone/>
+              <a:defRPr sz="1600" b="1"/>
+            </a:lvl4pPr>
+            <a:lvl5pPr marL="1828800" indent="0">
+              <a:buNone/>
+              <a:defRPr sz="1600" b="1"/>
+            </a:lvl5pPr>
+            <a:lvl6pPr marL="2286000" indent="0">
+              <a:buNone/>
+              <a:defRPr sz="1600" b="1"/>
+            </a:lvl6pPr>
+            <a:lvl7pPr marL="2743200" indent="0">
+              <a:buNone/>
+              <a:defRPr sz="1600" b="1"/>
+            </a:lvl7pPr>
+            <a:lvl8pPr marL="3200400" indent="0">
+              <a:buNone/>
+              <a:defRPr sz="1600" b="1"/>
+            </a:lvl8pPr>
+            <a:lvl9pPr marL="3657600" indent="0">
+              <a:buNone/>
+              <a:defRPr sz="1600" b="1"/>
+            </a:lvl9pPr>
+          </a:lstStyle>
+          <a:p>
+            <a:pPr lvl="0"/>
+            <a:r>
+              <a:rPr lang="es-ES"/>
+              <a:t>Editar los estilos de texto del patrón</a:t>
+            </a:r>
+          </a:p>
+        </p:txBody>
+      </p:sp>
+      <p:sp>
+        <p:nvSpPr>
+          <p:cNvPr id="7" name="Date Placeholder 6"/>
+          <p:cNvSpPr>
+            <a:spLocks noGrp="1"/>
+          </p:cNvSpPr>
+          <p:nvPr>
+            <p:ph type="dt" sz="half" idx="10"/>
+          </p:nvPr>
+        </p:nvSpPr>
+        <p:spPr/>
+        <p:txBody>
+          <a:bodyPr/>
+          <a:lstStyle/>
+          <a:p>
+            <a:fld id="{918D4671-A810-4926-BF9C-189D85A01581}" type="datetime1">
+              <a:rPr lang="en-US" smtClean="0"/>
+              <a:t>2/14/2019</a:t>
+            </a:fld>
+            <a:endParaRPr lang="en-US" dirty="0"/>
+          </a:p>
+        </p:txBody>
+      </p:sp>
+      <p:sp>
+        <p:nvSpPr>
+          <p:cNvPr id="8" name="Footer Placeholder 7"/>
+          <p:cNvSpPr>
+            <a:spLocks noGrp="1"/>
+          </p:cNvSpPr>
+          <p:nvPr>
+            <p:ph type="ftr" sz="quarter" idx="11"/>
+          </p:nvPr>
+        </p:nvSpPr>
+        <p:spPr/>
+        <p:txBody>
+          <a:bodyPr/>
+          <a:lstStyle/>
+          <a:p>
+            <a:endParaRPr lang="en-US" dirty="0"/>
+          </a:p>
+        </p:txBody>
+      </p:sp>
+      <p:sp>
+        <p:nvSpPr>
+          <p:cNvPr id="9" name="Slide Number Placeholder 8"/>
+          <p:cNvSpPr>
+            <a:spLocks noGrp="1"/>
+          </p:cNvSpPr>
+          <p:nvPr>
+            <p:ph type="sldNum" sz="quarter" idx="12"/>
+          </p:nvPr>
+        </p:nvSpPr>
+        <p:spPr/>
+        <p:txBody>
+          <a:bodyPr/>
+          <a:lstStyle/>
+          <a:p>
+            <a:fld id="{8A7A6979-0714-4377-B894-6BE4C2D6E202}" type="slidenum">
+              <a:rPr lang="en-US" dirty="0"/>
+              <a:t>‹Nº›</a:t>
+            </a:fld>
+            <a:endParaRPr lang="en-US" dirty="0"/>
+          </a:p>
+        </p:txBody>
+      </p:sp>
+      <p:sp>
+        <p:nvSpPr>
+          <p:cNvPr id="10" name="Title 9"/>
+          <p:cNvSpPr>
+            <a:spLocks noGrp="1"/>
+          </p:cNvSpPr>
+          <p:nvPr>
+            <p:ph type="title"/>
+          </p:nvPr>
+        </p:nvSpPr>
+        <p:spPr/>
+        <p:txBody>
+          <a:bodyPr/>
+          <a:lstStyle/>
+          <a:p>
+            <a:r>
+              <a:rPr lang="es-ES"/>
+              <a:t>Haga clic para modificar el estilo de título del patrón</a:t>
+            </a:r>
+            <a:endParaRPr lang="en-US" dirty="0"/>
+          </a:p>
+        </p:txBody>
+      </p:sp>
+    </p:spTree>
+  </p:cSld>
+  <p:clrMapOvr>
+    <a:masterClrMapping/>
+  </p:clrMapOvr>
+</p:sldLayout>
+</file>
+
+<file path=ppt/slideLayouts/slideLayout6.xml><?xml version="1.0" encoding="utf-8"?>
+<p:sldLayout xmlns:a="http://schemas.openxmlformats.org/drawingml/2006/main" xmlns:r="http://schemas.openxmlformats.org/officeDocument/2006/relationships" xmlns:p="http://schemas.openxmlformats.org/presentationml/2006/main" type="titleOnly" preserve="1">
+  <p:cSld name="Solo el título">
+    <p:spTree>
+      <p:nvGrpSpPr>
+        <p:cNvPr id="1" name=""/>
+        <p:cNvGrpSpPr/>
+        <p:nvPr/>
+      </p:nvGrpSpPr>
+      <p:grpSpPr>
+        <a:xfrm>
+          <a:off x="0" y="0"/>
+          <a:ext cx="0" cy="0"/>
+          <a:chOff x="0" y="0"/>
+          <a:chExt cx="0" cy="0"/>
+        </a:xfrm>
+      </p:grpSpPr>
+      <p:sp>
+        <p:nvSpPr>
+          <p:cNvPr id="2" name="Title 1"/>
+          <p:cNvSpPr>
+            <a:spLocks noGrp="1"/>
+          </p:cNvSpPr>
+          <p:nvPr>
+            <p:ph type="title"/>
+          </p:nvPr>
+        </p:nvSpPr>
+        <p:spPr/>
+        <p:txBody>
+          <a:bodyPr/>
+          <a:lstStyle/>
+          <a:p>
+            <a:r>
+              <a:rPr lang="es-ES"/>
+              <a:t>Haga clic para modificar el estilo de título del patrón</a:t>
+            </a:r>
+            <a:endParaRPr lang="en-US" dirty="0"/>
+          </a:p>
+        </p:txBody>
+      </p:sp>
+      <p:sp>
+        <p:nvSpPr>
+          <p:cNvPr id="3" name="Date Placeholder 2"/>
+          <p:cNvSpPr>
+            <a:spLocks noGrp="1"/>
+          </p:cNvSpPr>
+          <p:nvPr>
+            <p:ph type="dt" sz="half" idx="10"/>
+          </p:nvPr>
+        </p:nvSpPr>
+        <p:spPr/>
+        <p:txBody>
+          <a:bodyPr/>
+          <a:lstStyle/>
+          <a:p>
+            <a:fld id="{D170BAED-047D-459D-A06E-589C1EABAF9A}" type="datetime1">
+              <a:rPr lang="en-US" smtClean="0"/>
+              <a:t>2/14/2019</a:t>
+            </a:fld>
+            <a:endParaRPr lang="en-US" dirty="0"/>
+          </a:p>
+        </p:txBody>
+      </p:sp>
+      <p:sp>
+        <p:nvSpPr>
+          <p:cNvPr id="4" name="Footer Placeholder 3"/>
+          <p:cNvSpPr>
+            <a:spLocks noGrp="1"/>
+          </p:cNvSpPr>
+          <p:nvPr>
+            <p:ph type="ftr" sz="quarter" idx="11"/>
+          </p:nvPr>
+        </p:nvSpPr>
+        <p:spPr/>
+        <p:txBody>
+          <a:bodyPr/>
+          <a:lstStyle/>
+          <a:p>
+            <a:endParaRPr lang="en-US" dirty="0"/>
+          </a:p>
+        </p:txBody>
+      </p:sp>
+      <p:sp>
+        <p:nvSpPr>
+          <p:cNvPr id="5" name="Slide Number Placeholder 4"/>
+          <p:cNvSpPr>
+            <a:spLocks noGrp="1"/>
+          </p:cNvSpPr>
+          <p:nvPr>
+            <p:ph type="sldNum" sz="quarter" idx="12"/>
+          </p:nvPr>
+        </p:nvSpPr>
+        <p:spPr/>
+        <p:txBody>
+          <a:bodyPr/>
+          <a:lstStyle/>
+          <a:p>
+            <a:fld id="{8A7A6979-0714-4377-B894-6BE4C2D6E202}" type="slidenum">
+              <a:rPr lang="en-US" dirty="0"/>
+              <a:t>‹Nº›</a:t>
+            </a:fld>
+            <a:endParaRPr lang="en-US" dirty="0"/>
+          </a:p>
+        </p:txBody>
+      </p:sp>
+    </p:spTree>
+  </p:cSld>
+  <p:clrMapOvr>
+    <a:masterClrMapping/>
+  </p:clrMapOvr>
+</p:sldLayout>
+</file>
+
+<file path=ppt/slideLayouts/slideLayout7.xml><?xml version="1.0" encoding="utf-8"?>
+<p:sldLayout xmlns:a="http://schemas.openxmlformats.org/drawingml/2006/main" xmlns:r="http://schemas.openxmlformats.org/officeDocument/2006/relationships" xmlns:p="http://schemas.openxmlformats.org/presentationml/2006/main" type="blank" preserve="1">
+  <p:cSld name="En blanco">
+    <p:spTree>
+      <p:nvGrpSpPr>
+        <p:cNvPr id="1" name=""/>
+        <p:cNvGrpSpPr/>
+        <p:nvPr/>
+      </p:nvGrpSpPr>
+      <p:grpSpPr>
+        <a:xfrm>
+          <a:off x="0" y="0"/>
+          <a:ext cx="0" cy="0"/>
+          <a:chOff x="0" y="0"/>
+          <a:chExt cx="0" cy="0"/>
+        </a:xfrm>
+      </p:grpSpPr>
+      <p:sp>
+        <p:nvSpPr>
+          <p:cNvPr id="2" name="Date Placeholder 1"/>
+          <p:cNvSpPr>
+            <a:spLocks noGrp="1"/>
+          </p:cNvSpPr>
+          <p:nvPr>
+            <p:ph type="dt" sz="half" idx="10"/>
+          </p:nvPr>
+        </p:nvSpPr>
+        <p:spPr/>
+        <p:txBody>
+          <a:bodyPr/>
+          <a:lstStyle/>
+          <a:p>
+            <a:fld id="{9D4A8E8D-75FA-4EDC-8189-D3CC9B89F527}" type="datetime1">
+              <a:rPr lang="en-US" smtClean="0"/>
+              <a:t>2/14/2019</a:t>
+            </a:fld>
+            <a:endParaRPr lang="en-US" dirty="0"/>
+          </a:p>
+        </p:txBody>
+      </p:sp>
+      <p:sp>
+        <p:nvSpPr>
+          <p:cNvPr id="3" name="Footer Placeholder 2"/>
+          <p:cNvSpPr>
+            <a:spLocks noGrp="1"/>
+          </p:cNvSpPr>
+          <p:nvPr>
+            <p:ph type="ftr" sz="quarter" idx="11"/>
+          </p:nvPr>
+        </p:nvSpPr>
+        <p:spPr/>
+        <p:txBody>
+          <a:bodyPr/>
+          <a:lstStyle/>
+          <a:p>
+            <a:endParaRPr lang="en-US" dirty="0"/>
+          </a:p>
+        </p:txBody>
+      </p:sp>
+      <p:sp>
+        <p:nvSpPr>
+          <p:cNvPr id="4" name="Slide Number Placeholder 3"/>
+          <p:cNvSpPr>
+            <a:spLocks noGrp="1"/>
+          </p:cNvSpPr>
+          <p:nvPr>
+            <p:ph type="sldNum" sz="quarter" idx="12"/>
+          </p:nvPr>
+        </p:nvSpPr>
+        <p:spPr/>
+        <p:txBody>
+          <a:bodyPr/>
+          <a:lstStyle/>
+          <a:p>
+            <a:fld id="{8A7A6979-0714-4377-B894-6BE4C2D6E202}" type="slidenum">
+              <a:rPr lang="en-US" dirty="0"/>
+              <a:t>‹Nº›</a:t>
+            </a:fld>
+            <a:endParaRPr lang="en-US" dirty="0"/>
+          </a:p>
+        </p:txBody>
+      </p:sp>
+    </p:spTree>
+  </p:cSld>
+  <p:clrMapOvr>
+    <a:masterClrMapping/>
+  </p:clrMapOvr>
+</p:sldLayout>
+</file>
+
+<file path=ppt/slideLayouts/slideLayout8.xml><?xml version="1.0" encoding="utf-8"?>
+<p:sldLayout xmlns:a="http://schemas.openxmlformats.org/drawingml/2006/main" xmlns:r="http://schemas.openxmlformats.org/officeDocument/2006/relationships" xmlns:p="http://schemas.openxmlformats.org/presentationml/2006/main" type="objTx" preserve="1">
+  <p:cSld name="Contenido con título">
+    <p:spTree>
+      <p:nvGrpSpPr>
+        <p:cNvPr id="1" name=""/>
+        <p:cNvGrpSpPr/>
+        <p:nvPr/>
+      </p:nvGrpSpPr>
+      <p:grpSpPr>
+        <a:xfrm>
+          <a:off x="0" y="0"/>
+          <a:ext cx="0" cy="0"/>
+          <a:chOff x="0" y="0"/>
+          <a:chExt cx="0" cy="0"/>
+        </a:xfrm>
+      </p:grpSpPr>
+      <p:sp>
+        <p:nvSpPr>
+          <p:cNvPr id="26" name="Rectangle 25"/>
+          <p:cNvSpPr/>
+          <p:nvPr/>
+        </p:nvSpPr>
+        <p:spPr>
+          <a:xfrm>
+            <a:off x="0" y="0"/>
+            <a:ext cx="6096000" cy="6858000"/>
+          </a:xfrm>
+          <a:prstGeom prst="rect">
+            <a:avLst/>
+          </a:prstGeom>
+          <a:solidFill>
+            <a:schemeClr val="accent2"/>
+          </a:solidFill>
+          <a:ln>
+            <a:noFill/>
+          </a:ln>
+        </p:spPr>
+        <p:style>
+          <a:lnRef idx="2">
+            <a:schemeClr val="accent1">
+              <a:shade val="50000"/>
+            </a:schemeClr>
+          </a:lnRef>
+          <a:fillRef idx="1">
+            <a:schemeClr val="accent1"/>
+          </a:fillRef>
+          <a:effectRef idx="0">
+            <a:schemeClr val="accent1"/>
+          </a:effectRef>
+          <a:fontRef idx="minor">
+            <a:schemeClr val="lt1"/>
+          </a:fontRef>
+        </p:style>
+      </p:sp>
+      <p:sp>
+        <p:nvSpPr>
+          <p:cNvPr id="2" name="Title 1"/>
+          <p:cNvSpPr>
+            <a:spLocks noGrp="1"/>
+          </p:cNvSpPr>
+          <p:nvPr>
+            <p:ph type="title"/>
+          </p:nvPr>
+        </p:nvSpPr>
+        <p:spPr>
+          <a:xfrm>
+            <a:off x="804672" y="2243828"/>
+            <a:ext cx="4486656" cy="1141497"/>
+          </a:xfrm>
+          <a:solidFill>
+            <a:srgbClr val="FFFFFF"/>
+          </a:solidFill>
+          <a:ln>
+            <a:solidFill>
+              <a:srgbClr val="404040"/>
+            </a:solidFill>
+          </a:ln>
+        </p:spPr>
+        <p:txBody>
+          <a:bodyPr anchor="ctr" anchorCtr="1">
+            <a:normAutofit/>
+          </a:bodyPr>
+          <a:lstStyle>
+            <a:lvl1pPr>
+              <a:defRPr sz="2200">
+                <a:solidFill>
+                  <a:srgbClr val="262626"/>
+                </a:solidFill>
+              </a:defRPr>
+            </a:lvl1pPr>
+          </a:lstStyle>
+          <a:p>
+            <a:r>
+              <a:rPr lang="es-ES"/>
+              <a:t>Haga clic para modificar el estilo de título del patrón</a:t>
+            </a:r>
+            <a:endParaRPr lang="en-US" dirty="0"/>
+          </a:p>
+        </p:txBody>
+      </p:sp>
+      <p:sp>
+        <p:nvSpPr>
+          <p:cNvPr id="3" name="Content Placeholder 2"/>
+          <p:cNvSpPr>
+            <a:spLocks noGrp="1"/>
+          </p:cNvSpPr>
+          <p:nvPr>
+            <p:ph idx="1"/>
+          </p:nvPr>
+        </p:nvSpPr>
+        <p:spPr>
+          <a:xfrm>
+            <a:off x="6736080" y="804672"/>
+            <a:ext cx="4815840" cy="5248656"/>
+          </a:xfrm>
+        </p:spPr>
+        <p:txBody>
+          <a:bodyPr>
+            <a:normAutofit/>
+          </a:bodyPr>
+          <a:lstStyle>
+            <a:lvl1pPr>
+              <a:defRPr sz="1900">
+                <a:solidFill>
+                  <a:schemeClr val="tx1"/>
+                </a:solidFill>
+              </a:defRPr>
+            </a:lvl1pPr>
+            <a:lvl2pPr>
+              <a:defRPr sz="1600">
+                <a:solidFill>
+                  <a:schemeClr val="tx1"/>
+                </a:solidFill>
+              </a:defRPr>
+            </a:lvl2pPr>
+            <a:lvl3pPr>
+              <a:defRPr sz="1600">
+                <a:solidFill>
+                  <a:schemeClr val="tx1"/>
+                </a:solidFill>
+              </a:defRPr>
+            </a:lvl3pPr>
+            <a:lvl4pPr>
+              <a:defRPr sz="1600">
+                <a:solidFill>
+                  <a:schemeClr val="tx1"/>
+                </a:solidFill>
+              </a:defRPr>
+            </a:lvl4pPr>
+            <a:lvl5pPr>
+              <a:defRPr sz="1600">
+                <a:solidFill>
+                  <a:schemeClr val="tx1"/>
+                </a:solidFill>
+              </a:defRPr>
+            </a:lvl5pPr>
+            <a:lvl6pPr>
+              <a:defRPr sz="1600"/>
+            </a:lvl6pPr>
+            <a:lvl7pPr>
+              <a:defRPr sz="1600"/>
+            </a:lvl7pPr>
+            <a:lvl8pPr>
+              <a:defRPr sz="1600"/>
+            </a:lvl8pPr>
+            <a:lvl9pPr>
+              <a:defRPr sz="1600"/>
+            </a:lvl9pPr>
+          </a:lstStyle>
+          <a:p>
+            <a:pPr lvl="0"/>
+            <a:r>
+              <a:rPr lang="es-ES"/>
+              <a:t>Editar los estilos de texto del patrón</a:t>
+            </a:r>
+          </a:p>
+          <a:p>
+            <a:pPr lvl="1"/>
+            <a:r>
+              <a:rPr lang="es-ES"/>
+              <a:t>Segundo nivel</a:t>
+            </a:r>
+          </a:p>
+          <a:p>
+            <a:pPr lvl="2"/>
+            <a:r>
+              <a:rPr lang="es-ES"/>
+              <a:t>Tercer nivel</a:t>
+            </a:r>
+          </a:p>
+          <a:p>
+            <a:pPr lvl="3"/>
+            <a:r>
+              <a:rPr lang="es-ES"/>
+              <a:t>Cuarto nivel</a:t>
+            </a:r>
+          </a:p>
+          <a:p>
+            <a:pPr lvl="4"/>
+            <a:r>
+              <a:rPr lang="es-ES"/>
+              <a:t>Quinto nivel</a:t>
+            </a:r>
+            <a:endParaRPr lang="en-US" dirty="0"/>
+          </a:p>
+        </p:txBody>
+      </p:sp>
+      <p:sp>
+        <p:nvSpPr>
+          <p:cNvPr id="4" name="Text Placeholder 3"/>
+          <p:cNvSpPr>
+            <a:spLocks noGrp="1"/>
+          </p:cNvSpPr>
+          <p:nvPr>
+            <p:ph type="body" sz="half" idx="2"/>
+          </p:nvPr>
+        </p:nvSpPr>
+        <p:spPr>
+          <a:xfrm>
+            <a:off x="1115568" y="3549918"/>
+            <a:ext cx="3794760" cy="2194036"/>
+          </a:xfrm>
+        </p:spPr>
+        <p:txBody>
+          <a:bodyPr anchor="t" anchorCtr="1">
+            <a:normAutofit/>
+          </a:bodyPr>
+          <a:lstStyle>
+            <a:lvl1pPr marL="0" indent="0" algn="ctr">
+              <a:buNone/>
+              <a:defRPr sz="1500">
+                <a:solidFill>
+                  <a:srgbClr val="FFFFFF"/>
+                </a:solidFill>
+              </a:defRPr>
+            </a:lvl1pPr>
+            <a:lvl2pPr marL="457200" indent="0">
+              <a:buNone/>
+              <a:defRPr sz="1400"/>
+            </a:lvl2pPr>
+            <a:lvl3pPr marL="914400" indent="0">
+              <a:buNone/>
+              <a:defRPr sz="1200"/>
+            </a:lvl3pPr>
+            <a:lvl4pPr marL="1371600" indent="0">
+              <a:buNone/>
+              <a:defRPr sz="1000"/>
+            </a:lvl4pPr>
+            <a:lvl5pPr marL="1828800" indent="0">
+              <a:buNone/>
+              <a:defRPr sz="1000"/>
+            </a:lvl5pPr>
+            <a:lvl6pPr marL="2286000" indent="0">
+              <a:buNone/>
+              <a:defRPr sz="1000"/>
+            </a:lvl6pPr>
+            <a:lvl7pPr marL="2743200" indent="0">
+              <a:buNone/>
+              <a:defRPr sz="1000"/>
+            </a:lvl7pPr>
+            <a:lvl8pPr marL="3200400" indent="0">
+              <a:buNone/>
+              <a:defRPr sz="1000"/>
+            </a:lvl8pPr>
+            <a:lvl9pPr marL="3657600" indent="0">
+              <a:buNone/>
+              <a:defRPr sz="1000"/>
+            </a:lvl9pPr>
+          </a:lstStyle>
+          <a:p>
+            <a:pPr lvl="0"/>
+            <a:r>
+              <a:rPr lang="es-ES"/>
+              <a:t>Editar los estilos de texto del patrón</a:t>
+            </a:r>
+          </a:p>
+        </p:txBody>
+      </p:sp>
+      <p:sp>
+        <p:nvSpPr>
+          <p:cNvPr id="5" name="Date Placeholder 4"/>
+          <p:cNvSpPr>
+            <a:spLocks noGrp="1"/>
+          </p:cNvSpPr>
+          <p:nvPr>
+            <p:ph type="dt" sz="half" idx="10"/>
+          </p:nvPr>
+        </p:nvSpPr>
+        <p:spPr/>
+        <p:txBody>
+          <a:bodyPr/>
+          <a:lstStyle/>
+          <a:p>
+            <a:fld id="{AB823233-E5B6-46F9-8A5D-FD5A3EE14D9C}" type="datetime1">
+              <a:rPr lang="en-US" smtClean="0"/>
+              <a:t>2/14/2019</a:t>
+            </a:fld>
+            <a:endParaRPr lang="en-US" dirty="0"/>
+          </a:p>
+        </p:txBody>
+      </p:sp>
+      <p:sp>
+        <p:nvSpPr>
+          <p:cNvPr id="6" name="Footer Placeholder 5"/>
+          <p:cNvSpPr>
+            <a:spLocks noGrp="1"/>
+          </p:cNvSpPr>
+          <p:nvPr>
+            <p:ph type="ftr" sz="quarter" idx="11"/>
+          </p:nvPr>
+        </p:nvSpPr>
+        <p:spPr>
+          <a:xfrm>
+            <a:off x="804672" y="6236208"/>
+            <a:ext cx="5167503" cy="320040"/>
+          </a:xfrm>
+        </p:spPr>
+        <p:txBody>
+          <a:bodyPr/>
+          <a:lstStyle>
+            <a:lvl1pPr>
+              <a:defRPr>
+                <a:solidFill>
+                  <a:srgbClr val="FFFFFF">
+                    <a:alpha val="69804"/>
+                  </a:srgbClr>
+                </a:solidFill>
+              </a:defRPr>
+            </a:lvl1pPr>
+          </a:lstStyle>
+          <a:p>
+            <a:endParaRPr lang="en-US" dirty="0"/>
+          </a:p>
+        </p:txBody>
+      </p:sp>
+      <p:sp>
+        <p:nvSpPr>
+          <p:cNvPr id="7" name="Slide Number Placeholder 6"/>
+          <p:cNvSpPr>
+            <a:spLocks noGrp="1"/>
+          </p:cNvSpPr>
+          <p:nvPr>
+            <p:ph type="sldNum" sz="quarter" idx="12"/>
+          </p:nvPr>
+        </p:nvSpPr>
+        <p:spPr/>
+        <p:txBody>
+          <a:bodyPr/>
+          <a:lstStyle/>
+          <a:p>
+            <a:fld id="{8A7A6979-0714-4377-B894-6BE4C2D6E202}" type="slidenum">
+              <a:rPr lang="en-US" dirty="0"/>
+              <a:pPr/>
+              <a:t>‹Nº›</a:t>
+            </a:fld>
+            <a:endParaRPr lang="en-US" dirty="0"/>
+          </a:p>
+        </p:txBody>
+      </p:sp>
+    </p:spTree>
+  </p:cSld>
+  <p:clrMapOvr>
+    <a:masterClrMapping/>
+  </p:clrMapOvr>
+</p:sldLayout>
+</file>
+
+<file path=ppt/slideLayouts/slideLayout9.xml><?xml version="1.0" encoding="utf-8"?>
+<p:sldLayout xmlns:a="http://schemas.openxmlformats.org/drawingml/2006/main" xmlns:r="http://schemas.openxmlformats.org/officeDocument/2006/relationships" xmlns:p="http://schemas.openxmlformats.org/presentationml/2006/main" type="picTx" preserve="1">
+  <p:cSld name="Imagen con título">
+    <p:spTree>
+      <p:nvGrpSpPr>
+        <p:cNvPr id="1" name=""/>
+        <p:cNvGrpSpPr/>
+        <p:nvPr/>
+      </p:nvGrpSpPr>
+      <p:grpSpPr>
+        <a:xfrm>
+          <a:off x="0" y="0"/>
+          <a:ext cx="0" cy="0"/>
+          <a:chOff x="0" y="0"/>
+          <a:chExt cx="0" cy="0"/>
+        </a:xfrm>
+      </p:grpSpPr>
+      <p:sp>
+        <p:nvSpPr>
+          <p:cNvPr id="18" name="Rectangle 17"/>
+          <p:cNvSpPr/>
+          <p:nvPr/>
+        </p:nvSpPr>
+        <p:spPr>
+          <a:xfrm>
+            <a:off x="0" y="0"/>
+            <a:ext cx="6095999" cy="6858000"/>
+          </a:xfrm>
+          <a:prstGeom prst="rect">
+            <a:avLst/>
+          </a:prstGeom>
+          <a:solidFill>
+            <a:schemeClr val="accent2"/>
+          </a:solidFill>
+          <a:ln>
+            <a:noFill/>
+          </a:ln>
+        </p:spPr>
+        <p:style>
+          <a:lnRef idx="2">
+            <a:schemeClr val="accent1">
+              <a:shade val="50000"/>
+            </a:schemeClr>
+          </a:lnRef>
+          <a:fillRef idx="1">
+            <a:schemeClr val="accent1"/>
+          </a:fillRef>
+          <a:effectRef idx="0">
+            <a:schemeClr val="accent1"/>
+          </a:effectRef>
+          <a:fontRef idx="minor">
+            <a:schemeClr val="lt1"/>
+          </a:fontRef>
+        </p:style>
+      </p:sp>
+      <p:sp>
+        <p:nvSpPr>
+          <p:cNvPr id="2" name="Title 1"/>
+          <p:cNvSpPr>
+            <a:spLocks noGrp="1"/>
+          </p:cNvSpPr>
+          <p:nvPr>
+            <p:ph type="title"/>
+          </p:nvPr>
+        </p:nvSpPr>
+        <p:spPr>
+          <a:xfrm>
+            <a:off x="808523" y="2243828"/>
+            <a:ext cx="4494998" cy="1134640"/>
+          </a:xfrm>
+          <a:solidFill>
+            <a:srgbClr val="FFFFFF"/>
+          </a:solidFill>
+          <a:ln>
+            <a:solidFill>
+              <a:srgbClr val="404040"/>
+            </a:solidFill>
+          </a:ln>
+        </p:spPr>
+        <p:txBody>
+          <a:bodyPr anchor="ctr" anchorCtr="1">
+            <a:noAutofit/>
+          </a:bodyPr>
+          <a:lstStyle>
+            <a:lvl1pPr>
+              <a:defRPr sz="2200">
+                <a:solidFill>
+                  <a:srgbClr val="262626"/>
+                </a:solidFill>
+              </a:defRPr>
+            </a:lvl1pPr>
+          </a:lstStyle>
+          <a:p>
+            <a:r>
+              <a:rPr lang="es-ES"/>
+              <a:t>Haga clic para modificar el estilo de título del patrón</a:t>
+            </a:r>
+            <a:endParaRPr lang="en-US" dirty="0"/>
+          </a:p>
+        </p:txBody>
+      </p:sp>
+      <p:sp>
+        <p:nvSpPr>
+          <p:cNvPr id="3" name="Picture Placeholder 2"/>
+          <p:cNvSpPr>
+            <a:spLocks noGrp="1" noChangeAspect="1"/>
+          </p:cNvSpPr>
+          <p:nvPr>
+            <p:ph type="pic" idx="1"/>
+          </p:nvPr>
+        </p:nvSpPr>
+        <p:spPr>
+          <a:xfrm>
+            <a:off x="6095999" y="0"/>
+            <a:ext cx="6102097" cy="6858000"/>
+          </a:xfrm>
+          <a:solidFill>
+            <a:schemeClr val="bg1">
+              <a:lumMod val="75000"/>
+            </a:schemeClr>
+          </a:solidFill>
+        </p:spPr>
+        <p:txBody>
+          <a:bodyPr anchor="t"/>
+          <a:lstStyle>
+            <a:lvl1pPr marL="0" indent="0">
+              <a:buNone/>
+              <a:defRPr sz="3200">
+                <a:solidFill>
+                  <a:schemeClr val="tx1"/>
+                </a:solidFill>
+              </a:defRPr>
+            </a:lvl1pPr>
+            <a:lvl2pPr marL="457200" indent="0">
+              <a:buNone/>
+              <a:defRPr sz="2800"/>
+            </a:lvl2pPr>
+            <a:lvl3pPr marL="914400" indent="0">
+              <a:buNone/>
+              <a:defRPr sz="2400"/>
+            </a:lvl3pPr>
+            <a:lvl4pPr marL="1371600" indent="0">
+              <a:buNone/>
+              <a:defRPr sz="2000"/>
+            </a:lvl4pPr>
+            <a:lvl5pPr marL="1828800" indent="0">
+              <a:buNone/>
+              <a:defRPr sz="2000"/>
+            </a:lvl5pPr>
+            <a:lvl6pPr marL="2286000" indent="0">
+              <a:buNone/>
+              <a:defRPr sz="2000"/>
+            </a:lvl6pPr>
+            <a:lvl7pPr marL="2743200" indent="0">
+              <a:buNone/>
+              <a:defRPr sz="2000"/>
+            </a:lvl7pPr>
+            <a:lvl8pPr marL="3200400" indent="0">
+              <a:buNone/>
+              <a:defRPr sz="2000"/>
+            </a:lvl8pPr>
+            <a:lvl9pPr marL="3657600" indent="0">
+              <a:buNone/>
+              <a:defRPr sz="2000"/>
+            </a:lvl9pPr>
+          </a:lstStyle>
+          <a:p>
+            <a:r>
+              <a:rPr lang="es-ES"/>
+              <a:t>Haga clic en el icono para agregar una imagen</a:t>
+            </a:r>
+            <a:endParaRPr lang="en-US" dirty="0"/>
+          </a:p>
+        </p:txBody>
+      </p:sp>
+      <p:sp>
+        <p:nvSpPr>
+          <p:cNvPr id="4" name="Text Placeholder 3"/>
+          <p:cNvSpPr>
+            <a:spLocks noGrp="1"/>
+          </p:cNvSpPr>
+          <p:nvPr>
+            <p:ph type="body" sz="half" idx="2"/>
+          </p:nvPr>
+        </p:nvSpPr>
+        <p:spPr>
+          <a:xfrm>
+            <a:off x="1115568" y="3549918"/>
+            <a:ext cx="3794760" cy="2194037"/>
+          </a:xfrm>
+        </p:spPr>
+        <p:txBody>
+          <a:bodyPr anchor="t" anchorCtr="1">
+            <a:normAutofit/>
+          </a:bodyPr>
+          <a:lstStyle>
+            <a:lvl1pPr marL="0" indent="0" algn="ctr">
+              <a:buNone/>
+              <a:defRPr sz="1500">
+                <a:solidFill>
+                  <a:srgbClr val="FFFFFF"/>
+                </a:solidFill>
+              </a:defRPr>
+            </a:lvl1pPr>
+            <a:lvl2pPr marL="457200" indent="0">
+              <a:buNone/>
+              <a:defRPr sz="1400"/>
+            </a:lvl2pPr>
+            <a:lvl3pPr marL="914400" indent="0">
+              <a:buNone/>
+              <a:defRPr sz="1200"/>
+            </a:lvl3pPr>
+            <a:lvl4pPr marL="1371600" indent="0">
+              <a:buNone/>
+              <a:defRPr sz="1000"/>
+            </a:lvl4pPr>
+            <a:lvl5pPr marL="1828800" indent="0">
+              <a:buNone/>
+              <a:defRPr sz="1000"/>
+            </a:lvl5pPr>
+            <a:lvl6pPr marL="2286000" indent="0">
+              <a:buNone/>
+              <a:defRPr sz="1000"/>
+            </a:lvl6pPr>
+            <a:lvl7pPr marL="2743200" indent="0">
+              <a:buNone/>
+              <a:defRPr sz="1000"/>
+            </a:lvl7pPr>
+            <a:lvl8pPr marL="3200400" indent="0">
+              <a:buNone/>
+              <a:defRPr sz="1000"/>
+            </a:lvl8pPr>
+            <a:lvl9pPr marL="3657600" indent="0">
+              <a:buNone/>
+              <a:defRPr sz="1000"/>
+            </a:lvl9pPr>
+          </a:lstStyle>
+          <a:p>
+            <a:pPr lvl="0"/>
+            <a:r>
+              <a:rPr lang="es-ES"/>
+              <a:t>Editar los estilos de texto del patrón</a:t>
+            </a:r>
+          </a:p>
+        </p:txBody>
+      </p:sp>
+      <p:sp>
+        <p:nvSpPr>
+          <p:cNvPr id="5" name="Date Placeholder 4"/>
+          <p:cNvSpPr>
+            <a:spLocks noGrp="1"/>
+          </p:cNvSpPr>
+          <p:nvPr>
+            <p:ph type="dt" sz="half" idx="10"/>
+          </p:nvPr>
+        </p:nvSpPr>
+        <p:spPr/>
+        <p:txBody>
+          <a:bodyPr/>
+          <a:lstStyle>
+            <a:lvl1pPr>
+              <a:defRPr>
+                <a:solidFill>
+                  <a:srgbClr val="FFFFFF">
+                    <a:alpha val="90000"/>
+                  </a:srgbClr>
+                </a:solidFill>
+                <a:effectLst>
+                  <a:outerShdw blurRad="50800" dist="38100" dir="2700000" algn="tl" rotWithShape="0">
+                    <a:prstClr val="black">
+                      <a:alpha val="43000"/>
+                    </a:prstClr>
+                  </a:outerShdw>
+                </a:effectLst>
+              </a:defRPr>
+            </a:lvl1pPr>
+          </a:lstStyle>
+          <a:p>
             <a:fld id="{CA3C18F7-C3D3-4AE6-8662-B83AB3176D95}" type="datetime1">
               <a:rPr lang="en-US" smtClean="0"/>
               <a:t>2/14/2019</a:t>
@@ -3261,6 +5836,609 @@
     <p:sldLayoutId id="2147483707" r:id="rId11"/>
   </p:sldLayoutIdLst>
   <p:hf hdr="0" ftr="0" dt="0"/>
+  <p:txStyles>
+    <p:titleStyle>
+      <a:lvl1pPr algn="ctr" defTabSz="914400" rtl="0" eaLnBrk="1" latinLnBrk="0" hangingPunct="1">
+        <a:lnSpc>
+          <a:spcPct val="90000"/>
+        </a:lnSpc>
+        <a:spcBef>
+          <a:spcPct val="0"/>
+        </a:spcBef>
+        <a:buNone/>
+        <a:defRPr sz="2800" kern="1200" cap="all" spc="200" baseline="0">
+          <a:solidFill>
+            <a:schemeClr val="tx1">
+              <a:lumMod val="85000"/>
+              <a:lumOff val="15000"/>
+            </a:schemeClr>
+          </a:solidFill>
+          <a:latin typeface="+mj-lt"/>
+          <a:ea typeface="+mj-ea"/>
+          <a:cs typeface="+mj-cs"/>
+        </a:defRPr>
+      </a:lvl1pPr>
+    </p:titleStyle>
+    <p:bodyStyle>
+      <a:lvl1pPr marL="228600" indent="-228600" algn="l" defTabSz="914400" rtl="0" eaLnBrk="1" latinLnBrk="0" hangingPunct="1">
+        <a:lnSpc>
+          <a:spcPct val="100000"/>
+        </a:lnSpc>
+        <a:spcBef>
+          <a:spcPts val="1000"/>
+        </a:spcBef>
+        <a:buClr>
+          <a:schemeClr val="accent2"/>
+        </a:buClr>
+        <a:buFont typeface="Arial" panose="020B0604020202020204" pitchFamily="34" charset="0"/>
+        <a:buChar char="•"/>
+        <a:defRPr sz="1800" kern="1200">
+          <a:solidFill>
+            <a:schemeClr val="tx1">
+              <a:lumMod val="85000"/>
+              <a:lumOff val="15000"/>
+            </a:schemeClr>
+          </a:solidFill>
+          <a:latin typeface="+mn-lt"/>
+          <a:ea typeface="+mn-ea"/>
+          <a:cs typeface="+mn-cs"/>
+        </a:defRPr>
+      </a:lvl1pPr>
+      <a:lvl2pPr marL="457200" indent="-228600" algn="l" defTabSz="914400" rtl="0" eaLnBrk="1" latinLnBrk="0" hangingPunct="1">
+        <a:lnSpc>
+          <a:spcPct val="100000"/>
+        </a:lnSpc>
+        <a:spcBef>
+          <a:spcPts val="1000"/>
+        </a:spcBef>
+        <a:buClr>
+          <a:schemeClr val="accent2"/>
+        </a:buClr>
+        <a:buFont typeface="Arial" panose="020B0604020202020204" pitchFamily="34" charset="0"/>
+        <a:buChar char="•"/>
+        <a:defRPr sz="1600" kern="1200">
+          <a:solidFill>
+            <a:schemeClr val="tx1">
+              <a:lumMod val="85000"/>
+              <a:lumOff val="15000"/>
+            </a:schemeClr>
+          </a:solidFill>
+          <a:latin typeface="+mn-lt"/>
+          <a:ea typeface="+mn-ea"/>
+          <a:cs typeface="+mn-cs"/>
+        </a:defRPr>
+      </a:lvl2pPr>
+      <a:lvl3pPr marL="685800" indent="-228600" algn="l" defTabSz="914400" rtl="0" eaLnBrk="1" latinLnBrk="0" hangingPunct="1">
+        <a:lnSpc>
+          <a:spcPct val="100000"/>
+        </a:lnSpc>
+        <a:spcBef>
+          <a:spcPts val="1000"/>
+        </a:spcBef>
+        <a:buClr>
+          <a:schemeClr val="accent2"/>
+        </a:buClr>
+        <a:buFont typeface="Arial" panose="020B0604020202020204" pitchFamily="34" charset="0"/>
+        <a:buChar char="•"/>
+        <a:defRPr sz="1600" kern="1200">
+          <a:solidFill>
+            <a:schemeClr val="tx1">
+              <a:lumMod val="85000"/>
+              <a:lumOff val="15000"/>
+            </a:schemeClr>
+          </a:solidFill>
+          <a:latin typeface="+mn-lt"/>
+          <a:ea typeface="+mn-ea"/>
+          <a:cs typeface="+mn-cs"/>
+        </a:defRPr>
+      </a:lvl3pPr>
+      <a:lvl4pPr marL="914400" indent="-228600" algn="l" defTabSz="914400" rtl="0" eaLnBrk="1" latinLnBrk="0" hangingPunct="1">
+        <a:lnSpc>
+          <a:spcPct val="100000"/>
+        </a:lnSpc>
+        <a:spcBef>
+          <a:spcPts val="1000"/>
+        </a:spcBef>
+        <a:buClr>
+          <a:schemeClr val="accent2"/>
+        </a:buClr>
+        <a:buFont typeface="Arial" panose="020B0604020202020204" pitchFamily="34" charset="0"/>
+        <a:buChar char="•"/>
+        <a:defRPr sz="1600" kern="1200">
+          <a:solidFill>
+            <a:schemeClr val="tx1">
+              <a:lumMod val="85000"/>
+              <a:lumOff val="15000"/>
+            </a:schemeClr>
+          </a:solidFill>
+          <a:latin typeface="+mn-lt"/>
+          <a:ea typeface="+mn-ea"/>
+          <a:cs typeface="+mn-cs"/>
+        </a:defRPr>
+      </a:lvl4pPr>
+      <a:lvl5pPr marL="1143000" indent="-228600" algn="l" defTabSz="914400" rtl="0" eaLnBrk="1" latinLnBrk="0" hangingPunct="1">
+        <a:lnSpc>
+          <a:spcPct val="100000"/>
+        </a:lnSpc>
+        <a:spcBef>
+          <a:spcPts val="1000"/>
+        </a:spcBef>
+        <a:buClr>
+          <a:schemeClr val="accent2"/>
+        </a:buClr>
+        <a:buFont typeface="Arial" panose="020B0604020202020204" pitchFamily="34" charset="0"/>
+        <a:buChar char="•"/>
+        <a:defRPr sz="1600" kern="1200">
+          <a:solidFill>
+            <a:schemeClr val="tx1">
+              <a:lumMod val="85000"/>
+              <a:lumOff val="15000"/>
+            </a:schemeClr>
+          </a:solidFill>
+          <a:latin typeface="+mn-lt"/>
+          <a:ea typeface="+mn-ea"/>
+          <a:cs typeface="+mn-cs"/>
+        </a:defRPr>
+      </a:lvl5pPr>
+      <a:lvl6pPr marL="1312863" indent="-228600" algn="l" defTabSz="914400" rtl="0" eaLnBrk="1" latinLnBrk="0" hangingPunct="1">
+        <a:lnSpc>
+          <a:spcPct val="100000"/>
+        </a:lnSpc>
+        <a:spcBef>
+          <a:spcPts val="1000"/>
+        </a:spcBef>
+        <a:buClr>
+          <a:schemeClr val="accent2"/>
+        </a:buClr>
+        <a:buFont typeface="Arial" panose="020B0604020202020204" pitchFamily="34" charset="0"/>
+        <a:buChar char="•"/>
+        <a:defRPr sz="1600" kern="1200">
+          <a:solidFill>
+            <a:schemeClr val="tx1"/>
+          </a:solidFill>
+          <a:latin typeface="+mn-lt"/>
+          <a:ea typeface="+mn-ea"/>
+          <a:cs typeface="+mn-cs"/>
+        </a:defRPr>
+      </a:lvl6pPr>
+      <a:lvl7pPr marL="1484313" indent="-228600" algn="l" defTabSz="914400" rtl="0" eaLnBrk="1" latinLnBrk="0" hangingPunct="1">
+        <a:lnSpc>
+          <a:spcPct val="100000"/>
+        </a:lnSpc>
+        <a:spcBef>
+          <a:spcPts val="1000"/>
+        </a:spcBef>
+        <a:buClr>
+          <a:schemeClr val="accent2"/>
+        </a:buClr>
+        <a:buFont typeface="Arial" panose="020B0604020202020204" pitchFamily="34" charset="0"/>
+        <a:buChar char="•"/>
+        <a:defRPr sz="1600" kern="1200">
+          <a:solidFill>
+            <a:schemeClr val="tx1"/>
+          </a:solidFill>
+          <a:latin typeface="+mn-lt"/>
+          <a:ea typeface="+mn-ea"/>
+          <a:cs typeface="+mn-cs"/>
+        </a:defRPr>
+      </a:lvl7pPr>
+      <a:lvl8pPr marL="1657350" indent="-228600" algn="l" defTabSz="914400" rtl="0" eaLnBrk="1" latinLnBrk="0" hangingPunct="1">
+        <a:lnSpc>
+          <a:spcPct val="100000"/>
+        </a:lnSpc>
+        <a:spcBef>
+          <a:spcPts val="1000"/>
+        </a:spcBef>
+        <a:buClr>
+          <a:schemeClr val="accent2"/>
+        </a:buClr>
+        <a:buFont typeface="Arial" panose="020B0604020202020204" pitchFamily="34" charset="0"/>
+        <a:buChar char="•"/>
+        <a:defRPr sz="1600" kern="1200" baseline="0">
+          <a:solidFill>
+            <a:schemeClr val="tx1"/>
+          </a:solidFill>
+          <a:latin typeface="+mn-lt"/>
+          <a:ea typeface="+mn-ea"/>
+          <a:cs typeface="+mn-cs"/>
+        </a:defRPr>
+      </a:lvl8pPr>
+      <a:lvl9pPr marL="1882775" indent="-228600" algn="l" defTabSz="914400" rtl="0" eaLnBrk="1" latinLnBrk="0" hangingPunct="1">
+        <a:lnSpc>
+          <a:spcPct val="100000"/>
+        </a:lnSpc>
+        <a:spcBef>
+          <a:spcPts val="1000"/>
+        </a:spcBef>
+        <a:buClr>
+          <a:schemeClr val="accent2"/>
+        </a:buClr>
+        <a:buFont typeface="Arial" panose="020B0604020202020204" pitchFamily="34" charset="0"/>
+        <a:buChar char="•"/>
+        <a:defRPr sz="1600" kern="1200" baseline="0">
+          <a:solidFill>
+            <a:schemeClr val="tx1"/>
+          </a:solidFill>
+          <a:latin typeface="+mn-lt"/>
+          <a:ea typeface="+mn-ea"/>
+          <a:cs typeface="+mn-cs"/>
+        </a:defRPr>
+      </a:lvl9pPr>
+    </p:bodyStyle>
+    <p:otherStyle>
+      <a:defPPr>
+        <a:defRPr lang="en-US"/>
+      </a:defPPr>
+      <a:lvl1pPr marL="0" algn="l" defTabSz="914400" rtl="0" eaLnBrk="1" latinLnBrk="0" hangingPunct="1">
+        <a:defRPr sz="1800" kern="1200">
+          <a:solidFill>
+            <a:schemeClr val="tx1"/>
+          </a:solidFill>
+          <a:latin typeface="+mn-lt"/>
+          <a:ea typeface="+mn-ea"/>
+          <a:cs typeface="+mn-cs"/>
+        </a:defRPr>
+      </a:lvl1pPr>
+      <a:lvl2pPr marL="457200" algn="l" defTabSz="914400" rtl="0" eaLnBrk="1" latinLnBrk="0" hangingPunct="1">
+        <a:defRPr sz="1800" kern="1200">
+          <a:solidFill>
+            <a:schemeClr val="tx1"/>
+          </a:solidFill>
+          <a:latin typeface="+mn-lt"/>
+          <a:ea typeface="+mn-ea"/>
+          <a:cs typeface="+mn-cs"/>
+        </a:defRPr>
+      </a:lvl2pPr>
+      <a:lvl3pPr marL="914400" algn="l" defTabSz="914400" rtl="0" eaLnBrk="1" latinLnBrk="0" hangingPunct="1">
+        <a:defRPr sz="1800" kern="1200">
+          <a:solidFill>
+            <a:schemeClr val="tx1"/>
+          </a:solidFill>
+          <a:latin typeface="+mn-lt"/>
+          <a:ea typeface="+mn-ea"/>
+          <a:cs typeface="+mn-cs"/>
+        </a:defRPr>
+      </a:lvl3pPr>
+      <a:lvl4pPr marL="1371600" algn="l" defTabSz="914400" rtl="0" eaLnBrk="1" latinLnBrk="0" hangingPunct="1">
+        <a:defRPr sz="1800" kern="1200">
+          <a:solidFill>
+            <a:schemeClr val="tx1"/>
+          </a:solidFill>
+          <a:latin typeface="+mn-lt"/>
+          <a:ea typeface="+mn-ea"/>
+          <a:cs typeface="+mn-cs"/>
+        </a:defRPr>
+      </a:lvl4pPr>
+      <a:lvl5pPr marL="1828800" algn="l" defTabSz="914400" rtl="0" eaLnBrk="1" latinLnBrk="0" hangingPunct="1">
+        <a:defRPr sz="1800" kern="1200">
+          <a:solidFill>
+            <a:schemeClr val="tx1"/>
+          </a:solidFill>
+          <a:latin typeface="+mn-lt"/>
+          <a:ea typeface="+mn-ea"/>
+          <a:cs typeface="+mn-cs"/>
+        </a:defRPr>
+      </a:lvl5pPr>
+      <a:lvl6pPr marL="2286000" algn="l" defTabSz="914400" rtl="0" eaLnBrk="1" latinLnBrk="0" hangingPunct="1">
+        <a:defRPr sz="1800" kern="1200">
+          <a:solidFill>
+            <a:schemeClr val="tx1"/>
+          </a:solidFill>
+          <a:latin typeface="+mn-lt"/>
+          <a:ea typeface="+mn-ea"/>
+          <a:cs typeface="+mn-cs"/>
+        </a:defRPr>
+      </a:lvl6pPr>
+      <a:lvl7pPr marL="2743200" algn="l" defTabSz="914400" rtl="0" eaLnBrk="1" latinLnBrk="0" hangingPunct="1">
+        <a:defRPr sz="1800" kern="1200">
+          <a:solidFill>
+            <a:schemeClr val="tx1"/>
+          </a:solidFill>
+          <a:latin typeface="+mn-lt"/>
+          <a:ea typeface="+mn-ea"/>
+          <a:cs typeface="+mn-cs"/>
+        </a:defRPr>
+      </a:lvl7pPr>
+      <a:lvl8pPr marL="3200400" algn="l" defTabSz="914400" rtl="0" eaLnBrk="1" latinLnBrk="0" hangingPunct="1">
+        <a:defRPr sz="1800" kern="1200">
+          <a:solidFill>
+            <a:schemeClr val="tx1"/>
+          </a:solidFill>
+          <a:latin typeface="+mn-lt"/>
+          <a:ea typeface="+mn-ea"/>
+          <a:cs typeface="+mn-cs"/>
+        </a:defRPr>
+      </a:lvl8pPr>
+      <a:lvl9pPr marL="3657600" algn="l" defTabSz="914400" rtl="0" eaLnBrk="1" latinLnBrk="0" hangingPunct="1">
+        <a:defRPr sz="1800" kern="1200">
+          <a:solidFill>
+            <a:schemeClr val="tx1"/>
+          </a:solidFill>
+          <a:latin typeface="+mn-lt"/>
+          <a:ea typeface="+mn-ea"/>
+          <a:cs typeface="+mn-cs"/>
+        </a:defRPr>
+      </a:lvl9pPr>
+    </p:otherStyle>
+  </p:txStyles>
+</p:sldMaster>
+</file>
+
+<file path=ppt/slideMasters/slideMaster2.xml><?xml version="1.0" encoding="utf-8"?>
+<p:sldMaster xmlns:a="http://schemas.openxmlformats.org/drawingml/2006/main" xmlns:r="http://schemas.openxmlformats.org/officeDocument/2006/relationships" xmlns:p="http://schemas.openxmlformats.org/presentationml/2006/main">
+  <p:cSld>
+    <p:bg>
+      <p:bgRef idx="1001">
+        <a:schemeClr val="bg2"/>
+      </p:bgRef>
+    </p:bg>
+    <p:spTree>
+      <p:nvGrpSpPr>
+        <p:cNvPr id="1" name=""/>
+        <p:cNvGrpSpPr/>
+        <p:nvPr/>
+      </p:nvGrpSpPr>
+      <p:grpSpPr>
+        <a:xfrm>
+          <a:off x="0" y="0"/>
+          <a:ext cx="0" cy="0"/>
+          <a:chOff x="0" y="0"/>
+          <a:chExt cx="0" cy="0"/>
+        </a:xfrm>
+      </p:grpSpPr>
+      <p:sp>
+        <p:nvSpPr>
+          <p:cNvPr id="2" name="Title Placeholder 1"/>
+          <p:cNvSpPr>
+            <a:spLocks noGrp="1"/>
+          </p:cNvSpPr>
+          <p:nvPr>
+            <p:ph type="title"/>
+          </p:nvPr>
+        </p:nvSpPr>
+        <p:spPr>
+          <a:xfrm>
+            <a:off x="2231136" y="964692"/>
+            <a:ext cx="7729728" cy="1188720"/>
+          </a:xfrm>
+          <a:prstGeom prst="rect">
+            <a:avLst/>
+          </a:prstGeom>
+          <a:solidFill>
+            <a:schemeClr val="bg1"/>
+          </a:solidFill>
+          <a:ln w="31750" cap="sq">
+            <a:solidFill>
+              <a:schemeClr val="tx1">
+                <a:lumMod val="75000"/>
+                <a:lumOff val="25000"/>
+              </a:schemeClr>
+            </a:solidFill>
+            <a:miter lim="800000"/>
+          </a:ln>
+        </p:spPr>
+        <p:txBody>
+          <a:bodyPr vert="horz" lIns="182880" tIns="182880" rIns="182880" bIns="182880" rtlCol="0" anchor="ctr">
+            <a:normAutofit/>
+          </a:bodyPr>
+          <a:lstStyle/>
+          <a:p>
+            <a:r>
+              <a:rPr lang="es-ES"/>
+              <a:t>Haga clic para modificar el estilo de título del patrón</a:t>
+            </a:r>
+            <a:endParaRPr lang="en-US" dirty="0"/>
+          </a:p>
+        </p:txBody>
+      </p:sp>
+      <p:sp>
+        <p:nvSpPr>
+          <p:cNvPr id="3" name="Text Placeholder 2"/>
+          <p:cNvSpPr>
+            <a:spLocks noGrp="1"/>
+          </p:cNvSpPr>
+          <p:nvPr>
+            <p:ph type="body" idx="1"/>
+          </p:nvPr>
+        </p:nvSpPr>
+        <p:spPr>
+          <a:xfrm>
+            <a:off x="2231136" y="2638044"/>
+            <a:ext cx="7729728" cy="3101983"/>
+          </a:xfrm>
+          <a:prstGeom prst="rect">
+            <a:avLst/>
+          </a:prstGeom>
+        </p:spPr>
+        <p:txBody>
+          <a:bodyPr vert="horz" lIns="91440" tIns="45720" rIns="91440" bIns="45720" rtlCol="0">
+            <a:normAutofit/>
+          </a:bodyPr>
+          <a:lstStyle/>
+          <a:p>
+            <a:pPr lvl="0"/>
+            <a:r>
+              <a:rPr lang="en-US" dirty="0"/>
+              <a:t>Edit Master text styles</a:t>
+            </a:r>
+          </a:p>
+          <a:p>
+            <a:pPr lvl="1"/>
+            <a:r>
+              <a:rPr lang="en-US" dirty="0"/>
+              <a:t>Second level</a:t>
+            </a:r>
+          </a:p>
+          <a:p>
+            <a:pPr lvl="2"/>
+            <a:r>
+              <a:rPr lang="en-US" dirty="0"/>
+              <a:t>Third level</a:t>
+            </a:r>
+          </a:p>
+          <a:p>
+            <a:pPr lvl="3"/>
+            <a:r>
+              <a:rPr lang="en-US" dirty="0"/>
+              <a:t>Fourth level</a:t>
+            </a:r>
+          </a:p>
+          <a:p>
+            <a:pPr lvl="4"/>
+            <a:r>
+              <a:rPr lang="en-US" dirty="0"/>
+              <a:t>Fifth level</a:t>
+            </a:r>
+          </a:p>
+        </p:txBody>
+      </p:sp>
+      <p:sp>
+        <p:nvSpPr>
+          <p:cNvPr id="4" name="Date Placeholder 3"/>
+          <p:cNvSpPr>
+            <a:spLocks noGrp="1"/>
+          </p:cNvSpPr>
+          <p:nvPr>
+            <p:ph type="dt" sz="half" idx="2"/>
+          </p:nvPr>
+        </p:nvSpPr>
+        <p:spPr>
+          <a:xfrm>
+            <a:off x="7821429" y="6238816"/>
+            <a:ext cx="2753746" cy="323968"/>
+          </a:xfrm>
+          <a:prstGeom prst="rect">
+            <a:avLst/>
+          </a:prstGeom>
+        </p:spPr>
+        <p:txBody>
+          <a:bodyPr vert="horz" lIns="91440" tIns="45720" rIns="91440" bIns="45720" rtlCol="0" anchor="ctr"/>
+          <a:lstStyle>
+            <a:lvl1pPr algn="r">
+              <a:defRPr sz="1050">
+                <a:solidFill>
+                  <a:schemeClr val="tx1">
+                    <a:alpha val="70000"/>
+                  </a:schemeClr>
+                </a:solidFill>
+              </a:defRPr>
+            </a:lvl1pPr>
+          </a:lstStyle>
+          <a:p>
+            <a:fld id="{1160EA64-D806-43AC-9DF2-F8C432F32B4C}" type="datetimeFigureOut">
+              <a:rPr lang="en-US" dirty="0"/>
+              <a:t>2/14/2019</a:t>
+            </a:fld>
+            <a:endParaRPr lang="en-US" dirty="0"/>
+          </a:p>
+        </p:txBody>
+      </p:sp>
+      <p:sp>
+        <p:nvSpPr>
+          <p:cNvPr id="5" name="Footer Placeholder 4"/>
+          <p:cNvSpPr>
+            <a:spLocks noGrp="1"/>
+          </p:cNvSpPr>
+          <p:nvPr>
+            <p:ph type="ftr" sz="quarter" idx="3"/>
+          </p:nvPr>
+        </p:nvSpPr>
+        <p:spPr>
+          <a:xfrm>
+            <a:off x="1600200" y="6236208"/>
+            <a:ext cx="5901189" cy="320040"/>
+          </a:xfrm>
+          <a:prstGeom prst="rect">
+            <a:avLst/>
+          </a:prstGeom>
+        </p:spPr>
+        <p:txBody>
+          <a:bodyPr vert="horz" lIns="91440" tIns="45720" rIns="91440" bIns="45720" rtlCol="0" anchor="ctr"/>
+          <a:lstStyle>
+            <a:lvl1pPr algn="l">
+              <a:defRPr sz="1050">
+                <a:solidFill>
+                  <a:schemeClr val="tx1">
+                    <a:alpha val="70000"/>
+                  </a:schemeClr>
+                </a:solidFill>
+              </a:defRPr>
+            </a:lvl1pPr>
+          </a:lstStyle>
+          <a:p>
+            <a:endParaRPr lang="en-US" dirty="0"/>
+          </a:p>
+        </p:txBody>
+      </p:sp>
+      <p:sp>
+        <p:nvSpPr>
+          <p:cNvPr id="6" name="Slide Number Placeholder 5"/>
+          <p:cNvSpPr>
+            <a:spLocks noGrp="1"/>
+          </p:cNvSpPr>
+          <p:nvPr>
+            <p:ph type="sldNum" sz="quarter" idx="4"/>
+          </p:nvPr>
+        </p:nvSpPr>
+        <p:spPr>
+          <a:xfrm>
+            <a:off x="10758922" y="6217920"/>
+            <a:ext cx="365760" cy="365760"/>
+          </a:xfrm>
+          <a:prstGeom prst="ellipse">
+            <a:avLst/>
+          </a:prstGeom>
+          <a:solidFill>
+            <a:srgbClr val="1D1D1D">
+              <a:alpha val="70000"/>
+            </a:srgbClr>
+          </a:solidFill>
+        </p:spPr>
+        <p:txBody>
+          <a:bodyPr vert="horz" lIns="18288" tIns="45720" rIns="18288" bIns="45720" rtlCol="0" anchor="ctr">
+            <a:noAutofit/>
+          </a:bodyPr>
+          <a:lstStyle>
+            <a:lvl1pPr algn="ctr">
+              <a:defRPr sz="1100" spc="0" baseline="0">
+                <a:solidFill>
+                  <a:srgbClr val="FFFFFF"/>
+                </a:solidFill>
+              </a:defRPr>
+            </a:lvl1pPr>
+          </a:lstStyle>
+          <a:p>
+            <a:fld id="{8A7A6979-0714-4377-B894-6BE4C2D6E202}" type="slidenum">
+              <a:rPr lang="en-US" dirty="0"/>
+              <a:pPr/>
+              <a:t>‹Nº›</a:t>
+            </a:fld>
+            <a:endParaRPr lang="en-US" dirty="0"/>
+          </a:p>
+        </p:txBody>
+      </p:sp>
+    </p:spTree>
+    <p:extLst>
+      <p:ext uri="{BB962C8B-B14F-4D97-AF65-F5344CB8AC3E}">
+        <p14:creationId xmlns:p14="http://schemas.microsoft.com/office/powerpoint/2010/main" val="655337106"/>
+      </p:ext>
+    </p:extLst>
+  </p:cSld>
+  <p:clrMap bg1="lt1" tx1="dk1" bg2="lt2" tx2="dk2" accent1="accent1" accent2="accent2" accent3="accent3" accent4="accent4" accent5="accent5" accent6="accent6" hlink="hlink" folHlink="folHlink"/>
+  <p:sldLayoutIdLst>
+    <p:sldLayoutId id="2147483709" r:id="rId1"/>
+    <p:sldLayoutId id="2147483710" r:id="rId2"/>
+    <p:sldLayoutId id="2147483711" r:id="rId3"/>
+    <p:sldLayoutId id="2147483712" r:id="rId4"/>
+    <p:sldLayoutId id="2147483713" r:id="rId5"/>
+    <p:sldLayoutId id="2147483714" r:id="rId6"/>
+    <p:sldLayoutId id="2147483715" r:id="rId7"/>
+    <p:sldLayoutId id="2147483716" r:id="rId8"/>
+    <p:sldLayoutId id="2147483717" r:id="rId9"/>
+    <p:sldLayoutId id="2147483718" r:id="rId10"/>
+    <p:sldLayoutId id="2147483719" r:id="rId11"/>
+  </p:sldLayoutIdLst>
+  <p:hf sldNum="0" hdr="0" ftr="0" dt="0"/>
   <p:txStyles>
     <p:titleStyle>
       <a:lvl1pPr algn="ctr" defTabSz="914400" rtl="0" eaLnBrk="1" latinLnBrk="0" hangingPunct="1">
@@ -3938,7 +7116,7 @@
           <p:cNvPr id="2" name="Título 1">
             <a:extLst>
               <a:ext uri="{FF2B5EF4-FFF2-40B4-BE49-F238E27FC236}">
-                <a16:creationId xmlns:a16="http://schemas.microsoft.com/office/drawing/2014/main" id="{96C3F993-93B9-4B35-963E-8A24015D2FE1}"/>
+                <a16:creationId xmlns:a16="http://schemas.microsoft.com/office/drawing/2014/main" id="{195F426D-6D10-48F0-A984-55C38B83A4D8}"/>
               </a:ext>
             </a:extLst>
           </p:cNvPr>
@@ -3949,74 +7127,843 @@
             <p:ph type="title"/>
           </p:nvPr>
         </p:nvSpPr>
-        <p:spPr/>
+        <p:spPr>
+          <a:xfrm>
+            <a:off x="2470839" y="164591"/>
+            <a:ext cx="7250321" cy="766137"/>
+          </a:xfrm>
+        </p:spPr>
         <p:txBody>
           <a:bodyPr/>
           <a:lstStyle/>
           <a:p>
-            <a:endParaRPr lang="es-MX"/>
-          </a:p>
-        </p:txBody>
-      </p:sp>
-      <p:sp>
-        <p:nvSpPr>
-          <p:cNvPr id="3" name="Marcador de contenido 2">
+            <a:r>
+              <a:rPr lang="es-MX" dirty="0"/>
+              <a:t>Propuesta</a:t>
+            </a:r>
+          </a:p>
+        </p:txBody>
+      </p:sp>
+      <p:sp>
+        <p:nvSpPr>
+          <p:cNvPr id="4" name="Elipse 3">
             <a:extLst>
               <a:ext uri="{FF2B5EF4-FFF2-40B4-BE49-F238E27FC236}">
-                <a16:creationId xmlns:a16="http://schemas.microsoft.com/office/drawing/2014/main" id="{E82E4C24-461E-4F0B-A5BE-9B4A213AD033}"/>
+                <a16:creationId xmlns:a16="http://schemas.microsoft.com/office/drawing/2014/main" id="{D76C2DCE-980A-42D8-B227-C5A4E3607A6F}"/>
               </a:ext>
             </a:extLst>
           </p:cNvPr>
-          <p:cNvSpPr>
-            <a:spLocks noGrp="1"/>
-          </p:cNvSpPr>
-          <p:nvPr>
-            <p:ph idx="1"/>
-          </p:nvPr>
-        </p:nvSpPr>
-        <p:spPr/>
-        <p:txBody>
-          <a:bodyPr/>
-          <a:lstStyle/>
-          <a:p>
-            <a:endParaRPr lang="es-MX"/>
-          </a:p>
-        </p:txBody>
-      </p:sp>
-      <p:sp>
-        <p:nvSpPr>
-          <p:cNvPr id="5" name="Marcador de número de diapositiva 4">
+          <p:cNvSpPr/>
+          <p:nvPr/>
+        </p:nvSpPr>
+        <p:spPr>
+          <a:xfrm>
+            <a:off x="3032852" y="5253409"/>
+            <a:ext cx="1440000" cy="1440000"/>
+          </a:xfrm>
+          <a:prstGeom prst="ellipse">
+            <a:avLst/>
+          </a:prstGeom>
+        </p:spPr>
+        <p:style>
+          <a:lnRef idx="2">
+            <a:schemeClr val="accent1">
+              <a:shade val="50000"/>
+            </a:schemeClr>
+          </a:lnRef>
+          <a:fillRef idx="1">
+            <a:schemeClr val="accent1"/>
+          </a:fillRef>
+          <a:effectRef idx="0">
+            <a:schemeClr val="accent1"/>
+          </a:effectRef>
+          <a:fontRef idx="minor">
+            <a:schemeClr val="lt1"/>
+          </a:fontRef>
+        </p:style>
+        <p:txBody>
+          <a:bodyPr rtlCol="0" anchor="ctr"/>
+          <a:lstStyle/>
+          <a:p>
+            <a:pPr marL="0" marR="0" lvl="0" indent="0" algn="ctr" defTabSz="457200" rtl="0" eaLnBrk="1" fontAlgn="auto" latinLnBrk="0" hangingPunct="1">
+              <a:lnSpc>
+                <a:spcPct val="100000"/>
+              </a:lnSpc>
+              <a:spcBef>
+                <a:spcPts val="0"/>
+              </a:spcBef>
+              <a:spcAft>
+                <a:spcPts val="0"/>
+              </a:spcAft>
+              <a:buClrTx/>
+              <a:buSzTx/>
+              <a:buFontTx/>
+              <a:buNone/>
+              <a:tabLst/>
+              <a:defRPr/>
+            </a:pPr>
+            <a:r>
+              <a:rPr kumimoji="0" lang="es-MX" sz="1800" b="0" i="0" u="none" strike="noStrike" kern="1200" cap="none" spc="0" normalizeH="0" baseline="0" noProof="0" dirty="0">
+                <a:ln>
+                  <a:noFill/>
+                </a:ln>
+                <a:solidFill>
+                  <a:prstClr val="white"/>
+                </a:solidFill>
+                <a:effectLst/>
+                <a:uLnTx/>
+                <a:uFillTx/>
+                <a:latin typeface="Gill Sans MT" panose="020B0502020104020203"/>
+                <a:ea typeface="+mn-ea"/>
+                <a:cs typeface="+mn-cs"/>
+              </a:rPr>
+              <a:t>Sismos</a:t>
+            </a:r>
+          </a:p>
+        </p:txBody>
+      </p:sp>
+      <p:sp>
+        <p:nvSpPr>
+          <p:cNvPr id="6" name="Elipse 5">
             <a:extLst>
               <a:ext uri="{FF2B5EF4-FFF2-40B4-BE49-F238E27FC236}">
-                <a16:creationId xmlns:a16="http://schemas.microsoft.com/office/drawing/2014/main" id="{B80E1FD8-7DE6-4C02-8FCF-40A08ACE8219}"/>
+                <a16:creationId xmlns:a16="http://schemas.microsoft.com/office/drawing/2014/main" id="{097C687C-FA29-4D41-85A1-9304FB0B8751}"/>
               </a:ext>
             </a:extLst>
           </p:cNvPr>
-          <p:cNvSpPr>
-            <a:spLocks noGrp="1"/>
-          </p:cNvSpPr>
-          <p:nvPr>
-            <p:ph type="sldNum" sz="quarter" idx="12"/>
-          </p:nvPr>
-        </p:nvSpPr>
-        <p:spPr/>
-        <p:txBody>
-          <a:bodyPr/>
-          <a:lstStyle/>
-          <a:p>
-            <a:fld id="{8A7A6979-0714-4377-B894-6BE4C2D6E202}" type="slidenum">
-              <a:rPr lang="en-US" smtClean="0"/>
-              <a:pPr/>
-              <a:t>10</a:t>
-            </a:fld>
-            <a:endParaRPr lang="en-US" dirty="0"/>
-          </a:p>
-        </p:txBody>
-      </p:sp>
+          <p:cNvSpPr/>
+          <p:nvPr/>
+        </p:nvSpPr>
+        <p:spPr>
+          <a:xfrm>
+            <a:off x="552797" y="5253409"/>
+            <a:ext cx="1440000" cy="1440000"/>
+          </a:xfrm>
+          <a:prstGeom prst="ellipse">
+            <a:avLst/>
+          </a:prstGeom>
+        </p:spPr>
+        <p:style>
+          <a:lnRef idx="2">
+            <a:schemeClr val="accent1">
+              <a:shade val="50000"/>
+            </a:schemeClr>
+          </a:lnRef>
+          <a:fillRef idx="1">
+            <a:schemeClr val="accent1"/>
+          </a:fillRef>
+          <a:effectRef idx="0">
+            <a:schemeClr val="accent1"/>
+          </a:effectRef>
+          <a:fontRef idx="minor">
+            <a:schemeClr val="lt1"/>
+          </a:fontRef>
+        </p:style>
+        <p:txBody>
+          <a:bodyPr rtlCol="0" anchor="ctr"/>
+          <a:lstStyle/>
+          <a:p>
+            <a:pPr marL="0" marR="0" lvl="0" indent="0" algn="ctr" defTabSz="457200" rtl="0" eaLnBrk="1" fontAlgn="auto" latinLnBrk="0" hangingPunct="1">
+              <a:lnSpc>
+                <a:spcPct val="100000"/>
+              </a:lnSpc>
+              <a:spcBef>
+                <a:spcPts val="0"/>
+              </a:spcBef>
+              <a:spcAft>
+                <a:spcPts val="0"/>
+              </a:spcAft>
+              <a:buClrTx/>
+              <a:buSzTx/>
+              <a:buFontTx/>
+              <a:buNone/>
+              <a:tabLst/>
+              <a:defRPr/>
+            </a:pPr>
+            <a:r>
+              <a:rPr kumimoji="0" lang="es-MX" sz="1800" b="0" i="0" u="none" strike="noStrike" kern="1200" cap="none" spc="0" normalizeH="0" baseline="0" noProof="0" dirty="0">
+                <a:ln>
+                  <a:noFill/>
+                </a:ln>
+                <a:solidFill>
+                  <a:prstClr val="white"/>
+                </a:solidFill>
+                <a:effectLst/>
+                <a:uLnTx/>
+                <a:uFillTx/>
+                <a:latin typeface="Gill Sans MT" panose="020B0502020104020203"/>
+                <a:ea typeface="+mn-ea"/>
+                <a:cs typeface="+mn-cs"/>
+              </a:rPr>
+              <a:t>Inundaciones</a:t>
+            </a:r>
+          </a:p>
+        </p:txBody>
+      </p:sp>
+      <p:sp>
+        <p:nvSpPr>
+          <p:cNvPr id="7" name="Elipse 6">
+            <a:extLst>
+              <a:ext uri="{FF2B5EF4-FFF2-40B4-BE49-F238E27FC236}">
+                <a16:creationId xmlns:a16="http://schemas.microsoft.com/office/drawing/2014/main" id="{E3A58405-F295-477E-BCD5-3898F643CA21}"/>
+              </a:ext>
+            </a:extLst>
+          </p:cNvPr>
+          <p:cNvSpPr/>
+          <p:nvPr/>
+        </p:nvSpPr>
+        <p:spPr>
+          <a:xfrm>
+            <a:off x="5375999" y="5253409"/>
+            <a:ext cx="1440000" cy="1440000"/>
+          </a:xfrm>
+          <a:prstGeom prst="ellipse">
+            <a:avLst/>
+          </a:prstGeom>
+        </p:spPr>
+        <p:style>
+          <a:lnRef idx="2">
+            <a:schemeClr val="accent1">
+              <a:shade val="50000"/>
+            </a:schemeClr>
+          </a:lnRef>
+          <a:fillRef idx="1">
+            <a:schemeClr val="accent1"/>
+          </a:fillRef>
+          <a:effectRef idx="0">
+            <a:schemeClr val="accent1"/>
+          </a:effectRef>
+          <a:fontRef idx="minor">
+            <a:schemeClr val="lt1"/>
+          </a:fontRef>
+        </p:style>
+        <p:txBody>
+          <a:bodyPr rtlCol="0" anchor="ctr"/>
+          <a:lstStyle/>
+          <a:p>
+            <a:pPr marL="0" marR="0" lvl="0" indent="0" algn="ctr" defTabSz="457200" rtl="0" eaLnBrk="1" fontAlgn="auto" latinLnBrk="0" hangingPunct="1">
+              <a:lnSpc>
+                <a:spcPct val="100000"/>
+              </a:lnSpc>
+              <a:spcBef>
+                <a:spcPts val="0"/>
+              </a:spcBef>
+              <a:spcAft>
+                <a:spcPts val="0"/>
+              </a:spcAft>
+              <a:buClrTx/>
+              <a:buSzTx/>
+              <a:buFontTx/>
+              <a:buNone/>
+              <a:tabLst/>
+              <a:defRPr/>
+            </a:pPr>
+            <a:r>
+              <a:rPr kumimoji="0" lang="es-MX" sz="1800" b="0" i="0" u="none" strike="noStrike" kern="1200" cap="none" spc="0" normalizeH="0" baseline="0" noProof="0" dirty="0">
+                <a:ln>
+                  <a:noFill/>
+                </a:ln>
+                <a:solidFill>
+                  <a:prstClr val="white"/>
+                </a:solidFill>
+                <a:effectLst/>
+                <a:uLnTx/>
+                <a:uFillTx/>
+                <a:latin typeface="Gill Sans MT" panose="020B0502020104020203"/>
+                <a:ea typeface="+mn-ea"/>
+                <a:cs typeface="+mn-cs"/>
+              </a:rPr>
+              <a:t>Tormentas</a:t>
+            </a:r>
+          </a:p>
+        </p:txBody>
+      </p:sp>
+      <p:sp>
+        <p:nvSpPr>
+          <p:cNvPr id="8" name="Elipse 7">
+            <a:extLst>
+              <a:ext uri="{FF2B5EF4-FFF2-40B4-BE49-F238E27FC236}">
+                <a16:creationId xmlns:a16="http://schemas.microsoft.com/office/drawing/2014/main" id="{2241C0CD-791B-45AD-A540-B2B80B25D793}"/>
+              </a:ext>
+            </a:extLst>
+          </p:cNvPr>
+          <p:cNvSpPr/>
+          <p:nvPr/>
+        </p:nvSpPr>
+        <p:spPr>
+          <a:xfrm>
+            <a:off x="7719148" y="5253409"/>
+            <a:ext cx="1440000" cy="1440000"/>
+          </a:xfrm>
+          <a:prstGeom prst="ellipse">
+            <a:avLst/>
+          </a:prstGeom>
+        </p:spPr>
+        <p:style>
+          <a:lnRef idx="2">
+            <a:schemeClr val="accent1">
+              <a:shade val="50000"/>
+            </a:schemeClr>
+          </a:lnRef>
+          <a:fillRef idx="1">
+            <a:schemeClr val="accent1"/>
+          </a:fillRef>
+          <a:effectRef idx="0">
+            <a:schemeClr val="accent1"/>
+          </a:effectRef>
+          <a:fontRef idx="minor">
+            <a:schemeClr val="lt1"/>
+          </a:fontRef>
+        </p:style>
+        <p:txBody>
+          <a:bodyPr rtlCol="0" anchor="ctr"/>
+          <a:lstStyle/>
+          <a:p>
+            <a:pPr marL="0" marR="0" lvl="0" indent="0" algn="ctr" defTabSz="457200" rtl="0" eaLnBrk="1" fontAlgn="auto" latinLnBrk="0" hangingPunct="1">
+              <a:lnSpc>
+                <a:spcPct val="100000"/>
+              </a:lnSpc>
+              <a:spcBef>
+                <a:spcPts val="0"/>
+              </a:spcBef>
+              <a:spcAft>
+                <a:spcPts val="0"/>
+              </a:spcAft>
+              <a:buClrTx/>
+              <a:buSzTx/>
+              <a:buFontTx/>
+              <a:buNone/>
+              <a:tabLst/>
+              <a:defRPr/>
+            </a:pPr>
+            <a:r>
+              <a:rPr kumimoji="0" lang="es-MX" sz="1800" b="0" i="0" u="none" strike="noStrike" kern="1200" cap="none" spc="0" normalizeH="0" baseline="0" noProof="0" dirty="0">
+                <a:ln>
+                  <a:noFill/>
+                </a:ln>
+                <a:solidFill>
+                  <a:prstClr val="white"/>
+                </a:solidFill>
+                <a:effectLst/>
+                <a:uLnTx/>
+                <a:uFillTx/>
+                <a:latin typeface="Gill Sans MT" panose="020B0502020104020203"/>
+                <a:ea typeface="+mn-ea"/>
+                <a:cs typeface="+mn-cs"/>
+              </a:rPr>
+              <a:t>Erupciones</a:t>
+            </a:r>
+          </a:p>
+        </p:txBody>
+      </p:sp>
+      <p:sp>
+        <p:nvSpPr>
+          <p:cNvPr id="9" name="Elipse 8">
+            <a:extLst>
+              <a:ext uri="{FF2B5EF4-FFF2-40B4-BE49-F238E27FC236}">
+                <a16:creationId xmlns:a16="http://schemas.microsoft.com/office/drawing/2014/main" id="{FF0C7A43-D7D8-4924-89E2-50F5F4DB40E9}"/>
+              </a:ext>
+            </a:extLst>
+          </p:cNvPr>
+          <p:cNvSpPr/>
+          <p:nvPr/>
+        </p:nvSpPr>
+        <p:spPr>
+          <a:xfrm>
+            <a:off x="10214880" y="5253409"/>
+            <a:ext cx="1440000" cy="1440000"/>
+          </a:xfrm>
+          <a:prstGeom prst="ellipse">
+            <a:avLst/>
+          </a:prstGeom>
+        </p:spPr>
+        <p:style>
+          <a:lnRef idx="2">
+            <a:schemeClr val="accent1">
+              <a:shade val="50000"/>
+            </a:schemeClr>
+          </a:lnRef>
+          <a:fillRef idx="1">
+            <a:schemeClr val="accent1"/>
+          </a:fillRef>
+          <a:effectRef idx="0">
+            <a:schemeClr val="accent1"/>
+          </a:effectRef>
+          <a:fontRef idx="minor">
+            <a:schemeClr val="lt1"/>
+          </a:fontRef>
+        </p:style>
+        <p:txBody>
+          <a:bodyPr rtlCol="0" anchor="ctr"/>
+          <a:lstStyle/>
+          <a:p>
+            <a:pPr marL="0" marR="0" lvl="0" indent="0" algn="ctr" defTabSz="457200" rtl="0" eaLnBrk="1" fontAlgn="auto" latinLnBrk="0" hangingPunct="1">
+              <a:lnSpc>
+                <a:spcPct val="100000"/>
+              </a:lnSpc>
+              <a:spcBef>
+                <a:spcPts val="0"/>
+              </a:spcBef>
+              <a:spcAft>
+                <a:spcPts val="0"/>
+              </a:spcAft>
+              <a:buClrTx/>
+              <a:buSzTx/>
+              <a:buFontTx/>
+              <a:buNone/>
+              <a:tabLst/>
+              <a:defRPr/>
+            </a:pPr>
+            <a:r>
+              <a:rPr kumimoji="0" lang="es-MX" sz="1800" b="0" i="0" u="none" strike="noStrike" kern="1200" cap="none" spc="0" normalizeH="0" baseline="0" noProof="0" dirty="0">
+                <a:ln>
+                  <a:noFill/>
+                </a:ln>
+                <a:solidFill>
+                  <a:prstClr val="white"/>
+                </a:solidFill>
+                <a:effectLst/>
+                <a:uLnTx/>
+                <a:uFillTx/>
+                <a:latin typeface="Gill Sans MT" panose="020B0502020104020203"/>
+                <a:ea typeface="+mn-ea"/>
+                <a:cs typeface="+mn-cs"/>
+              </a:rPr>
+              <a:t>Maremotos</a:t>
+            </a:r>
+          </a:p>
+        </p:txBody>
+      </p:sp>
+      <p:sp>
+        <p:nvSpPr>
+          <p:cNvPr id="10" name="Rectángulo: esquinas redondeadas 9">
+            <a:extLst>
+              <a:ext uri="{FF2B5EF4-FFF2-40B4-BE49-F238E27FC236}">
+                <a16:creationId xmlns:a16="http://schemas.microsoft.com/office/drawing/2014/main" id="{31ABF856-127E-4794-822A-4D07660B7DAE}"/>
+              </a:ext>
+            </a:extLst>
+          </p:cNvPr>
+          <p:cNvSpPr/>
+          <p:nvPr/>
+        </p:nvSpPr>
+        <p:spPr>
+          <a:xfrm>
+            <a:off x="4564370" y="3347208"/>
+            <a:ext cx="3063258" cy="1233181"/>
+          </a:xfrm>
+          <a:prstGeom prst="roundRect">
+            <a:avLst/>
+          </a:prstGeom>
+        </p:spPr>
+        <p:style>
+          <a:lnRef idx="2">
+            <a:schemeClr val="accent1">
+              <a:shade val="50000"/>
+            </a:schemeClr>
+          </a:lnRef>
+          <a:fillRef idx="1">
+            <a:schemeClr val="accent1"/>
+          </a:fillRef>
+          <a:effectRef idx="0">
+            <a:schemeClr val="accent1"/>
+          </a:effectRef>
+          <a:fontRef idx="minor">
+            <a:schemeClr val="lt1"/>
+          </a:fontRef>
+        </p:style>
+        <p:txBody>
+          <a:bodyPr rtlCol="0" anchor="ctr"/>
+          <a:lstStyle/>
+          <a:p>
+            <a:pPr marL="0" marR="0" lvl="0" indent="0" algn="ctr" defTabSz="457200" rtl="0" eaLnBrk="1" fontAlgn="auto" latinLnBrk="0" hangingPunct="1">
+              <a:lnSpc>
+                <a:spcPct val="100000"/>
+              </a:lnSpc>
+              <a:spcBef>
+                <a:spcPts val="0"/>
+              </a:spcBef>
+              <a:spcAft>
+                <a:spcPts val="0"/>
+              </a:spcAft>
+              <a:buClrTx/>
+              <a:buSzTx/>
+              <a:buFontTx/>
+              <a:buNone/>
+              <a:tabLst/>
+              <a:defRPr/>
+            </a:pPr>
+            <a:r>
+              <a:rPr kumimoji="0" lang="es-MX" sz="1800" b="0" i="0" u="none" strike="noStrike" kern="1200" cap="none" spc="0" normalizeH="0" baseline="0" noProof="0" dirty="0">
+                <a:ln>
+                  <a:noFill/>
+                </a:ln>
+                <a:solidFill>
+                  <a:prstClr val="white"/>
+                </a:solidFill>
+                <a:effectLst/>
+                <a:uLnTx/>
+                <a:uFillTx/>
+                <a:latin typeface="Gill Sans MT" panose="020B0502020104020203"/>
+                <a:ea typeface="+mn-ea"/>
+                <a:cs typeface="+mn-cs"/>
+              </a:rPr>
+              <a:t>Microsoft SharePoint Server 2010 </a:t>
+            </a:r>
+          </a:p>
+        </p:txBody>
+      </p:sp>
+      <p:cxnSp>
+        <p:nvCxnSpPr>
+          <p:cNvPr id="12" name="Conector: angular 11">
+            <a:extLst>
+              <a:ext uri="{FF2B5EF4-FFF2-40B4-BE49-F238E27FC236}">
+                <a16:creationId xmlns:a16="http://schemas.microsoft.com/office/drawing/2014/main" id="{9C62406A-B17E-4FBC-8A38-0E7FDC8363A1}"/>
+              </a:ext>
+            </a:extLst>
+          </p:cNvPr>
+          <p:cNvCxnSpPr>
+            <a:stCxn id="6" idx="0"/>
+            <a:endCxn id="10" idx="1"/>
+          </p:cNvCxnSpPr>
+          <p:nvPr/>
+        </p:nvCxnSpPr>
+        <p:spPr>
+          <a:xfrm rot="5400000" flipH="1" flipV="1">
+            <a:off x="2273778" y="2962818"/>
+            <a:ext cx="1289610" cy="3291573"/>
+          </a:xfrm>
+          <a:prstGeom prst="bentConnector2">
+            <a:avLst/>
+          </a:prstGeom>
+          <a:ln w="38100">
+            <a:solidFill>
+              <a:schemeClr val="tx1"/>
+            </a:solidFill>
+          </a:ln>
+        </p:spPr>
+        <p:style>
+          <a:lnRef idx="1">
+            <a:schemeClr val="accent1"/>
+          </a:lnRef>
+          <a:fillRef idx="0">
+            <a:schemeClr val="accent1"/>
+          </a:fillRef>
+          <a:effectRef idx="0">
+            <a:schemeClr val="accent1"/>
+          </a:effectRef>
+          <a:fontRef idx="minor">
+            <a:schemeClr val="tx1"/>
+          </a:fontRef>
+        </p:style>
+      </p:cxnSp>
+      <p:cxnSp>
+        <p:nvCxnSpPr>
+          <p:cNvPr id="14" name="Conector recto de flecha 13">
+            <a:extLst>
+              <a:ext uri="{FF2B5EF4-FFF2-40B4-BE49-F238E27FC236}">
+                <a16:creationId xmlns:a16="http://schemas.microsoft.com/office/drawing/2014/main" id="{13804EE9-FEAF-41B7-A20E-A814C2193D56}"/>
+              </a:ext>
+            </a:extLst>
+          </p:cNvPr>
+          <p:cNvCxnSpPr>
+            <a:stCxn id="4" idx="0"/>
+            <a:endCxn id="10" idx="2"/>
+          </p:cNvCxnSpPr>
+          <p:nvPr/>
+        </p:nvCxnSpPr>
+        <p:spPr>
+          <a:xfrm flipV="1">
+            <a:off x="3752852" y="4580389"/>
+            <a:ext cx="2343147" cy="673020"/>
+          </a:xfrm>
+          <a:prstGeom prst="straightConnector1">
+            <a:avLst/>
+          </a:prstGeom>
+          <a:ln w="38100">
+            <a:solidFill>
+              <a:schemeClr val="tx1"/>
+            </a:solidFill>
+            <a:tailEnd type="triangle"/>
+          </a:ln>
+        </p:spPr>
+        <p:style>
+          <a:lnRef idx="1">
+            <a:schemeClr val="accent1"/>
+          </a:lnRef>
+          <a:fillRef idx="0">
+            <a:schemeClr val="accent1"/>
+          </a:fillRef>
+          <a:effectRef idx="0">
+            <a:schemeClr val="accent1"/>
+          </a:effectRef>
+          <a:fontRef idx="minor">
+            <a:schemeClr val="tx1"/>
+          </a:fontRef>
+        </p:style>
+      </p:cxnSp>
+      <p:cxnSp>
+        <p:nvCxnSpPr>
+          <p:cNvPr id="16" name="Conector recto de flecha 15">
+            <a:extLst>
+              <a:ext uri="{FF2B5EF4-FFF2-40B4-BE49-F238E27FC236}">
+                <a16:creationId xmlns:a16="http://schemas.microsoft.com/office/drawing/2014/main" id="{685D2B03-E66A-41DC-8FDC-66A866FA9D46}"/>
+              </a:ext>
+            </a:extLst>
+          </p:cNvPr>
+          <p:cNvCxnSpPr>
+            <a:stCxn id="7" idx="0"/>
+            <a:endCxn id="10" idx="2"/>
+          </p:cNvCxnSpPr>
+          <p:nvPr/>
+        </p:nvCxnSpPr>
+        <p:spPr>
+          <a:xfrm flipV="1">
+            <a:off x="6095999" y="4580389"/>
+            <a:ext cx="0" cy="673020"/>
+          </a:xfrm>
+          <a:prstGeom prst="straightConnector1">
+            <a:avLst/>
+          </a:prstGeom>
+          <a:ln w="38100">
+            <a:solidFill>
+              <a:schemeClr val="tx1"/>
+            </a:solidFill>
+            <a:tailEnd type="triangle"/>
+          </a:ln>
+        </p:spPr>
+        <p:style>
+          <a:lnRef idx="1">
+            <a:schemeClr val="accent1"/>
+          </a:lnRef>
+          <a:fillRef idx="0">
+            <a:schemeClr val="accent1"/>
+          </a:fillRef>
+          <a:effectRef idx="0">
+            <a:schemeClr val="accent1"/>
+          </a:effectRef>
+          <a:fontRef idx="minor">
+            <a:schemeClr val="tx1"/>
+          </a:fontRef>
+        </p:style>
+      </p:cxnSp>
+      <p:cxnSp>
+        <p:nvCxnSpPr>
+          <p:cNvPr id="18" name="Conector recto de flecha 17">
+            <a:extLst>
+              <a:ext uri="{FF2B5EF4-FFF2-40B4-BE49-F238E27FC236}">
+                <a16:creationId xmlns:a16="http://schemas.microsoft.com/office/drawing/2014/main" id="{70106A1A-F63F-4FE4-9C2E-2FB187ADFBB2}"/>
+              </a:ext>
+            </a:extLst>
+          </p:cNvPr>
+          <p:cNvCxnSpPr>
+            <a:stCxn id="8" idx="0"/>
+            <a:endCxn id="10" idx="2"/>
+          </p:cNvCxnSpPr>
+          <p:nvPr/>
+        </p:nvCxnSpPr>
+        <p:spPr>
+          <a:xfrm flipH="1" flipV="1">
+            <a:off x="6095999" y="4580389"/>
+            <a:ext cx="2343149" cy="673020"/>
+          </a:xfrm>
+          <a:prstGeom prst="straightConnector1">
+            <a:avLst/>
+          </a:prstGeom>
+          <a:ln w="38100">
+            <a:solidFill>
+              <a:schemeClr val="tx1"/>
+            </a:solidFill>
+            <a:tailEnd type="triangle"/>
+          </a:ln>
+        </p:spPr>
+        <p:style>
+          <a:lnRef idx="1">
+            <a:schemeClr val="accent1"/>
+          </a:lnRef>
+          <a:fillRef idx="0">
+            <a:schemeClr val="accent1"/>
+          </a:fillRef>
+          <a:effectRef idx="0">
+            <a:schemeClr val="accent1"/>
+          </a:effectRef>
+          <a:fontRef idx="minor">
+            <a:schemeClr val="tx1"/>
+          </a:fontRef>
+        </p:style>
+      </p:cxnSp>
+      <p:cxnSp>
+        <p:nvCxnSpPr>
+          <p:cNvPr id="20" name="Conector: angular 19">
+            <a:extLst>
+              <a:ext uri="{FF2B5EF4-FFF2-40B4-BE49-F238E27FC236}">
+                <a16:creationId xmlns:a16="http://schemas.microsoft.com/office/drawing/2014/main" id="{89CE2229-0C2F-498E-B474-4DBD4EBD53F8}"/>
+              </a:ext>
+            </a:extLst>
+          </p:cNvPr>
+          <p:cNvCxnSpPr>
+            <a:stCxn id="9" idx="0"/>
+            <a:endCxn id="10" idx="3"/>
+          </p:cNvCxnSpPr>
+          <p:nvPr/>
+        </p:nvCxnSpPr>
+        <p:spPr>
+          <a:xfrm rot="16200000" flipV="1">
+            <a:off x="8636449" y="2954978"/>
+            <a:ext cx="1289610" cy="3307252"/>
+          </a:xfrm>
+          <a:prstGeom prst="bentConnector2">
+            <a:avLst/>
+          </a:prstGeom>
+          <a:ln w="38100">
+            <a:solidFill>
+              <a:schemeClr val="tx1"/>
+            </a:solidFill>
+            <a:tailEnd type="triangle"/>
+          </a:ln>
+        </p:spPr>
+        <p:style>
+          <a:lnRef idx="1">
+            <a:schemeClr val="accent1"/>
+          </a:lnRef>
+          <a:fillRef idx="0">
+            <a:schemeClr val="accent1"/>
+          </a:fillRef>
+          <a:effectRef idx="0">
+            <a:schemeClr val="accent1"/>
+          </a:effectRef>
+          <a:fontRef idx="minor">
+            <a:schemeClr val="tx1"/>
+          </a:fontRef>
+        </p:style>
+      </p:cxnSp>
+      <p:sp>
+        <p:nvSpPr>
+          <p:cNvPr id="21" name="Flecha: a la derecha 20">
+            <a:extLst>
+              <a:ext uri="{FF2B5EF4-FFF2-40B4-BE49-F238E27FC236}">
+                <a16:creationId xmlns:a16="http://schemas.microsoft.com/office/drawing/2014/main" id="{0B61E5EA-7E73-4513-A946-E1C68DD52D56}"/>
+              </a:ext>
+            </a:extLst>
+          </p:cNvPr>
+          <p:cNvSpPr/>
+          <p:nvPr/>
+        </p:nvSpPr>
+        <p:spPr>
+          <a:xfrm rot="16200000">
+            <a:off x="5560991" y="1504521"/>
+            <a:ext cx="1070017" cy="1718571"/>
+          </a:xfrm>
+          <a:prstGeom prst="rightArrow">
+            <a:avLst/>
+          </a:prstGeom>
+        </p:spPr>
+        <p:style>
+          <a:lnRef idx="2">
+            <a:schemeClr val="accent1">
+              <a:shade val="50000"/>
+            </a:schemeClr>
+          </a:lnRef>
+          <a:fillRef idx="1">
+            <a:schemeClr val="accent1"/>
+          </a:fillRef>
+          <a:effectRef idx="0">
+            <a:schemeClr val="accent1"/>
+          </a:effectRef>
+          <a:fontRef idx="minor">
+            <a:schemeClr val="lt1"/>
+          </a:fontRef>
+        </p:style>
+        <p:txBody>
+          <a:bodyPr rtlCol="0" anchor="ctr"/>
+          <a:lstStyle/>
+          <a:p>
+            <a:pPr marL="0" marR="0" lvl="0" indent="0" algn="ctr" defTabSz="457200" rtl="0" eaLnBrk="1" fontAlgn="auto" latinLnBrk="0" hangingPunct="1">
+              <a:lnSpc>
+                <a:spcPct val="100000"/>
+              </a:lnSpc>
+              <a:spcBef>
+                <a:spcPts val="0"/>
+              </a:spcBef>
+              <a:spcAft>
+                <a:spcPts val="0"/>
+              </a:spcAft>
+              <a:buClrTx/>
+              <a:buSzTx/>
+              <a:buFontTx/>
+              <a:buNone/>
+              <a:tabLst/>
+              <a:defRPr/>
+            </a:pPr>
+            <a:r>
+              <a:rPr kumimoji="0" lang="es-MX" sz="1800" b="0" i="0" u="none" strike="noStrike" kern="1200" cap="none" spc="0" normalizeH="0" baseline="0" noProof="0" dirty="0">
+                <a:ln>
+                  <a:noFill/>
+                </a:ln>
+                <a:solidFill>
+                  <a:prstClr val="white"/>
+                </a:solidFill>
+                <a:effectLst/>
+                <a:uLnTx/>
+                <a:uFillTx/>
+                <a:latin typeface="Gill Sans MT" panose="020B0502020104020203"/>
+                <a:ea typeface="+mn-ea"/>
+                <a:cs typeface="+mn-cs"/>
+              </a:rPr>
+              <a:t>SERVICIO</a:t>
+            </a:r>
+          </a:p>
+        </p:txBody>
+      </p:sp>
+      <p:cxnSp>
+        <p:nvCxnSpPr>
+          <p:cNvPr id="23" name="Conector recto de flecha 22">
+            <a:extLst>
+              <a:ext uri="{FF2B5EF4-FFF2-40B4-BE49-F238E27FC236}">
+                <a16:creationId xmlns:a16="http://schemas.microsoft.com/office/drawing/2014/main" id="{6DF2C0A4-16DC-4CAE-BD17-DDF5A674E52E}"/>
+              </a:ext>
+            </a:extLst>
+          </p:cNvPr>
+          <p:cNvCxnSpPr>
+            <a:cxnSpLocks/>
+            <a:stCxn id="10" idx="0"/>
+            <a:endCxn id="21" idx="1"/>
+          </p:cNvCxnSpPr>
+          <p:nvPr/>
+        </p:nvCxnSpPr>
+        <p:spPr>
+          <a:xfrm flipV="1">
+            <a:off x="6095999" y="2898815"/>
+            <a:ext cx="1" cy="448393"/>
+          </a:xfrm>
+          <a:prstGeom prst="straightConnector1">
+            <a:avLst/>
+          </a:prstGeom>
+          <a:ln w="38100">
+            <a:solidFill>
+              <a:schemeClr val="tx1"/>
+            </a:solidFill>
+            <a:tailEnd type="triangle"/>
+          </a:ln>
+        </p:spPr>
+        <p:style>
+          <a:lnRef idx="1">
+            <a:schemeClr val="accent1"/>
+          </a:lnRef>
+          <a:fillRef idx="0">
+            <a:schemeClr val="accent1"/>
+          </a:fillRef>
+          <a:effectRef idx="0">
+            <a:schemeClr val="accent1"/>
+          </a:effectRef>
+          <a:fontRef idx="minor">
+            <a:schemeClr val="tx1"/>
+          </a:fontRef>
+        </p:style>
+      </p:cxnSp>
     </p:spTree>
     <p:extLst>
       <p:ext uri="{BB962C8B-B14F-4D97-AF65-F5344CB8AC3E}">
-        <p14:creationId xmlns:p14="http://schemas.microsoft.com/office/powerpoint/2010/main" val="784858640"/>
+        <p14:creationId xmlns:p14="http://schemas.microsoft.com/office/powerpoint/2010/main" val="57388471"/>
       </p:ext>
     </p:extLst>
   </p:cSld>
@@ -4027,6 +7974,326 @@
 </file>
 
 <file path=ppt/slides/slide11.xml><?xml version="1.0" encoding="utf-8"?>
+<p:sld xmlns:a="http://schemas.openxmlformats.org/drawingml/2006/main" xmlns:r="http://schemas.openxmlformats.org/officeDocument/2006/relationships" xmlns:p="http://schemas.openxmlformats.org/presentationml/2006/main">
+  <p:cSld>
+    <p:bg>
+      <p:bgPr>
+        <a:solidFill>
+          <a:schemeClr val="bg2"/>
+        </a:solidFill>
+        <a:effectLst/>
+      </p:bgPr>
+    </p:bg>
+    <p:spTree>
+      <p:nvGrpSpPr>
+        <p:cNvPr id="1" name=""/>
+        <p:cNvGrpSpPr/>
+        <p:nvPr/>
+      </p:nvGrpSpPr>
+      <p:grpSpPr>
+        <a:xfrm>
+          <a:off x="0" y="0"/>
+          <a:ext cx="0" cy="0"/>
+          <a:chOff x="0" y="0"/>
+          <a:chExt cx="0" cy="0"/>
+        </a:xfrm>
+      </p:grpSpPr>
+      <p:sp>
+        <p:nvSpPr>
+          <p:cNvPr id="2" name="Título 1">
+            <a:extLst>
+              <a:ext uri="{FF2B5EF4-FFF2-40B4-BE49-F238E27FC236}">
+                <a16:creationId xmlns:a16="http://schemas.microsoft.com/office/drawing/2014/main" id="{2565628E-4FDC-4FAC-94DA-760827831F8E}"/>
+              </a:ext>
+            </a:extLst>
+          </p:cNvPr>
+          <p:cNvSpPr>
+            <a:spLocks noGrp="1"/>
+          </p:cNvSpPr>
+          <p:nvPr>
+            <p:ph type="title"/>
+          </p:nvPr>
+        </p:nvSpPr>
+        <p:spPr>
+          <a:xfrm>
+            <a:off x="804672" y="964692"/>
+            <a:ext cx="4476806" cy="1188720"/>
+          </a:xfrm>
+        </p:spPr>
+        <p:txBody>
+          <a:bodyPr>
+            <a:normAutofit/>
+          </a:bodyPr>
+          <a:lstStyle/>
+          <a:p>
+            <a:r>
+              <a:rPr lang="es-MX"/>
+              <a:t>APPLICATION ARCHITECTURE</a:t>
+            </a:r>
+          </a:p>
+        </p:txBody>
+      </p:sp>
+      <p:sp>
+        <p:nvSpPr>
+          <p:cNvPr id="3" name="Marcador de contenido 2">
+            <a:extLst>
+              <a:ext uri="{FF2B5EF4-FFF2-40B4-BE49-F238E27FC236}">
+                <a16:creationId xmlns:a16="http://schemas.microsoft.com/office/drawing/2014/main" id="{8A802F86-AC14-4BE1-ABA9-81CE536B6D2F}"/>
+              </a:ext>
+            </a:extLst>
+          </p:cNvPr>
+          <p:cNvSpPr>
+            <a:spLocks noGrp="1"/>
+          </p:cNvSpPr>
+          <p:nvPr>
+            <p:ph idx="1"/>
+          </p:nvPr>
+        </p:nvSpPr>
+        <p:spPr>
+          <a:xfrm>
+            <a:off x="803244" y="2638044"/>
+            <a:ext cx="4492932" cy="3263206"/>
+          </a:xfrm>
+        </p:spPr>
+        <p:txBody>
+          <a:bodyPr>
+            <a:normAutofit/>
+          </a:bodyPr>
+          <a:lstStyle/>
+          <a:p>
+            <a:pPr marL="0" indent="0" algn="just">
+              <a:buNone/>
+            </a:pPr>
+            <a:r>
+              <a:rPr lang="es-MX" sz="2400" dirty="0"/>
+              <a:t>Dentro de ella radica la parte visual de un sistema, siendo la que guarda la interacción del cliente con el desarrollador/proveedor. Contiene todas aquellas aplicaciones y servicios que se brindarán para cumplir los requerimientos del cliente.</a:t>
+            </a:r>
+          </a:p>
+        </p:txBody>
+      </p:sp>
+      <p:sp>
+        <p:nvSpPr>
+          <p:cNvPr id="20" name="Rectangle 19">
+            <a:extLst>
+              <a:ext uri="{FF2B5EF4-FFF2-40B4-BE49-F238E27FC236}">
+                <a16:creationId xmlns:a16="http://schemas.microsoft.com/office/drawing/2014/main" id="{496AC89B-FC31-4359-8180-FE1BCC496704}"/>
+              </a:ext>
+              <a:ext uri="{C183D7F6-B498-43B3-948B-1728B52AA6E4}">
+                <adec:decorative xmlns:adec="http://schemas.microsoft.com/office/drawing/2017/decorative" val="1"/>
+              </a:ext>
+            </a:extLst>
+          </p:cNvPr>
+          <p:cNvSpPr>
+            <a:spLocks noGrp="1" noRot="1" noChangeAspect="1" noMove="1" noResize="1" noEditPoints="1" noAdjustHandles="1" noChangeArrowheads="1" noChangeShapeType="1" noTextEdit="1"/>
+          </p:cNvSpPr>
+          <p:nvPr>
+            <p:extLst>
+              <p:ext uri="{386F3935-93C4-4BCD-93E2-E3B085C9AB24}">
+                <p16:designElem xmlns:p16="http://schemas.microsoft.com/office/powerpoint/2015/main" val="1"/>
+              </p:ext>
+            </p:extLst>
+          </p:nvPr>
+        </p:nvSpPr>
+        <p:spPr>
+          <a:xfrm>
+            <a:off x="5943605" y="964692"/>
+            <a:ext cx="5440680" cy="4936558"/>
+          </a:xfrm>
+          <a:prstGeom prst="rect">
+            <a:avLst/>
+          </a:prstGeom>
+          <a:noFill/>
+          <a:ln w="31750" cap="sq">
+            <a:solidFill>
+              <a:srgbClr val="FFFFFF"/>
+            </a:solidFill>
+            <a:miter lim="800000"/>
+          </a:ln>
+        </p:spPr>
+        <p:style>
+          <a:lnRef idx="2">
+            <a:schemeClr val="accent1">
+              <a:shade val="50000"/>
+            </a:schemeClr>
+          </a:lnRef>
+          <a:fillRef idx="1">
+            <a:schemeClr val="accent1"/>
+          </a:fillRef>
+          <a:effectRef idx="0">
+            <a:schemeClr val="accent1"/>
+          </a:effectRef>
+          <a:fontRef idx="minor">
+            <a:schemeClr val="lt1"/>
+          </a:fontRef>
+        </p:style>
+        <p:txBody>
+          <a:bodyPr rtlCol="0" anchor="ctr"/>
+          <a:lstStyle/>
+          <a:p>
+            <a:pPr algn="ctr"/>
+            <a:endParaRPr lang="en-US" dirty="0"/>
+          </a:p>
+        </p:txBody>
+      </p:sp>
+      <p:sp>
+        <p:nvSpPr>
+          <p:cNvPr id="22" name="Rectangle 21">
+            <a:extLst>
+              <a:ext uri="{FF2B5EF4-FFF2-40B4-BE49-F238E27FC236}">
+                <a16:creationId xmlns:a16="http://schemas.microsoft.com/office/drawing/2014/main" id="{84A5970C-32AD-45E3-B88B-C683E4C1C563}"/>
+              </a:ext>
+              <a:ext uri="{C183D7F6-B498-43B3-948B-1728B52AA6E4}">
+                <adec:decorative xmlns:adec="http://schemas.microsoft.com/office/drawing/2017/decorative" val="1"/>
+              </a:ext>
+            </a:extLst>
+          </p:cNvPr>
+          <p:cNvSpPr>
+            <a:spLocks noGrp="1" noRot="1" noChangeAspect="1" noMove="1" noResize="1" noEditPoints="1" noAdjustHandles="1" noChangeArrowheads="1" noChangeShapeType="1" noTextEdit="1"/>
+          </p:cNvSpPr>
+          <p:nvPr>
+            <p:extLst>
+              <p:ext uri="{386F3935-93C4-4BCD-93E2-E3B085C9AB24}">
+                <p16:designElem xmlns:p16="http://schemas.microsoft.com/office/powerpoint/2015/main" val="1"/>
+              </p:ext>
+            </p:extLst>
+          </p:nvPr>
+        </p:nvSpPr>
+        <p:spPr>
+          <a:xfrm>
+            <a:off x="6110699" y="1128683"/>
+            <a:ext cx="5106493" cy="4608576"/>
+          </a:xfrm>
+          <a:prstGeom prst="rect">
+            <a:avLst/>
+          </a:prstGeom>
+          <a:solidFill>
+            <a:srgbClr val="FFFFFF"/>
+          </a:solidFill>
+          <a:ln>
+            <a:noFill/>
+          </a:ln>
+        </p:spPr>
+        <p:style>
+          <a:lnRef idx="2">
+            <a:schemeClr val="accent1">
+              <a:shade val="50000"/>
+            </a:schemeClr>
+          </a:lnRef>
+          <a:fillRef idx="1">
+            <a:schemeClr val="accent1"/>
+          </a:fillRef>
+          <a:effectRef idx="0">
+            <a:schemeClr val="accent1"/>
+          </a:effectRef>
+          <a:fontRef idx="minor">
+            <a:schemeClr val="lt1"/>
+          </a:fontRef>
+        </p:style>
+        <p:txBody>
+          <a:bodyPr rtlCol="0" anchor="ctr"/>
+          <a:lstStyle/>
+          <a:p>
+            <a:pPr algn="ctr"/>
+            <a:endParaRPr lang="en-US"/>
+          </a:p>
+        </p:txBody>
+      </p:sp>
+      <p:pic>
+        <p:nvPicPr>
+          <p:cNvPr id="6" name="Imagen 5">
+            <a:extLst>
+              <a:ext uri="{FF2B5EF4-FFF2-40B4-BE49-F238E27FC236}">
+                <a16:creationId xmlns:a16="http://schemas.microsoft.com/office/drawing/2014/main" id="{ABF692D6-66CD-4015-AC2A-3FFEFB716353}"/>
+              </a:ext>
+            </a:extLst>
+          </p:cNvPr>
+          <p:cNvPicPr>
+            <a:picLocks noChangeAspect="1"/>
+          </p:cNvPicPr>
+          <p:nvPr/>
+        </p:nvPicPr>
+        <p:blipFill>
+          <a:blip r:embed="rId2"/>
+          <a:stretch>
+            <a:fillRect/>
+          </a:stretch>
+        </p:blipFill>
+        <p:spPr>
+          <a:xfrm>
+            <a:off x="6272789" y="2093924"/>
+            <a:ext cx="4782312" cy="2678094"/>
+          </a:xfrm>
+          <a:prstGeom prst="rect">
+            <a:avLst/>
+          </a:prstGeom>
+        </p:spPr>
+      </p:pic>
+      <p:sp>
+        <p:nvSpPr>
+          <p:cNvPr id="5" name="Marcador de número de diapositiva 4">
+            <a:extLst>
+              <a:ext uri="{FF2B5EF4-FFF2-40B4-BE49-F238E27FC236}">
+                <a16:creationId xmlns:a16="http://schemas.microsoft.com/office/drawing/2014/main" id="{A655AF3E-4FB3-423C-A654-0A9514B4C5B1}"/>
+              </a:ext>
+            </a:extLst>
+          </p:cNvPr>
+          <p:cNvSpPr>
+            <a:spLocks noGrp="1"/>
+          </p:cNvSpPr>
+          <p:nvPr>
+            <p:ph type="sldNum" sz="quarter" idx="12"/>
+          </p:nvPr>
+        </p:nvSpPr>
+        <p:spPr>
+          <a:xfrm>
+            <a:off x="10758922" y="6217920"/>
+            <a:ext cx="365760" cy="365760"/>
+          </a:xfrm>
+        </p:spPr>
+        <p:txBody>
+          <a:bodyPr>
+            <a:normAutofit/>
+          </a:bodyPr>
+          <a:lstStyle/>
+          <a:p>
+            <a:pPr>
+              <a:lnSpc>
+                <a:spcPct val="90000"/>
+              </a:lnSpc>
+              <a:spcAft>
+                <a:spcPts val="600"/>
+              </a:spcAft>
+            </a:pPr>
+            <a:fld id="{8A7A6979-0714-4377-B894-6BE4C2D6E202}" type="slidenum">
+              <a:rPr lang="en-US" smtClean="0"/>
+              <a:pPr>
+                <a:lnSpc>
+                  <a:spcPct val="90000"/>
+                </a:lnSpc>
+                <a:spcAft>
+                  <a:spcPts val="600"/>
+                </a:spcAft>
+              </a:pPr>
+              <a:t>11</a:t>
+            </a:fld>
+            <a:endParaRPr lang="en-US"/>
+          </a:p>
+        </p:txBody>
+      </p:sp>
+    </p:spTree>
+    <p:extLst>
+      <p:ext uri="{BB962C8B-B14F-4D97-AF65-F5344CB8AC3E}">
+        <p14:creationId xmlns:p14="http://schemas.microsoft.com/office/powerpoint/2010/main" val="3446026568"/>
+      </p:ext>
+    </p:extLst>
+  </p:cSld>
+  <p:clrMapOvr>
+    <a:masterClrMapping/>
+  </p:clrMapOvr>
+</p:sld>
+</file>
+
+<file path=ppt/slides/slide12.xml><?xml version="1.0" encoding="utf-8"?>
 <p:sld xmlns:a="http://schemas.openxmlformats.org/drawingml/2006/main" xmlns:r="http://schemas.openxmlformats.org/officeDocument/2006/relationships" xmlns:p="http://schemas.openxmlformats.org/presentationml/2006/main">
   <p:cSld>
     <p:bg>
@@ -4058,6 +8325,1395 @@
           <p:cNvPr id="2" name="Título 1">
             <a:extLst>
               <a:ext uri="{FF2B5EF4-FFF2-40B4-BE49-F238E27FC236}">
+                <a16:creationId xmlns:a16="http://schemas.microsoft.com/office/drawing/2014/main" id="{2565628E-4FDC-4FAC-94DA-760827831F8E}"/>
+              </a:ext>
+            </a:extLst>
+          </p:cNvPr>
+          <p:cNvSpPr>
+            <a:spLocks noGrp="1"/>
+          </p:cNvSpPr>
+          <p:nvPr>
+            <p:ph type="title"/>
+          </p:nvPr>
+        </p:nvSpPr>
+        <p:spPr>
+          <a:xfrm>
+            <a:off x="2231136" y="964692"/>
+            <a:ext cx="7729728" cy="1188720"/>
+          </a:xfrm>
+        </p:spPr>
+        <p:txBody>
+          <a:bodyPr>
+            <a:normAutofit/>
+          </a:bodyPr>
+          <a:lstStyle/>
+          <a:p>
+            <a:r>
+              <a:rPr lang="es-MX" dirty="0"/>
+              <a:t>ANÁLISIS de elementos</a:t>
+            </a:r>
+          </a:p>
+        </p:txBody>
+      </p:sp>
+      <p:sp>
+        <p:nvSpPr>
+          <p:cNvPr id="3" name="Marcador de contenido 2">
+            <a:extLst>
+              <a:ext uri="{FF2B5EF4-FFF2-40B4-BE49-F238E27FC236}">
+                <a16:creationId xmlns:a16="http://schemas.microsoft.com/office/drawing/2014/main" id="{8A802F86-AC14-4BE1-ABA9-81CE536B6D2F}"/>
+              </a:ext>
+            </a:extLst>
+          </p:cNvPr>
+          <p:cNvSpPr>
+            <a:spLocks noGrp="1"/>
+          </p:cNvSpPr>
+          <p:nvPr>
+            <p:ph idx="1"/>
+          </p:nvPr>
+        </p:nvSpPr>
+        <p:spPr>
+          <a:xfrm>
+            <a:off x="1246909" y="2638044"/>
+            <a:ext cx="4606775" cy="3499520"/>
+          </a:xfrm>
+        </p:spPr>
+        <p:txBody>
+          <a:bodyPr>
+            <a:normAutofit fontScale="92500" lnSpcReduction="10000"/>
+          </a:bodyPr>
+          <a:lstStyle/>
+          <a:p>
+            <a:pPr algn="just"/>
+            <a:r>
+              <a:rPr lang="es-MX" sz="2400" dirty="0"/>
+              <a:t>Los servicios dependen directamente de la capacidad del hardware.</a:t>
+            </a:r>
+          </a:p>
+          <a:p>
+            <a:pPr algn="just"/>
+            <a:r>
+              <a:rPr lang="es-MX" sz="2400" dirty="0"/>
+              <a:t>Se realizará una previa investigación de las licencias (en caso de requerir) y costos de los software con los que se trabajará.</a:t>
+            </a:r>
+          </a:p>
+          <a:p>
+            <a:pPr algn="just"/>
+            <a:r>
+              <a:rPr lang="es-MX" sz="2400" dirty="0"/>
+              <a:t>La relación entre datos y aplicaciones es el pilar para la fase siguiente; negocios.</a:t>
+            </a:r>
+          </a:p>
+        </p:txBody>
+      </p:sp>
+      <p:sp>
+        <p:nvSpPr>
+          <p:cNvPr id="11" name="Rectangle 10">
+            <a:extLst>
+              <a:ext uri="{FF2B5EF4-FFF2-40B4-BE49-F238E27FC236}">
+                <a16:creationId xmlns:a16="http://schemas.microsoft.com/office/drawing/2014/main" id="{CC05BD43-09D0-4E93-82C7-68FF9C9D5BE3}"/>
+              </a:ext>
+              <a:ext uri="{C183D7F6-B498-43B3-948B-1728B52AA6E4}">
+                <adec:decorative xmlns:adec="http://schemas.microsoft.com/office/drawing/2017/decorative" val="1"/>
+              </a:ext>
+            </a:extLst>
+          </p:cNvPr>
+          <p:cNvSpPr>
+            <a:spLocks noGrp="1" noRot="1" noChangeAspect="1" noMove="1" noResize="1" noEditPoints="1" noAdjustHandles="1" noChangeArrowheads="1" noChangeShapeType="1" noTextEdit="1"/>
+          </p:cNvSpPr>
+          <p:nvPr>
+            <p:extLst>
+              <p:ext uri="{386F3935-93C4-4BCD-93E2-E3B085C9AB24}">
+                <p16:designElem xmlns:p16="http://schemas.microsoft.com/office/powerpoint/2015/main" val="1"/>
+              </p:ext>
+            </p:extLst>
+          </p:nvPr>
+        </p:nvSpPr>
+        <p:spPr>
+          <a:xfrm>
+            <a:off x="6338316" y="2743200"/>
+            <a:ext cx="3622548" cy="2996827"/>
+          </a:xfrm>
+          <a:prstGeom prst="rect">
+            <a:avLst/>
+          </a:prstGeom>
+          <a:noFill/>
+          <a:ln w="31750" cap="sq">
+            <a:solidFill>
+              <a:srgbClr val="FFFFFF"/>
+            </a:solidFill>
+            <a:miter lim="800000"/>
+          </a:ln>
+        </p:spPr>
+        <p:style>
+          <a:lnRef idx="2">
+            <a:schemeClr val="accent1">
+              <a:shade val="50000"/>
+            </a:schemeClr>
+          </a:lnRef>
+          <a:fillRef idx="1">
+            <a:schemeClr val="accent1"/>
+          </a:fillRef>
+          <a:effectRef idx="0">
+            <a:schemeClr val="accent1"/>
+          </a:effectRef>
+          <a:fontRef idx="minor">
+            <a:schemeClr val="lt1"/>
+          </a:fontRef>
+        </p:style>
+        <p:txBody>
+          <a:bodyPr rtlCol="0" anchor="ctr"/>
+          <a:lstStyle/>
+          <a:p>
+            <a:pPr algn="ctr"/>
+            <a:endParaRPr lang="en-US" dirty="0"/>
+          </a:p>
+        </p:txBody>
+      </p:sp>
+      <p:sp>
+        <p:nvSpPr>
+          <p:cNvPr id="13" name="Rectangle 12">
+            <a:extLst>
+              <a:ext uri="{FF2B5EF4-FFF2-40B4-BE49-F238E27FC236}">
+                <a16:creationId xmlns:a16="http://schemas.microsoft.com/office/drawing/2014/main" id="{2902D090-70D4-41AA-936B-32EE17A7689B}"/>
+              </a:ext>
+              <a:ext uri="{C183D7F6-B498-43B3-948B-1728B52AA6E4}">
+                <adec:decorative xmlns:adec="http://schemas.microsoft.com/office/drawing/2017/decorative" val="1"/>
+              </a:ext>
+            </a:extLst>
+          </p:cNvPr>
+          <p:cNvSpPr>
+            <a:spLocks noGrp="1" noRot="1" noChangeAspect="1" noMove="1" noResize="1" noEditPoints="1" noAdjustHandles="1" noChangeArrowheads="1" noChangeShapeType="1" noTextEdit="1"/>
+          </p:cNvSpPr>
+          <p:nvPr>
+            <p:extLst>
+              <p:ext uri="{386F3935-93C4-4BCD-93E2-E3B085C9AB24}">
+                <p16:designElem xmlns:p16="http://schemas.microsoft.com/office/powerpoint/2015/main" val="1"/>
+              </p:ext>
+            </p:extLst>
+          </p:nvPr>
+        </p:nvSpPr>
+        <p:spPr>
+          <a:xfrm>
+            <a:off x="6503670" y="2906589"/>
+            <a:ext cx="3291840" cy="2670048"/>
+          </a:xfrm>
+          <a:prstGeom prst="rect">
+            <a:avLst/>
+          </a:prstGeom>
+          <a:solidFill>
+            <a:srgbClr val="FFFFFF"/>
+          </a:solidFill>
+          <a:ln>
+            <a:noFill/>
+          </a:ln>
+        </p:spPr>
+        <p:style>
+          <a:lnRef idx="2">
+            <a:schemeClr val="accent1">
+              <a:shade val="50000"/>
+            </a:schemeClr>
+          </a:lnRef>
+          <a:fillRef idx="1">
+            <a:schemeClr val="accent1"/>
+          </a:fillRef>
+          <a:effectRef idx="0">
+            <a:schemeClr val="accent1"/>
+          </a:effectRef>
+          <a:fontRef idx="minor">
+            <a:schemeClr val="lt1"/>
+          </a:fontRef>
+        </p:style>
+        <p:txBody>
+          <a:bodyPr rtlCol="0" anchor="ctr"/>
+          <a:lstStyle/>
+          <a:p>
+            <a:pPr algn="ctr"/>
+            <a:endParaRPr lang="en-US"/>
+          </a:p>
+        </p:txBody>
+      </p:sp>
+      <p:pic>
+        <p:nvPicPr>
+          <p:cNvPr id="6" name="Imagen 5" descr="Imagen que contiene captura de pantalla&#10;&#10;Descripción generada con confianza alta">
+            <a:extLst>
+              <a:ext uri="{FF2B5EF4-FFF2-40B4-BE49-F238E27FC236}">
+                <a16:creationId xmlns:a16="http://schemas.microsoft.com/office/drawing/2014/main" id="{AEB00353-5BBA-4934-9D1B-D4793D960C4C}"/>
+              </a:ext>
+            </a:extLst>
+          </p:cNvPr>
+          <p:cNvPicPr>
+            <a:picLocks noChangeAspect="1"/>
+          </p:cNvPicPr>
+          <p:nvPr/>
+        </p:nvPicPr>
+        <p:blipFill rotWithShape="1">
+          <a:blip r:embed="rId2"/>
+          <a:srcRect b="9586"/>
+          <a:stretch/>
+        </p:blipFill>
+        <p:spPr>
+          <a:xfrm>
+            <a:off x="6709825" y="3186545"/>
+            <a:ext cx="4147941" cy="2119746"/>
+          </a:xfrm>
+          <a:prstGeom prst="rect">
+            <a:avLst/>
+          </a:prstGeom>
+        </p:spPr>
+      </p:pic>
+      <p:sp>
+        <p:nvSpPr>
+          <p:cNvPr id="5" name="Marcador de número de diapositiva 4">
+            <a:extLst>
+              <a:ext uri="{FF2B5EF4-FFF2-40B4-BE49-F238E27FC236}">
+                <a16:creationId xmlns:a16="http://schemas.microsoft.com/office/drawing/2014/main" id="{45455AEA-E386-4AD0-B0AA-510727B38A0B}"/>
+              </a:ext>
+            </a:extLst>
+          </p:cNvPr>
+          <p:cNvSpPr>
+            <a:spLocks noGrp="1"/>
+          </p:cNvSpPr>
+          <p:nvPr>
+            <p:ph type="sldNum" sz="quarter" idx="12"/>
+          </p:nvPr>
+        </p:nvSpPr>
+        <p:spPr>
+          <a:xfrm>
+            <a:off x="10758922" y="6217920"/>
+            <a:ext cx="365760" cy="365760"/>
+          </a:xfrm>
+        </p:spPr>
+        <p:txBody>
+          <a:bodyPr>
+            <a:normAutofit/>
+          </a:bodyPr>
+          <a:lstStyle/>
+          <a:p>
+            <a:pPr>
+              <a:lnSpc>
+                <a:spcPct val="90000"/>
+              </a:lnSpc>
+              <a:spcAft>
+                <a:spcPts val="600"/>
+              </a:spcAft>
+            </a:pPr>
+            <a:fld id="{8A7A6979-0714-4377-B894-6BE4C2D6E202}" type="slidenum">
+              <a:rPr lang="en-US" smtClean="0"/>
+              <a:pPr>
+                <a:lnSpc>
+                  <a:spcPct val="90000"/>
+                </a:lnSpc>
+                <a:spcAft>
+                  <a:spcPts val="600"/>
+                </a:spcAft>
+              </a:pPr>
+              <a:t>12</a:t>
+            </a:fld>
+            <a:endParaRPr lang="en-US"/>
+          </a:p>
+        </p:txBody>
+      </p:sp>
+    </p:spTree>
+    <p:extLst>
+      <p:ext uri="{BB962C8B-B14F-4D97-AF65-F5344CB8AC3E}">
+        <p14:creationId xmlns:p14="http://schemas.microsoft.com/office/powerpoint/2010/main" val="4235270259"/>
+      </p:ext>
+    </p:extLst>
+  </p:cSld>
+  <p:clrMapOvr>
+    <a:masterClrMapping/>
+  </p:clrMapOvr>
+</p:sld>
+</file>
+
+<file path=ppt/slides/slide13.xml><?xml version="1.0" encoding="utf-8"?>
+<p:sld xmlns:a="http://schemas.openxmlformats.org/drawingml/2006/main" xmlns:r="http://schemas.openxmlformats.org/officeDocument/2006/relationships" xmlns:p="http://schemas.openxmlformats.org/presentationml/2006/main">
+  <p:cSld>
+    <p:bg>
+      <p:bgPr>
+        <a:solidFill>
+          <a:schemeClr val="bg2"/>
+        </a:solidFill>
+        <a:effectLst/>
+      </p:bgPr>
+    </p:bg>
+    <p:spTree>
+      <p:nvGrpSpPr>
+        <p:cNvPr id="1" name=""/>
+        <p:cNvGrpSpPr/>
+        <p:nvPr/>
+      </p:nvGrpSpPr>
+      <p:grpSpPr>
+        <a:xfrm>
+          <a:off x="0" y="0"/>
+          <a:ext cx="0" cy="0"/>
+          <a:chOff x="0" y="0"/>
+          <a:chExt cx="0" cy="0"/>
+        </a:xfrm>
+      </p:grpSpPr>
+      <p:sp>
+        <p:nvSpPr>
+          <p:cNvPr id="2" name="Título 1">
+            <a:extLst>
+              <a:ext uri="{FF2B5EF4-FFF2-40B4-BE49-F238E27FC236}">
+                <a16:creationId xmlns:a16="http://schemas.microsoft.com/office/drawing/2014/main" id="{96C3F993-93B9-4B35-963E-8A24015D2FE1}"/>
+              </a:ext>
+            </a:extLst>
+          </p:cNvPr>
+          <p:cNvSpPr>
+            <a:spLocks noGrp="1"/>
+          </p:cNvSpPr>
+          <p:nvPr>
+            <p:ph type="title"/>
+          </p:nvPr>
+        </p:nvSpPr>
+        <p:spPr>
+          <a:xfrm>
+            <a:off x="2231136" y="964692"/>
+            <a:ext cx="7729728" cy="1188720"/>
+          </a:xfrm>
+        </p:spPr>
+        <p:txBody>
+          <a:bodyPr>
+            <a:normAutofit/>
+          </a:bodyPr>
+          <a:lstStyle/>
+          <a:p>
+            <a:r>
+              <a:rPr lang="es-MX" dirty="0"/>
+              <a:t>REVISIÓN</a:t>
+            </a:r>
+          </a:p>
+        </p:txBody>
+      </p:sp>
+      <p:pic>
+        <p:nvPicPr>
+          <p:cNvPr id="6" name="Imagen 5">
+            <a:extLst>
+              <a:ext uri="{FF2B5EF4-FFF2-40B4-BE49-F238E27FC236}">
+                <a16:creationId xmlns:a16="http://schemas.microsoft.com/office/drawing/2014/main" id="{5C855B31-4731-4FA5-8861-F8743652ACA5}"/>
+              </a:ext>
+            </a:extLst>
+          </p:cNvPr>
+          <p:cNvPicPr>
+            <a:picLocks noChangeAspect="1"/>
+          </p:cNvPicPr>
+          <p:nvPr/>
+        </p:nvPicPr>
+        <p:blipFill rotWithShape="1">
+          <a:blip r:embed="rId2"/>
+          <a:srcRect l="20606" r="24399" b="-2"/>
+          <a:stretch/>
+        </p:blipFill>
+        <p:spPr>
+          <a:xfrm>
+            <a:off x="2397733" y="2906589"/>
+            <a:ext cx="2112264" cy="2670048"/>
+          </a:xfrm>
+          <a:prstGeom prst="rect">
+            <a:avLst/>
+          </a:prstGeom>
+        </p:spPr>
+      </p:pic>
+      <p:sp>
+        <p:nvSpPr>
+          <p:cNvPr id="11" name="Rectangle 10">
+            <a:extLst>
+              <a:ext uri="{FF2B5EF4-FFF2-40B4-BE49-F238E27FC236}">
+                <a16:creationId xmlns:a16="http://schemas.microsoft.com/office/drawing/2014/main" id="{62466C53-7461-43EF-8ADD-B0F7AED849FF}"/>
+              </a:ext>
+              <a:ext uri="{C183D7F6-B498-43B3-948B-1728B52AA6E4}">
+                <adec:decorative xmlns:adec="http://schemas.microsoft.com/office/drawing/2017/decorative" val="1"/>
+              </a:ext>
+            </a:extLst>
+          </p:cNvPr>
+          <p:cNvSpPr>
+            <a:spLocks noGrp="1" noRot="1" noChangeAspect="1" noMove="1" noResize="1" noEditPoints="1" noAdjustHandles="1" noChangeArrowheads="1" noChangeShapeType="1" noTextEdit="1"/>
+          </p:cNvSpPr>
+          <p:nvPr>
+            <p:extLst>
+              <p:ext uri="{386F3935-93C4-4BCD-93E2-E3B085C9AB24}">
+                <p16:designElem xmlns:p16="http://schemas.microsoft.com/office/powerpoint/2015/main" val="1"/>
+              </p:ext>
+            </p:extLst>
+          </p:nvPr>
+        </p:nvSpPr>
+        <p:spPr>
+          <a:xfrm>
+            <a:off x="2231136" y="2743200"/>
+            <a:ext cx="2445458" cy="2996827"/>
+          </a:xfrm>
+          <a:prstGeom prst="rect">
+            <a:avLst/>
+          </a:prstGeom>
+          <a:noFill/>
+          <a:ln w="31750" cap="sq">
+            <a:solidFill>
+              <a:srgbClr val="FFFFFF"/>
+            </a:solidFill>
+            <a:miter lim="800000"/>
+          </a:ln>
+        </p:spPr>
+        <p:style>
+          <a:lnRef idx="2">
+            <a:schemeClr val="accent1">
+              <a:shade val="50000"/>
+            </a:schemeClr>
+          </a:lnRef>
+          <a:fillRef idx="1">
+            <a:schemeClr val="accent1"/>
+          </a:fillRef>
+          <a:effectRef idx="0">
+            <a:schemeClr val="accent1"/>
+          </a:effectRef>
+          <a:fontRef idx="minor">
+            <a:schemeClr val="lt1"/>
+          </a:fontRef>
+        </p:style>
+        <p:txBody>
+          <a:bodyPr rtlCol="0" anchor="ctr"/>
+          <a:lstStyle/>
+          <a:p>
+            <a:pPr algn="ctr"/>
+            <a:endParaRPr lang="en-US" dirty="0"/>
+          </a:p>
+        </p:txBody>
+      </p:sp>
+      <p:sp>
+        <p:nvSpPr>
+          <p:cNvPr id="3" name="Marcador de contenido 2">
+            <a:extLst>
+              <a:ext uri="{FF2B5EF4-FFF2-40B4-BE49-F238E27FC236}">
+                <a16:creationId xmlns:a16="http://schemas.microsoft.com/office/drawing/2014/main" id="{E82E4C24-461E-4F0B-A5BE-9B4A213AD033}"/>
+              </a:ext>
+            </a:extLst>
+          </p:cNvPr>
+          <p:cNvSpPr>
+            <a:spLocks noGrp="1"/>
+          </p:cNvSpPr>
+          <p:nvPr>
+            <p:ph idx="1"/>
+          </p:nvPr>
+        </p:nvSpPr>
+        <p:spPr>
+          <a:xfrm>
+            <a:off x="5138927" y="2638044"/>
+            <a:ext cx="6000128" cy="3596501"/>
+          </a:xfrm>
+        </p:spPr>
+        <p:txBody>
+          <a:bodyPr>
+            <a:normAutofit lnSpcReduction="10000"/>
+          </a:bodyPr>
+          <a:lstStyle/>
+          <a:p>
+            <a:pPr algn="just">
+              <a:lnSpc>
+                <a:spcPct val="90000"/>
+              </a:lnSpc>
+            </a:pPr>
+            <a:r>
+              <a:rPr lang="es-MX" sz="2000" dirty="0"/>
+              <a:t>Según la escala de priorización, encontramos que el servicio web es el de grado mayor.</a:t>
+            </a:r>
+          </a:p>
+          <a:p>
+            <a:pPr algn="just">
+              <a:lnSpc>
+                <a:spcPct val="90000"/>
+              </a:lnSpc>
+            </a:pPr>
+            <a:r>
+              <a:rPr lang="es-MX" sz="2000" dirty="0"/>
+              <a:t>La adición de un gestor de metadatos es el siguiente punto.</a:t>
+            </a:r>
+          </a:p>
+          <a:p>
+            <a:pPr algn="just">
+              <a:lnSpc>
+                <a:spcPct val="90000"/>
+              </a:lnSpc>
+            </a:pPr>
+            <a:r>
+              <a:rPr lang="es-MX" sz="2000" dirty="0"/>
+              <a:t>Se deberá verificar la integración de los servicios de otras páginas.</a:t>
+            </a:r>
+          </a:p>
+          <a:p>
+            <a:pPr algn="just">
+              <a:lnSpc>
+                <a:spcPct val="90000"/>
+              </a:lnSpc>
+            </a:pPr>
+            <a:r>
+              <a:rPr lang="es-MX" sz="2000" dirty="0"/>
+              <a:t>El estándar propuesto para la estructura de la información.</a:t>
+            </a:r>
+          </a:p>
+          <a:p>
+            <a:pPr algn="just">
+              <a:lnSpc>
+                <a:spcPct val="90000"/>
+              </a:lnSpc>
+            </a:pPr>
+            <a:r>
+              <a:rPr lang="es-MX" sz="2000" dirty="0"/>
+              <a:t>Integrar la parte de “consumo de servicios” a través de otra estandarización para el formato y extensión de los metadatos generados.</a:t>
+            </a:r>
+          </a:p>
+        </p:txBody>
+      </p:sp>
+      <p:sp>
+        <p:nvSpPr>
+          <p:cNvPr id="5" name="Marcador de número de diapositiva 4">
+            <a:extLst>
+              <a:ext uri="{FF2B5EF4-FFF2-40B4-BE49-F238E27FC236}">
+                <a16:creationId xmlns:a16="http://schemas.microsoft.com/office/drawing/2014/main" id="{FBC9758F-9E31-4B86-9C6A-0CEF0921EA60}"/>
+              </a:ext>
+            </a:extLst>
+          </p:cNvPr>
+          <p:cNvSpPr>
+            <a:spLocks noGrp="1"/>
+          </p:cNvSpPr>
+          <p:nvPr>
+            <p:ph type="sldNum" sz="quarter" idx="12"/>
+          </p:nvPr>
+        </p:nvSpPr>
+        <p:spPr>
+          <a:xfrm>
+            <a:off x="10758922" y="6217920"/>
+            <a:ext cx="365760" cy="365760"/>
+          </a:xfrm>
+        </p:spPr>
+        <p:txBody>
+          <a:bodyPr>
+            <a:normAutofit/>
+          </a:bodyPr>
+          <a:lstStyle/>
+          <a:p>
+            <a:pPr>
+              <a:lnSpc>
+                <a:spcPct val="90000"/>
+              </a:lnSpc>
+              <a:spcAft>
+                <a:spcPts val="600"/>
+              </a:spcAft>
+            </a:pPr>
+            <a:fld id="{8A7A6979-0714-4377-B894-6BE4C2D6E202}" type="slidenum">
+              <a:rPr lang="en-US" smtClean="0"/>
+              <a:pPr>
+                <a:lnSpc>
+                  <a:spcPct val="90000"/>
+                </a:lnSpc>
+                <a:spcAft>
+                  <a:spcPts val="600"/>
+                </a:spcAft>
+              </a:pPr>
+              <a:t>13</a:t>
+            </a:fld>
+            <a:endParaRPr lang="en-US"/>
+          </a:p>
+        </p:txBody>
+      </p:sp>
+    </p:spTree>
+    <p:extLst>
+      <p:ext uri="{BB962C8B-B14F-4D97-AF65-F5344CB8AC3E}">
+        <p14:creationId xmlns:p14="http://schemas.microsoft.com/office/powerpoint/2010/main" val="705826907"/>
+      </p:ext>
+    </p:extLst>
+  </p:cSld>
+  <p:clrMapOvr>
+    <a:masterClrMapping/>
+  </p:clrMapOvr>
+</p:sld>
+</file>
+
+<file path=ppt/slides/slide14.xml><?xml version="1.0" encoding="utf-8"?>
+<p:sld xmlns:a="http://schemas.openxmlformats.org/drawingml/2006/main" xmlns:r="http://schemas.openxmlformats.org/officeDocument/2006/relationships" xmlns:p="http://schemas.openxmlformats.org/presentationml/2006/main">
+  <p:cSld>
+    <p:bg>
+      <p:bgPr>
+        <a:solidFill>
+          <a:schemeClr val="bg1">
+            <a:lumMod val="65000"/>
+          </a:schemeClr>
+        </a:solidFill>
+        <a:effectLst/>
+      </p:bgPr>
+    </p:bg>
+    <p:spTree>
+      <p:nvGrpSpPr>
+        <p:cNvPr id="1" name=""/>
+        <p:cNvGrpSpPr/>
+        <p:nvPr/>
+      </p:nvGrpSpPr>
+      <p:grpSpPr>
+        <a:xfrm>
+          <a:off x="0" y="0"/>
+          <a:ext cx="0" cy="0"/>
+          <a:chOff x="0" y="0"/>
+          <a:chExt cx="0" cy="0"/>
+        </a:xfrm>
+      </p:grpSpPr>
+      <p:sp>
+        <p:nvSpPr>
+          <p:cNvPr id="2" name="Título 1">
+            <a:extLst>
+              <a:ext uri="{FF2B5EF4-FFF2-40B4-BE49-F238E27FC236}">
+                <a16:creationId xmlns:a16="http://schemas.microsoft.com/office/drawing/2014/main" id="{2565628E-4FDC-4FAC-94DA-760827831F8E}"/>
+              </a:ext>
+            </a:extLst>
+          </p:cNvPr>
+          <p:cNvSpPr>
+            <a:spLocks noGrp="1"/>
+          </p:cNvSpPr>
+          <p:nvPr>
+            <p:ph type="title"/>
+          </p:nvPr>
+        </p:nvSpPr>
+        <p:spPr>
+          <a:xfrm>
+            <a:off x="2231136" y="964692"/>
+            <a:ext cx="7729728" cy="1188720"/>
+          </a:xfrm>
+        </p:spPr>
+        <p:txBody>
+          <a:bodyPr>
+            <a:normAutofit/>
+          </a:bodyPr>
+          <a:lstStyle/>
+          <a:p>
+            <a:r>
+              <a:rPr lang="es-MX" dirty="0"/>
+              <a:t>DOCUMENTACIÓN</a:t>
+            </a:r>
+          </a:p>
+        </p:txBody>
+      </p:sp>
+      <p:sp>
+        <p:nvSpPr>
+          <p:cNvPr id="3" name="Marcador de contenido 2">
+            <a:extLst>
+              <a:ext uri="{FF2B5EF4-FFF2-40B4-BE49-F238E27FC236}">
+                <a16:creationId xmlns:a16="http://schemas.microsoft.com/office/drawing/2014/main" id="{8A802F86-AC14-4BE1-ABA9-81CE536B6D2F}"/>
+              </a:ext>
+            </a:extLst>
+          </p:cNvPr>
+          <p:cNvSpPr>
+            <a:spLocks noGrp="1"/>
+          </p:cNvSpPr>
+          <p:nvPr>
+            <p:ph idx="1"/>
+          </p:nvPr>
+        </p:nvSpPr>
+        <p:spPr>
+          <a:xfrm>
+            <a:off x="2221992" y="2638044"/>
+            <a:ext cx="3631692" cy="3731759"/>
+          </a:xfrm>
+        </p:spPr>
+        <p:txBody>
+          <a:bodyPr>
+            <a:normAutofit/>
+          </a:bodyPr>
+          <a:lstStyle/>
+          <a:p>
+            <a:r>
+              <a:rPr lang="es-MX" sz="2400" dirty="0"/>
+              <a:t>Diagrama de Ishikawa.</a:t>
+            </a:r>
+          </a:p>
+          <a:p>
+            <a:r>
+              <a:rPr lang="es-MX" sz="2400" dirty="0"/>
+              <a:t>Diagrama de Gantt.</a:t>
+            </a:r>
+          </a:p>
+          <a:p>
+            <a:r>
+              <a:rPr lang="es-MX" sz="2400" dirty="0"/>
+              <a:t>Diagramas de flujo.</a:t>
+            </a:r>
+          </a:p>
+          <a:p>
+            <a:r>
+              <a:rPr lang="es-MX" sz="2400" dirty="0"/>
+              <a:t>Bitácoras de trabajo.</a:t>
+            </a:r>
+          </a:p>
+          <a:p>
+            <a:r>
+              <a:rPr lang="es-MX" sz="2400" dirty="0"/>
+              <a:t>Indicadores de avance.</a:t>
+            </a:r>
+          </a:p>
+          <a:p>
+            <a:r>
+              <a:rPr lang="es-MX" sz="2400" dirty="0"/>
+              <a:t>ITIL.</a:t>
+            </a:r>
+          </a:p>
+          <a:p>
+            <a:r>
+              <a:rPr lang="es-MX" sz="2400" dirty="0"/>
+              <a:t>COBIT.</a:t>
+            </a:r>
+          </a:p>
+        </p:txBody>
+      </p:sp>
+      <p:sp>
+        <p:nvSpPr>
+          <p:cNvPr id="11" name="Rectangle 10">
+            <a:extLst>
+              <a:ext uri="{FF2B5EF4-FFF2-40B4-BE49-F238E27FC236}">
+                <a16:creationId xmlns:a16="http://schemas.microsoft.com/office/drawing/2014/main" id="{CC05BD43-09D0-4E93-82C7-68FF9C9D5BE3}"/>
+              </a:ext>
+              <a:ext uri="{C183D7F6-B498-43B3-948B-1728B52AA6E4}">
+                <adec:decorative xmlns:adec="http://schemas.microsoft.com/office/drawing/2017/decorative" val="1"/>
+              </a:ext>
+            </a:extLst>
+          </p:cNvPr>
+          <p:cNvSpPr>
+            <a:spLocks noGrp="1" noRot="1" noChangeAspect="1" noMove="1" noResize="1" noEditPoints="1" noAdjustHandles="1" noChangeArrowheads="1" noChangeShapeType="1" noTextEdit="1"/>
+          </p:cNvSpPr>
+          <p:nvPr>
+            <p:extLst>
+              <p:ext uri="{386F3935-93C4-4BCD-93E2-E3B085C9AB24}">
+                <p16:designElem xmlns:p16="http://schemas.microsoft.com/office/powerpoint/2015/main" val="1"/>
+              </p:ext>
+            </p:extLst>
+          </p:nvPr>
+        </p:nvSpPr>
+        <p:spPr>
+          <a:xfrm>
+            <a:off x="6338316" y="2743200"/>
+            <a:ext cx="3622548" cy="2996827"/>
+          </a:xfrm>
+          <a:prstGeom prst="rect">
+            <a:avLst/>
+          </a:prstGeom>
+          <a:noFill/>
+          <a:ln w="31750" cap="sq">
+            <a:solidFill>
+              <a:srgbClr val="FFFFFF"/>
+            </a:solidFill>
+            <a:miter lim="800000"/>
+          </a:ln>
+        </p:spPr>
+        <p:style>
+          <a:lnRef idx="2">
+            <a:schemeClr val="accent1">
+              <a:shade val="50000"/>
+            </a:schemeClr>
+          </a:lnRef>
+          <a:fillRef idx="1">
+            <a:schemeClr val="accent1"/>
+          </a:fillRef>
+          <a:effectRef idx="0">
+            <a:schemeClr val="accent1"/>
+          </a:effectRef>
+          <a:fontRef idx="minor">
+            <a:schemeClr val="lt1"/>
+          </a:fontRef>
+        </p:style>
+        <p:txBody>
+          <a:bodyPr rtlCol="0" anchor="ctr"/>
+          <a:lstStyle/>
+          <a:p>
+            <a:pPr algn="ctr"/>
+            <a:endParaRPr lang="en-US" dirty="0"/>
+          </a:p>
+        </p:txBody>
+      </p:sp>
+      <p:sp>
+        <p:nvSpPr>
+          <p:cNvPr id="13" name="Rectangle 12">
+            <a:extLst>
+              <a:ext uri="{FF2B5EF4-FFF2-40B4-BE49-F238E27FC236}">
+                <a16:creationId xmlns:a16="http://schemas.microsoft.com/office/drawing/2014/main" id="{2902D090-70D4-41AA-936B-32EE17A7689B}"/>
+              </a:ext>
+              <a:ext uri="{C183D7F6-B498-43B3-948B-1728B52AA6E4}">
+                <adec:decorative xmlns:adec="http://schemas.microsoft.com/office/drawing/2017/decorative" val="1"/>
+              </a:ext>
+            </a:extLst>
+          </p:cNvPr>
+          <p:cNvSpPr>
+            <a:spLocks noGrp="1" noRot="1" noChangeAspect="1" noMove="1" noResize="1" noEditPoints="1" noAdjustHandles="1" noChangeArrowheads="1" noChangeShapeType="1" noTextEdit="1"/>
+          </p:cNvSpPr>
+          <p:nvPr>
+            <p:extLst>
+              <p:ext uri="{386F3935-93C4-4BCD-93E2-E3B085C9AB24}">
+                <p16:designElem xmlns:p16="http://schemas.microsoft.com/office/powerpoint/2015/main" val="1"/>
+              </p:ext>
+            </p:extLst>
+          </p:nvPr>
+        </p:nvSpPr>
+        <p:spPr>
+          <a:xfrm>
+            <a:off x="6503670" y="2906589"/>
+            <a:ext cx="3291840" cy="2670048"/>
+          </a:xfrm>
+          <a:prstGeom prst="rect">
+            <a:avLst/>
+          </a:prstGeom>
+          <a:solidFill>
+            <a:srgbClr val="FFFFFF"/>
+          </a:solidFill>
+          <a:ln>
+            <a:noFill/>
+          </a:ln>
+        </p:spPr>
+        <p:style>
+          <a:lnRef idx="2">
+            <a:schemeClr val="accent1">
+              <a:shade val="50000"/>
+            </a:schemeClr>
+          </a:lnRef>
+          <a:fillRef idx="1">
+            <a:schemeClr val="accent1"/>
+          </a:fillRef>
+          <a:effectRef idx="0">
+            <a:schemeClr val="accent1"/>
+          </a:effectRef>
+          <a:fontRef idx="minor">
+            <a:schemeClr val="lt1"/>
+          </a:fontRef>
+        </p:style>
+        <p:txBody>
+          <a:bodyPr rtlCol="0" anchor="ctr"/>
+          <a:lstStyle/>
+          <a:p>
+            <a:pPr algn="ctr"/>
+            <a:endParaRPr lang="en-US"/>
+          </a:p>
+        </p:txBody>
+      </p:sp>
+      <p:pic>
+        <p:nvPicPr>
+          <p:cNvPr id="6" name="Imagen 5" descr="Imagen que contiene tarjeta de presentación&#10;&#10;Descripción generada con confianza alta">
+            <a:extLst>
+              <a:ext uri="{FF2B5EF4-FFF2-40B4-BE49-F238E27FC236}">
+                <a16:creationId xmlns:a16="http://schemas.microsoft.com/office/drawing/2014/main" id="{11FF150A-D456-496C-8509-5B445A287F75}"/>
+              </a:ext>
+            </a:extLst>
+          </p:cNvPr>
+          <p:cNvPicPr>
+            <a:picLocks noChangeAspect="1"/>
+          </p:cNvPicPr>
+          <p:nvPr/>
+        </p:nvPicPr>
+        <p:blipFill>
+          <a:blip r:embed="rId2"/>
+          <a:stretch>
+            <a:fillRect/>
+          </a:stretch>
+        </p:blipFill>
+        <p:spPr>
+          <a:xfrm>
+            <a:off x="6668262" y="3586664"/>
+            <a:ext cx="2962656" cy="1309898"/>
+          </a:xfrm>
+          <a:prstGeom prst="rect">
+            <a:avLst/>
+          </a:prstGeom>
+        </p:spPr>
+      </p:pic>
+      <p:sp>
+        <p:nvSpPr>
+          <p:cNvPr id="5" name="Marcador de número de diapositiva 4">
+            <a:extLst>
+              <a:ext uri="{FF2B5EF4-FFF2-40B4-BE49-F238E27FC236}">
+                <a16:creationId xmlns:a16="http://schemas.microsoft.com/office/drawing/2014/main" id="{45455AEA-E386-4AD0-B0AA-510727B38A0B}"/>
+              </a:ext>
+            </a:extLst>
+          </p:cNvPr>
+          <p:cNvSpPr>
+            <a:spLocks noGrp="1"/>
+          </p:cNvSpPr>
+          <p:nvPr>
+            <p:ph type="sldNum" sz="quarter" idx="12"/>
+          </p:nvPr>
+        </p:nvSpPr>
+        <p:spPr>
+          <a:xfrm>
+            <a:off x="10758922" y="6217920"/>
+            <a:ext cx="365760" cy="365760"/>
+          </a:xfrm>
+        </p:spPr>
+        <p:txBody>
+          <a:bodyPr>
+            <a:normAutofit/>
+          </a:bodyPr>
+          <a:lstStyle/>
+          <a:p>
+            <a:pPr>
+              <a:lnSpc>
+                <a:spcPct val="90000"/>
+              </a:lnSpc>
+              <a:spcAft>
+                <a:spcPts val="600"/>
+              </a:spcAft>
+            </a:pPr>
+            <a:fld id="{8A7A6979-0714-4377-B894-6BE4C2D6E202}" type="slidenum">
+              <a:rPr lang="en-US" smtClean="0"/>
+              <a:pPr>
+                <a:lnSpc>
+                  <a:spcPct val="90000"/>
+                </a:lnSpc>
+                <a:spcAft>
+                  <a:spcPts val="600"/>
+                </a:spcAft>
+              </a:pPr>
+              <a:t>14</a:t>
+            </a:fld>
+            <a:endParaRPr lang="en-US"/>
+          </a:p>
+        </p:txBody>
+      </p:sp>
+    </p:spTree>
+    <p:extLst>
+      <p:ext uri="{BB962C8B-B14F-4D97-AF65-F5344CB8AC3E}">
+        <p14:creationId xmlns:p14="http://schemas.microsoft.com/office/powerpoint/2010/main" val="3440615358"/>
+      </p:ext>
+    </p:extLst>
+  </p:cSld>
+  <p:clrMapOvr>
+    <a:masterClrMapping/>
+  </p:clrMapOvr>
+</p:sld>
+</file>
+
+<file path=ppt/slides/slide15.xml><?xml version="1.0" encoding="utf-8"?>
+<p:sld xmlns:a="http://schemas.openxmlformats.org/drawingml/2006/main" xmlns:r="http://schemas.openxmlformats.org/officeDocument/2006/relationships" xmlns:p="http://schemas.openxmlformats.org/presentationml/2006/main">
+  <p:cSld>
+    <p:bg>
+      <p:bgPr>
+        <a:solidFill>
+          <a:schemeClr val="bg2"/>
+        </a:solidFill>
+        <a:effectLst/>
+      </p:bgPr>
+    </p:bg>
+    <p:spTree>
+      <p:nvGrpSpPr>
+        <p:cNvPr id="1" name=""/>
+        <p:cNvGrpSpPr/>
+        <p:nvPr/>
+      </p:nvGrpSpPr>
+      <p:grpSpPr>
+        <a:xfrm>
+          <a:off x="0" y="0"/>
+          <a:ext cx="0" cy="0"/>
+          <a:chOff x="0" y="0"/>
+          <a:chExt cx="0" cy="0"/>
+        </a:xfrm>
+      </p:grpSpPr>
+      <p:sp>
+        <p:nvSpPr>
+          <p:cNvPr id="2" name="Título 1">
+            <a:extLst>
+              <a:ext uri="{FF2B5EF4-FFF2-40B4-BE49-F238E27FC236}">
+                <a16:creationId xmlns:a16="http://schemas.microsoft.com/office/drawing/2014/main" id="{D87C6DBE-C4AC-4388-B1D9-B9FB558CDBD1}"/>
+              </a:ext>
+            </a:extLst>
+          </p:cNvPr>
+          <p:cNvSpPr>
+            <a:spLocks noGrp="1"/>
+          </p:cNvSpPr>
+          <p:nvPr>
+            <p:ph type="title"/>
+          </p:nvPr>
+        </p:nvSpPr>
+        <p:spPr>
+          <a:xfrm>
+            <a:off x="804672" y="964692"/>
+            <a:ext cx="4476806" cy="1188720"/>
+          </a:xfrm>
+        </p:spPr>
+        <p:txBody>
+          <a:bodyPr>
+            <a:normAutofit/>
+          </a:bodyPr>
+          <a:lstStyle/>
+          <a:p>
+            <a:r>
+              <a:rPr lang="es-MX" dirty="0"/>
+              <a:t>PROPUESTA</a:t>
+            </a:r>
+          </a:p>
+        </p:txBody>
+      </p:sp>
+      <p:sp>
+        <p:nvSpPr>
+          <p:cNvPr id="3" name="Marcador de contenido 2">
+            <a:extLst>
+              <a:ext uri="{FF2B5EF4-FFF2-40B4-BE49-F238E27FC236}">
+                <a16:creationId xmlns:a16="http://schemas.microsoft.com/office/drawing/2014/main" id="{3FCCD630-BE45-4CE9-BC5C-238FFE289454}"/>
+              </a:ext>
+            </a:extLst>
+          </p:cNvPr>
+          <p:cNvSpPr>
+            <a:spLocks noGrp="1"/>
+          </p:cNvSpPr>
+          <p:nvPr>
+            <p:ph idx="1"/>
+          </p:nvPr>
+        </p:nvSpPr>
+        <p:spPr>
+          <a:xfrm>
+            <a:off x="803243" y="2638044"/>
+            <a:ext cx="4737747" cy="3735460"/>
+          </a:xfrm>
+        </p:spPr>
+        <p:txBody>
+          <a:bodyPr>
+            <a:normAutofit/>
+          </a:bodyPr>
+          <a:lstStyle/>
+          <a:p>
+            <a:pPr algn="just">
+              <a:lnSpc>
+                <a:spcPct val="90000"/>
+              </a:lnSpc>
+            </a:pPr>
+            <a:r>
+              <a:rPr lang="es-MX" sz="2000" dirty="0"/>
+              <a:t>Visual Studio: Desarrollo Web.</a:t>
+            </a:r>
+          </a:p>
+          <a:p>
+            <a:pPr algn="just">
+              <a:lnSpc>
+                <a:spcPct val="90000"/>
+              </a:lnSpc>
+            </a:pPr>
+            <a:r>
+              <a:rPr lang="es-MX" sz="2000" dirty="0"/>
+              <a:t>SQL Server: Base de Datos.</a:t>
+            </a:r>
+          </a:p>
+          <a:p>
+            <a:pPr algn="just">
+              <a:lnSpc>
+                <a:spcPct val="90000"/>
+              </a:lnSpc>
+            </a:pPr>
+            <a:r>
+              <a:rPr lang="es-MX" sz="2000" dirty="0"/>
+              <a:t>Microsoft SharePoint Server: Base de datos y Metadatos.</a:t>
+            </a:r>
+          </a:p>
+          <a:p>
+            <a:pPr algn="just">
+              <a:lnSpc>
+                <a:spcPct val="90000"/>
+              </a:lnSpc>
+            </a:pPr>
+            <a:r>
+              <a:rPr lang="es-MX" sz="2000" dirty="0" err="1"/>
+              <a:t>Geobide</a:t>
+            </a:r>
+            <a:r>
+              <a:rPr lang="es-MX" sz="2000" dirty="0"/>
+              <a:t>: Las aplicaciones básicas que forman parte de la suite son </a:t>
+            </a:r>
+            <a:r>
+              <a:rPr lang="es-MX" sz="2000" dirty="0" err="1"/>
+              <a:t>Geomap</a:t>
+            </a:r>
+            <a:r>
+              <a:rPr lang="es-MX" sz="2000" dirty="0"/>
+              <a:t> (visualizador), </a:t>
+            </a:r>
+            <a:r>
+              <a:rPr lang="es-MX" sz="2000" dirty="0" err="1"/>
+              <a:t>Geoconverter</a:t>
+            </a:r>
+            <a:r>
+              <a:rPr lang="es-MX" sz="2000" dirty="0"/>
+              <a:t> (conversión datos geográficos), </a:t>
+            </a:r>
+            <a:r>
+              <a:rPr lang="es-MX" sz="2000" dirty="0" err="1"/>
+              <a:t>Geobuider</a:t>
+            </a:r>
+            <a:r>
+              <a:rPr lang="es-MX" sz="2000" dirty="0"/>
+              <a:t> (modulo avanzado de geoprocesamientos) y </a:t>
+            </a:r>
+            <a:r>
+              <a:rPr lang="es-MX" sz="2000" dirty="0" err="1"/>
+              <a:t>Geobridge</a:t>
+            </a:r>
+            <a:r>
+              <a:rPr lang="es-MX" sz="2000" dirty="0"/>
+              <a:t> (pasarela de acceso desde entornos CAD/GIS). </a:t>
+            </a:r>
+          </a:p>
+          <a:p>
+            <a:pPr>
+              <a:lnSpc>
+                <a:spcPct val="90000"/>
+              </a:lnSpc>
+            </a:pPr>
+            <a:endParaRPr lang="es-MX" dirty="0"/>
+          </a:p>
+        </p:txBody>
+      </p:sp>
+      <p:sp>
+        <p:nvSpPr>
+          <p:cNvPr id="11" name="Rectangle 10">
+            <a:extLst>
+              <a:ext uri="{FF2B5EF4-FFF2-40B4-BE49-F238E27FC236}">
+                <a16:creationId xmlns:a16="http://schemas.microsoft.com/office/drawing/2014/main" id="{496AC89B-FC31-4359-8180-FE1BCC496704}"/>
+              </a:ext>
+              <a:ext uri="{C183D7F6-B498-43B3-948B-1728B52AA6E4}">
+                <adec:decorative xmlns:adec="http://schemas.microsoft.com/office/drawing/2017/decorative" val="1"/>
+              </a:ext>
+            </a:extLst>
+          </p:cNvPr>
+          <p:cNvSpPr>
+            <a:spLocks noGrp="1" noRot="1" noChangeAspect="1" noMove="1" noResize="1" noEditPoints="1" noAdjustHandles="1" noChangeArrowheads="1" noChangeShapeType="1" noTextEdit="1"/>
+          </p:cNvSpPr>
+          <p:nvPr>
+            <p:extLst>
+              <p:ext uri="{386F3935-93C4-4BCD-93E2-E3B085C9AB24}">
+                <p16:designElem xmlns:p16="http://schemas.microsoft.com/office/powerpoint/2015/main" val="1"/>
+              </p:ext>
+            </p:extLst>
+          </p:nvPr>
+        </p:nvSpPr>
+        <p:spPr>
+          <a:xfrm>
+            <a:off x="5943605" y="964692"/>
+            <a:ext cx="5440680" cy="4936558"/>
+          </a:xfrm>
+          <a:prstGeom prst="rect">
+            <a:avLst/>
+          </a:prstGeom>
+          <a:noFill/>
+          <a:ln w="31750" cap="sq">
+            <a:solidFill>
+              <a:srgbClr val="FFFFFF"/>
+            </a:solidFill>
+            <a:miter lim="800000"/>
+          </a:ln>
+        </p:spPr>
+        <p:style>
+          <a:lnRef idx="2">
+            <a:schemeClr val="accent1">
+              <a:shade val="50000"/>
+            </a:schemeClr>
+          </a:lnRef>
+          <a:fillRef idx="1">
+            <a:schemeClr val="accent1"/>
+          </a:fillRef>
+          <a:effectRef idx="0">
+            <a:schemeClr val="accent1"/>
+          </a:effectRef>
+          <a:fontRef idx="minor">
+            <a:schemeClr val="lt1"/>
+          </a:fontRef>
+        </p:style>
+        <p:txBody>
+          <a:bodyPr rtlCol="0" anchor="ctr"/>
+          <a:lstStyle/>
+          <a:p>
+            <a:pPr algn="ctr"/>
+            <a:endParaRPr lang="en-US" dirty="0"/>
+          </a:p>
+        </p:txBody>
+      </p:sp>
+      <p:sp>
+        <p:nvSpPr>
+          <p:cNvPr id="13" name="Rectangle 12">
+            <a:extLst>
+              <a:ext uri="{FF2B5EF4-FFF2-40B4-BE49-F238E27FC236}">
+                <a16:creationId xmlns:a16="http://schemas.microsoft.com/office/drawing/2014/main" id="{84A5970C-32AD-45E3-B88B-C683E4C1C563}"/>
+              </a:ext>
+              <a:ext uri="{C183D7F6-B498-43B3-948B-1728B52AA6E4}">
+                <adec:decorative xmlns:adec="http://schemas.microsoft.com/office/drawing/2017/decorative" val="1"/>
+              </a:ext>
+            </a:extLst>
+          </p:cNvPr>
+          <p:cNvSpPr>
+            <a:spLocks noGrp="1" noRot="1" noChangeAspect="1" noMove="1" noResize="1" noEditPoints="1" noAdjustHandles="1" noChangeArrowheads="1" noChangeShapeType="1" noTextEdit="1"/>
+          </p:cNvSpPr>
+          <p:nvPr>
+            <p:extLst>
+              <p:ext uri="{386F3935-93C4-4BCD-93E2-E3B085C9AB24}">
+                <p16:designElem xmlns:p16="http://schemas.microsoft.com/office/powerpoint/2015/main" val="1"/>
+              </p:ext>
+            </p:extLst>
+          </p:nvPr>
+        </p:nvSpPr>
+        <p:spPr>
+          <a:xfrm>
+            <a:off x="6110699" y="1128683"/>
+            <a:ext cx="5106493" cy="4608576"/>
+          </a:xfrm>
+          <a:prstGeom prst="rect">
+            <a:avLst/>
+          </a:prstGeom>
+          <a:solidFill>
+            <a:srgbClr val="FFFFFF"/>
+          </a:solidFill>
+          <a:ln>
+            <a:noFill/>
+          </a:ln>
+        </p:spPr>
+        <p:style>
+          <a:lnRef idx="2">
+            <a:schemeClr val="accent1">
+              <a:shade val="50000"/>
+            </a:schemeClr>
+          </a:lnRef>
+          <a:fillRef idx="1">
+            <a:schemeClr val="accent1"/>
+          </a:fillRef>
+          <a:effectRef idx="0">
+            <a:schemeClr val="accent1"/>
+          </a:effectRef>
+          <a:fontRef idx="minor">
+            <a:schemeClr val="lt1"/>
+          </a:fontRef>
+        </p:style>
+        <p:txBody>
+          <a:bodyPr rtlCol="0" anchor="ctr"/>
+          <a:lstStyle/>
+          <a:p>
+            <a:pPr algn="ctr"/>
+            <a:endParaRPr lang="en-US"/>
+          </a:p>
+        </p:txBody>
+      </p:sp>
+      <p:pic>
+        <p:nvPicPr>
+          <p:cNvPr id="6" name="Imagen 5" descr="Imagen que contiene juguete&#10;&#10;Descripción generada con confianza alta">
+            <a:extLst>
+              <a:ext uri="{FF2B5EF4-FFF2-40B4-BE49-F238E27FC236}">
+                <a16:creationId xmlns:a16="http://schemas.microsoft.com/office/drawing/2014/main" id="{C9264E63-0E21-4966-8930-1B469244D59F}"/>
+              </a:ext>
+            </a:extLst>
+          </p:cNvPr>
+          <p:cNvPicPr>
+            <a:picLocks noChangeAspect="1"/>
+          </p:cNvPicPr>
+          <p:nvPr/>
+        </p:nvPicPr>
+        <p:blipFill>
+          <a:blip r:embed="rId2"/>
+          <a:stretch>
+            <a:fillRect/>
+          </a:stretch>
+        </p:blipFill>
+        <p:spPr>
+          <a:xfrm>
+            <a:off x="6272789" y="2237393"/>
+            <a:ext cx="4782312" cy="2391156"/>
+          </a:xfrm>
+          <a:prstGeom prst="rect">
+            <a:avLst/>
+          </a:prstGeom>
+        </p:spPr>
+      </p:pic>
+      <p:sp>
+        <p:nvSpPr>
+          <p:cNvPr id="4" name="Marcador de número de diapositiva 3">
+            <a:extLst>
+              <a:ext uri="{FF2B5EF4-FFF2-40B4-BE49-F238E27FC236}">
+                <a16:creationId xmlns:a16="http://schemas.microsoft.com/office/drawing/2014/main" id="{65776378-FA07-4ECD-BB5F-901B716CCFF9}"/>
+              </a:ext>
+            </a:extLst>
+          </p:cNvPr>
+          <p:cNvSpPr>
+            <a:spLocks noGrp="1"/>
+          </p:cNvSpPr>
+          <p:nvPr>
+            <p:ph type="sldNum" sz="quarter" idx="12"/>
+          </p:nvPr>
+        </p:nvSpPr>
+        <p:spPr>
+          <a:xfrm>
+            <a:off x="10758922" y="6217920"/>
+            <a:ext cx="365760" cy="365760"/>
+          </a:xfrm>
+        </p:spPr>
+        <p:txBody>
+          <a:bodyPr>
+            <a:normAutofit/>
+          </a:bodyPr>
+          <a:lstStyle/>
+          <a:p>
+            <a:pPr>
+              <a:lnSpc>
+                <a:spcPct val="90000"/>
+              </a:lnSpc>
+              <a:spcAft>
+                <a:spcPts val="600"/>
+              </a:spcAft>
+            </a:pPr>
+            <a:fld id="{8A7A6979-0714-4377-B894-6BE4C2D6E202}" type="slidenum">
+              <a:rPr lang="en-US" smtClean="0"/>
+              <a:pPr>
+                <a:lnSpc>
+                  <a:spcPct val="90000"/>
+                </a:lnSpc>
+                <a:spcAft>
+                  <a:spcPts val="600"/>
+                </a:spcAft>
+              </a:pPr>
+              <a:t>15</a:t>
+            </a:fld>
+            <a:endParaRPr lang="en-US"/>
+          </a:p>
+        </p:txBody>
+      </p:sp>
+    </p:spTree>
+    <p:extLst>
+      <p:ext uri="{BB962C8B-B14F-4D97-AF65-F5344CB8AC3E}">
+        <p14:creationId xmlns:p14="http://schemas.microsoft.com/office/powerpoint/2010/main" val="1409631021"/>
+      </p:ext>
+    </p:extLst>
+  </p:cSld>
+  <p:clrMapOvr>
+    <a:masterClrMapping/>
+  </p:clrMapOvr>
+</p:sld>
+</file>
+
+<file path=ppt/slides/slide16.xml><?xml version="1.0" encoding="utf-8"?>
+<p:sld xmlns:a="http://schemas.openxmlformats.org/drawingml/2006/main" xmlns:r="http://schemas.openxmlformats.org/officeDocument/2006/relationships" xmlns:p="http://schemas.openxmlformats.org/presentationml/2006/main">
+  <p:cSld>
+    <p:bg>
+      <p:bgPr>
+        <a:solidFill>
+          <a:schemeClr val="bg1">
+            <a:lumMod val="65000"/>
+          </a:schemeClr>
+        </a:solidFill>
+        <a:effectLst/>
+      </p:bgPr>
+    </p:bg>
+    <p:spTree>
+      <p:nvGrpSpPr>
+        <p:cNvPr id="1" name=""/>
+        <p:cNvGrpSpPr/>
+        <p:nvPr/>
+      </p:nvGrpSpPr>
+      <p:grpSpPr>
+        <a:xfrm>
+          <a:off x="0" y="0"/>
+          <a:ext cx="0" cy="0"/>
+          <a:chOff x="0" y="0"/>
+          <a:chExt cx="0" cy="0"/>
+        </a:xfrm>
+      </p:grpSpPr>
+      <p:sp>
+        <p:nvSpPr>
+          <p:cNvPr id="2" name="Título 1">
+            <a:extLst>
+              <a:ext uri="{FF2B5EF4-FFF2-40B4-BE49-F238E27FC236}">
                 <a16:creationId xmlns:a16="http://schemas.microsoft.com/office/drawing/2014/main" id="{221C009E-1670-4C7C-984D-A393501F36AD}"/>
               </a:ext>
             </a:extLst>
@@ -4069,14 +9725,19 @@
             <p:ph type="title"/>
           </p:nvPr>
         </p:nvSpPr>
-        <p:spPr/>
+        <p:spPr>
+          <a:xfrm>
+            <a:off x="2217282" y="576765"/>
+            <a:ext cx="7729728" cy="1188720"/>
+          </a:xfrm>
+        </p:spPr>
         <p:txBody>
           <a:bodyPr/>
           <a:lstStyle/>
           <a:p>
             <a:r>
               <a:rPr lang="es-MX" dirty="0"/>
-              <a:t>ARQUITECTURA DE NEGOCIO</a:t>
+              <a:t>BUSSINES ARCHITECTURE</a:t>
             </a:r>
           </a:p>
         </p:txBody>
@@ -4196,7 +9857,7 @@
             <a:fld id="{8A7A6979-0714-4377-B894-6BE4C2D6E202}" type="slidenum">
               <a:rPr lang="en-US" smtClean="0"/>
               <a:pPr/>
-              <a:t>11</a:t>
+              <a:t>16</a:t>
             </a:fld>
             <a:endParaRPr lang="en-US" dirty="0"/>
           </a:p>
@@ -4215,7 +9876,7 @@
 </p:sld>
 </file>
 
-<file path=ppt/slides/slide12.xml><?xml version="1.0" encoding="utf-8"?>
+<file path=ppt/slides/slide17.xml><?xml version="1.0" encoding="utf-8"?>
 <p:sld xmlns:a="http://schemas.openxmlformats.org/drawingml/2006/main" xmlns:r="http://schemas.openxmlformats.org/officeDocument/2006/relationships" xmlns:p="http://schemas.openxmlformats.org/presentationml/2006/main">
   <p:cSld>
     <p:spTree>
@@ -5103,7 +10764,7 @@
           <a:p>
             <a:fld id="{8A7A6979-0714-4377-B894-6BE4C2D6E202}" type="slidenum">
               <a:rPr lang="en-US" smtClean="0"/>
-              <a:t>12</a:t>
+              <a:t>17</a:t>
             </a:fld>
             <a:endParaRPr lang="en-US" dirty="0"/>
           </a:p>
@@ -5122,7 +10783,7 @@
 </p:sld>
 </file>
 
-<file path=ppt/slides/slide13.xml><?xml version="1.0" encoding="utf-8"?>
+<file path=ppt/slides/slide18.xml><?xml version="1.0" encoding="utf-8"?>
 <p:sld xmlns:a="http://schemas.openxmlformats.org/drawingml/2006/main" xmlns:r="http://schemas.openxmlformats.org/officeDocument/2006/relationships" xmlns:p="http://schemas.openxmlformats.org/presentationml/2006/main">
   <p:cSld>
     <p:bg>
@@ -5540,7 +11201,7 @@
           <a:p>
             <a:fld id="{8A7A6979-0714-4377-B894-6BE4C2D6E202}" type="slidenum">
               <a:rPr lang="en-US" smtClean="0"/>
-              <a:t>13</a:t>
+              <a:t>18</a:t>
             </a:fld>
             <a:endParaRPr lang="en-US" dirty="0"/>
           </a:p>
@@ -5559,7 +11220,7 @@
 </p:sld>
 </file>
 
-<file path=ppt/slides/slide14.xml><?xml version="1.0" encoding="utf-8"?>
+<file path=ppt/slides/slide19.xml><?xml version="1.0" encoding="utf-8"?>
 <p:sld xmlns:a="http://schemas.openxmlformats.org/drawingml/2006/main" xmlns:r="http://schemas.openxmlformats.org/officeDocument/2006/relationships" xmlns:p="http://schemas.openxmlformats.org/presentationml/2006/main">
   <p:cSld>
     <p:spTree>
@@ -5917,7 +11578,7 @@
           <a:p>
             <a:fld id="{8A7A6979-0714-4377-B894-6BE4C2D6E202}" type="slidenum">
               <a:rPr lang="en-US" smtClean="0"/>
-              <a:t>14</a:t>
+              <a:t>19</a:t>
             </a:fld>
             <a:endParaRPr lang="en-US" dirty="0"/>
           </a:p>
@@ -5937,6 +11598,755 @@
 </file>
 
 <file path=ppt/slides/slide2.xml><?xml version="1.0" encoding="utf-8"?>
+<p:sld xmlns:a="http://schemas.openxmlformats.org/drawingml/2006/main" xmlns:r="http://schemas.openxmlformats.org/officeDocument/2006/relationships" xmlns:p="http://schemas.openxmlformats.org/presentationml/2006/main">
+  <p:cSld>
+    <p:bg>
+      <p:bgPr>
+        <a:solidFill>
+          <a:schemeClr val="bg2"/>
+        </a:solidFill>
+        <a:effectLst/>
+      </p:bgPr>
+    </p:bg>
+    <p:spTree>
+      <p:nvGrpSpPr>
+        <p:cNvPr id="1" name=""/>
+        <p:cNvGrpSpPr/>
+        <p:nvPr/>
+      </p:nvGrpSpPr>
+      <p:grpSpPr>
+        <a:xfrm>
+          <a:off x="0" y="0"/>
+          <a:ext cx="0" cy="0"/>
+          <a:chOff x="0" y="0"/>
+          <a:chExt cx="0" cy="0"/>
+        </a:xfrm>
+      </p:grpSpPr>
+      <p:sp>
+        <p:nvSpPr>
+          <p:cNvPr id="2" name="Título 1">
+            <a:extLst>
+              <a:ext uri="{FF2B5EF4-FFF2-40B4-BE49-F238E27FC236}">
+                <a16:creationId xmlns:a16="http://schemas.microsoft.com/office/drawing/2014/main" id="{45CFE47A-A5FB-4EE9-A376-02D214EB308F}"/>
+              </a:ext>
+            </a:extLst>
+          </p:cNvPr>
+          <p:cNvSpPr>
+            <a:spLocks noGrp="1"/>
+          </p:cNvSpPr>
+          <p:nvPr>
+            <p:ph type="title"/>
+          </p:nvPr>
+        </p:nvSpPr>
+        <p:spPr>
+          <a:xfrm>
+            <a:off x="2231136" y="964692"/>
+            <a:ext cx="7729728" cy="1188720"/>
+          </a:xfrm>
+        </p:spPr>
+        <p:txBody>
+          <a:bodyPr>
+            <a:normAutofit/>
+          </a:bodyPr>
+          <a:lstStyle/>
+          <a:p>
+            <a:r>
+              <a:rPr lang="es-MX" dirty="0"/>
+              <a:t>Análisis de elementos</a:t>
+            </a:r>
+          </a:p>
+        </p:txBody>
+      </p:sp>
+      <p:sp>
+        <p:nvSpPr>
+          <p:cNvPr id="3" name="Marcador de contenido 2">
+            <a:extLst>
+              <a:ext uri="{FF2B5EF4-FFF2-40B4-BE49-F238E27FC236}">
+                <a16:creationId xmlns:a16="http://schemas.microsoft.com/office/drawing/2014/main" id="{463A436C-C2BD-484C-8D6C-58A9FCA7DF1C}"/>
+              </a:ext>
+            </a:extLst>
+          </p:cNvPr>
+          <p:cNvSpPr>
+            <a:spLocks noGrp="1"/>
+          </p:cNvSpPr>
+          <p:nvPr>
+            <p:ph idx="1"/>
+          </p:nvPr>
+        </p:nvSpPr>
+        <p:spPr>
+          <a:xfrm>
+            <a:off x="1351128" y="2638044"/>
+            <a:ext cx="4502556" cy="3101983"/>
+          </a:xfrm>
+        </p:spPr>
+        <p:txBody>
+          <a:bodyPr>
+            <a:normAutofit/>
+          </a:bodyPr>
+          <a:lstStyle/>
+          <a:p>
+            <a:pPr marL="0" indent="0" algn="just">
+              <a:buNone/>
+            </a:pPr>
+            <a:r>
+              <a:rPr lang="es-MX" sz="2400" dirty="0"/>
+              <a:t>Los elementos que serán revisados son: estructura, comportamiento, gobernabilidad y relaciones entre el hardware, software, redes, datos, interacción humana y el ecosistema que rodea nuestros procesos de negocios.</a:t>
+            </a:r>
+          </a:p>
+          <a:p>
+            <a:endParaRPr lang="es-MX" dirty="0"/>
+          </a:p>
+        </p:txBody>
+      </p:sp>
+      <p:sp>
+        <p:nvSpPr>
+          <p:cNvPr id="11" name="Rectangle 10">
+            <a:extLst>
+              <a:ext uri="{FF2B5EF4-FFF2-40B4-BE49-F238E27FC236}">
+                <a16:creationId xmlns:a16="http://schemas.microsoft.com/office/drawing/2014/main" id="{68C4706B-7943-45AA-AAED-94D184BA7F8D}"/>
+              </a:ext>
+              <a:ext uri="{C183D7F6-B498-43B3-948B-1728B52AA6E4}">
+                <adec:decorative xmlns:adec="http://schemas.microsoft.com/office/drawing/2017/decorative" val="1"/>
+              </a:ext>
+            </a:extLst>
+          </p:cNvPr>
+          <p:cNvSpPr>
+            <a:spLocks noGrp="1" noRot="1" noChangeAspect="1" noMove="1" noResize="1" noEditPoints="1" noAdjustHandles="1" noChangeArrowheads="1" noChangeShapeType="1" noTextEdit="1"/>
+          </p:cNvSpPr>
+          <p:nvPr>
+            <p:extLst>
+              <p:ext uri="{386F3935-93C4-4BCD-93E2-E3B085C9AB24}">
+                <p16:designElem xmlns:p16="http://schemas.microsoft.com/office/powerpoint/2015/main" val="1"/>
+              </p:ext>
+            </p:extLst>
+          </p:nvPr>
+        </p:nvSpPr>
+        <p:spPr>
+          <a:xfrm>
+            <a:off x="6338316" y="2743200"/>
+            <a:ext cx="3622548" cy="2996827"/>
+          </a:xfrm>
+          <a:prstGeom prst="rect">
+            <a:avLst/>
+          </a:prstGeom>
+          <a:noFill/>
+          <a:ln w="31750" cap="sq">
+            <a:solidFill>
+              <a:srgbClr val="FFFFFF"/>
+            </a:solidFill>
+            <a:miter lim="800000"/>
+          </a:ln>
+        </p:spPr>
+        <p:style>
+          <a:lnRef idx="2">
+            <a:schemeClr val="accent1">
+              <a:shade val="50000"/>
+            </a:schemeClr>
+          </a:lnRef>
+          <a:fillRef idx="1">
+            <a:schemeClr val="accent1"/>
+          </a:fillRef>
+          <a:effectRef idx="0">
+            <a:schemeClr val="accent1"/>
+          </a:effectRef>
+          <a:fontRef idx="minor">
+            <a:schemeClr val="lt1"/>
+          </a:fontRef>
+        </p:style>
+        <p:txBody>
+          <a:bodyPr rtlCol="0" anchor="ctr"/>
+          <a:lstStyle/>
+          <a:p>
+            <a:pPr algn="ctr"/>
+            <a:endParaRPr lang="en-US" dirty="0"/>
+          </a:p>
+        </p:txBody>
+      </p:sp>
+      <p:pic>
+        <p:nvPicPr>
+          <p:cNvPr id="6" name="Imagen 5">
+            <a:extLst>
+              <a:ext uri="{FF2B5EF4-FFF2-40B4-BE49-F238E27FC236}">
+                <a16:creationId xmlns:a16="http://schemas.microsoft.com/office/drawing/2014/main" id="{B3A6A89E-DCD8-454D-9803-45E9A5F4F17E}"/>
+              </a:ext>
+            </a:extLst>
+          </p:cNvPr>
+          <p:cNvPicPr>
+            <a:picLocks noChangeAspect="1"/>
+          </p:cNvPicPr>
+          <p:nvPr/>
+        </p:nvPicPr>
+        <p:blipFill rotWithShape="1">
+          <a:blip r:embed="rId2">
+            <a:extLst>
+              <a:ext uri="{BEBA8EAE-BF5A-486C-A8C5-ECC9F3942E4B}">
+                <a14:imgProps xmlns:a14="http://schemas.microsoft.com/office/drawing/2010/main">
+                  <a14:imgLayer r:embed="rId3">
+                    <a14:imgEffect>
+                      <a14:backgroundRemoval t="10000" b="90000" l="10000" r="90000"/>
+                    </a14:imgEffect>
+                  </a14:imgLayer>
+                </a14:imgProps>
+              </a:ext>
+            </a:extLst>
+          </a:blip>
+          <a:srcRect l="15246" r="28847" b="-2"/>
+          <a:stretch/>
+        </p:blipFill>
+        <p:spPr>
+          <a:xfrm>
+            <a:off x="6632681" y="2933883"/>
+            <a:ext cx="3231068" cy="2620755"/>
+          </a:xfrm>
+          <a:prstGeom prst="rect">
+            <a:avLst/>
+          </a:prstGeom>
+        </p:spPr>
+      </p:pic>
+      <p:sp>
+        <p:nvSpPr>
+          <p:cNvPr id="4" name="Marcador de número de diapositiva 3">
+            <a:extLst>
+              <a:ext uri="{FF2B5EF4-FFF2-40B4-BE49-F238E27FC236}">
+                <a16:creationId xmlns:a16="http://schemas.microsoft.com/office/drawing/2014/main" id="{2BB7C21D-4E90-4670-B91F-1E1DE186B0C8}"/>
+              </a:ext>
+            </a:extLst>
+          </p:cNvPr>
+          <p:cNvSpPr>
+            <a:spLocks noGrp="1"/>
+          </p:cNvSpPr>
+          <p:nvPr>
+            <p:ph type="sldNum" sz="quarter" idx="12"/>
+          </p:nvPr>
+        </p:nvSpPr>
+        <p:spPr>
+          <a:xfrm>
+            <a:off x="10758922" y="6217920"/>
+            <a:ext cx="365760" cy="365760"/>
+          </a:xfrm>
+        </p:spPr>
+        <p:txBody>
+          <a:bodyPr>
+            <a:normAutofit/>
+          </a:bodyPr>
+          <a:lstStyle/>
+          <a:p>
+            <a:pPr>
+              <a:lnSpc>
+                <a:spcPct val="90000"/>
+              </a:lnSpc>
+              <a:spcAft>
+                <a:spcPts val="600"/>
+              </a:spcAft>
+            </a:pPr>
+            <a:fld id="{8A7A6979-0714-4377-B894-6BE4C2D6E202}" type="slidenum">
+              <a:rPr lang="en-US" smtClean="0"/>
+              <a:pPr>
+                <a:lnSpc>
+                  <a:spcPct val="90000"/>
+                </a:lnSpc>
+                <a:spcAft>
+                  <a:spcPts val="600"/>
+                </a:spcAft>
+              </a:pPr>
+              <a:t>2</a:t>
+            </a:fld>
+            <a:endParaRPr lang="en-US"/>
+          </a:p>
+        </p:txBody>
+      </p:sp>
+    </p:spTree>
+    <p:extLst>
+      <p:ext uri="{BB962C8B-B14F-4D97-AF65-F5344CB8AC3E}">
+        <p14:creationId xmlns:p14="http://schemas.microsoft.com/office/powerpoint/2010/main" val="2329802889"/>
+      </p:ext>
+    </p:extLst>
+  </p:cSld>
+  <p:clrMapOvr>
+    <a:masterClrMapping/>
+  </p:clrMapOvr>
+</p:sld>
+</file>
+
+<file path=ppt/slides/slide3.xml><?xml version="1.0" encoding="utf-8"?>
+<p:sld xmlns:a="http://schemas.openxmlformats.org/drawingml/2006/main" xmlns:r="http://schemas.openxmlformats.org/officeDocument/2006/relationships" xmlns:p="http://schemas.openxmlformats.org/presentationml/2006/main">
+  <p:cSld>
+    <p:bg>
+      <p:bgPr>
+        <a:solidFill>
+          <a:schemeClr val="bg1">
+            <a:lumMod val="65000"/>
+          </a:schemeClr>
+        </a:solidFill>
+        <a:effectLst/>
+      </p:bgPr>
+    </p:bg>
+    <p:spTree>
+      <p:nvGrpSpPr>
+        <p:cNvPr id="1" name=""/>
+        <p:cNvGrpSpPr/>
+        <p:nvPr/>
+      </p:nvGrpSpPr>
+      <p:grpSpPr>
+        <a:xfrm>
+          <a:off x="0" y="0"/>
+          <a:ext cx="0" cy="0"/>
+          <a:chOff x="0" y="0"/>
+          <a:chExt cx="0" cy="0"/>
+        </a:xfrm>
+      </p:grpSpPr>
+      <p:sp>
+        <p:nvSpPr>
+          <p:cNvPr id="2" name="Título 1">
+            <a:extLst>
+              <a:ext uri="{FF2B5EF4-FFF2-40B4-BE49-F238E27FC236}">
+                <a16:creationId xmlns:a16="http://schemas.microsoft.com/office/drawing/2014/main" id="{41F00584-773F-4695-9F5D-6FAE1EE58158}"/>
+              </a:ext>
+            </a:extLst>
+          </p:cNvPr>
+          <p:cNvSpPr>
+            <a:spLocks noGrp="1"/>
+          </p:cNvSpPr>
+          <p:nvPr>
+            <p:ph type="title"/>
+          </p:nvPr>
+        </p:nvSpPr>
+        <p:spPr/>
+        <p:txBody>
+          <a:bodyPr/>
+          <a:lstStyle/>
+          <a:p>
+            <a:r>
+              <a:rPr lang="es-MX" dirty="0"/>
+              <a:t>revisión</a:t>
+            </a:r>
+          </a:p>
+        </p:txBody>
+      </p:sp>
+      <p:sp>
+        <p:nvSpPr>
+          <p:cNvPr id="3" name="Marcador de contenido 2">
+            <a:extLst>
+              <a:ext uri="{FF2B5EF4-FFF2-40B4-BE49-F238E27FC236}">
+                <a16:creationId xmlns:a16="http://schemas.microsoft.com/office/drawing/2014/main" id="{1592402C-11C3-495A-AE0B-4F84D748BFB4}"/>
+              </a:ext>
+            </a:extLst>
+          </p:cNvPr>
+          <p:cNvSpPr>
+            <a:spLocks noGrp="1"/>
+          </p:cNvSpPr>
+          <p:nvPr>
+            <p:ph idx="1"/>
+          </p:nvPr>
+        </p:nvSpPr>
+        <p:spPr>
+          <a:xfrm>
+            <a:off x="1746913" y="2474271"/>
+            <a:ext cx="8787157" cy="3530744"/>
+          </a:xfrm>
+        </p:spPr>
+        <p:txBody>
+          <a:bodyPr>
+            <a:normAutofit lnSpcReduction="10000"/>
+          </a:bodyPr>
+          <a:lstStyle/>
+          <a:p>
+            <a:pPr marL="0" indent="0">
+              <a:buNone/>
+            </a:pPr>
+            <a:r>
+              <a:rPr lang="es-MX" sz="2400" dirty="0"/>
+              <a:t>Se revisaría la estructuración de cada elemento, que los requerimientos del cliente sean de acuerdo a las propuestas de los clientes que los modelos de la arquitectura sean los correctos</a:t>
+            </a:r>
+          </a:p>
+          <a:p>
+            <a:pPr lvl="0"/>
+            <a:r>
+              <a:rPr lang="es-MX" sz="2400" dirty="0"/>
+              <a:t>Modelo contextual</a:t>
+            </a:r>
+          </a:p>
+          <a:p>
+            <a:pPr lvl="0"/>
+            <a:r>
+              <a:rPr lang="es-MX" sz="2400" dirty="0"/>
+              <a:t>Modelo empresarial</a:t>
+            </a:r>
+          </a:p>
+          <a:p>
+            <a:pPr lvl="0"/>
+            <a:r>
+              <a:rPr lang="es-MX" sz="2400" dirty="0"/>
+              <a:t>Modelo de lógica de sistema</a:t>
+            </a:r>
+          </a:p>
+          <a:p>
+            <a:pPr lvl="0"/>
+            <a:r>
+              <a:rPr lang="es-MX" sz="2400" dirty="0"/>
+              <a:t>Modelo tecnológico </a:t>
+            </a:r>
+          </a:p>
+          <a:p>
+            <a:pPr lvl="0"/>
+            <a:r>
+              <a:rPr lang="es-MX" sz="2400" dirty="0"/>
+              <a:t>Modelo de representaciones modelo operativo</a:t>
+            </a:r>
+          </a:p>
+          <a:p>
+            <a:endParaRPr lang="es-MX" dirty="0"/>
+          </a:p>
+        </p:txBody>
+      </p:sp>
+      <p:sp>
+        <p:nvSpPr>
+          <p:cNvPr id="4" name="Marcador de número de diapositiva 3">
+            <a:extLst>
+              <a:ext uri="{FF2B5EF4-FFF2-40B4-BE49-F238E27FC236}">
+                <a16:creationId xmlns:a16="http://schemas.microsoft.com/office/drawing/2014/main" id="{8913EA4A-CFDB-4E26-9617-F8AD16DD301B}"/>
+              </a:ext>
+            </a:extLst>
+          </p:cNvPr>
+          <p:cNvSpPr>
+            <a:spLocks noGrp="1"/>
+          </p:cNvSpPr>
+          <p:nvPr>
+            <p:ph type="sldNum" sz="quarter" idx="12"/>
+          </p:nvPr>
+        </p:nvSpPr>
+        <p:spPr/>
+        <p:txBody>
+          <a:bodyPr/>
+          <a:lstStyle/>
+          <a:p>
+            <a:fld id="{8A7A6979-0714-4377-B894-6BE4C2D6E202}" type="slidenum">
+              <a:rPr lang="en-US" smtClean="0"/>
+              <a:pPr/>
+              <a:t>3</a:t>
+            </a:fld>
+            <a:endParaRPr lang="en-US" dirty="0"/>
+          </a:p>
+        </p:txBody>
+      </p:sp>
+    </p:spTree>
+    <p:extLst>
+      <p:ext uri="{BB962C8B-B14F-4D97-AF65-F5344CB8AC3E}">
+        <p14:creationId xmlns:p14="http://schemas.microsoft.com/office/powerpoint/2010/main" val="1739754309"/>
+      </p:ext>
+    </p:extLst>
+  </p:cSld>
+  <p:clrMapOvr>
+    <a:masterClrMapping/>
+  </p:clrMapOvr>
+</p:sld>
+</file>
+
+<file path=ppt/slides/slide4.xml><?xml version="1.0" encoding="utf-8"?>
+<p:sld xmlns:a="http://schemas.openxmlformats.org/drawingml/2006/main" xmlns:r="http://schemas.openxmlformats.org/officeDocument/2006/relationships" xmlns:p="http://schemas.openxmlformats.org/presentationml/2006/main">
+  <p:cSld>
+    <p:spTree>
+      <p:nvGrpSpPr>
+        <p:cNvPr id="1" name=""/>
+        <p:cNvGrpSpPr/>
+        <p:nvPr/>
+      </p:nvGrpSpPr>
+      <p:grpSpPr>
+        <a:xfrm>
+          <a:off x="0" y="0"/>
+          <a:ext cx="0" cy="0"/>
+          <a:chOff x="0" y="0"/>
+          <a:chExt cx="0" cy="0"/>
+        </a:xfrm>
+      </p:grpSpPr>
+      <p:sp>
+        <p:nvSpPr>
+          <p:cNvPr id="2" name="Título 1">
+            <a:extLst>
+              <a:ext uri="{FF2B5EF4-FFF2-40B4-BE49-F238E27FC236}">
+                <a16:creationId xmlns:a16="http://schemas.microsoft.com/office/drawing/2014/main" id="{DB38DCBB-88A1-4BBB-9ED3-B6E2544346E7}"/>
+              </a:ext>
+            </a:extLst>
+          </p:cNvPr>
+          <p:cNvSpPr>
+            <a:spLocks noGrp="1"/>
+          </p:cNvSpPr>
+          <p:nvPr>
+            <p:ph type="title"/>
+          </p:nvPr>
+        </p:nvSpPr>
+        <p:spPr/>
+        <p:txBody>
+          <a:bodyPr/>
+          <a:lstStyle/>
+          <a:p>
+            <a:r>
+              <a:rPr lang="es-MX" dirty="0"/>
+              <a:t>DOCUMENTACIÓN</a:t>
+            </a:r>
+          </a:p>
+        </p:txBody>
+      </p:sp>
+      <p:sp>
+        <p:nvSpPr>
+          <p:cNvPr id="3" name="Marcador de contenido 2">
+            <a:extLst>
+              <a:ext uri="{FF2B5EF4-FFF2-40B4-BE49-F238E27FC236}">
+                <a16:creationId xmlns:a16="http://schemas.microsoft.com/office/drawing/2014/main" id="{79A7A610-E134-4620-9057-9AC61C95C938}"/>
+              </a:ext>
+            </a:extLst>
+          </p:cNvPr>
+          <p:cNvSpPr>
+            <a:spLocks noGrp="1"/>
+          </p:cNvSpPr>
+          <p:nvPr>
+            <p:ph idx="1"/>
+          </p:nvPr>
+        </p:nvSpPr>
+        <p:spPr>
+          <a:xfrm>
+            <a:off x="1542197" y="2419679"/>
+            <a:ext cx="9853684" cy="4240427"/>
+          </a:xfrm>
+        </p:spPr>
+        <p:txBody>
+          <a:bodyPr>
+            <a:normAutofit lnSpcReduction="10000"/>
+          </a:bodyPr>
+          <a:lstStyle/>
+          <a:p>
+            <a:pPr marL="0" indent="0">
+              <a:buNone/>
+            </a:pPr>
+            <a:r>
+              <a:rPr lang="es-MX" sz="2400" dirty="0"/>
+              <a:t>SU documentación será basada:</a:t>
+            </a:r>
+          </a:p>
+          <a:p>
+            <a:pPr lvl="0"/>
+            <a:r>
+              <a:rPr lang="es-MX" sz="2400" dirty="0"/>
+              <a:t>Finalidad estratégica</a:t>
+            </a:r>
+          </a:p>
+          <a:p>
+            <a:pPr lvl="0"/>
+            <a:r>
+              <a:rPr lang="es-MX" sz="2400" dirty="0"/>
+              <a:t>Alcance</a:t>
+            </a:r>
+          </a:p>
+          <a:p>
+            <a:pPr lvl="0"/>
+            <a:r>
+              <a:rPr lang="es-MX" sz="2400" dirty="0"/>
+              <a:t>Productos finales</a:t>
+            </a:r>
+          </a:p>
+          <a:p>
+            <a:pPr lvl="0"/>
+            <a:r>
+              <a:rPr lang="es-MX" sz="2400" dirty="0"/>
+              <a:t>Objetivos esperados</a:t>
+            </a:r>
+          </a:p>
+          <a:p>
+            <a:pPr lvl="0"/>
+            <a:r>
+              <a:rPr lang="es-MX" sz="2400" dirty="0"/>
+              <a:t>Planificación (fases, etapas, acciones, etc.)</a:t>
+            </a:r>
+          </a:p>
+          <a:p>
+            <a:pPr lvl="0"/>
+            <a:r>
+              <a:rPr lang="es-MX" sz="2400" dirty="0"/>
+              <a:t>Plan de comunicación </a:t>
+            </a:r>
+          </a:p>
+          <a:p>
+            <a:pPr lvl="0"/>
+            <a:r>
+              <a:rPr lang="es-MX" sz="2400" dirty="0"/>
+              <a:t>Limitaciones </a:t>
+            </a:r>
+          </a:p>
+          <a:p>
+            <a:pPr lvl="0"/>
+            <a:r>
+              <a:rPr lang="es-MX" sz="2400" dirty="0"/>
+              <a:t>Riesgos del proyecto</a:t>
+            </a:r>
+          </a:p>
+          <a:p>
+            <a:endParaRPr lang="es-MX" dirty="0"/>
+          </a:p>
+        </p:txBody>
+      </p:sp>
+      <p:sp>
+        <p:nvSpPr>
+          <p:cNvPr id="4" name="Marcador de número de diapositiva 3">
+            <a:extLst>
+              <a:ext uri="{FF2B5EF4-FFF2-40B4-BE49-F238E27FC236}">
+                <a16:creationId xmlns:a16="http://schemas.microsoft.com/office/drawing/2014/main" id="{4F3EBDD1-4863-4B51-AC7D-E81E6DB2CC9F}"/>
+              </a:ext>
+            </a:extLst>
+          </p:cNvPr>
+          <p:cNvSpPr>
+            <a:spLocks noGrp="1"/>
+          </p:cNvSpPr>
+          <p:nvPr>
+            <p:ph type="sldNum" sz="quarter" idx="12"/>
+          </p:nvPr>
+        </p:nvSpPr>
+        <p:spPr/>
+        <p:txBody>
+          <a:bodyPr/>
+          <a:lstStyle/>
+          <a:p>
+            <a:fld id="{8A7A6979-0714-4377-B894-6BE4C2D6E202}" type="slidenum">
+              <a:rPr lang="en-US" smtClean="0"/>
+              <a:pPr/>
+              <a:t>4</a:t>
+            </a:fld>
+            <a:endParaRPr lang="en-US" dirty="0"/>
+          </a:p>
+        </p:txBody>
+      </p:sp>
+    </p:spTree>
+    <p:extLst>
+      <p:ext uri="{BB962C8B-B14F-4D97-AF65-F5344CB8AC3E}">
+        <p14:creationId xmlns:p14="http://schemas.microsoft.com/office/powerpoint/2010/main" val="2228492693"/>
+      </p:ext>
+    </p:extLst>
+  </p:cSld>
+  <p:clrMapOvr>
+    <a:masterClrMapping/>
+  </p:clrMapOvr>
+</p:sld>
+</file>
+
+<file path=ppt/slides/slide5.xml><?xml version="1.0" encoding="utf-8"?>
+<p:sld xmlns:a="http://schemas.openxmlformats.org/drawingml/2006/main" xmlns:r="http://schemas.openxmlformats.org/officeDocument/2006/relationships" xmlns:p="http://schemas.openxmlformats.org/presentationml/2006/main">
+  <p:cSld>
+    <p:spTree>
+      <p:nvGrpSpPr>
+        <p:cNvPr id="1" name=""/>
+        <p:cNvGrpSpPr/>
+        <p:nvPr/>
+      </p:nvGrpSpPr>
+      <p:grpSpPr>
+        <a:xfrm>
+          <a:off x="0" y="0"/>
+          <a:ext cx="0" cy="0"/>
+          <a:chOff x="0" y="0"/>
+          <a:chExt cx="0" cy="0"/>
+        </a:xfrm>
+      </p:grpSpPr>
+      <p:sp>
+        <p:nvSpPr>
+          <p:cNvPr id="2" name="Título 1">
+            <a:extLst>
+              <a:ext uri="{FF2B5EF4-FFF2-40B4-BE49-F238E27FC236}">
+                <a16:creationId xmlns:a16="http://schemas.microsoft.com/office/drawing/2014/main" id="{BB13768C-120D-4AC2-87A1-EC216C8183E0}"/>
+              </a:ext>
+            </a:extLst>
+          </p:cNvPr>
+          <p:cNvSpPr>
+            <a:spLocks noGrp="1"/>
+          </p:cNvSpPr>
+          <p:nvPr>
+            <p:ph type="title"/>
+          </p:nvPr>
+        </p:nvSpPr>
+        <p:spPr/>
+        <p:txBody>
+          <a:bodyPr/>
+          <a:lstStyle/>
+          <a:p>
+            <a:r>
+              <a:rPr lang="es-MX" dirty="0"/>
+              <a:t>Propuesta</a:t>
+            </a:r>
+          </a:p>
+        </p:txBody>
+      </p:sp>
+      <p:sp>
+        <p:nvSpPr>
+          <p:cNvPr id="3" name="Marcador de contenido 2">
+            <a:extLst>
+              <a:ext uri="{FF2B5EF4-FFF2-40B4-BE49-F238E27FC236}">
+                <a16:creationId xmlns:a16="http://schemas.microsoft.com/office/drawing/2014/main" id="{71046C26-86A8-4238-8267-ED9B5FDA4584}"/>
+              </a:ext>
+            </a:extLst>
+          </p:cNvPr>
+          <p:cNvSpPr>
+            <a:spLocks noGrp="1"/>
+          </p:cNvSpPr>
+          <p:nvPr>
+            <p:ph idx="1"/>
+          </p:nvPr>
+        </p:nvSpPr>
+        <p:spPr/>
+        <p:txBody>
+          <a:bodyPr>
+            <a:normAutofit/>
+          </a:bodyPr>
+          <a:lstStyle/>
+          <a:p>
+            <a:pPr algn="just"/>
+            <a:r>
+              <a:rPr lang="es-MX" sz="2400" dirty="0"/>
+              <a:t>Para lograr el alcance esperado, se necesita calcular el trafico de usuarios esperados, para determinar la cantidad de procesamiento o de respuesta del servidor, para planificar un correcta compra de equipo de hardware y de software, sin exceder el presupuesto y considerar los requerimientos del cliente.</a:t>
+            </a:r>
+          </a:p>
+        </p:txBody>
+      </p:sp>
+      <p:sp>
+        <p:nvSpPr>
+          <p:cNvPr id="4" name="Marcador de número de diapositiva 3">
+            <a:extLst>
+              <a:ext uri="{FF2B5EF4-FFF2-40B4-BE49-F238E27FC236}">
+                <a16:creationId xmlns:a16="http://schemas.microsoft.com/office/drawing/2014/main" id="{4F640A8E-E6DC-4377-8778-23B63B6EE517}"/>
+              </a:ext>
+            </a:extLst>
+          </p:cNvPr>
+          <p:cNvSpPr>
+            <a:spLocks noGrp="1"/>
+          </p:cNvSpPr>
+          <p:nvPr>
+            <p:ph type="sldNum" sz="quarter" idx="12"/>
+          </p:nvPr>
+        </p:nvSpPr>
+        <p:spPr/>
+        <p:txBody>
+          <a:bodyPr/>
+          <a:lstStyle/>
+          <a:p>
+            <a:fld id="{8A7A6979-0714-4377-B894-6BE4C2D6E202}" type="slidenum">
+              <a:rPr lang="en-US" smtClean="0"/>
+              <a:pPr/>
+              <a:t>5</a:t>
+            </a:fld>
+            <a:endParaRPr lang="en-US" dirty="0"/>
+          </a:p>
+        </p:txBody>
+      </p:sp>
+    </p:spTree>
+    <p:extLst>
+      <p:ext uri="{BB962C8B-B14F-4D97-AF65-F5344CB8AC3E}">
+        <p14:creationId xmlns:p14="http://schemas.microsoft.com/office/powerpoint/2010/main" val="1064900552"/>
+      </p:ext>
+    </p:extLst>
+  </p:cSld>
+  <p:clrMapOvr>
+    <a:masterClrMapping/>
+  </p:clrMapOvr>
+</p:sld>
+</file>
+
+<file path=ppt/slides/slide6.xml><?xml version="1.0" encoding="utf-8"?>
 <p:sld xmlns:a="http://schemas.openxmlformats.org/drawingml/2006/main" xmlns:r="http://schemas.openxmlformats.org/officeDocument/2006/relationships" xmlns:p="http://schemas.openxmlformats.org/presentationml/2006/main">
   <p:cSld>
     <p:spTree>
@@ -6100,7 +12510,7 @@
             <a:fld id="{8A7A6979-0714-4377-B894-6BE4C2D6E202}" type="slidenum">
               <a:rPr lang="en-US" smtClean="0"/>
               <a:pPr/>
-              <a:t>2</a:t>
+              <a:t>6</a:t>
             </a:fld>
             <a:endParaRPr lang="en-US" dirty="0"/>
           </a:p>
@@ -6119,7 +12529,7 @@
 </p:sld>
 </file>
 
-<file path=ppt/slides/slide3.xml><?xml version="1.0" encoding="utf-8"?>
+<file path=ppt/slides/slide7.xml><?xml version="1.0" encoding="utf-8"?>
 <p:sld xmlns:a="http://schemas.openxmlformats.org/drawingml/2006/main" xmlns:r="http://schemas.openxmlformats.org/officeDocument/2006/relationships" xmlns:p="http://schemas.openxmlformats.org/presentationml/2006/main">
   <p:cSld>
     <p:bg>
@@ -6329,7 +12739,7 @@
             <a:fld id="{8A7A6979-0714-4377-B894-6BE4C2D6E202}" type="slidenum">
               <a:rPr lang="en-US" smtClean="0"/>
               <a:pPr/>
-              <a:t>3</a:t>
+              <a:t>7</a:t>
             </a:fld>
             <a:endParaRPr lang="en-US" dirty="0"/>
           </a:p>
@@ -6348,7 +12758,7 @@
 </p:sld>
 </file>
 
-<file path=ppt/slides/slide4.xml><?xml version="1.0" encoding="utf-8"?>
+<file path=ppt/slides/slide8.xml><?xml version="1.0" encoding="utf-8"?>
 <p:sld xmlns:a="http://schemas.openxmlformats.org/drawingml/2006/main" xmlns:r="http://schemas.openxmlformats.org/officeDocument/2006/relationships" xmlns:p="http://schemas.openxmlformats.org/presentationml/2006/main">
   <p:cSld>
     <p:spTree>
@@ -6484,7 +12894,7 @@
             <a:fld id="{8A7A6979-0714-4377-B894-6BE4C2D6E202}" type="slidenum">
               <a:rPr lang="en-US" smtClean="0"/>
               <a:pPr/>
-              <a:t>4</a:t>
+              <a:t>8</a:t>
             </a:fld>
             <a:endParaRPr lang="en-US" dirty="0"/>
           </a:p>
@@ -6503,7 +12913,7 @@
 </p:sld>
 </file>
 
-<file path=ppt/slides/slide5.xml><?xml version="1.0" encoding="utf-8"?>
+<file path=ppt/slides/slide9.xml><?xml version="1.0" encoding="utf-8"?>
 <p:sld xmlns:a="http://schemas.openxmlformats.org/drawingml/2006/main" xmlns:r="http://schemas.openxmlformats.org/officeDocument/2006/relationships" xmlns:p="http://schemas.openxmlformats.org/presentationml/2006/main">
   <p:cSld>
     <p:bg>
@@ -6772,7 +13182,7 @@
             <a:fld id="{8A7A6979-0714-4377-B894-6BE4C2D6E202}" type="slidenum">
               <a:rPr lang="en-US" smtClean="0"/>
               <a:pPr/>
-              <a:t>5</a:t>
+              <a:t>9</a:t>
             </a:fld>
             <a:endParaRPr lang="en-US" dirty="0"/>
           </a:p>
@@ -6782,724 +13192,6 @@
     <p:extLst>
       <p:ext uri="{BB962C8B-B14F-4D97-AF65-F5344CB8AC3E}">
         <p14:creationId xmlns:p14="http://schemas.microsoft.com/office/powerpoint/2010/main" val="3464021324"/>
-      </p:ext>
-    </p:extLst>
-  </p:cSld>
-  <p:clrMapOvr>
-    <a:masterClrMapping/>
-  </p:clrMapOvr>
-</p:sld>
-</file>
-
-<file path=ppt/slides/slide6.xml><?xml version="1.0" encoding="utf-8"?>
-<p:sld xmlns:a="http://schemas.openxmlformats.org/drawingml/2006/main" xmlns:r="http://schemas.openxmlformats.org/officeDocument/2006/relationships" xmlns:p="http://schemas.openxmlformats.org/presentationml/2006/main">
-  <p:cSld>
-    <p:spTree>
-      <p:nvGrpSpPr>
-        <p:cNvPr id="1" name=""/>
-        <p:cNvGrpSpPr/>
-        <p:nvPr/>
-      </p:nvGrpSpPr>
-      <p:grpSpPr>
-        <a:xfrm>
-          <a:off x="0" y="0"/>
-          <a:ext cx="0" cy="0"/>
-          <a:chOff x="0" y="0"/>
-          <a:chExt cx="0" cy="0"/>
-        </a:xfrm>
-      </p:grpSpPr>
-      <p:sp>
-        <p:nvSpPr>
-          <p:cNvPr id="2" name="Título 1">
-            <a:extLst>
-              <a:ext uri="{FF2B5EF4-FFF2-40B4-BE49-F238E27FC236}">
-                <a16:creationId xmlns:a16="http://schemas.microsoft.com/office/drawing/2014/main" id="{195F426D-6D10-48F0-A984-55C38B83A4D8}"/>
-              </a:ext>
-            </a:extLst>
-          </p:cNvPr>
-          <p:cNvSpPr>
-            <a:spLocks noGrp="1"/>
-          </p:cNvSpPr>
-          <p:nvPr>
-            <p:ph type="title"/>
-          </p:nvPr>
-        </p:nvSpPr>
-        <p:spPr>
-          <a:xfrm>
-            <a:off x="2470839" y="164591"/>
-            <a:ext cx="7250321" cy="766137"/>
-          </a:xfrm>
-        </p:spPr>
-        <p:txBody>
-          <a:bodyPr/>
-          <a:lstStyle/>
-          <a:p>
-            <a:r>
-              <a:rPr lang="es-MX" dirty="0"/>
-              <a:t>Propuesta</a:t>
-            </a:r>
-          </a:p>
-        </p:txBody>
-      </p:sp>
-      <p:sp>
-        <p:nvSpPr>
-          <p:cNvPr id="4" name="Elipse 3">
-            <a:extLst>
-              <a:ext uri="{FF2B5EF4-FFF2-40B4-BE49-F238E27FC236}">
-                <a16:creationId xmlns:a16="http://schemas.microsoft.com/office/drawing/2014/main" id="{D76C2DCE-980A-42D8-B227-C5A4E3607A6F}"/>
-              </a:ext>
-            </a:extLst>
-          </p:cNvPr>
-          <p:cNvSpPr/>
-          <p:nvPr/>
-        </p:nvSpPr>
-        <p:spPr>
-          <a:xfrm>
-            <a:off x="791136" y="2141004"/>
-            <a:ext cx="1440000" cy="1440000"/>
-          </a:xfrm>
-          <a:prstGeom prst="ellipse">
-            <a:avLst/>
-          </a:prstGeom>
-        </p:spPr>
-        <p:style>
-          <a:lnRef idx="2">
-            <a:schemeClr val="accent1">
-              <a:shade val="50000"/>
-            </a:schemeClr>
-          </a:lnRef>
-          <a:fillRef idx="1">
-            <a:schemeClr val="accent1"/>
-          </a:fillRef>
-          <a:effectRef idx="0">
-            <a:schemeClr val="accent1"/>
-          </a:effectRef>
-          <a:fontRef idx="minor">
-            <a:schemeClr val="lt1"/>
-          </a:fontRef>
-        </p:style>
-        <p:txBody>
-          <a:bodyPr rtlCol="0" anchor="ctr"/>
-          <a:lstStyle/>
-          <a:p>
-            <a:pPr algn="ctr"/>
-            <a:r>
-              <a:rPr lang="es-MX" dirty="0"/>
-              <a:t>Sismos</a:t>
-            </a:r>
-          </a:p>
-        </p:txBody>
-      </p:sp>
-      <p:sp>
-        <p:nvSpPr>
-          <p:cNvPr id="5" name="Rectángulo 4">
-            <a:extLst>
-              <a:ext uri="{FF2B5EF4-FFF2-40B4-BE49-F238E27FC236}">
-                <a16:creationId xmlns:a16="http://schemas.microsoft.com/office/drawing/2014/main" id="{D697680D-8436-4580-A86B-EE252F1832DC}"/>
-              </a:ext>
-            </a:extLst>
-          </p:cNvPr>
-          <p:cNvSpPr/>
-          <p:nvPr/>
-        </p:nvSpPr>
-        <p:spPr>
-          <a:xfrm>
-            <a:off x="6095999" y="1584692"/>
-            <a:ext cx="6096000" cy="1631216"/>
-          </a:xfrm>
-          <a:prstGeom prst="rect">
-            <a:avLst/>
-          </a:prstGeom>
-        </p:spPr>
-        <p:txBody>
-          <a:bodyPr>
-            <a:spAutoFit/>
-          </a:bodyPr>
-          <a:lstStyle/>
-          <a:p>
-            <a:pPr marL="742950" lvl="1" indent="-285750">
-              <a:buFont typeface="Arial" panose="020B0604020202020204" pitchFamily="34" charset="0"/>
-              <a:buChar char="•"/>
-            </a:pPr>
-            <a:r>
-              <a:rPr lang="es-MX" sz="2000" dirty="0"/>
-              <a:t>Sismos.</a:t>
-            </a:r>
-          </a:p>
-          <a:p>
-            <a:pPr marL="742950" lvl="1" indent="-285750">
-              <a:buFont typeface="Arial" panose="020B0604020202020204" pitchFamily="34" charset="0"/>
-              <a:buChar char="•"/>
-            </a:pPr>
-            <a:r>
-              <a:rPr lang="es-MX" sz="2000" dirty="0"/>
-              <a:t>Inundaciones.</a:t>
-            </a:r>
-          </a:p>
-          <a:p>
-            <a:pPr marL="742950" lvl="1" indent="-285750">
-              <a:buFont typeface="Arial" panose="020B0604020202020204" pitchFamily="34" charset="0"/>
-              <a:buChar char="•"/>
-            </a:pPr>
-            <a:r>
-              <a:rPr lang="es-MX" sz="2000" dirty="0"/>
-              <a:t>Tormentas.</a:t>
-            </a:r>
-          </a:p>
-          <a:p>
-            <a:pPr marL="742950" lvl="1" indent="-285750">
-              <a:buFont typeface="Arial" panose="020B0604020202020204" pitchFamily="34" charset="0"/>
-              <a:buChar char="•"/>
-            </a:pPr>
-            <a:r>
-              <a:rPr lang="es-MX" sz="2000" dirty="0"/>
-              <a:t>Erupciones.</a:t>
-            </a:r>
-          </a:p>
-          <a:p>
-            <a:pPr marL="742950" lvl="1" indent="-285750">
-              <a:buFont typeface="Arial" panose="020B0604020202020204" pitchFamily="34" charset="0"/>
-              <a:buChar char="•"/>
-            </a:pPr>
-            <a:r>
-              <a:rPr lang="es-MX" sz="2000" dirty="0"/>
-              <a:t>Maremotos.</a:t>
-            </a:r>
-            <a:endParaRPr lang="es-MX" dirty="0"/>
-          </a:p>
-        </p:txBody>
-      </p:sp>
-      <p:sp>
-        <p:nvSpPr>
-          <p:cNvPr id="6" name="Elipse 5">
-            <a:extLst>
-              <a:ext uri="{FF2B5EF4-FFF2-40B4-BE49-F238E27FC236}">
-                <a16:creationId xmlns:a16="http://schemas.microsoft.com/office/drawing/2014/main" id="{097C687C-FA29-4D41-85A1-9304FB0B8751}"/>
-              </a:ext>
-            </a:extLst>
-          </p:cNvPr>
-          <p:cNvSpPr/>
-          <p:nvPr/>
-        </p:nvSpPr>
-        <p:spPr>
-          <a:xfrm>
-            <a:off x="992304" y="4073218"/>
-            <a:ext cx="1440000" cy="1440000"/>
-          </a:xfrm>
-          <a:prstGeom prst="ellipse">
-            <a:avLst/>
-          </a:prstGeom>
-        </p:spPr>
-        <p:style>
-          <a:lnRef idx="2">
-            <a:schemeClr val="accent1">
-              <a:shade val="50000"/>
-            </a:schemeClr>
-          </a:lnRef>
-          <a:fillRef idx="1">
-            <a:schemeClr val="accent1"/>
-          </a:fillRef>
-          <a:effectRef idx="0">
-            <a:schemeClr val="accent1"/>
-          </a:effectRef>
-          <a:fontRef idx="minor">
-            <a:schemeClr val="lt1"/>
-          </a:fontRef>
-        </p:style>
-        <p:txBody>
-          <a:bodyPr rtlCol="0" anchor="ctr"/>
-          <a:lstStyle/>
-          <a:p>
-            <a:pPr algn="ctr"/>
-            <a:r>
-              <a:rPr lang="es-MX" dirty="0"/>
-              <a:t>Inundaciones</a:t>
-            </a:r>
-          </a:p>
-        </p:txBody>
-      </p:sp>
-      <p:sp>
-        <p:nvSpPr>
-          <p:cNvPr id="7" name="Elipse 6">
-            <a:extLst>
-              <a:ext uri="{FF2B5EF4-FFF2-40B4-BE49-F238E27FC236}">
-                <a16:creationId xmlns:a16="http://schemas.microsoft.com/office/drawing/2014/main" id="{E3A58405-F295-477E-BCD5-3898F643CA21}"/>
-              </a:ext>
-            </a:extLst>
-          </p:cNvPr>
-          <p:cNvSpPr/>
-          <p:nvPr/>
-        </p:nvSpPr>
-        <p:spPr>
-          <a:xfrm>
-            <a:off x="3443567" y="3353218"/>
-            <a:ext cx="1440000" cy="1440000"/>
-          </a:xfrm>
-          <a:prstGeom prst="ellipse">
-            <a:avLst/>
-          </a:prstGeom>
-        </p:spPr>
-        <p:style>
-          <a:lnRef idx="2">
-            <a:schemeClr val="accent1">
-              <a:shade val="50000"/>
-            </a:schemeClr>
-          </a:lnRef>
-          <a:fillRef idx="1">
-            <a:schemeClr val="accent1"/>
-          </a:fillRef>
-          <a:effectRef idx="0">
-            <a:schemeClr val="accent1"/>
-          </a:effectRef>
-          <a:fontRef idx="minor">
-            <a:schemeClr val="lt1"/>
-          </a:fontRef>
-        </p:style>
-        <p:txBody>
-          <a:bodyPr rtlCol="0" anchor="ctr"/>
-          <a:lstStyle/>
-          <a:p>
-            <a:pPr algn="ctr"/>
-            <a:r>
-              <a:rPr lang="es-MX" dirty="0"/>
-              <a:t>Tormentas</a:t>
-            </a:r>
-          </a:p>
-        </p:txBody>
-      </p:sp>
-      <p:sp>
-        <p:nvSpPr>
-          <p:cNvPr id="8" name="Elipse 7">
-            <a:extLst>
-              <a:ext uri="{FF2B5EF4-FFF2-40B4-BE49-F238E27FC236}">
-                <a16:creationId xmlns:a16="http://schemas.microsoft.com/office/drawing/2014/main" id="{2241C0CD-791B-45AD-A540-B2B80B25D793}"/>
-              </a:ext>
-            </a:extLst>
-          </p:cNvPr>
-          <p:cNvSpPr/>
-          <p:nvPr/>
-        </p:nvSpPr>
-        <p:spPr>
-          <a:xfrm>
-            <a:off x="2484418" y="1421973"/>
-            <a:ext cx="1440000" cy="1440000"/>
-          </a:xfrm>
-          <a:prstGeom prst="ellipse">
-            <a:avLst/>
-          </a:prstGeom>
-        </p:spPr>
-        <p:style>
-          <a:lnRef idx="2">
-            <a:schemeClr val="accent1">
-              <a:shade val="50000"/>
-            </a:schemeClr>
-          </a:lnRef>
-          <a:fillRef idx="1">
-            <a:schemeClr val="accent1"/>
-          </a:fillRef>
-          <a:effectRef idx="0">
-            <a:schemeClr val="accent1"/>
-          </a:effectRef>
-          <a:fontRef idx="minor">
-            <a:schemeClr val="lt1"/>
-          </a:fontRef>
-        </p:style>
-        <p:txBody>
-          <a:bodyPr rtlCol="0" anchor="ctr"/>
-          <a:lstStyle/>
-          <a:p>
-            <a:pPr algn="ctr"/>
-            <a:r>
-              <a:rPr lang="es-MX" dirty="0"/>
-              <a:t>Erupciones</a:t>
-            </a:r>
-          </a:p>
-        </p:txBody>
-      </p:sp>
-      <p:sp>
-        <p:nvSpPr>
-          <p:cNvPr id="3" name="Marcador de número de diapositiva 2">
-            <a:extLst>
-              <a:ext uri="{FF2B5EF4-FFF2-40B4-BE49-F238E27FC236}">
-                <a16:creationId xmlns:a16="http://schemas.microsoft.com/office/drawing/2014/main" id="{31FF8C21-13D9-488F-9D77-5871B5065EAB}"/>
-              </a:ext>
-            </a:extLst>
-          </p:cNvPr>
-          <p:cNvSpPr>
-            <a:spLocks noGrp="1"/>
-          </p:cNvSpPr>
-          <p:nvPr>
-            <p:ph type="sldNum" sz="quarter" idx="12"/>
-          </p:nvPr>
-        </p:nvSpPr>
-        <p:spPr/>
-        <p:txBody>
-          <a:bodyPr/>
-          <a:lstStyle/>
-          <a:p>
-            <a:fld id="{8A7A6979-0714-4377-B894-6BE4C2D6E202}" type="slidenum">
-              <a:rPr lang="en-US" smtClean="0"/>
-              <a:pPr/>
-              <a:t>6</a:t>
-            </a:fld>
-            <a:endParaRPr lang="en-US" dirty="0"/>
-          </a:p>
-        </p:txBody>
-      </p:sp>
-    </p:spTree>
-    <p:extLst>
-      <p:ext uri="{BB962C8B-B14F-4D97-AF65-F5344CB8AC3E}">
-        <p14:creationId xmlns:p14="http://schemas.microsoft.com/office/powerpoint/2010/main" val="1881199550"/>
-      </p:ext>
-    </p:extLst>
-  </p:cSld>
-  <p:clrMapOvr>
-    <a:masterClrMapping/>
-  </p:clrMapOvr>
-</p:sld>
-</file>
-
-<file path=ppt/slides/slide7.xml><?xml version="1.0" encoding="utf-8"?>
-<p:sld xmlns:a="http://schemas.openxmlformats.org/drawingml/2006/main" xmlns:r="http://schemas.openxmlformats.org/officeDocument/2006/relationships" xmlns:p="http://schemas.openxmlformats.org/presentationml/2006/main">
-  <p:cSld>
-    <p:bg>
-      <p:bgPr>
-        <a:solidFill>
-          <a:schemeClr val="bg1">
-            <a:lumMod val="65000"/>
-          </a:schemeClr>
-        </a:solidFill>
-        <a:effectLst/>
-      </p:bgPr>
-    </p:bg>
-    <p:spTree>
-      <p:nvGrpSpPr>
-        <p:cNvPr id="1" name=""/>
-        <p:cNvGrpSpPr/>
-        <p:nvPr/>
-      </p:nvGrpSpPr>
-      <p:grpSpPr>
-        <a:xfrm>
-          <a:off x="0" y="0"/>
-          <a:ext cx="0" cy="0"/>
-          <a:chOff x="0" y="0"/>
-          <a:chExt cx="0" cy="0"/>
-        </a:xfrm>
-      </p:grpSpPr>
-      <p:sp>
-        <p:nvSpPr>
-          <p:cNvPr id="2" name="Título 1">
-            <a:extLst>
-              <a:ext uri="{FF2B5EF4-FFF2-40B4-BE49-F238E27FC236}">
-                <a16:creationId xmlns:a16="http://schemas.microsoft.com/office/drawing/2014/main" id="{2565628E-4FDC-4FAC-94DA-760827831F8E}"/>
-              </a:ext>
-            </a:extLst>
-          </p:cNvPr>
-          <p:cNvSpPr>
-            <a:spLocks noGrp="1"/>
-          </p:cNvSpPr>
-          <p:nvPr>
-            <p:ph type="title"/>
-          </p:nvPr>
-        </p:nvSpPr>
-        <p:spPr/>
-        <p:txBody>
-          <a:bodyPr/>
-          <a:lstStyle/>
-          <a:p>
-            <a:endParaRPr lang="es-MX"/>
-          </a:p>
-        </p:txBody>
-      </p:sp>
-      <p:sp>
-        <p:nvSpPr>
-          <p:cNvPr id="3" name="Marcador de contenido 2">
-            <a:extLst>
-              <a:ext uri="{FF2B5EF4-FFF2-40B4-BE49-F238E27FC236}">
-                <a16:creationId xmlns:a16="http://schemas.microsoft.com/office/drawing/2014/main" id="{8A802F86-AC14-4BE1-ABA9-81CE536B6D2F}"/>
-              </a:ext>
-            </a:extLst>
-          </p:cNvPr>
-          <p:cNvSpPr>
-            <a:spLocks noGrp="1"/>
-          </p:cNvSpPr>
-          <p:nvPr>
-            <p:ph idx="1"/>
-          </p:nvPr>
-        </p:nvSpPr>
-        <p:spPr/>
-        <p:txBody>
-          <a:bodyPr/>
-          <a:lstStyle/>
-          <a:p>
-            <a:endParaRPr lang="es-MX"/>
-          </a:p>
-        </p:txBody>
-      </p:sp>
-      <p:sp>
-        <p:nvSpPr>
-          <p:cNvPr id="5" name="Marcador de número de diapositiva 4">
-            <a:extLst>
-              <a:ext uri="{FF2B5EF4-FFF2-40B4-BE49-F238E27FC236}">
-                <a16:creationId xmlns:a16="http://schemas.microsoft.com/office/drawing/2014/main" id="{A655AF3E-4FB3-423C-A654-0A9514B4C5B1}"/>
-              </a:ext>
-            </a:extLst>
-          </p:cNvPr>
-          <p:cNvSpPr>
-            <a:spLocks noGrp="1"/>
-          </p:cNvSpPr>
-          <p:nvPr>
-            <p:ph type="sldNum" sz="quarter" idx="12"/>
-          </p:nvPr>
-        </p:nvSpPr>
-        <p:spPr/>
-        <p:txBody>
-          <a:bodyPr/>
-          <a:lstStyle/>
-          <a:p>
-            <a:fld id="{8A7A6979-0714-4377-B894-6BE4C2D6E202}" type="slidenum">
-              <a:rPr lang="en-US" smtClean="0"/>
-              <a:pPr/>
-              <a:t>7</a:t>
-            </a:fld>
-            <a:endParaRPr lang="en-US" dirty="0"/>
-          </a:p>
-        </p:txBody>
-      </p:sp>
-    </p:spTree>
-    <p:extLst>
-      <p:ext uri="{BB962C8B-B14F-4D97-AF65-F5344CB8AC3E}">
-        <p14:creationId xmlns:p14="http://schemas.microsoft.com/office/powerpoint/2010/main" val="3446026568"/>
-      </p:ext>
-    </p:extLst>
-  </p:cSld>
-  <p:clrMapOvr>
-    <a:masterClrMapping/>
-  </p:clrMapOvr>
-</p:sld>
-</file>
-
-<file path=ppt/slides/slide8.xml><?xml version="1.0" encoding="utf-8"?>
-<p:sld xmlns:a="http://schemas.openxmlformats.org/drawingml/2006/main" xmlns:r="http://schemas.openxmlformats.org/officeDocument/2006/relationships" xmlns:p="http://schemas.openxmlformats.org/presentationml/2006/main">
-  <p:cSld>
-    <p:spTree>
-      <p:nvGrpSpPr>
-        <p:cNvPr id="1" name=""/>
-        <p:cNvGrpSpPr/>
-        <p:nvPr/>
-      </p:nvGrpSpPr>
-      <p:grpSpPr>
-        <a:xfrm>
-          <a:off x="0" y="0"/>
-          <a:ext cx="0" cy="0"/>
-          <a:chOff x="0" y="0"/>
-          <a:chExt cx="0" cy="0"/>
-        </a:xfrm>
-      </p:grpSpPr>
-      <p:sp>
-        <p:nvSpPr>
-          <p:cNvPr id="2" name="Título 1">
-            <a:extLst>
-              <a:ext uri="{FF2B5EF4-FFF2-40B4-BE49-F238E27FC236}">
-                <a16:creationId xmlns:a16="http://schemas.microsoft.com/office/drawing/2014/main" id="{96C3F993-93B9-4B35-963E-8A24015D2FE1}"/>
-              </a:ext>
-            </a:extLst>
-          </p:cNvPr>
-          <p:cNvSpPr>
-            <a:spLocks noGrp="1"/>
-          </p:cNvSpPr>
-          <p:nvPr>
-            <p:ph type="title"/>
-          </p:nvPr>
-        </p:nvSpPr>
-        <p:spPr/>
-        <p:txBody>
-          <a:bodyPr/>
-          <a:lstStyle/>
-          <a:p>
-            <a:endParaRPr lang="es-MX"/>
-          </a:p>
-        </p:txBody>
-      </p:sp>
-      <p:sp>
-        <p:nvSpPr>
-          <p:cNvPr id="3" name="Marcador de contenido 2">
-            <a:extLst>
-              <a:ext uri="{FF2B5EF4-FFF2-40B4-BE49-F238E27FC236}">
-                <a16:creationId xmlns:a16="http://schemas.microsoft.com/office/drawing/2014/main" id="{E82E4C24-461E-4F0B-A5BE-9B4A213AD033}"/>
-              </a:ext>
-            </a:extLst>
-          </p:cNvPr>
-          <p:cNvSpPr>
-            <a:spLocks noGrp="1"/>
-          </p:cNvSpPr>
-          <p:nvPr>
-            <p:ph idx="1"/>
-          </p:nvPr>
-        </p:nvSpPr>
-        <p:spPr/>
-        <p:txBody>
-          <a:bodyPr/>
-          <a:lstStyle/>
-          <a:p>
-            <a:endParaRPr lang="es-MX"/>
-          </a:p>
-        </p:txBody>
-      </p:sp>
-      <p:sp>
-        <p:nvSpPr>
-          <p:cNvPr id="5" name="Marcador de número de diapositiva 4">
-            <a:extLst>
-              <a:ext uri="{FF2B5EF4-FFF2-40B4-BE49-F238E27FC236}">
-                <a16:creationId xmlns:a16="http://schemas.microsoft.com/office/drawing/2014/main" id="{FBC9758F-9E31-4B86-9C6A-0CEF0921EA60}"/>
-              </a:ext>
-            </a:extLst>
-          </p:cNvPr>
-          <p:cNvSpPr>
-            <a:spLocks noGrp="1"/>
-          </p:cNvSpPr>
-          <p:nvPr>
-            <p:ph type="sldNum" sz="quarter" idx="12"/>
-          </p:nvPr>
-        </p:nvSpPr>
-        <p:spPr/>
-        <p:txBody>
-          <a:bodyPr/>
-          <a:lstStyle/>
-          <a:p>
-            <a:fld id="{8A7A6979-0714-4377-B894-6BE4C2D6E202}" type="slidenum">
-              <a:rPr lang="en-US" smtClean="0"/>
-              <a:pPr/>
-              <a:t>8</a:t>
-            </a:fld>
-            <a:endParaRPr lang="en-US" dirty="0"/>
-          </a:p>
-        </p:txBody>
-      </p:sp>
-    </p:spTree>
-    <p:extLst>
-      <p:ext uri="{BB962C8B-B14F-4D97-AF65-F5344CB8AC3E}">
-        <p14:creationId xmlns:p14="http://schemas.microsoft.com/office/powerpoint/2010/main" val="705826907"/>
-      </p:ext>
-    </p:extLst>
-  </p:cSld>
-  <p:clrMapOvr>
-    <a:masterClrMapping/>
-  </p:clrMapOvr>
-</p:sld>
-</file>
-
-<file path=ppt/slides/slide9.xml><?xml version="1.0" encoding="utf-8"?>
-<p:sld xmlns:a="http://schemas.openxmlformats.org/drawingml/2006/main" xmlns:r="http://schemas.openxmlformats.org/officeDocument/2006/relationships" xmlns:p="http://schemas.openxmlformats.org/presentationml/2006/main">
-  <p:cSld>
-    <p:bg>
-      <p:bgPr>
-        <a:solidFill>
-          <a:schemeClr val="bg1">
-            <a:lumMod val="65000"/>
-          </a:schemeClr>
-        </a:solidFill>
-        <a:effectLst/>
-      </p:bgPr>
-    </p:bg>
-    <p:spTree>
-      <p:nvGrpSpPr>
-        <p:cNvPr id="1" name=""/>
-        <p:cNvGrpSpPr/>
-        <p:nvPr/>
-      </p:nvGrpSpPr>
-      <p:grpSpPr>
-        <a:xfrm>
-          <a:off x="0" y="0"/>
-          <a:ext cx="0" cy="0"/>
-          <a:chOff x="0" y="0"/>
-          <a:chExt cx="0" cy="0"/>
-        </a:xfrm>
-      </p:grpSpPr>
-      <p:sp>
-        <p:nvSpPr>
-          <p:cNvPr id="2" name="Título 1">
-            <a:extLst>
-              <a:ext uri="{FF2B5EF4-FFF2-40B4-BE49-F238E27FC236}">
-                <a16:creationId xmlns:a16="http://schemas.microsoft.com/office/drawing/2014/main" id="{2565628E-4FDC-4FAC-94DA-760827831F8E}"/>
-              </a:ext>
-            </a:extLst>
-          </p:cNvPr>
-          <p:cNvSpPr>
-            <a:spLocks noGrp="1"/>
-          </p:cNvSpPr>
-          <p:nvPr>
-            <p:ph type="title"/>
-          </p:nvPr>
-        </p:nvSpPr>
-        <p:spPr/>
-        <p:txBody>
-          <a:bodyPr/>
-          <a:lstStyle/>
-          <a:p>
-            <a:endParaRPr lang="es-MX"/>
-          </a:p>
-        </p:txBody>
-      </p:sp>
-      <p:sp>
-        <p:nvSpPr>
-          <p:cNvPr id="3" name="Marcador de contenido 2">
-            <a:extLst>
-              <a:ext uri="{FF2B5EF4-FFF2-40B4-BE49-F238E27FC236}">
-                <a16:creationId xmlns:a16="http://schemas.microsoft.com/office/drawing/2014/main" id="{8A802F86-AC14-4BE1-ABA9-81CE536B6D2F}"/>
-              </a:ext>
-            </a:extLst>
-          </p:cNvPr>
-          <p:cNvSpPr>
-            <a:spLocks noGrp="1"/>
-          </p:cNvSpPr>
-          <p:nvPr>
-            <p:ph idx="1"/>
-          </p:nvPr>
-        </p:nvSpPr>
-        <p:spPr/>
-        <p:txBody>
-          <a:bodyPr/>
-          <a:lstStyle/>
-          <a:p>
-            <a:endParaRPr lang="es-MX"/>
-          </a:p>
-        </p:txBody>
-      </p:sp>
-      <p:sp>
-        <p:nvSpPr>
-          <p:cNvPr id="5" name="Marcador de número de diapositiva 4">
-            <a:extLst>
-              <a:ext uri="{FF2B5EF4-FFF2-40B4-BE49-F238E27FC236}">
-                <a16:creationId xmlns:a16="http://schemas.microsoft.com/office/drawing/2014/main" id="{45455AEA-E386-4AD0-B0AA-510727B38A0B}"/>
-              </a:ext>
-            </a:extLst>
-          </p:cNvPr>
-          <p:cNvSpPr>
-            <a:spLocks noGrp="1"/>
-          </p:cNvSpPr>
-          <p:nvPr>
-            <p:ph type="sldNum" sz="quarter" idx="12"/>
-          </p:nvPr>
-        </p:nvSpPr>
-        <p:spPr/>
-        <p:txBody>
-          <a:bodyPr/>
-          <a:lstStyle/>
-          <a:p>
-            <a:fld id="{8A7A6979-0714-4377-B894-6BE4C2D6E202}" type="slidenum">
-              <a:rPr lang="en-US" smtClean="0"/>
-              <a:pPr/>
-              <a:t>9</a:t>
-            </a:fld>
-            <a:endParaRPr lang="en-US" dirty="0"/>
-          </a:p>
-        </p:txBody>
-      </p:sp>
-    </p:spTree>
-    <p:extLst>
-      <p:ext uri="{BB962C8B-B14F-4D97-AF65-F5344CB8AC3E}">
-        <p14:creationId xmlns:p14="http://schemas.microsoft.com/office/powerpoint/2010/main" val="4235270259"/>
       </p:ext>
     </p:extLst>
   </p:cSld>
@@ -7770,6 +13462,266 @@
 </file>
 
 <file path=ppt/theme/theme2.xml><?xml version="1.0" encoding="utf-8"?>
+<a:theme xmlns:a="http://schemas.openxmlformats.org/drawingml/2006/main" name="1_Paquete">
+  <a:themeElements>
+    <a:clrScheme name="Parcel">
+      <a:dk1>
+        <a:srgbClr val="000000"/>
+      </a:dk1>
+      <a:lt1>
+        <a:sysClr val="window" lastClr="FFFFFF"/>
+      </a:lt1>
+      <a:dk2>
+        <a:srgbClr val="5E5E5E"/>
+      </a:dk2>
+      <a:lt2>
+        <a:srgbClr val="DDDDDD"/>
+      </a:lt2>
+      <a:accent1>
+        <a:srgbClr val="A6B727"/>
+      </a:accent1>
+      <a:accent2>
+        <a:srgbClr val="418AB3"/>
+      </a:accent2>
+      <a:accent3>
+        <a:srgbClr val="F69200"/>
+      </a:accent3>
+      <a:accent4>
+        <a:srgbClr val="838383"/>
+      </a:accent4>
+      <a:accent5>
+        <a:srgbClr val="FEC306"/>
+      </a:accent5>
+      <a:accent6>
+        <a:srgbClr val="DF5327"/>
+      </a:accent6>
+      <a:hlink>
+        <a:srgbClr val="F59E00"/>
+      </a:hlink>
+      <a:folHlink>
+        <a:srgbClr val="B2B2B2"/>
+      </a:folHlink>
+    </a:clrScheme>
+    <a:fontScheme name="Parcel">
+      <a:majorFont>
+        <a:latin typeface="Gill Sans MT" panose="020B0502020104020203"/>
+        <a:ea typeface=""/>
+        <a:cs typeface=""/>
+        <a:font script="Grek" typeface="Corbel"/>
+        <a:font script="Cyrl" typeface="Corbel"/>
+        <a:font script="Jpan" typeface="HGｺﾞｼｯｸE"/>
+        <a:font script="Hang" typeface="휴먼매직체"/>
+        <a:font script="Hans" typeface="华文中宋"/>
+        <a:font script="Hant" typeface="微軟正黑體"/>
+        <a:font script="Arab" typeface="Majalla UI"/>
+        <a:font script="Hebr" typeface="Arial"/>
+        <a:font script="Thai" typeface="Cordia New"/>
+        <a:font script="Ethi" typeface="Nyala"/>
+        <a:font script="Beng" typeface="Vrinda"/>
+        <a:font script="Gujr" typeface="Shruti"/>
+        <a:font script="Khmr" typeface="DaunPenh"/>
+        <a:font script="Knda" typeface="Tunga"/>
+        <a:font script="Guru" typeface="Raavi"/>
+        <a:font script="Cans" typeface="Euphemia"/>
+        <a:font script="Cher" typeface="Plantagenet Cherokee"/>
+        <a:font script="Yiii" typeface="Microsoft Yi Baiti"/>
+        <a:font script="Tibt" typeface="Microsoft Himalaya"/>
+        <a:font script="Thaa" typeface="MV Boli"/>
+        <a:font script="Deva" typeface="Mangal"/>
+        <a:font script="Telu" typeface="Gautami"/>
+        <a:font script="Taml" typeface="Latha"/>
+        <a:font script="Syrc" typeface="Estrangelo Edessa"/>
+        <a:font script="Orya" typeface="Kalinga"/>
+        <a:font script="Mlym" typeface="Kartika"/>
+        <a:font script="Laoo" typeface="DokChampa"/>
+        <a:font script="Sinh" typeface="Iskoola Pota"/>
+        <a:font script="Mong" typeface="Mongolian Baiti"/>
+        <a:font script="Viet" typeface="Tahoma"/>
+        <a:font script="Uigh" typeface="Microsoft Uighur"/>
+        <a:font script="Geor" typeface="Sylfaen"/>
+      </a:majorFont>
+      <a:minorFont>
+        <a:latin typeface="Gill Sans MT" panose="020B0502020104020203"/>
+        <a:ea typeface=""/>
+        <a:cs typeface=""/>
+        <a:font script="Grek" typeface="Corbel"/>
+        <a:font script="Cyrl" typeface="Corbel"/>
+        <a:font script="Jpan" typeface="HGｺﾞｼｯｸE"/>
+        <a:font script="Hang" typeface="휴먼매직체"/>
+        <a:font script="Hans" typeface="华文中宋"/>
+        <a:font script="Hant" typeface="微軟正黑體"/>
+        <a:font script="Arab" typeface="Majalla UI"/>
+        <a:font script="Hebr" typeface="Arial"/>
+        <a:font script="Thai" typeface="Cordia New"/>
+        <a:font script="Ethi" typeface="Nyala"/>
+        <a:font script="Beng" typeface="Vrinda"/>
+        <a:font script="Gujr" typeface="Shruti"/>
+        <a:font script="Khmr" typeface="DaunPenh"/>
+        <a:font script="Knda" typeface="Tunga"/>
+        <a:font script="Guru" typeface="Raavi"/>
+        <a:font script="Cans" typeface="Euphemia"/>
+        <a:font script="Cher" typeface="Plantagenet Cherokee"/>
+        <a:font script="Yiii" typeface="Microsoft Yi Baiti"/>
+        <a:font script="Tibt" typeface="Microsoft Himalaya"/>
+        <a:font script="Thaa" typeface="MV Boli"/>
+        <a:font script="Deva" typeface="Mangal"/>
+        <a:font script="Telu" typeface="Gautami"/>
+        <a:font script="Taml" typeface="Latha"/>
+        <a:font script="Syrc" typeface="Estrangelo Edessa"/>
+        <a:font script="Orya" typeface="Kalinga"/>
+        <a:font script="Mlym" typeface="Kartika"/>
+        <a:font script="Laoo" typeface="DokChampa"/>
+        <a:font script="Sinh" typeface="Iskoola Pota"/>
+        <a:font script="Mong" typeface="Mongolian Baiti"/>
+        <a:font script="Viet" typeface="Tahoma"/>
+        <a:font script="Uigh" typeface="Microsoft Uighur"/>
+        <a:font script="Geor" typeface="Sylfaen"/>
+      </a:minorFont>
+    </a:fontScheme>
+    <a:fmtScheme name="Parcel">
+      <a:fillStyleLst>
+        <a:solidFill>
+          <a:schemeClr val="phClr"/>
+        </a:solidFill>
+        <a:gradFill rotWithShape="1">
+          <a:gsLst>
+            <a:gs pos="0">
+              <a:schemeClr val="phClr">
+                <a:tint val="80000"/>
+                <a:satMod val="107000"/>
+                <a:lumMod val="103000"/>
+              </a:schemeClr>
+            </a:gs>
+            <a:gs pos="100000">
+              <a:schemeClr val="phClr">
+                <a:tint val="82000"/>
+                <a:satMod val="109000"/>
+                <a:lumMod val="103000"/>
+              </a:schemeClr>
+            </a:gs>
+          </a:gsLst>
+          <a:lin ang="5400000" scaled="0"/>
+        </a:gradFill>
+        <a:gradFill rotWithShape="1">
+          <a:gsLst>
+            <a:gs pos="0">
+              <a:schemeClr val="phClr">
+                <a:tint val="97000"/>
+                <a:satMod val="100000"/>
+                <a:lumMod val="102000"/>
+              </a:schemeClr>
+            </a:gs>
+            <a:gs pos="50000">
+              <a:schemeClr val="phClr">
+                <a:shade val="100000"/>
+                <a:satMod val="103000"/>
+                <a:lumMod val="100000"/>
+              </a:schemeClr>
+            </a:gs>
+            <a:gs pos="100000">
+              <a:schemeClr val="phClr">
+                <a:shade val="93000"/>
+                <a:satMod val="110000"/>
+                <a:lumMod val="99000"/>
+              </a:schemeClr>
+            </a:gs>
+          </a:gsLst>
+          <a:lin ang="5400000" scaled="0"/>
+        </a:gradFill>
+      </a:fillStyleLst>
+      <a:lnStyleLst>
+        <a:ln w="6350" cap="flat" cmpd="sng" algn="ctr">
+          <a:solidFill>
+            <a:schemeClr val="phClr"/>
+          </a:solidFill>
+          <a:prstDash val="solid"/>
+        </a:ln>
+        <a:ln w="12700" cap="flat" cmpd="sng" algn="ctr">
+          <a:solidFill>
+            <a:schemeClr val="phClr"/>
+          </a:solidFill>
+          <a:prstDash val="solid"/>
+        </a:ln>
+        <a:ln w="31750" cap="flat" cmpd="sng" algn="ctr">
+          <a:solidFill>
+            <a:schemeClr val="phClr"/>
+          </a:solidFill>
+          <a:prstDash val="solid"/>
+        </a:ln>
+      </a:lnStyleLst>
+      <a:effectStyleLst>
+        <a:effectStyle>
+          <a:effectLst/>
+        </a:effectStyle>
+        <a:effectStyle>
+          <a:effectLst/>
+        </a:effectStyle>
+        <a:effectStyle>
+          <a:effectLst>
+            <a:outerShdw blurRad="55880" dist="15240" dir="5400000" algn="ctr" rotWithShape="0">
+              <a:srgbClr val="000000">
+                <a:alpha val="45000"/>
+              </a:srgbClr>
+            </a:outerShdw>
+          </a:effectLst>
+          <a:scene3d>
+            <a:camera prst="orthographicFront">
+              <a:rot lat="0" lon="0" rev="0"/>
+            </a:camera>
+            <a:lightRig rig="brightRoom" dir="tl"/>
+          </a:scene3d>
+          <a:sp3d prstMaterial="dkEdge">
+            <a:bevelT w="0" h="0"/>
+          </a:sp3d>
+        </a:effectStyle>
+      </a:effectStyleLst>
+      <a:bgFillStyleLst>
+        <a:solidFill>
+          <a:schemeClr val="phClr"/>
+        </a:solidFill>
+        <a:solidFill>
+          <a:schemeClr val="phClr">
+            <a:tint val="95000"/>
+            <a:satMod val="170000"/>
+          </a:schemeClr>
+        </a:solidFill>
+        <a:gradFill rotWithShape="1">
+          <a:gsLst>
+            <a:gs pos="0">
+              <a:schemeClr val="phClr">
+                <a:tint val="97000"/>
+                <a:shade val="100000"/>
+                <a:satMod val="185000"/>
+                <a:lumMod val="120000"/>
+              </a:schemeClr>
+            </a:gs>
+            <a:gs pos="100000">
+              <a:schemeClr val="phClr">
+                <a:tint val="96000"/>
+                <a:shade val="95000"/>
+                <a:satMod val="215000"/>
+                <a:lumMod val="80000"/>
+              </a:schemeClr>
+            </a:gs>
+          </a:gsLst>
+          <a:path path="circle">
+            <a:fillToRect l="50000" t="55000" r="125000" b="100000"/>
+          </a:path>
+        </a:gradFill>
+      </a:bgFillStyleLst>
+    </a:fmtScheme>
+  </a:themeElements>
+  <a:objectDefaults/>
+  <a:extraClrSchemeLst/>
+  <a:extLst>
+    <a:ext uri="{05A4C25C-085E-4340-85A3-A5531E510DB2}">
+      <thm15:themeFamily xmlns:thm15="http://schemas.microsoft.com/office/thememl/2012/main" name="Parcel" id="{8BEC4385-4EB9-4D53-BFB5-0EA123736B6D}" vid="{A425FB89-E954-4A2A-81DC-D90804A94DBA}"/>
+    </a:ext>
+  </a:extLst>
+</a:theme>
+</file>
+
+<file path=ppt/theme/theme3.xml><?xml version="1.0" encoding="utf-8"?>
 <a:theme xmlns:a="http://schemas.openxmlformats.org/drawingml/2006/main" name="Tema de Office">
   <a:themeElements>
     <a:clrScheme name="Office">

--- a/Demanda 8.pptx
+++ b/Demanda 8.pptx
@@ -6,28 +6,29 @@
     <p:sldMasterId id="2147483708" r:id="rId2"/>
   </p:sldMasterIdLst>
   <p:notesMasterIdLst>
-    <p:notesMasterId r:id="rId22"/>
+    <p:notesMasterId r:id="rId23"/>
   </p:notesMasterIdLst>
   <p:sldIdLst>
     <p:sldId id="256" r:id="rId3"/>
     <p:sldId id="276" r:id="rId4"/>
     <p:sldId id="277" r:id="rId5"/>
     <p:sldId id="278" r:id="rId6"/>
-    <p:sldId id="279" r:id="rId7"/>
-    <p:sldId id="266" r:id="rId8"/>
-    <p:sldId id="267" r:id="rId9"/>
-    <p:sldId id="268" r:id="rId10"/>
-    <p:sldId id="269" r:id="rId11"/>
-    <p:sldId id="261" r:id="rId12"/>
-    <p:sldId id="271" r:id="rId13"/>
-    <p:sldId id="273" r:id="rId14"/>
-    <p:sldId id="272" r:id="rId15"/>
-    <p:sldId id="274" r:id="rId16"/>
-    <p:sldId id="275" r:id="rId17"/>
-    <p:sldId id="262" r:id="rId18"/>
-    <p:sldId id="263" r:id="rId19"/>
-    <p:sldId id="264" r:id="rId20"/>
-    <p:sldId id="265" r:id="rId21"/>
+    <p:sldId id="280" r:id="rId7"/>
+    <p:sldId id="279" r:id="rId8"/>
+    <p:sldId id="266" r:id="rId9"/>
+    <p:sldId id="267" r:id="rId10"/>
+    <p:sldId id="268" r:id="rId11"/>
+    <p:sldId id="269" r:id="rId12"/>
+    <p:sldId id="261" r:id="rId13"/>
+    <p:sldId id="271" r:id="rId14"/>
+    <p:sldId id="273" r:id="rId15"/>
+    <p:sldId id="272" r:id="rId16"/>
+    <p:sldId id="274" r:id="rId17"/>
+    <p:sldId id="275" r:id="rId18"/>
+    <p:sldId id="262" r:id="rId19"/>
+    <p:sldId id="263" r:id="rId20"/>
+    <p:sldId id="264" r:id="rId21"/>
+    <p:sldId id="265" r:id="rId22"/>
   </p:sldIdLst>
   <p:sldSz cx="12192000" cy="6858000"/>
   <p:notesSz cx="6858000" cy="9144000"/>
@@ -7097,6 +7098,294 @@
 <file path=ppt/slides/slide10.xml><?xml version="1.0" encoding="utf-8"?>
 <p:sld xmlns:a="http://schemas.openxmlformats.org/drawingml/2006/main" xmlns:r="http://schemas.openxmlformats.org/officeDocument/2006/relationships" xmlns:p="http://schemas.openxmlformats.org/presentationml/2006/main">
   <p:cSld>
+    <p:bg>
+      <p:bgPr>
+        <a:solidFill>
+          <a:schemeClr val="bg1">
+            <a:lumMod val="65000"/>
+          </a:schemeClr>
+        </a:solidFill>
+        <a:effectLst/>
+      </p:bgPr>
+    </p:bg>
+    <p:spTree>
+      <p:nvGrpSpPr>
+        <p:cNvPr id="1" name=""/>
+        <p:cNvGrpSpPr/>
+        <p:nvPr/>
+      </p:nvGrpSpPr>
+      <p:grpSpPr>
+        <a:xfrm>
+          <a:off x="0" y="0"/>
+          <a:ext cx="0" cy="0"/>
+          <a:chOff x="0" y="0"/>
+          <a:chExt cx="0" cy="0"/>
+        </a:xfrm>
+      </p:grpSpPr>
+      <p:sp>
+        <p:nvSpPr>
+          <p:cNvPr id="2" name="Título 1">
+            <a:extLst>
+              <a:ext uri="{FF2B5EF4-FFF2-40B4-BE49-F238E27FC236}">
+                <a16:creationId xmlns:a16="http://schemas.microsoft.com/office/drawing/2014/main" id="{221C009E-1670-4C7C-984D-A393501F36AD}"/>
+              </a:ext>
+            </a:extLst>
+          </p:cNvPr>
+          <p:cNvSpPr>
+            <a:spLocks noGrp="1"/>
+          </p:cNvSpPr>
+          <p:nvPr>
+            <p:ph type="title"/>
+          </p:nvPr>
+        </p:nvSpPr>
+        <p:spPr>
+          <a:xfrm>
+            <a:off x="2231136" y="964692"/>
+            <a:ext cx="7729728" cy="864108"/>
+          </a:xfrm>
+        </p:spPr>
+        <p:txBody>
+          <a:bodyPr/>
+          <a:lstStyle/>
+          <a:p>
+            <a:r>
+              <a:rPr lang="es-MX"/>
+              <a:t>Revisión de información</a:t>
+            </a:r>
+            <a:endParaRPr lang="es-MX" dirty="0"/>
+          </a:p>
+        </p:txBody>
+      </p:sp>
+      <p:sp>
+        <p:nvSpPr>
+          <p:cNvPr id="8" name="CuadroTexto 7">
+            <a:extLst>
+              <a:ext uri="{FF2B5EF4-FFF2-40B4-BE49-F238E27FC236}">
+                <a16:creationId xmlns:a16="http://schemas.microsoft.com/office/drawing/2014/main" id="{E4AD7473-BDBC-4323-B321-A365ED1633C5}"/>
+              </a:ext>
+            </a:extLst>
+          </p:cNvPr>
+          <p:cNvSpPr txBox="1"/>
+          <p:nvPr/>
+        </p:nvSpPr>
+        <p:spPr>
+          <a:xfrm>
+            <a:off x="275771" y="2308279"/>
+            <a:ext cx="8505372" cy="3754874"/>
+          </a:xfrm>
+          <a:prstGeom prst="rect">
+            <a:avLst/>
+          </a:prstGeom>
+          <a:noFill/>
+        </p:spPr>
+        <p:txBody>
+          <a:bodyPr wrap="square" rtlCol="0">
+            <a:spAutoFit/>
+          </a:bodyPr>
+          <a:lstStyle/>
+          <a:p>
+            <a:pPr marL="285750" indent="-285750">
+              <a:buFont typeface="Arial" panose="020B0604020202020204" pitchFamily="34" charset="0"/>
+              <a:buChar char="•"/>
+            </a:pPr>
+            <a:r>
+              <a:rPr lang="es-MX" sz="2000" dirty="0"/>
+              <a:t>Como se miden los desastres naturales:</a:t>
+            </a:r>
+          </a:p>
+          <a:p>
+            <a:pPr marL="742950" lvl="1" indent="-285750">
+              <a:buFont typeface="Arial" panose="020B0604020202020204" pitchFamily="34" charset="0"/>
+              <a:buChar char="•"/>
+            </a:pPr>
+            <a:r>
+              <a:rPr lang="es-MX" sz="2000" dirty="0"/>
+              <a:t>Sismos.</a:t>
+            </a:r>
+          </a:p>
+          <a:p>
+            <a:pPr marL="742950" lvl="1" indent="-285750">
+              <a:buFont typeface="Arial" panose="020B0604020202020204" pitchFamily="34" charset="0"/>
+              <a:buChar char="•"/>
+            </a:pPr>
+            <a:r>
+              <a:rPr lang="es-MX" sz="2000" dirty="0"/>
+              <a:t>Inundaciones.</a:t>
+            </a:r>
+          </a:p>
+          <a:p>
+            <a:pPr marL="742950" lvl="1" indent="-285750">
+              <a:buFont typeface="Arial" panose="020B0604020202020204" pitchFamily="34" charset="0"/>
+              <a:buChar char="•"/>
+            </a:pPr>
+            <a:r>
+              <a:rPr lang="es-MX" sz="2000" dirty="0"/>
+              <a:t>Tormentas.</a:t>
+            </a:r>
+          </a:p>
+          <a:p>
+            <a:pPr marL="742950" lvl="1" indent="-285750">
+              <a:buFont typeface="Arial" panose="020B0604020202020204" pitchFamily="34" charset="0"/>
+              <a:buChar char="•"/>
+            </a:pPr>
+            <a:r>
+              <a:rPr lang="es-MX" sz="2000" dirty="0"/>
+              <a:t>Erupciones.</a:t>
+            </a:r>
+          </a:p>
+          <a:p>
+            <a:pPr marL="742950" lvl="1" indent="-285750">
+              <a:buFont typeface="Arial" panose="020B0604020202020204" pitchFamily="34" charset="0"/>
+              <a:buChar char="•"/>
+            </a:pPr>
+            <a:r>
+              <a:rPr lang="es-MX" sz="2000" dirty="0"/>
+              <a:t>Maremotos.</a:t>
+            </a:r>
+            <a:br>
+              <a:rPr lang="es-MX" sz="2000" dirty="0"/>
+            </a:br>
+            <a:endParaRPr lang="es-MX" sz="2000" dirty="0"/>
+          </a:p>
+          <a:p>
+            <a:pPr marL="285750" indent="-285750">
+              <a:buFont typeface="Arial" panose="020B0604020202020204" pitchFamily="34" charset="0"/>
+              <a:buChar char="•"/>
+            </a:pPr>
+            <a:r>
+              <a:rPr lang="es-MX" sz="2000" dirty="0"/>
+              <a:t>Estandarización:</a:t>
+            </a:r>
+          </a:p>
+          <a:p>
+            <a:pPr marL="742950" lvl="1" indent="-285750">
+              <a:buFont typeface="Arial" panose="020B0604020202020204" pitchFamily="34" charset="0"/>
+              <a:buChar char="•"/>
+            </a:pPr>
+            <a:r>
+              <a:rPr lang="en-US" sz="2000" dirty="0"/>
+              <a:t>Open Geospatial Consortium (OGC)</a:t>
+            </a:r>
+          </a:p>
+          <a:p>
+            <a:pPr marL="742950" lvl="1" indent="-285750">
+              <a:buFont typeface="Arial" panose="020B0604020202020204" pitchFamily="34" charset="0"/>
+              <a:buChar char="•"/>
+            </a:pPr>
+            <a:r>
+              <a:rPr lang="en-US" sz="2000" dirty="0"/>
+              <a:t>ISO (iso 19107).</a:t>
+            </a:r>
+          </a:p>
+          <a:p>
+            <a:pPr marL="742950" lvl="1" indent="-285750">
+              <a:buFont typeface="Arial" panose="020B0604020202020204" pitchFamily="34" charset="0"/>
+              <a:buChar char="•"/>
+            </a:pPr>
+            <a:r>
+              <a:rPr lang="en-US" sz="2000" dirty="0"/>
+              <a:t>W3C.</a:t>
+            </a:r>
+            <a:endParaRPr lang="es-MX" sz="2000" dirty="0"/>
+          </a:p>
+          <a:p>
+            <a:endParaRPr lang="es-MX" dirty="0"/>
+          </a:p>
+        </p:txBody>
+      </p:sp>
+      <p:pic>
+        <p:nvPicPr>
+          <p:cNvPr id="3074" name="Picture 2" descr="Resultado de imagen para EstandarizaciÃ³n.">
+            <a:extLst>
+              <a:ext uri="{FF2B5EF4-FFF2-40B4-BE49-F238E27FC236}">
+                <a16:creationId xmlns:a16="http://schemas.microsoft.com/office/drawing/2014/main" id="{924307F9-520B-40CC-8853-F7E408432B99}"/>
+              </a:ext>
+            </a:extLst>
+          </p:cNvPr>
+          <p:cNvPicPr>
+            <a:picLocks noChangeAspect="1" noChangeArrowheads="1"/>
+          </p:cNvPicPr>
+          <p:nvPr/>
+        </p:nvPicPr>
+        <p:blipFill>
+          <a:blip r:embed="rId2">
+            <a:extLst>
+              <a:ext uri="{28A0092B-C50C-407E-A947-70E740481C1C}">
+                <a14:useLocalDpi xmlns:a14="http://schemas.microsoft.com/office/drawing/2010/main" val="0"/>
+              </a:ext>
+            </a:extLst>
+          </a:blip>
+          <a:srcRect/>
+          <a:stretch>
+            <a:fillRect/>
+          </a:stretch>
+        </p:blipFill>
+        <p:spPr bwMode="auto">
+          <a:xfrm>
+            <a:off x="5257119" y="3005409"/>
+            <a:ext cx="6039529" cy="2360613"/>
+          </a:xfrm>
+          <a:prstGeom prst="rect">
+            <a:avLst/>
+          </a:prstGeom>
+          <a:noFill/>
+          <a:extLst>
+            <a:ext uri="{909E8E84-426E-40DD-AFC4-6F175D3DCCD1}">
+              <a14:hiddenFill xmlns:a14="http://schemas.microsoft.com/office/drawing/2010/main">
+                <a:solidFill>
+                  <a:srgbClr val="FFFFFF"/>
+                </a:solidFill>
+              </a14:hiddenFill>
+            </a:ext>
+          </a:extLst>
+        </p:spPr>
+      </p:pic>
+      <p:sp>
+        <p:nvSpPr>
+          <p:cNvPr id="3" name="Marcador de número de diapositiva 2">
+            <a:extLst>
+              <a:ext uri="{FF2B5EF4-FFF2-40B4-BE49-F238E27FC236}">
+                <a16:creationId xmlns:a16="http://schemas.microsoft.com/office/drawing/2014/main" id="{C5A898A3-60A3-4431-9A13-2E0B6775C2C2}"/>
+              </a:ext>
+            </a:extLst>
+          </p:cNvPr>
+          <p:cNvSpPr>
+            <a:spLocks noGrp="1"/>
+          </p:cNvSpPr>
+          <p:nvPr>
+            <p:ph type="sldNum" sz="quarter" idx="12"/>
+          </p:nvPr>
+        </p:nvSpPr>
+        <p:spPr/>
+        <p:txBody>
+          <a:bodyPr/>
+          <a:lstStyle/>
+          <a:p>
+            <a:fld id="{8A7A6979-0714-4377-B894-6BE4C2D6E202}" type="slidenum">
+              <a:rPr lang="en-US" smtClean="0"/>
+              <a:pPr/>
+              <a:t>10</a:t>
+            </a:fld>
+            <a:endParaRPr lang="en-US" dirty="0"/>
+          </a:p>
+        </p:txBody>
+      </p:sp>
+    </p:spTree>
+    <p:extLst>
+      <p:ext uri="{BB962C8B-B14F-4D97-AF65-F5344CB8AC3E}">
+        <p14:creationId xmlns:p14="http://schemas.microsoft.com/office/powerpoint/2010/main" val="3464021324"/>
+      </p:ext>
+    </p:extLst>
+  </p:cSld>
+  <p:clrMapOvr>
+    <a:masterClrMapping/>
+  </p:clrMapOvr>
+</p:sld>
+</file>
+
+<file path=ppt/slides/slide11.xml><?xml version="1.0" encoding="utf-8"?>
+<p:sld xmlns:a="http://schemas.openxmlformats.org/drawingml/2006/main" xmlns:r="http://schemas.openxmlformats.org/officeDocument/2006/relationships" xmlns:p="http://schemas.openxmlformats.org/presentationml/2006/main">
+  <p:cSld>
     <p:spTree>
       <p:nvGrpSpPr>
         <p:cNvPr id="1" name=""/>
@@ -7973,7 +8262,7 @@
 </p:sld>
 </file>
 
-<file path=ppt/slides/slide11.xml><?xml version="1.0" encoding="utf-8"?>
+<file path=ppt/slides/slide12.xml><?xml version="1.0" encoding="utf-8"?>
 <p:sld xmlns:a="http://schemas.openxmlformats.org/drawingml/2006/main" xmlns:r="http://schemas.openxmlformats.org/officeDocument/2006/relationships" xmlns:p="http://schemas.openxmlformats.org/presentationml/2006/main">
   <p:cSld>
     <p:bg>
@@ -8274,7 +8563,7 @@
                   <a:spcPts val="600"/>
                 </a:spcAft>
               </a:pPr>
-              <a:t>11</a:t>
+              <a:t>12</a:t>
             </a:fld>
             <a:endParaRPr lang="en-US"/>
           </a:p>
@@ -8293,7 +8582,7 @@
 </p:sld>
 </file>
 
-<file path=ppt/slides/slide12.xml><?xml version="1.0" encoding="utf-8"?>
+<file path=ppt/slides/slide13.xml><?xml version="1.0" encoding="utf-8"?>
 <p:sld xmlns:a="http://schemas.openxmlformats.org/drawingml/2006/main" xmlns:r="http://schemas.openxmlformats.org/officeDocument/2006/relationships" xmlns:p="http://schemas.openxmlformats.org/presentationml/2006/main">
   <p:cSld>
     <p:bg>
@@ -8607,7 +8896,7 @@
                   <a:spcPts val="600"/>
                 </a:spcAft>
               </a:pPr>
-              <a:t>12</a:t>
+              <a:t>13</a:t>
             </a:fld>
             <a:endParaRPr lang="en-US"/>
           </a:p>
@@ -8626,7 +8915,7 @@
 </p:sld>
 </file>
 
-<file path=ppt/slides/slide13.xml><?xml version="1.0" encoding="utf-8"?>
+<file path=ppt/slides/slide14.xml><?xml version="1.0" encoding="utf-8"?>
 <p:sld xmlns:a="http://schemas.openxmlformats.org/drawingml/2006/main" xmlns:r="http://schemas.openxmlformats.org/officeDocument/2006/relationships" xmlns:p="http://schemas.openxmlformats.org/presentationml/2006/main">
   <p:cSld>
     <p:bg>
@@ -8909,7 +9198,7 @@
                   <a:spcPts val="600"/>
                 </a:spcAft>
               </a:pPr>
-              <a:t>13</a:t>
+              <a:t>14</a:t>
             </a:fld>
             <a:endParaRPr lang="en-US"/>
           </a:p>
@@ -8928,7 +9217,7 @@
 </p:sld>
 </file>
 
-<file path=ppt/slides/slide14.xml><?xml version="1.0" encoding="utf-8"?>
+<file path=ppt/slides/slide15.xml><?xml version="1.0" encoding="utf-8"?>
 <p:sld xmlns:a="http://schemas.openxmlformats.org/drawingml/2006/main" xmlns:r="http://schemas.openxmlformats.org/officeDocument/2006/relationships" xmlns:p="http://schemas.openxmlformats.org/presentationml/2006/main">
   <p:cSld>
     <p:bg>
@@ -9264,7 +9553,7 @@
                   <a:spcPts val="600"/>
                 </a:spcAft>
               </a:pPr>
-              <a:t>14</a:t>
+              <a:t>15</a:t>
             </a:fld>
             <a:endParaRPr lang="en-US"/>
           </a:p>
@@ -9283,7 +9572,7 @@
 </p:sld>
 </file>
 
-<file path=ppt/slides/slide15.xml><?xml version="1.0" encoding="utf-8"?>
+<file path=ppt/slides/slide16.xml><?xml version="1.0" encoding="utf-8"?>
 <p:sld xmlns:a="http://schemas.openxmlformats.org/drawingml/2006/main" xmlns:r="http://schemas.openxmlformats.org/officeDocument/2006/relationships" xmlns:p="http://schemas.openxmlformats.org/presentationml/2006/main">
   <p:cSld>
     <p:bg>
@@ -9663,7 +9952,7 @@
                   <a:spcPts val="600"/>
                 </a:spcAft>
               </a:pPr>
-              <a:t>15</a:t>
+              <a:t>16</a:t>
             </a:fld>
             <a:endParaRPr lang="en-US"/>
           </a:p>
@@ -9682,7 +9971,7 @@
 </p:sld>
 </file>
 
-<file path=ppt/slides/slide16.xml><?xml version="1.0" encoding="utf-8"?>
+<file path=ppt/slides/slide17.xml><?xml version="1.0" encoding="utf-8"?>
 <p:sld xmlns:a="http://schemas.openxmlformats.org/drawingml/2006/main" xmlns:r="http://schemas.openxmlformats.org/officeDocument/2006/relationships" xmlns:p="http://schemas.openxmlformats.org/presentationml/2006/main">
   <p:cSld>
     <p:bg>
@@ -9857,7 +10146,7 @@
             <a:fld id="{8A7A6979-0714-4377-B894-6BE4C2D6E202}" type="slidenum">
               <a:rPr lang="en-US" smtClean="0"/>
               <a:pPr/>
-              <a:t>16</a:t>
+              <a:t>17</a:t>
             </a:fld>
             <a:endParaRPr lang="en-US" dirty="0"/>
           </a:p>
@@ -9876,7 +10165,7 @@
 </p:sld>
 </file>
 
-<file path=ppt/slides/slide17.xml><?xml version="1.0" encoding="utf-8"?>
+<file path=ppt/slides/slide18.xml><?xml version="1.0" encoding="utf-8"?>
 <p:sld xmlns:a="http://schemas.openxmlformats.org/drawingml/2006/main" xmlns:r="http://schemas.openxmlformats.org/officeDocument/2006/relationships" xmlns:p="http://schemas.openxmlformats.org/presentationml/2006/main">
   <p:cSld>
     <p:spTree>
@@ -10764,7 +11053,7 @@
           <a:p>
             <a:fld id="{8A7A6979-0714-4377-B894-6BE4C2D6E202}" type="slidenum">
               <a:rPr lang="en-US" smtClean="0"/>
-              <a:t>17</a:t>
+              <a:t>18</a:t>
             </a:fld>
             <a:endParaRPr lang="en-US" dirty="0"/>
           </a:p>
@@ -10783,7 +11072,7 @@
 </p:sld>
 </file>
 
-<file path=ppt/slides/slide18.xml><?xml version="1.0" encoding="utf-8"?>
+<file path=ppt/slides/slide19.xml><?xml version="1.0" encoding="utf-8"?>
 <p:sld xmlns:a="http://schemas.openxmlformats.org/drawingml/2006/main" xmlns:r="http://schemas.openxmlformats.org/officeDocument/2006/relationships" xmlns:p="http://schemas.openxmlformats.org/presentationml/2006/main">
   <p:cSld>
     <p:bg>
@@ -11201,7 +11490,7 @@
           <a:p>
             <a:fld id="{8A7A6979-0714-4377-B894-6BE4C2D6E202}" type="slidenum">
               <a:rPr lang="en-US" smtClean="0"/>
-              <a:t>18</a:t>
+              <a:t>19</a:t>
             </a:fld>
             <a:endParaRPr lang="en-US" dirty="0"/>
           </a:p>
@@ -11220,7 +11509,278 @@
 </p:sld>
 </file>
 
-<file path=ppt/slides/slide19.xml><?xml version="1.0" encoding="utf-8"?>
+<file path=ppt/slides/slide2.xml><?xml version="1.0" encoding="utf-8"?>
+<p:sld xmlns:a="http://schemas.openxmlformats.org/drawingml/2006/main" xmlns:r="http://schemas.openxmlformats.org/officeDocument/2006/relationships" xmlns:p="http://schemas.openxmlformats.org/presentationml/2006/main">
+  <p:cSld>
+    <p:bg>
+      <p:bgPr>
+        <a:solidFill>
+          <a:schemeClr val="bg2"/>
+        </a:solidFill>
+        <a:effectLst/>
+      </p:bgPr>
+    </p:bg>
+    <p:spTree>
+      <p:nvGrpSpPr>
+        <p:cNvPr id="1" name=""/>
+        <p:cNvGrpSpPr/>
+        <p:nvPr/>
+      </p:nvGrpSpPr>
+      <p:grpSpPr>
+        <a:xfrm>
+          <a:off x="0" y="0"/>
+          <a:ext cx="0" cy="0"/>
+          <a:chOff x="0" y="0"/>
+          <a:chExt cx="0" cy="0"/>
+        </a:xfrm>
+      </p:grpSpPr>
+      <p:sp>
+        <p:nvSpPr>
+          <p:cNvPr id="2" name="Título 1">
+            <a:extLst>
+              <a:ext uri="{FF2B5EF4-FFF2-40B4-BE49-F238E27FC236}">
+                <a16:creationId xmlns:a16="http://schemas.microsoft.com/office/drawing/2014/main" id="{45CFE47A-A5FB-4EE9-A376-02D214EB308F}"/>
+              </a:ext>
+            </a:extLst>
+          </p:cNvPr>
+          <p:cNvSpPr>
+            <a:spLocks noGrp="1"/>
+          </p:cNvSpPr>
+          <p:nvPr>
+            <p:ph type="title"/>
+          </p:nvPr>
+        </p:nvSpPr>
+        <p:spPr>
+          <a:xfrm>
+            <a:off x="2231136" y="964692"/>
+            <a:ext cx="7729728" cy="1188720"/>
+          </a:xfrm>
+        </p:spPr>
+        <p:txBody>
+          <a:bodyPr>
+            <a:normAutofit/>
+          </a:bodyPr>
+          <a:lstStyle/>
+          <a:p>
+            <a:r>
+              <a:rPr lang="es-MX" dirty="0"/>
+              <a:t>Análisis de elementos</a:t>
+            </a:r>
+          </a:p>
+        </p:txBody>
+      </p:sp>
+      <p:sp>
+        <p:nvSpPr>
+          <p:cNvPr id="3" name="Marcador de contenido 2">
+            <a:extLst>
+              <a:ext uri="{FF2B5EF4-FFF2-40B4-BE49-F238E27FC236}">
+                <a16:creationId xmlns:a16="http://schemas.microsoft.com/office/drawing/2014/main" id="{463A436C-C2BD-484C-8D6C-58A9FCA7DF1C}"/>
+              </a:ext>
+            </a:extLst>
+          </p:cNvPr>
+          <p:cNvSpPr>
+            <a:spLocks noGrp="1"/>
+          </p:cNvSpPr>
+          <p:nvPr>
+            <p:ph idx="1"/>
+          </p:nvPr>
+        </p:nvSpPr>
+        <p:spPr>
+          <a:xfrm>
+            <a:off x="1351128" y="2638044"/>
+            <a:ext cx="4502556" cy="3101983"/>
+          </a:xfrm>
+        </p:spPr>
+        <p:txBody>
+          <a:bodyPr>
+            <a:normAutofit/>
+          </a:bodyPr>
+          <a:lstStyle/>
+          <a:p>
+            <a:pPr marL="0" indent="0" algn="just">
+              <a:buNone/>
+            </a:pPr>
+            <a:r>
+              <a:rPr lang="es-MX" sz="2400" dirty="0"/>
+              <a:t>Los elementos que serán revisados son: estructura, comportamiento, gobernabilidad y relaciones entre el hardware, software, redes, datos, interacción humana y el ecosistema que rodea nuestros procesos de negocios.</a:t>
+            </a:r>
+          </a:p>
+          <a:p>
+            <a:endParaRPr lang="es-MX" dirty="0"/>
+          </a:p>
+        </p:txBody>
+      </p:sp>
+      <p:sp>
+        <p:nvSpPr>
+          <p:cNvPr id="11" name="Rectangle 10">
+            <a:extLst>
+              <a:ext uri="{FF2B5EF4-FFF2-40B4-BE49-F238E27FC236}">
+                <a16:creationId xmlns:a16="http://schemas.microsoft.com/office/drawing/2014/main" id="{68C4706B-7943-45AA-AAED-94D184BA7F8D}"/>
+              </a:ext>
+              <a:ext uri="{C183D7F6-B498-43B3-948B-1728B52AA6E4}">
+                <adec:decorative xmlns:adec="http://schemas.microsoft.com/office/drawing/2017/decorative" val="1"/>
+              </a:ext>
+            </a:extLst>
+          </p:cNvPr>
+          <p:cNvSpPr>
+            <a:spLocks noGrp="1" noRot="1" noChangeAspect="1" noMove="1" noResize="1" noEditPoints="1" noAdjustHandles="1" noChangeArrowheads="1" noChangeShapeType="1" noTextEdit="1"/>
+          </p:cNvSpPr>
+          <p:nvPr>
+            <p:extLst>
+              <p:ext uri="{386F3935-93C4-4BCD-93E2-E3B085C9AB24}">
+                <p16:designElem xmlns:p16="http://schemas.microsoft.com/office/powerpoint/2015/main" val="1"/>
+              </p:ext>
+            </p:extLst>
+          </p:nvPr>
+        </p:nvSpPr>
+        <p:spPr>
+          <a:xfrm>
+            <a:off x="6338316" y="2743200"/>
+            <a:ext cx="3622548" cy="2996827"/>
+          </a:xfrm>
+          <a:prstGeom prst="rect">
+            <a:avLst/>
+          </a:prstGeom>
+          <a:noFill/>
+          <a:ln w="31750" cap="sq">
+            <a:solidFill>
+              <a:srgbClr val="FFFFFF"/>
+            </a:solidFill>
+            <a:miter lim="800000"/>
+          </a:ln>
+        </p:spPr>
+        <p:style>
+          <a:lnRef idx="2">
+            <a:schemeClr val="accent1">
+              <a:shade val="50000"/>
+            </a:schemeClr>
+          </a:lnRef>
+          <a:fillRef idx="1">
+            <a:schemeClr val="accent1"/>
+          </a:fillRef>
+          <a:effectRef idx="0">
+            <a:schemeClr val="accent1"/>
+          </a:effectRef>
+          <a:fontRef idx="minor">
+            <a:schemeClr val="lt1"/>
+          </a:fontRef>
+        </p:style>
+        <p:txBody>
+          <a:bodyPr rtlCol="0" anchor="ctr"/>
+          <a:lstStyle/>
+          <a:p>
+            <a:pPr algn="ctr"/>
+            <a:endParaRPr lang="en-US" dirty="0"/>
+          </a:p>
+        </p:txBody>
+      </p:sp>
+      <p:pic>
+        <p:nvPicPr>
+          <p:cNvPr id="6" name="Imagen 5">
+            <a:extLst>
+              <a:ext uri="{FF2B5EF4-FFF2-40B4-BE49-F238E27FC236}">
+                <a16:creationId xmlns:a16="http://schemas.microsoft.com/office/drawing/2014/main" id="{B3A6A89E-DCD8-454D-9803-45E9A5F4F17E}"/>
+              </a:ext>
+            </a:extLst>
+          </p:cNvPr>
+          <p:cNvPicPr>
+            <a:picLocks noChangeAspect="1"/>
+          </p:cNvPicPr>
+          <p:nvPr/>
+        </p:nvPicPr>
+        <p:blipFill rotWithShape="1">
+          <a:blip r:embed="rId2">
+            <a:extLst>
+              <a:ext uri="{BEBA8EAE-BF5A-486C-A8C5-ECC9F3942E4B}">
+                <a14:imgProps xmlns:a14="http://schemas.microsoft.com/office/drawing/2010/main">
+                  <a14:imgLayer r:embed="rId3">
+                    <a14:imgEffect>
+                      <a14:backgroundRemoval t="10000" b="90000" l="10000" r="90000"/>
+                    </a14:imgEffect>
+                  </a14:imgLayer>
+                </a14:imgProps>
+              </a:ext>
+            </a:extLst>
+          </a:blip>
+          <a:srcRect l="15246" r="28847" b="-2"/>
+          <a:stretch/>
+        </p:blipFill>
+        <p:spPr>
+          <a:xfrm>
+            <a:off x="6632681" y="2933883"/>
+            <a:ext cx="3231068" cy="2620755"/>
+          </a:xfrm>
+          <a:prstGeom prst="rect">
+            <a:avLst/>
+          </a:prstGeom>
+        </p:spPr>
+      </p:pic>
+      <p:sp>
+        <p:nvSpPr>
+          <p:cNvPr id="4" name="Marcador de número de diapositiva 3">
+            <a:extLst>
+              <a:ext uri="{FF2B5EF4-FFF2-40B4-BE49-F238E27FC236}">
+                <a16:creationId xmlns:a16="http://schemas.microsoft.com/office/drawing/2014/main" id="{2BB7C21D-4E90-4670-B91F-1E1DE186B0C8}"/>
+              </a:ext>
+            </a:extLst>
+          </p:cNvPr>
+          <p:cNvSpPr>
+            <a:spLocks noGrp="1"/>
+          </p:cNvSpPr>
+          <p:nvPr>
+            <p:ph type="sldNum" sz="quarter" idx="12"/>
+          </p:nvPr>
+        </p:nvSpPr>
+        <p:spPr>
+          <a:xfrm>
+            <a:off x="10758922" y="6217920"/>
+            <a:ext cx="365760" cy="365760"/>
+          </a:xfrm>
+        </p:spPr>
+        <p:txBody>
+          <a:bodyPr>
+            <a:normAutofit/>
+          </a:bodyPr>
+          <a:lstStyle/>
+          <a:p>
+            <a:pPr>
+              <a:lnSpc>
+                <a:spcPct val="90000"/>
+              </a:lnSpc>
+              <a:spcAft>
+                <a:spcPts val="600"/>
+              </a:spcAft>
+            </a:pPr>
+            <a:fld id="{8A7A6979-0714-4377-B894-6BE4C2D6E202}" type="slidenum">
+              <a:rPr lang="en-US" smtClean="0"/>
+              <a:pPr>
+                <a:lnSpc>
+                  <a:spcPct val="90000"/>
+                </a:lnSpc>
+                <a:spcAft>
+                  <a:spcPts val="600"/>
+                </a:spcAft>
+              </a:pPr>
+              <a:t>2</a:t>
+            </a:fld>
+            <a:endParaRPr lang="en-US"/>
+          </a:p>
+        </p:txBody>
+      </p:sp>
+    </p:spTree>
+    <p:extLst>
+      <p:ext uri="{BB962C8B-B14F-4D97-AF65-F5344CB8AC3E}">
+        <p14:creationId xmlns:p14="http://schemas.microsoft.com/office/powerpoint/2010/main" val="2329802889"/>
+      </p:ext>
+    </p:extLst>
+  </p:cSld>
+  <p:clrMapOvr>
+    <a:masterClrMapping/>
+  </p:clrMapOvr>
+</p:sld>
+</file>
+
+<file path=ppt/slides/slide20.xml><?xml version="1.0" encoding="utf-8"?>
 <p:sld xmlns:a="http://schemas.openxmlformats.org/drawingml/2006/main" xmlns:r="http://schemas.openxmlformats.org/officeDocument/2006/relationships" xmlns:p="http://schemas.openxmlformats.org/presentationml/2006/main">
   <p:cSld>
     <p:spTree>
@@ -11578,7 +12138,7 @@
           <a:p>
             <a:fld id="{8A7A6979-0714-4377-B894-6BE4C2D6E202}" type="slidenum">
               <a:rPr lang="en-US" smtClean="0"/>
-              <a:t>19</a:t>
+              <a:t>20</a:t>
             </a:fld>
             <a:endParaRPr lang="en-US" dirty="0"/>
           </a:p>
@@ -11597,7 +12157,7 @@
 </p:sld>
 </file>
 
-<file path=ppt/slides/slide2.xml><?xml version="1.0" encoding="utf-8"?>
+<file path=ppt/slides/slide3.xml><?xml version="1.0" encoding="utf-8"?>
 <p:sld xmlns:a="http://schemas.openxmlformats.org/drawingml/2006/main" xmlns:r="http://schemas.openxmlformats.org/officeDocument/2006/relationships" xmlns:p="http://schemas.openxmlformats.org/presentationml/2006/main">
   <p:cSld>
     <p:bg>
@@ -11627,7 +12187,7 @@
           <p:cNvPr id="2" name="Título 1">
             <a:extLst>
               <a:ext uri="{FF2B5EF4-FFF2-40B4-BE49-F238E27FC236}">
-                <a16:creationId xmlns:a16="http://schemas.microsoft.com/office/drawing/2014/main" id="{45CFE47A-A5FB-4EE9-A376-02D214EB308F}"/>
+                <a16:creationId xmlns:a16="http://schemas.microsoft.com/office/drawing/2014/main" id="{41F00584-773F-4695-9F5D-6FAE1EE58158}"/>
               </a:ext>
             </a:extLst>
           </p:cNvPr>
@@ -11640,8 +12200,8 @@
         </p:nvSpPr>
         <p:spPr>
           <a:xfrm>
-            <a:off x="2231136" y="964692"/>
-            <a:ext cx="7729728" cy="1188720"/>
+            <a:off x="804672" y="978776"/>
+            <a:ext cx="5925310" cy="1174991"/>
           </a:xfrm>
         </p:spPr>
         <p:txBody>
@@ -11651,8 +12211,8 @@
           <a:lstStyle/>
           <a:p>
             <a:r>
-              <a:rPr lang="es-MX" dirty="0"/>
-              <a:t>Análisis de elementos</a:t>
+              <a:rPr lang="es-MX" sz="2400"/>
+              <a:t>revisión</a:t>
             </a:r>
           </a:p>
         </p:txBody>
@@ -11662,7 +12222,7 @@
           <p:cNvPr id="3" name="Marcador de contenido 2">
             <a:extLst>
               <a:ext uri="{FF2B5EF4-FFF2-40B4-BE49-F238E27FC236}">
-                <a16:creationId xmlns:a16="http://schemas.microsoft.com/office/drawing/2014/main" id="{463A436C-C2BD-484C-8D6C-58A9FCA7DF1C}"/>
+                <a16:creationId xmlns:a16="http://schemas.microsoft.com/office/drawing/2014/main" id="{1592402C-11C3-495A-AE0B-4F84D748BFB4}"/>
               </a:ext>
             </a:extLst>
           </p:cNvPr>
@@ -11675,8 +12235,8 @@
         </p:nvSpPr>
         <p:spPr>
           <a:xfrm>
-            <a:off x="1351128" y="2638044"/>
-            <a:ext cx="4502556" cy="3101983"/>
+            <a:off x="804672" y="2640692"/>
+            <a:ext cx="5925310" cy="3255252"/>
           </a:xfrm>
         </p:spPr>
         <p:txBody>
@@ -11685,80 +12245,51 @@
           </a:bodyPr>
           <a:lstStyle/>
           <a:p>
-            <a:pPr marL="0" indent="0" algn="just">
+            <a:pPr marL="0" indent="0">
               <a:buNone/>
             </a:pPr>
             <a:r>
-              <a:rPr lang="es-MX" sz="2400" dirty="0"/>
-              <a:t>Los elementos que serán revisados son: estructura, comportamiento, gobernabilidad y relaciones entre el hardware, software, redes, datos, interacción humana y el ecosistema que rodea nuestros procesos de negocios.</a:t>
+              <a:rPr lang="es-MX"/>
+              <a:t>Se revisaría la estructuración de cada elemento, que los requerimientos del cliente sean de acuerdo a las propuestas de los clientes que los modelos de la arquitectura sean los correctos</a:t>
+            </a:r>
+          </a:p>
+          <a:p>
+            <a:pPr lvl="0"/>
+            <a:r>
+              <a:rPr lang="es-MX"/>
+              <a:t>Modelo contextual</a:t>
+            </a:r>
+          </a:p>
+          <a:p>
+            <a:pPr lvl="0"/>
+            <a:r>
+              <a:rPr lang="es-MX"/>
+              <a:t>Modelo empresarial</a:t>
+            </a:r>
+          </a:p>
+          <a:p>
+            <a:pPr lvl="0"/>
+            <a:r>
+              <a:rPr lang="es-MX"/>
+              <a:t>Modelo de lógica de sistema</a:t>
+            </a:r>
+          </a:p>
+          <a:p>
+            <a:pPr lvl="0"/>
+            <a:r>
+              <a:rPr lang="es-MX"/>
+              <a:t>Modelo tecnológico </a:t>
+            </a:r>
+          </a:p>
+          <a:p>
+            <a:pPr lvl="0"/>
+            <a:r>
+              <a:rPr lang="es-MX"/>
+              <a:t>Modelo de representaciones modelo operativo</a:t>
             </a:r>
           </a:p>
           <a:p>
             <a:endParaRPr lang="es-MX" dirty="0"/>
-          </a:p>
-        </p:txBody>
-      </p:sp>
-      <p:sp>
-        <p:nvSpPr>
-          <p:cNvPr id="11" name="Rectangle 10">
-            <a:extLst>
-              <a:ext uri="{FF2B5EF4-FFF2-40B4-BE49-F238E27FC236}">
-                <a16:creationId xmlns:a16="http://schemas.microsoft.com/office/drawing/2014/main" id="{68C4706B-7943-45AA-AAED-94D184BA7F8D}"/>
-              </a:ext>
-              <a:ext uri="{C183D7F6-B498-43B3-948B-1728B52AA6E4}">
-                <adec:decorative xmlns:adec="http://schemas.microsoft.com/office/drawing/2017/decorative" val="1"/>
-              </a:ext>
-            </a:extLst>
-          </p:cNvPr>
-          <p:cNvSpPr>
-            <a:spLocks noGrp="1" noRot="1" noChangeAspect="1" noMove="1" noResize="1" noEditPoints="1" noAdjustHandles="1" noChangeArrowheads="1" noChangeShapeType="1" noTextEdit="1"/>
-          </p:cNvSpPr>
-          <p:nvPr>
-            <p:extLst>
-              <p:ext uri="{386F3935-93C4-4BCD-93E2-E3B085C9AB24}">
-                <p16:designElem xmlns:p16="http://schemas.microsoft.com/office/powerpoint/2015/main" val="1"/>
-              </p:ext>
-            </p:extLst>
-          </p:nvPr>
-        </p:nvSpPr>
-        <p:spPr>
-          <a:xfrm>
-            <a:off x="6338316" y="2743200"/>
-            <a:ext cx="3622548" cy="2996827"/>
-          </a:xfrm>
-          <a:prstGeom prst="rect">
-            <a:avLst/>
-          </a:prstGeom>
-          <a:noFill/>
-          <a:ln w="31750" cap="sq">
-            <a:solidFill>
-              <a:srgbClr val="FFFFFF"/>
-            </a:solidFill>
-            <a:miter lim="800000"/>
-          </a:ln>
-        </p:spPr>
-        <p:style>
-          <a:lnRef idx="2">
-            <a:schemeClr val="accent1">
-              <a:shade val="50000"/>
-            </a:schemeClr>
-          </a:lnRef>
-          <a:fillRef idx="1">
-            <a:schemeClr val="accent1"/>
-          </a:fillRef>
-          <a:effectRef idx="0">
-            <a:schemeClr val="accent1"/>
-          </a:effectRef>
-          <a:fontRef idx="minor">
-            <a:schemeClr val="lt1"/>
-          </a:fontRef>
-        </p:style>
-        <p:txBody>
-          <a:bodyPr rtlCol="0" anchor="ctr"/>
-          <a:lstStyle/>
-          <a:p>
-            <a:pPr algn="ctr"/>
-            <a:endParaRPr lang="en-US" dirty="0"/>
           </a:p>
         </p:txBody>
       </p:sp>
@@ -11767,7 +12298,7 @@
           <p:cNvPr id="6" name="Imagen 5">
             <a:extLst>
               <a:ext uri="{FF2B5EF4-FFF2-40B4-BE49-F238E27FC236}">
-                <a16:creationId xmlns:a16="http://schemas.microsoft.com/office/drawing/2014/main" id="{B3A6A89E-DCD8-454D-9803-45E9A5F4F17E}"/>
+                <a16:creationId xmlns:a16="http://schemas.microsoft.com/office/drawing/2014/main" id="{FA1C4D78-0180-45E1-898C-8600BEA41DB6}"/>
               </a:ext>
             </a:extLst>
           </p:cNvPr>
@@ -11777,26 +12308,14 @@
           <p:nvPr/>
         </p:nvPicPr>
         <p:blipFill rotWithShape="1">
-          <a:blip r:embed="rId2">
-            <a:extLst>
-              <a:ext uri="{BEBA8EAE-BF5A-486C-A8C5-ECC9F3942E4B}">
-                <a14:imgProps xmlns:a14="http://schemas.microsoft.com/office/drawing/2010/main">
-                  <a14:imgLayer r:embed="rId3">
-                    <a14:imgEffect>
-                      <a14:backgroundRemoval t="10000" b="90000" l="10000" r="90000"/>
-                    </a14:imgEffect>
-                  </a14:imgLayer>
-                </a14:imgProps>
-              </a:ext>
-            </a:extLst>
-          </a:blip>
-          <a:srcRect l="15246" r="28847" b="-2"/>
+          <a:blip r:embed="rId2"/>
+          <a:srcRect l="2286"/>
           <a:stretch/>
         </p:blipFill>
         <p:spPr>
           <a:xfrm>
-            <a:off x="6632681" y="2933883"/>
-            <a:ext cx="3231068" cy="2620755"/>
+            <a:off x="7534654" y="10"/>
+            <a:ext cx="4657345" cy="6857990"/>
           </a:xfrm>
           <a:prstGeom prst="rect">
             <a:avLst/>
@@ -11808,7 +12327,7 @@
           <p:cNvPr id="4" name="Marcador de número de diapositiva 3">
             <a:extLst>
               <a:ext uri="{FF2B5EF4-FFF2-40B4-BE49-F238E27FC236}">
-                <a16:creationId xmlns:a16="http://schemas.microsoft.com/office/drawing/2014/main" id="{2BB7C21D-4E90-4670-B91F-1E1DE186B0C8}"/>
+                <a16:creationId xmlns:a16="http://schemas.microsoft.com/office/drawing/2014/main" id="{8913EA4A-CFDB-4E26-9617-F8AD16DD301B}"/>
               </a:ext>
             </a:extLst>
           </p:cNvPr>
@@ -11849,7 +12368,7 @@
                   <a:spcPts val="600"/>
                 </a:spcAft>
               </a:pPr>
-              <a:t>2</a:t>
+              <a:t>3</a:t>
             </a:fld>
             <a:endParaRPr lang="en-US"/>
           </a:p>
@@ -11858,7 +12377,7 @@
     </p:spTree>
     <p:extLst>
       <p:ext uri="{BB962C8B-B14F-4D97-AF65-F5344CB8AC3E}">
-        <p14:creationId xmlns:p14="http://schemas.microsoft.com/office/powerpoint/2010/main" val="2329802889"/>
+        <p14:creationId xmlns:p14="http://schemas.microsoft.com/office/powerpoint/2010/main" val="1739754309"/>
       </p:ext>
     </p:extLst>
   </p:cSld>
@@ -11868,15 +12387,13 @@
 </p:sld>
 </file>
 
-<file path=ppt/slides/slide3.xml><?xml version="1.0" encoding="utf-8"?>
+<file path=ppt/slides/slide4.xml><?xml version="1.0" encoding="utf-8"?>
 <p:sld xmlns:a="http://schemas.openxmlformats.org/drawingml/2006/main" xmlns:r="http://schemas.openxmlformats.org/officeDocument/2006/relationships" xmlns:p="http://schemas.openxmlformats.org/presentationml/2006/main">
   <p:cSld>
     <p:bg>
       <p:bgPr>
         <a:solidFill>
-          <a:schemeClr val="bg1">
-            <a:lumMod val="65000"/>
-          </a:schemeClr>
+          <a:schemeClr val="bg1"/>
         </a:solidFill>
         <a:effectLst/>
       </p:bgPr>
@@ -11895,12 +12412,44 @@
           <a:chExt cx="0" cy="0"/>
         </a:xfrm>
       </p:grpSpPr>
+      <p:pic>
+        <p:nvPicPr>
+          <p:cNvPr id="6" name="Imagen 5">
+            <a:extLst>
+              <a:ext uri="{FF2B5EF4-FFF2-40B4-BE49-F238E27FC236}">
+                <a16:creationId xmlns:a16="http://schemas.microsoft.com/office/drawing/2014/main" id="{9D1A0910-FDC8-4139-93DD-E041624BF437}"/>
+              </a:ext>
+            </a:extLst>
+          </p:cNvPr>
+          <p:cNvPicPr>
+            <a:picLocks noChangeAspect="1"/>
+          </p:cNvPicPr>
+          <p:nvPr/>
+        </p:nvPicPr>
+        <p:blipFill rotWithShape="1">
+          <a:blip r:embed="rId2">
+            <a:alphaModFix amt="40000"/>
+            <a:extLst/>
+          </a:blip>
+          <a:srcRect/>
+          <a:stretch/>
+        </p:blipFill>
+        <p:spPr>
+          <a:xfrm>
+            <a:off x="20" y="10"/>
+            <a:ext cx="12191980" cy="6857990"/>
+          </a:xfrm>
+          <a:prstGeom prst="rect">
+            <a:avLst/>
+          </a:prstGeom>
+        </p:spPr>
+      </p:pic>
       <p:sp>
         <p:nvSpPr>
           <p:cNvPr id="2" name="Título 1">
             <a:extLst>
               <a:ext uri="{FF2B5EF4-FFF2-40B4-BE49-F238E27FC236}">
-                <a16:creationId xmlns:a16="http://schemas.microsoft.com/office/drawing/2014/main" id="{41F00584-773F-4695-9F5D-6FAE1EE58158}"/>
+                <a16:creationId xmlns:a16="http://schemas.microsoft.com/office/drawing/2014/main" id="{DB38DCBB-88A1-4BBB-9ED3-B6E2544346E7}"/>
               </a:ext>
             </a:extLst>
           </p:cNvPr>
@@ -11911,14 +12460,31 @@
             <p:ph type="title"/>
           </p:nvPr>
         </p:nvSpPr>
-        <p:spPr/>
-        <p:txBody>
-          <a:bodyPr/>
-          <a:lstStyle/>
-          <a:p>
-            <a:r>
-              <a:rPr lang="es-MX" dirty="0"/>
-              <a:t>revisión</a:t>
+        <p:spPr>
+          <a:xfrm>
+            <a:off x="2231136" y="964692"/>
+            <a:ext cx="7729728" cy="1188720"/>
+          </a:xfrm>
+          <a:noFill/>
+          <a:ln>
+            <a:solidFill>
+              <a:srgbClr val="FFFFFF"/>
+            </a:solidFill>
+          </a:ln>
+        </p:spPr>
+        <p:txBody>
+          <a:bodyPr>
+            <a:normAutofit/>
+          </a:bodyPr>
+          <a:lstStyle/>
+          <a:p>
+            <a:r>
+              <a:rPr lang="es-MX">
+                <a:solidFill>
+                  <a:schemeClr val="tx1"/>
+                </a:solidFill>
+              </a:rPr>
+              <a:t>DOCUMENTACIÓN</a:t>
             </a:r>
           </a:p>
         </p:txBody>
@@ -11928,7 +12494,7 @@
           <p:cNvPr id="3" name="Marcador de contenido 2">
             <a:extLst>
               <a:ext uri="{FF2B5EF4-FFF2-40B4-BE49-F238E27FC236}">
-                <a16:creationId xmlns:a16="http://schemas.microsoft.com/office/drawing/2014/main" id="{1592402C-11C3-495A-AE0B-4F84D748BFB4}"/>
+                <a16:creationId xmlns:a16="http://schemas.microsoft.com/office/drawing/2014/main" id="{79A7A610-E134-4620-9057-9AC61C95C938}"/>
               </a:ext>
             </a:extLst>
           </p:cNvPr>
@@ -11941,61 +12507,122 @@
         </p:nvSpPr>
         <p:spPr>
           <a:xfrm>
-            <a:off x="1746913" y="2474271"/>
-            <a:ext cx="8787157" cy="3530744"/>
+            <a:off x="2231136" y="2638044"/>
+            <a:ext cx="7729728" cy="3101983"/>
           </a:xfrm>
         </p:spPr>
         <p:txBody>
           <a:bodyPr>
-            <a:normAutofit lnSpcReduction="10000"/>
+            <a:normAutofit/>
           </a:bodyPr>
           <a:lstStyle/>
           <a:p>
             <a:pPr marL="0" indent="0">
+              <a:lnSpc>
+                <a:spcPct val="90000"/>
+              </a:lnSpc>
               <a:buNone/>
             </a:pPr>
             <a:r>
-              <a:rPr lang="es-MX" sz="2400" dirty="0"/>
-              <a:t>Se revisaría la estructuración de cada elemento, que los requerimientos del cliente sean de acuerdo a las propuestas de los clientes que los modelos de la arquitectura sean los correctos</a:t>
-            </a:r>
-          </a:p>
-          <a:p>
-            <a:pPr lvl="0"/>
-            <a:r>
-              <a:rPr lang="es-MX" sz="2400" dirty="0"/>
-              <a:t>Modelo contextual</a:t>
-            </a:r>
-          </a:p>
-          <a:p>
-            <a:pPr lvl="0"/>
-            <a:r>
-              <a:rPr lang="es-MX" sz="2400" dirty="0"/>
-              <a:t>Modelo empresarial</a:t>
-            </a:r>
-          </a:p>
-          <a:p>
-            <a:pPr lvl="0"/>
-            <a:r>
-              <a:rPr lang="es-MX" sz="2400" dirty="0"/>
-              <a:t>Modelo de lógica de sistema</a:t>
-            </a:r>
-          </a:p>
-          <a:p>
-            <a:pPr lvl="0"/>
-            <a:r>
-              <a:rPr lang="es-MX" sz="2400" dirty="0"/>
-              <a:t>Modelo tecnológico </a:t>
-            </a:r>
-          </a:p>
-          <a:p>
-            <a:pPr lvl="0"/>
-            <a:r>
-              <a:rPr lang="es-MX" sz="2400" dirty="0"/>
-              <a:t>Modelo de representaciones modelo operativo</a:t>
-            </a:r>
-          </a:p>
-          <a:p>
-            <a:endParaRPr lang="es-MX" dirty="0"/>
+              <a:rPr lang="es-MX" sz="1500"/>
+              <a:t>SU documentación será basada:</a:t>
+            </a:r>
+          </a:p>
+          <a:p>
+            <a:pPr lvl="0">
+              <a:lnSpc>
+                <a:spcPct val="90000"/>
+              </a:lnSpc>
+            </a:pPr>
+            <a:r>
+              <a:rPr lang="es-MX" sz="1500"/>
+              <a:t>Finalidad estratégica</a:t>
+            </a:r>
+          </a:p>
+          <a:p>
+            <a:pPr lvl="0">
+              <a:lnSpc>
+                <a:spcPct val="90000"/>
+              </a:lnSpc>
+            </a:pPr>
+            <a:r>
+              <a:rPr lang="es-MX" sz="1500"/>
+              <a:t>Alcance</a:t>
+            </a:r>
+          </a:p>
+          <a:p>
+            <a:pPr lvl="0">
+              <a:lnSpc>
+                <a:spcPct val="90000"/>
+              </a:lnSpc>
+            </a:pPr>
+            <a:r>
+              <a:rPr lang="es-MX" sz="1500"/>
+              <a:t>Productos finales</a:t>
+            </a:r>
+          </a:p>
+          <a:p>
+            <a:pPr lvl="0">
+              <a:lnSpc>
+                <a:spcPct val="90000"/>
+              </a:lnSpc>
+            </a:pPr>
+            <a:r>
+              <a:rPr lang="es-MX" sz="1500"/>
+              <a:t>Objetivos esperados</a:t>
+            </a:r>
+          </a:p>
+          <a:p>
+            <a:pPr lvl="0">
+              <a:lnSpc>
+                <a:spcPct val="90000"/>
+              </a:lnSpc>
+            </a:pPr>
+            <a:r>
+              <a:rPr lang="es-MX" sz="1500"/>
+              <a:t>Planificación (fases, etapas, acciones, etc.)</a:t>
+            </a:r>
+          </a:p>
+          <a:p>
+            <a:pPr lvl="0">
+              <a:lnSpc>
+                <a:spcPct val="90000"/>
+              </a:lnSpc>
+            </a:pPr>
+            <a:r>
+              <a:rPr lang="es-MX" sz="1500"/>
+              <a:t>Plan de comunicación </a:t>
+            </a:r>
+          </a:p>
+          <a:p>
+            <a:pPr lvl="0">
+              <a:lnSpc>
+                <a:spcPct val="90000"/>
+              </a:lnSpc>
+            </a:pPr>
+            <a:r>
+              <a:rPr lang="es-MX" sz="1500"/>
+              <a:t>Limitaciones </a:t>
+            </a:r>
+          </a:p>
+          <a:p>
+            <a:pPr lvl="0">
+              <a:lnSpc>
+                <a:spcPct val="90000"/>
+              </a:lnSpc>
+            </a:pPr>
+            <a:r>
+              <a:rPr lang="es-MX" sz="1500"/>
+              <a:t>Riesgos del proyecto</a:t>
+            </a:r>
+          </a:p>
+          <a:p>
+            <a:pPr>
+              <a:lnSpc>
+                <a:spcPct val="90000"/>
+              </a:lnSpc>
+            </a:pPr>
+            <a:endParaRPr lang="es-MX" sz="1500"/>
           </a:p>
         </p:txBody>
       </p:sp>
@@ -12004,7 +12631,7 @@
           <p:cNvPr id="4" name="Marcador de número de diapositiva 3">
             <a:extLst>
               <a:ext uri="{FF2B5EF4-FFF2-40B4-BE49-F238E27FC236}">
-                <a16:creationId xmlns:a16="http://schemas.microsoft.com/office/drawing/2014/main" id="{8913EA4A-CFDB-4E26-9617-F8AD16DD301B}"/>
+                <a16:creationId xmlns:a16="http://schemas.microsoft.com/office/drawing/2014/main" id="{4F3EBDD1-4863-4B51-AC7D-E81E6DB2CC9F}"/>
               </a:ext>
             </a:extLst>
           </p:cNvPr>
@@ -12015,36 +12642,66 @@
             <p:ph type="sldNum" sz="quarter" idx="12"/>
           </p:nvPr>
         </p:nvSpPr>
-        <p:spPr/>
-        <p:txBody>
-          <a:bodyPr/>
-          <a:lstStyle/>
-          <a:p>
+        <p:spPr>
+          <a:xfrm>
+            <a:off x="10758922" y="6217920"/>
+            <a:ext cx="365760" cy="365760"/>
+          </a:xfrm>
+        </p:spPr>
+        <p:txBody>
+          <a:bodyPr>
+            <a:normAutofit/>
+          </a:bodyPr>
+          <a:lstStyle/>
+          <a:p>
+            <a:pPr>
+              <a:lnSpc>
+                <a:spcPct val="90000"/>
+              </a:lnSpc>
+              <a:spcAft>
+                <a:spcPts val="600"/>
+              </a:spcAft>
+            </a:pPr>
             <a:fld id="{8A7A6979-0714-4377-B894-6BE4C2D6E202}" type="slidenum">
               <a:rPr lang="en-US" smtClean="0"/>
-              <a:pPr/>
-              <a:t>3</a:t>
+              <a:pPr>
+                <a:lnSpc>
+                  <a:spcPct val="90000"/>
+                </a:lnSpc>
+                <a:spcAft>
+                  <a:spcPts val="600"/>
+                </a:spcAft>
+              </a:pPr>
+              <a:t>4</a:t>
             </a:fld>
-            <a:endParaRPr lang="en-US" dirty="0"/>
+            <a:endParaRPr lang="en-US"/>
           </a:p>
         </p:txBody>
       </p:sp>
     </p:spTree>
     <p:extLst>
       <p:ext uri="{BB962C8B-B14F-4D97-AF65-F5344CB8AC3E}">
-        <p14:creationId xmlns:p14="http://schemas.microsoft.com/office/powerpoint/2010/main" val="1739754309"/>
+        <p14:creationId xmlns:p14="http://schemas.microsoft.com/office/powerpoint/2010/main" val="2228492693"/>
       </p:ext>
     </p:extLst>
   </p:cSld>
   <p:clrMapOvr>
-    <a:masterClrMapping/>
+    <a:overrideClrMapping bg1="dk1" tx1="lt1" bg2="dk2" tx2="lt2" accent1="accent1" accent2="accent2" accent3="accent3" accent4="accent4" accent5="accent5" accent6="accent6" hlink="hlink" folHlink="folHlink"/>
   </p:clrMapOvr>
 </p:sld>
 </file>
 
-<file path=ppt/slides/slide4.xml><?xml version="1.0" encoding="utf-8"?>
+<file path=ppt/slides/slide5.xml><?xml version="1.0" encoding="utf-8"?>
 <p:sld xmlns:a="http://schemas.openxmlformats.org/drawingml/2006/main" xmlns:r="http://schemas.openxmlformats.org/officeDocument/2006/relationships" xmlns:p="http://schemas.openxmlformats.org/presentationml/2006/main">
   <p:cSld>
+    <p:bg>
+      <p:bgPr>
+        <a:solidFill>
+          <a:schemeClr val="bg2"/>
+        </a:solidFill>
+        <a:effectLst/>
+      </p:bgPr>
+    </p:bg>
     <p:spTree>
       <p:nvGrpSpPr>
         <p:cNvPr id="1" name=""/>
@@ -12064,7 +12721,7 @@
           <p:cNvPr id="2" name="Título 1">
             <a:extLst>
               <a:ext uri="{FF2B5EF4-FFF2-40B4-BE49-F238E27FC236}">
-                <a16:creationId xmlns:a16="http://schemas.microsoft.com/office/drawing/2014/main" id="{DB38DCBB-88A1-4BBB-9ED3-B6E2544346E7}"/>
+                <a16:creationId xmlns:a16="http://schemas.microsoft.com/office/drawing/2014/main" id="{95E038D2-259E-40E3-B78F-84C2344E6A51}"/>
               </a:ext>
             </a:extLst>
           </p:cNvPr>
@@ -12075,124 +12732,157 @@
             <p:ph type="title"/>
           </p:nvPr>
         </p:nvSpPr>
-        <p:spPr/>
-        <p:txBody>
-          <a:bodyPr/>
-          <a:lstStyle/>
-          <a:p>
-            <a:r>
-              <a:rPr lang="es-MX" dirty="0"/>
-              <a:t>DOCUMENTACIÓN</a:t>
-            </a:r>
-          </a:p>
-        </p:txBody>
-      </p:sp>
-      <p:sp>
-        <p:nvSpPr>
-          <p:cNvPr id="3" name="Marcador de contenido 2">
+        <p:spPr>
+          <a:xfrm>
+            <a:off x="5445496" y="978776"/>
+            <a:ext cx="5925310" cy="1174991"/>
+          </a:xfrm>
+        </p:spPr>
+        <p:txBody>
+          <a:bodyPr vert="horz" lIns="182880" tIns="182880" rIns="182880" bIns="182880" rtlCol="0" anchor="ctr">
+            <a:normAutofit/>
+          </a:bodyPr>
+          <a:lstStyle/>
+          <a:p>
+            <a:r>
+              <a:rPr lang="en-US" sz="2400"/>
+              <a:t>Comunicación</a:t>
+            </a:r>
+          </a:p>
+        </p:txBody>
+      </p:sp>
+      <p:pic>
+        <p:nvPicPr>
+          <p:cNvPr id="8" name="Imagen 7">
             <a:extLst>
               <a:ext uri="{FF2B5EF4-FFF2-40B4-BE49-F238E27FC236}">
-                <a16:creationId xmlns:a16="http://schemas.microsoft.com/office/drawing/2014/main" id="{79A7A610-E134-4620-9057-9AC61C95C938}"/>
+                <a16:creationId xmlns:a16="http://schemas.microsoft.com/office/drawing/2014/main" id="{05FF42B0-FC21-43A4-8532-5CD11D6AD997}"/>
               </a:ext>
             </a:extLst>
           </p:cNvPr>
-          <p:cNvSpPr>
-            <a:spLocks noGrp="1"/>
-          </p:cNvSpPr>
-          <p:nvPr>
-            <p:ph idx="1"/>
-          </p:nvPr>
-        </p:nvSpPr>
+          <p:cNvPicPr>
+            <a:picLocks noChangeAspect="1"/>
+          </p:cNvPicPr>
+          <p:nvPr/>
+        </p:nvPicPr>
+        <p:blipFill rotWithShape="1">
+          <a:blip r:embed="rId2"/>
+          <a:srcRect r="20339"/>
+          <a:stretch/>
+        </p:blipFill>
         <p:spPr>
           <a:xfrm>
-            <a:off x="1542197" y="2419679"/>
-            <a:ext cx="9853684" cy="4240427"/>
-          </a:xfrm>
-        </p:spPr>
-        <p:txBody>
-          <a:bodyPr>
-            <a:normAutofit lnSpcReduction="10000"/>
-          </a:bodyPr>
-          <a:lstStyle/>
-          <a:p>
-            <a:pPr marL="0" indent="0">
-              <a:buNone/>
-            </a:pPr>
-            <a:r>
-              <a:rPr lang="es-MX" sz="2400" dirty="0"/>
-              <a:t>SU documentación será basada:</a:t>
-            </a:r>
-          </a:p>
-          <a:p>
-            <a:pPr lvl="0"/>
-            <a:r>
-              <a:rPr lang="es-MX" sz="2400" dirty="0"/>
-              <a:t>Finalidad estratégica</a:t>
-            </a:r>
-          </a:p>
-          <a:p>
-            <a:pPr lvl="0"/>
-            <a:r>
-              <a:rPr lang="es-MX" sz="2400" dirty="0"/>
-              <a:t>Alcance</a:t>
-            </a:r>
-          </a:p>
-          <a:p>
-            <a:pPr lvl="0"/>
-            <a:r>
-              <a:rPr lang="es-MX" sz="2400" dirty="0"/>
-              <a:t>Productos finales</a:t>
-            </a:r>
-          </a:p>
-          <a:p>
-            <a:pPr lvl="0"/>
-            <a:r>
-              <a:rPr lang="es-MX" sz="2400" dirty="0"/>
-              <a:t>Objetivos esperados</a:t>
-            </a:r>
-          </a:p>
-          <a:p>
-            <a:pPr lvl="0"/>
-            <a:r>
-              <a:rPr lang="es-MX" sz="2400" dirty="0"/>
-              <a:t>Planificación (fases, etapas, acciones, etc.)</a:t>
-            </a:r>
-          </a:p>
-          <a:p>
-            <a:pPr lvl="0"/>
-            <a:r>
-              <a:rPr lang="es-MX" sz="2400" dirty="0"/>
-              <a:t>Plan de comunicación </a:t>
-            </a:r>
-          </a:p>
-          <a:p>
-            <a:pPr lvl="0"/>
-            <a:r>
-              <a:rPr lang="es-MX" sz="2400" dirty="0"/>
-              <a:t>Limitaciones </a:t>
-            </a:r>
-          </a:p>
-          <a:p>
-            <a:pPr lvl="0"/>
-            <a:r>
-              <a:rPr lang="es-MX" sz="2400" dirty="0"/>
-              <a:t>Riesgos del proyecto</a:t>
-            </a:r>
-          </a:p>
-          <a:p>
-            <a:endParaRPr lang="es-MX" dirty="0"/>
-          </a:p>
-        </p:txBody>
-      </p:sp>
-      <p:sp>
-        <p:nvSpPr>
-          <p:cNvPr id="4" name="Marcador de número de diapositiva 3">
+            <a:off x="20" y="10"/>
+            <a:ext cx="4657325" cy="6857990"/>
+          </a:xfrm>
+          <a:prstGeom prst="rect">
+            <a:avLst/>
+          </a:prstGeom>
+        </p:spPr>
+      </p:pic>
+      <p:sp>
+        <p:nvSpPr>
+          <p:cNvPr id="4" name="CuadroTexto 3">
             <a:extLst>
               <a:ext uri="{FF2B5EF4-FFF2-40B4-BE49-F238E27FC236}">
-                <a16:creationId xmlns:a16="http://schemas.microsoft.com/office/drawing/2014/main" id="{4F3EBDD1-4863-4B51-AC7D-E81E6DB2CC9F}"/>
+                <a16:creationId xmlns:a16="http://schemas.microsoft.com/office/drawing/2014/main" id="{FC0777DE-2EA9-4DD9-AFC3-7E642A80007D}"/>
               </a:ext>
             </a:extLst>
           </p:cNvPr>
+          <p:cNvSpPr txBox="1"/>
+          <p:nvPr/>
+        </p:nvSpPr>
+        <p:spPr>
+          <a:xfrm>
+            <a:off x="5445496" y="2640692"/>
+            <a:ext cx="5925310" cy="3255252"/>
+          </a:xfrm>
+          <a:prstGeom prst="rect">
+            <a:avLst/>
+          </a:prstGeom>
+        </p:spPr>
+        <p:txBody>
+          <a:bodyPr vert="horz" lIns="91440" tIns="45720" rIns="91440" bIns="45720" rtlCol="0">
+            <a:normAutofit/>
+          </a:bodyPr>
+          <a:lstStyle/>
+          <a:p>
+            <a:pPr indent="-228600" defTabSz="914400">
+              <a:spcBef>
+                <a:spcPts val="1000"/>
+              </a:spcBef>
+              <a:buClr>
+                <a:schemeClr val="accent2"/>
+              </a:buClr>
+              <a:buFont typeface="Arial" panose="020B0604020202020204" pitchFamily="34" charset="0"/>
+              <a:buChar char="•"/>
+            </a:pPr>
+            <a:r>
+              <a:rPr lang="en-US">
+                <a:solidFill>
+                  <a:schemeClr val="tx1">
+                    <a:lumMod val="85000"/>
+                    <a:lumOff val="15000"/>
+                  </a:schemeClr>
+                </a:solidFill>
+              </a:rPr>
+              <a:t>Lan: Todos los servidores se comunican a través de Tarjetas 10/100 Mbps conectadas todas ellas a un mismo switch 3Com 3C17300 – SuperStack 3 Switch 4226T.</a:t>
+            </a:r>
+          </a:p>
+          <a:p>
+            <a:pPr indent="-228600" defTabSz="914400">
+              <a:spcBef>
+                <a:spcPts val="1000"/>
+              </a:spcBef>
+              <a:buClr>
+                <a:schemeClr val="accent2"/>
+              </a:buClr>
+              <a:buFont typeface="Arial" panose="020B0604020202020204" pitchFamily="34" charset="0"/>
+              <a:buChar char="•"/>
+            </a:pPr>
+            <a:endParaRPr lang="en-US">
+              <a:solidFill>
+                <a:schemeClr val="tx1">
+                  <a:lumMod val="85000"/>
+                  <a:lumOff val="15000"/>
+                </a:schemeClr>
+              </a:solidFill>
+            </a:endParaRPr>
+          </a:p>
+          <a:p>
+            <a:pPr indent="-228600" defTabSz="914400">
+              <a:spcBef>
+                <a:spcPts val="1000"/>
+              </a:spcBef>
+              <a:buClr>
+                <a:schemeClr val="accent2"/>
+              </a:buClr>
+              <a:buFont typeface="Arial" panose="020B0604020202020204" pitchFamily="34" charset="0"/>
+              <a:buChar char="•"/>
+            </a:pPr>
+            <a:r>
+              <a:rPr lang="en-US">
+                <a:solidFill>
+                  <a:schemeClr val="tx1">
+                    <a:lumMod val="85000"/>
+                    <a:lumOff val="15000"/>
+                  </a:schemeClr>
+                </a:solidFill>
+              </a:rPr>
+              <a:t>Internet: Se cuenta actualmente con una conexión mediante Fibra Óptica de la operadora Telefónica Data. El ancho de banda es de 30 Mbps en sentido ascendente y 30Mbps en sentido descendente.</a:t>
+            </a:r>
+          </a:p>
+        </p:txBody>
+      </p:sp>
+      <p:sp>
+        <p:nvSpPr>
+          <p:cNvPr id="3" name="Marcador de número de diapositiva 2">
+            <a:extLst>
+              <a:ext uri="{FF2B5EF4-FFF2-40B4-BE49-F238E27FC236}">
+                <a16:creationId xmlns:a16="http://schemas.microsoft.com/office/drawing/2014/main" id="{FB108C54-4415-4EE3-A0AD-66D7D7451536}"/>
+              </a:ext>
+            </a:extLst>
+          </p:cNvPr>
           <p:cNvSpPr>
             <a:spLocks noGrp="1"/>
           </p:cNvSpPr>
@@ -12200,24 +12890,46 @@
             <p:ph type="sldNum" sz="quarter" idx="12"/>
           </p:nvPr>
         </p:nvSpPr>
-        <p:spPr/>
-        <p:txBody>
-          <a:bodyPr/>
-          <a:lstStyle/>
-          <a:p>
+        <p:spPr>
+          <a:xfrm>
+            <a:off x="10758922" y="6217920"/>
+            <a:ext cx="365760" cy="365760"/>
+          </a:xfrm>
+        </p:spPr>
+        <p:txBody>
+          <a:bodyPr vert="horz" lIns="18288" tIns="45720" rIns="18288" bIns="45720" rtlCol="0" anchor="ctr">
+            <a:normAutofit/>
+          </a:bodyPr>
+          <a:lstStyle/>
+          <a:p>
+            <a:pPr>
+              <a:lnSpc>
+                <a:spcPct val="90000"/>
+              </a:lnSpc>
+              <a:spcAft>
+                <a:spcPts val="600"/>
+              </a:spcAft>
+            </a:pPr>
             <a:fld id="{8A7A6979-0714-4377-B894-6BE4C2D6E202}" type="slidenum">
               <a:rPr lang="en-US" smtClean="0"/>
-              <a:pPr/>
-              <a:t>4</a:t>
+              <a:pPr>
+                <a:lnSpc>
+                  <a:spcPct val="90000"/>
+                </a:lnSpc>
+                <a:spcAft>
+                  <a:spcPts val="600"/>
+                </a:spcAft>
+              </a:pPr>
+              <a:t>5</a:t>
             </a:fld>
-            <a:endParaRPr lang="en-US" dirty="0"/>
+            <a:endParaRPr lang="en-US"/>
           </a:p>
         </p:txBody>
       </p:sp>
     </p:spTree>
     <p:extLst>
       <p:ext uri="{BB962C8B-B14F-4D97-AF65-F5344CB8AC3E}">
-        <p14:creationId xmlns:p14="http://schemas.microsoft.com/office/powerpoint/2010/main" val="2228492693"/>
+        <p14:creationId xmlns:p14="http://schemas.microsoft.com/office/powerpoint/2010/main" val="2888495005"/>
       </p:ext>
     </p:extLst>
   </p:cSld>
@@ -12227,9 +12939,17 @@
 </p:sld>
 </file>
 
-<file path=ppt/slides/slide5.xml><?xml version="1.0" encoding="utf-8"?>
+<file path=ppt/slides/slide6.xml><?xml version="1.0" encoding="utf-8"?>
 <p:sld xmlns:a="http://schemas.openxmlformats.org/drawingml/2006/main" xmlns:r="http://schemas.openxmlformats.org/officeDocument/2006/relationships" xmlns:p="http://schemas.openxmlformats.org/presentationml/2006/main">
   <p:cSld>
+    <p:bg>
+      <p:bgPr>
+        <a:solidFill>
+          <a:schemeClr val="bg2"/>
+        </a:solidFill>
+        <a:effectLst/>
+      </p:bgPr>
+    </p:bg>
     <p:spTree>
       <p:nvGrpSpPr>
         <p:cNvPr id="1" name=""/>
@@ -12260,9 +12980,16 @@
             <p:ph type="title"/>
           </p:nvPr>
         </p:nvSpPr>
-        <p:spPr/>
-        <p:txBody>
-          <a:bodyPr/>
+        <p:spPr>
+          <a:xfrm>
+            <a:off x="804672" y="964692"/>
+            <a:ext cx="3066937" cy="1188720"/>
+          </a:xfrm>
+        </p:spPr>
+        <p:txBody>
+          <a:bodyPr>
+            <a:normAutofit/>
+          </a:bodyPr>
           <a:lstStyle/>
           <a:p>
             <a:r>
@@ -12288,21 +13015,183 @@
             <p:ph idx="1"/>
           </p:nvPr>
         </p:nvSpPr>
-        <p:spPr/>
+        <p:spPr>
+          <a:xfrm>
+            <a:off x="803244" y="2638044"/>
+            <a:ext cx="3063765" cy="3263206"/>
+          </a:xfrm>
+        </p:spPr>
         <p:txBody>
           <a:bodyPr>
-            <a:normAutofit/>
+            <a:normAutofit fontScale="92500"/>
           </a:bodyPr>
           <a:lstStyle/>
           <a:p>
             <a:pPr algn="just"/>
             <a:r>
-              <a:rPr lang="es-MX" sz="2400" dirty="0"/>
+              <a:rPr lang="es-MX" dirty="0"/>
               <a:t>Para lograr el alcance esperado, se necesita calcular el trafico de usuarios esperados, para determinar la cantidad de procesamiento o de respuesta del servidor, para planificar un correcta compra de equipo de hardware y de software, sin exceder el presupuesto y considerar los requerimientos del cliente.</a:t>
             </a:r>
           </a:p>
         </p:txBody>
       </p:sp>
+      <p:sp>
+        <p:nvSpPr>
+          <p:cNvPr id="11" name="Rectangle 10">
+            <a:extLst>
+              <a:ext uri="{FF2B5EF4-FFF2-40B4-BE49-F238E27FC236}">
+                <a16:creationId xmlns:a16="http://schemas.microsoft.com/office/drawing/2014/main" id="{B9A6A8C2-8B3A-4AD3-AFCC-F1D3F1F02D3F}"/>
+              </a:ext>
+              <a:ext uri="{C183D7F6-B498-43B3-948B-1728B52AA6E4}">
+                <adec:decorative xmlns:adec="http://schemas.microsoft.com/office/drawing/2017/decorative" val="1"/>
+              </a:ext>
+            </a:extLst>
+          </p:cNvPr>
+          <p:cNvSpPr>
+            <a:spLocks noGrp="1" noRot="1" noChangeAspect="1" noMove="1" noResize="1" noEditPoints="1" noAdjustHandles="1" noChangeArrowheads="1" noChangeShapeType="1" noTextEdit="1"/>
+          </p:cNvSpPr>
+          <p:nvPr>
+            <p:extLst>
+              <p:ext uri="{386F3935-93C4-4BCD-93E2-E3B085C9AB24}">
+                <p16:designElem xmlns:p16="http://schemas.microsoft.com/office/powerpoint/2015/main" val="1"/>
+              </p:ext>
+            </p:extLst>
+          </p:nvPr>
+        </p:nvSpPr>
+        <p:spPr>
+          <a:xfrm>
+            <a:off x="4494182" y="964692"/>
+            <a:ext cx="6885432" cy="4936558"/>
+          </a:xfrm>
+          <a:prstGeom prst="rect">
+            <a:avLst/>
+          </a:prstGeom>
+          <a:noFill/>
+          <a:ln w="31750" cap="sq">
+            <a:solidFill>
+              <a:srgbClr val="FFFFFF"/>
+            </a:solidFill>
+            <a:miter lim="800000"/>
+          </a:ln>
+        </p:spPr>
+        <p:style>
+          <a:lnRef idx="2">
+            <a:schemeClr val="accent1">
+              <a:shade val="50000"/>
+            </a:schemeClr>
+          </a:lnRef>
+          <a:fillRef idx="1">
+            <a:schemeClr val="accent1"/>
+          </a:fillRef>
+          <a:effectRef idx="0">
+            <a:schemeClr val="accent1"/>
+          </a:effectRef>
+          <a:fontRef idx="minor">
+            <a:schemeClr val="lt1"/>
+          </a:fontRef>
+        </p:style>
+        <p:txBody>
+          <a:bodyPr rtlCol="0" anchor="ctr"/>
+          <a:lstStyle/>
+          <a:p>
+            <a:pPr algn="ctr"/>
+            <a:endParaRPr lang="en-US" dirty="0"/>
+          </a:p>
+        </p:txBody>
+      </p:sp>
+      <p:sp>
+        <p:nvSpPr>
+          <p:cNvPr id="13" name="Rectangle 12">
+            <a:extLst>
+              <a:ext uri="{FF2B5EF4-FFF2-40B4-BE49-F238E27FC236}">
+                <a16:creationId xmlns:a16="http://schemas.microsoft.com/office/drawing/2014/main" id="{CDF64937-39B5-4AB3-A2EF-EA689BA6087B}"/>
+              </a:ext>
+              <a:ext uri="{C183D7F6-B498-43B3-948B-1728B52AA6E4}">
+                <adec:decorative xmlns:adec="http://schemas.microsoft.com/office/drawing/2017/decorative" val="1"/>
+              </a:ext>
+            </a:extLst>
+          </p:cNvPr>
+          <p:cNvSpPr>
+            <a:spLocks noGrp="1" noRot="1" noChangeAspect="1" noMove="1" noResize="1" noEditPoints="1" noAdjustHandles="1" noChangeArrowheads="1" noChangeShapeType="1" noTextEdit="1"/>
+          </p:cNvSpPr>
+          <p:nvPr>
+            <p:extLst>
+              <p:ext uri="{386F3935-93C4-4BCD-93E2-E3B085C9AB24}">
+                <p16:designElem xmlns:p16="http://schemas.microsoft.com/office/powerpoint/2015/main" val="1"/>
+              </p:ext>
+            </p:extLst>
+          </p:nvPr>
+        </p:nvSpPr>
+        <p:spPr>
+          <a:xfrm>
+            <a:off x="4657802" y="1128683"/>
+            <a:ext cx="6558192" cy="4608576"/>
+          </a:xfrm>
+          <a:prstGeom prst="rect">
+            <a:avLst/>
+          </a:prstGeom>
+          <a:solidFill>
+            <a:srgbClr val="FFFFFF"/>
+          </a:solidFill>
+          <a:ln>
+            <a:noFill/>
+          </a:ln>
+        </p:spPr>
+        <p:style>
+          <a:lnRef idx="2">
+            <a:schemeClr val="accent1">
+              <a:shade val="50000"/>
+            </a:schemeClr>
+          </a:lnRef>
+          <a:fillRef idx="1">
+            <a:schemeClr val="accent1"/>
+          </a:fillRef>
+          <a:effectRef idx="0">
+            <a:schemeClr val="accent1"/>
+          </a:effectRef>
+          <a:fontRef idx="minor">
+            <a:schemeClr val="lt1"/>
+          </a:fontRef>
+        </p:style>
+        <p:txBody>
+          <a:bodyPr rtlCol="0" anchor="ctr"/>
+          <a:lstStyle/>
+          <a:p>
+            <a:pPr algn="ctr"/>
+            <a:endParaRPr lang="en-US"/>
+          </a:p>
+        </p:txBody>
+      </p:sp>
+      <p:pic>
+        <p:nvPicPr>
+          <p:cNvPr id="6" name="Imagen 5">
+            <a:extLst>
+              <a:ext uri="{FF2B5EF4-FFF2-40B4-BE49-F238E27FC236}">
+                <a16:creationId xmlns:a16="http://schemas.microsoft.com/office/drawing/2014/main" id="{98127C4F-0A05-4F28-9F06-2BAB03123509}"/>
+              </a:ext>
+            </a:extLst>
+          </p:cNvPr>
+          <p:cNvPicPr>
+            <a:picLocks noChangeAspect="1"/>
+          </p:cNvPicPr>
+          <p:nvPr/>
+        </p:nvPicPr>
+        <p:blipFill>
+          <a:blip r:embed="rId2"/>
+          <a:stretch>
+            <a:fillRect/>
+          </a:stretch>
+        </p:blipFill>
+        <p:spPr>
+          <a:xfrm>
+            <a:off x="4823366" y="1876205"/>
+            <a:ext cx="6227064" cy="3113532"/>
+          </a:xfrm>
+          <a:prstGeom prst="rect">
+            <a:avLst/>
+          </a:prstGeom>
+        </p:spPr>
+      </p:pic>
       <p:sp>
         <p:nvSpPr>
           <p:cNvPr id="4" name="Marcador de número de diapositiva 3">
@@ -12319,17 +13208,39 @@
             <p:ph type="sldNum" sz="quarter" idx="12"/>
           </p:nvPr>
         </p:nvSpPr>
-        <p:spPr/>
-        <p:txBody>
-          <a:bodyPr/>
-          <a:lstStyle/>
-          <a:p>
+        <p:spPr>
+          <a:xfrm>
+            <a:off x="10758922" y="6217920"/>
+            <a:ext cx="365760" cy="365760"/>
+          </a:xfrm>
+        </p:spPr>
+        <p:txBody>
+          <a:bodyPr>
+            <a:normAutofit/>
+          </a:bodyPr>
+          <a:lstStyle/>
+          <a:p>
+            <a:pPr>
+              <a:lnSpc>
+                <a:spcPct val="90000"/>
+              </a:lnSpc>
+              <a:spcAft>
+                <a:spcPts val="600"/>
+              </a:spcAft>
+            </a:pPr>
             <a:fld id="{8A7A6979-0714-4377-B894-6BE4C2D6E202}" type="slidenum">
               <a:rPr lang="en-US" smtClean="0"/>
-              <a:pPr/>
-              <a:t>5</a:t>
+              <a:pPr>
+                <a:lnSpc>
+                  <a:spcPct val="90000"/>
+                </a:lnSpc>
+                <a:spcAft>
+                  <a:spcPts val="600"/>
+                </a:spcAft>
+              </a:pPr>
+              <a:t>6</a:t>
             </a:fld>
-            <a:endParaRPr lang="en-US" dirty="0"/>
+            <a:endParaRPr lang="en-US"/>
           </a:p>
         </p:txBody>
       </p:sp>
@@ -12346,7 +13257,7 @@
 </p:sld>
 </file>
 
-<file path=ppt/slides/slide6.xml><?xml version="1.0" encoding="utf-8"?>
+<file path=ppt/slides/slide7.xml><?xml version="1.0" encoding="utf-8"?>
 <p:sld xmlns:a="http://schemas.openxmlformats.org/drawingml/2006/main" xmlns:r="http://schemas.openxmlformats.org/officeDocument/2006/relationships" xmlns:p="http://schemas.openxmlformats.org/presentationml/2006/main">
   <p:cSld>
     <p:spTree>
@@ -12510,7 +13421,7 @@
             <a:fld id="{8A7A6979-0714-4377-B894-6BE4C2D6E202}" type="slidenum">
               <a:rPr lang="en-US" smtClean="0"/>
               <a:pPr/>
-              <a:t>6</a:t>
+              <a:t>7</a:t>
             </a:fld>
             <a:endParaRPr lang="en-US" dirty="0"/>
           </a:p>
@@ -12529,7 +13440,7 @@
 </p:sld>
 </file>
 
-<file path=ppt/slides/slide7.xml><?xml version="1.0" encoding="utf-8"?>
+<file path=ppt/slides/slide8.xml><?xml version="1.0" encoding="utf-8"?>
 <p:sld xmlns:a="http://schemas.openxmlformats.org/drawingml/2006/main" xmlns:r="http://schemas.openxmlformats.org/officeDocument/2006/relationships" xmlns:p="http://schemas.openxmlformats.org/presentationml/2006/main">
   <p:cSld>
     <p:bg>
@@ -12739,7 +13650,7 @@
             <a:fld id="{8A7A6979-0714-4377-B894-6BE4C2D6E202}" type="slidenum">
               <a:rPr lang="en-US" smtClean="0"/>
               <a:pPr/>
-              <a:t>7</a:t>
+              <a:t>8</a:t>
             </a:fld>
             <a:endParaRPr lang="en-US" dirty="0"/>
           </a:p>
@@ -12758,7 +13669,7 @@
 </p:sld>
 </file>
 
-<file path=ppt/slides/slide8.xml><?xml version="1.0" encoding="utf-8"?>
+<file path=ppt/slides/slide9.xml><?xml version="1.0" encoding="utf-8"?>
 <p:sld xmlns:a="http://schemas.openxmlformats.org/drawingml/2006/main" xmlns:r="http://schemas.openxmlformats.org/officeDocument/2006/relationships" xmlns:p="http://schemas.openxmlformats.org/presentationml/2006/main">
   <p:cSld>
     <p:spTree>
@@ -12894,7 +13805,7 @@
             <a:fld id="{8A7A6979-0714-4377-B894-6BE4C2D6E202}" type="slidenum">
               <a:rPr lang="en-US" smtClean="0"/>
               <a:pPr/>
-              <a:t>8</a:t>
+              <a:t>9</a:t>
             </a:fld>
             <a:endParaRPr lang="en-US" dirty="0"/>
           </a:p>
@@ -12904,294 +13815,6 @@
     <p:extLst>
       <p:ext uri="{BB962C8B-B14F-4D97-AF65-F5344CB8AC3E}">
         <p14:creationId xmlns:p14="http://schemas.microsoft.com/office/powerpoint/2010/main" val="2071516644"/>
-      </p:ext>
-    </p:extLst>
-  </p:cSld>
-  <p:clrMapOvr>
-    <a:masterClrMapping/>
-  </p:clrMapOvr>
-</p:sld>
-</file>
-
-<file path=ppt/slides/slide9.xml><?xml version="1.0" encoding="utf-8"?>
-<p:sld xmlns:a="http://schemas.openxmlformats.org/drawingml/2006/main" xmlns:r="http://schemas.openxmlformats.org/officeDocument/2006/relationships" xmlns:p="http://schemas.openxmlformats.org/presentationml/2006/main">
-  <p:cSld>
-    <p:bg>
-      <p:bgPr>
-        <a:solidFill>
-          <a:schemeClr val="bg1">
-            <a:lumMod val="65000"/>
-          </a:schemeClr>
-        </a:solidFill>
-        <a:effectLst/>
-      </p:bgPr>
-    </p:bg>
-    <p:spTree>
-      <p:nvGrpSpPr>
-        <p:cNvPr id="1" name=""/>
-        <p:cNvGrpSpPr/>
-        <p:nvPr/>
-      </p:nvGrpSpPr>
-      <p:grpSpPr>
-        <a:xfrm>
-          <a:off x="0" y="0"/>
-          <a:ext cx="0" cy="0"/>
-          <a:chOff x="0" y="0"/>
-          <a:chExt cx="0" cy="0"/>
-        </a:xfrm>
-      </p:grpSpPr>
-      <p:sp>
-        <p:nvSpPr>
-          <p:cNvPr id="2" name="Título 1">
-            <a:extLst>
-              <a:ext uri="{FF2B5EF4-FFF2-40B4-BE49-F238E27FC236}">
-                <a16:creationId xmlns:a16="http://schemas.microsoft.com/office/drawing/2014/main" id="{221C009E-1670-4C7C-984D-A393501F36AD}"/>
-              </a:ext>
-            </a:extLst>
-          </p:cNvPr>
-          <p:cNvSpPr>
-            <a:spLocks noGrp="1"/>
-          </p:cNvSpPr>
-          <p:nvPr>
-            <p:ph type="title"/>
-          </p:nvPr>
-        </p:nvSpPr>
-        <p:spPr>
-          <a:xfrm>
-            <a:off x="2231136" y="964692"/>
-            <a:ext cx="7729728" cy="864108"/>
-          </a:xfrm>
-        </p:spPr>
-        <p:txBody>
-          <a:bodyPr/>
-          <a:lstStyle/>
-          <a:p>
-            <a:r>
-              <a:rPr lang="es-MX"/>
-              <a:t>Revisión de información</a:t>
-            </a:r>
-            <a:endParaRPr lang="es-MX" dirty="0"/>
-          </a:p>
-        </p:txBody>
-      </p:sp>
-      <p:sp>
-        <p:nvSpPr>
-          <p:cNvPr id="8" name="CuadroTexto 7">
-            <a:extLst>
-              <a:ext uri="{FF2B5EF4-FFF2-40B4-BE49-F238E27FC236}">
-                <a16:creationId xmlns:a16="http://schemas.microsoft.com/office/drawing/2014/main" id="{E4AD7473-BDBC-4323-B321-A365ED1633C5}"/>
-              </a:ext>
-            </a:extLst>
-          </p:cNvPr>
-          <p:cNvSpPr txBox="1"/>
-          <p:nvPr/>
-        </p:nvSpPr>
-        <p:spPr>
-          <a:xfrm>
-            <a:off x="275771" y="2308279"/>
-            <a:ext cx="8505372" cy="3754874"/>
-          </a:xfrm>
-          <a:prstGeom prst="rect">
-            <a:avLst/>
-          </a:prstGeom>
-          <a:noFill/>
-        </p:spPr>
-        <p:txBody>
-          <a:bodyPr wrap="square" rtlCol="0">
-            <a:spAutoFit/>
-          </a:bodyPr>
-          <a:lstStyle/>
-          <a:p>
-            <a:pPr marL="285750" indent="-285750">
-              <a:buFont typeface="Arial" panose="020B0604020202020204" pitchFamily="34" charset="0"/>
-              <a:buChar char="•"/>
-            </a:pPr>
-            <a:r>
-              <a:rPr lang="es-MX" sz="2000" dirty="0"/>
-              <a:t>Como se miden los desastres naturales:</a:t>
-            </a:r>
-          </a:p>
-          <a:p>
-            <a:pPr marL="742950" lvl="1" indent="-285750">
-              <a:buFont typeface="Arial" panose="020B0604020202020204" pitchFamily="34" charset="0"/>
-              <a:buChar char="•"/>
-            </a:pPr>
-            <a:r>
-              <a:rPr lang="es-MX" sz="2000" dirty="0"/>
-              <a:t>Sismos.</a:t>
-            </a:r>
-          </a:p>
-          <a:p>
-            <a:pPr marL="742950" lvl="1" indent="-285750">
-              <a:buFont typeface="Arial" panose="020B0604020202020204" pitchFamily="34" charset="0"/>
-              <a:buChar char="•"/>
-            </a:pPr>
-            <a:r>
-              <a:rPr lang="es-MX" sz="2000" dirty="0"/>
-              <a:t>Inundaciones.</a:t>
-            </a:r>
-          </a:p>
-          <a:p>
-            <a:pPr marL="742950" lvl="1" indent="-285750">
-              <a:buFont typeface="Arial" panose="020B0604020202020204" pitchFamily="34" charset="0"/>
-              <a:buChar char="•"/>
-            </a:pPr>
-            <a:r>
-              <a:rPr lang="es-MX" sz="2000" dirty="0"/>
-              <a:t>Tormentas.</a:t>
-            </a:r>
-          </a:p>
-          <a:p>
-            <a:pPr marL="742950" lvl="1" indent="-285750">
-              <a:buFont typeface="Arial" panose="020B0604020202020204" pitchFamily="34" charset="0"/>
-              <a:buChar char="•"/>
-            </a:pPr>
-            <a:r>
-              <a:rPr lang="es-MX" sz="2000" dirty="0"/>
-              <a:t>Erupciones.</a:t>
-            </a:r>
-          </a:p>
-          <a:p>
-            <a:pPr marL="742950" lvl="1" indent="-285750">
-              <a:buFont typeface="Arial" panose="020B0604020202020204" pitchFamily="34" charset="0"/>
-              <a:buChar char="•"/>
-            </a:pPr>
-            <a:r>
-              <a:rPr lang="es-MX" sz="2000" dirty="0"/>
-              <a:t>Maremotos.</a:t>
-            </a:r>
-            <a:br>
-              <a:rPr lang="es-MX" sz="2000" dirty="0"/>
-            </a:br>
-            <a:endParaRPr lang="es-MX" sz="2000" dirty="0"/>
-          </a:p>
-          <a:p>
-            <a:pPr marL="285750" indent="-285750">
-              <a:buFont typeface="Arial" panose="020B0604020202020204" pitchFamily="34" charset="0"/>
-              <a:buChar char="•"/>
-            </a:pPr>
-            <a:r>
-              <a:rPr lang="es-MX" sz="2000" dirty="0"/>
-              <a:t>Estandarización:</a:t>
-            </a:r>
-          </a:p>
-          <a:p>
-            <a:pPr marL="742950" lvl="1" indent="-285750">
-              <a:buFont typeface="Arial" panose="020B0604020202020204" pitchFamily="34" charset="0"/>
-              <a:buChar char="•"/>
-            </a:pPr>
-            <a:r>
-              <a:rPr lang="en-US" sz="2000" dirty="0"/>
-              <a:t>Open Geospatial Consortium (OGC)</a:t>
-            </a:r>
-          </a:p>
-          <a:p>
-            <a:pPr marL="742950" lvl="1" indent="-285750">
-              <a:buFont typeface="Arial" panose="020B0604020202020204" pitchFamily="34" charset="0"/>
-              <a:buChar char="•"/>
-            </a:pPr>
-            <a:r>
-              <a:rPr lang="en-US" sz="2000" dirty="0"/>
-              <a:t>ISO (iso 19107).</a:t>
-            </a:r>
-          </a:p>
-          <a:p>
-            <a:pPr marL="742950" lvl="1" indent="-285750">
-              <a:buFont typeface="Arial" panose="020B0604020202020204" pitchFamily="34" charset="0"/>
-              <a:buChar char="•"/>
-            </a:pPr>
-            <a:r>
-              <a:rPr lang="en-US" sz="2000" dirty="0"/>
-              <a:t>W3C.</a:t>
-            </a:r>
-            <a:endParaRPr lang="es-MX" sz="2000" dirty="0"/>
-          </a:p>
-          <a:p>
-            <a:endParaRPr lang="es-MX" dirty="0"/>
-          </a:p>
-        </p:txBody>
-      </p:sp>
-      <p:pic>
-        <p:nvPicPr>
-          <p:cNvPr id="3074" name="Picture 2" descr="Resultado de imagen para EstandarizaciÃ³n.">
-            <a:extLst>
-              <a:ext uri="{FF2B5EF4-FFF2-40B4-BE49-F238E27FC236}">
-                <a16:creationId xmlns:a16="http://schemas.microsoft.com/office/drawing/2014/main" id="{924307F9-520B-40CC-8853-F7E408432B99}"/>
-              </a:ext>
-            </a:extLst>
-          </p:cNvPr>
-          <p:cNvPicPr>
-            <a:picLocks noChangeAspect="1" noChangeArrowheads="1"/>
-          </p:cNvPicPr>
-          <p:nvPr/>
-        </p:nvPicPr>
-        <p:blipFill>
-          <a:blip r:embed="rId2">
-            <a:extLst>
-              <a:ext uri="{28A0092B-C50C-407E-A947-70E740481C1C}">
-                <a14:useLocalDpi xmlns:a14="http://schemas.microsoft.com/office/drawing/2010/main" val="0"/>
-              </a:ext>
-            </a:extLst>
-          </a:blip>
-          <a:srcRect/>
-          <a:stretch>
-            <a:fillRect/>
-          </a:stretch>
-        </p:blipFill>
-        <p:spPr bwMode="auto">
-          <a:xfrm>
-            <a:off x="5257119" y="3005409"/>
-            <a:ext cx="6039529" cy="2360613"/>
-          </a:xfrm>
-          <a:prstGeom prst="rect">
-            <a:avLst/>
-          </a:prstGeom>
-          <a:noFill/>
-          <a:extLst>
-            <a:ext uri="{909E8E84-426E-40DD-AFC4-6F175D3DCCD1}">
-              <a14:hiddenFill xmlns:a14="http://schemas.microsoft.com/office/drawing/2010/main">
-                <a:solidFill>
-                  <a:srgbClr val="FFFFFF"/>
-                </a:solidFill>
-              </a14:hiddenFill>
-            </a:ext>
-          </a:extLst>
-        </p:spPr>
-      </p:pic>
-      <p:sp>
-        <p:nvSpPr>
-          <p:cNvPr id="3" name="Marcador de número de diapositiva 2">
-            <a:extLst>
-              <a:ext uri="{FF2B5EF4-FFF2-40B4-BE49-F238E27FC236}">
-                <a16:creationId xmlns:a16="http://schemas.microsoft.com/office/drawing/2014/main" id="{C5A898A3-60A3-4431-9A13-2E0B6775C2C2}"/>
-              </a:ext>
-            </a:extLst>
-          </p:cNvPr>
-          <p:cNvSpPr>
-            <a:spLocks noGrp="1"/>
-          </p:cNvSpPr>
-          <p:nvPr>
-            <p:ph type="sldNum" sz="quarter" idx="12"/>
-          </p:nvPr>
-        </p:nvSpPr>
-        <p:spPr/>
-        <p:txBody>
-          <a:bodyPr/>
-          <a:lstStyle/>
-          <a:p>
-            <a:fld id="{8A7A6979-0714-4377-B894-6BE4C2D6E202}" type="slidenum">
-              <a:rPr lang="en-US" smtClean="0"/>
-              <a:pPr/>
-              <a:t>9</a:t>
-            </a:fld>
-            <a:endParaRPr lang="en-US" dirty="0"/>
-          </a:p>
-        </p:txBody>
-      </p:sp>
-    </p:spTree>
-    <p:extLst>
-      <p:ext uri="{BB962C8B-B14F-4D97-AF65-F5344CB8AC3E}">
-        <p14:creationId xmlns:p14="http://schemas.microsoft.com/office/powerpoint/2010/main" val="3464021324"/>
       </p:ext>
     </p:extLst>
   </p:cSld>
